--- a/presentation.pptx
+++ b/presentation.pptx
@@ -5,11 +5,14 @@
     <p:sldMasterId id="2147483648" r:id="rId1"/>
   </p:sldMasterIdLst>
   <p:notesMasterIdLst>
-    <p:notesMasterId r:id="rId4"/>
+    <p:notesMasterId r:id="rId7"/>
   </p:notesMasterIdLst>
   <p:sldIdLst>
     <p:sldId id="256" r:id="rId2"/>
     <p:sldId id="257" r:id="rId3"/>
+    <p:sldId id="258" r:id="rId4"/>
+    <p:sldId id="259" r:id="rId5"/>
+    <p:sldId id="260" r:id="rId6"/>
   </p:sldIdLst>
   <p:sldSz cx="12192000" cy="6858000"/>
   <p:notesSz cx="6858000" cy="9144000"/>
@@ -114,2400 +117,6 @@
     </p:ext>
   </p:extLst>
 </p:presentation>
-</file>
-
-<file path=ppt/diagrams/colors1.xml><?xml version="1.0" encoding="utf-8"?>
-<dgm:colorsDef xmlns:dgm="http://schemas.openxmlformats.org/drawingml/2006/diagram" xmlns:a="http://schemas.openxmlformats.org/drawingml/2006/main" uniqueId="urn:microsoft.com/office/officeart/2005/8/colors/accent1_2">
-  <dgm:title val=""/>
-  <dgm:desc val=""/>
-  <dgm:catLst>
-    <dgm:cat type="accent1" pri="11200"/>
-  </dgm:catLst>
-  <dgm:styleLbl name="node0">
-    <dgm:fillClrLst meth="repeat">
-      <a:schemeClr val="accent1"/>
-    </dgm:fillClrLst>
-    <dgm:linClrLst meth="repeat">
-      <a:schemeClr val="lt1"/>
-    </dgm:linClrLst>
-    <dgm:effectClrLst/>
-    <dgm:txLinClrLst/>
-    <dgm:txFillClrLst/>
-    <dgm:txEffectClrLst/>
-  </dgm:styleLbl>
-  <dgm:styleLbl name="alignNode1">
-    <dgm:fillClrLst meth="repeat">
-      <a:schemeClr val="accent1"/>
-    </dgm:fillClrLst>
-    <dgm:linClrLst meth="repeat">
-      <a:schemeClr val="accent1"/>
-    </dgm:linClrLst>
-    <dgm:effectClrLst/>
-    <dgm:txLinClrLst/>
-    <dgm:txFillClrLst/>
-    <dgm:txEffectClrLst/>
-  </dgm:styleLbl>
-  <dgm:styleLbl name="node1">
-    <dgm:fillClrLst meth="repeat">
-      <a:schemeClr val="accent1"/>
-    </dgm:fillClrLst>
-    <dgm:linClrLst meth="repeat">
-      <a:schemeClr val="lt1"/>
-    </dgm:linClrLst>
-    <dgm:effectClrLst/>
-    <dgm:txLinClrLst/>
-    <dgm:txFillClrLst/>
-    <dgm:txEffectClrLst/>
-  </dgm:styleLbl>
-  <dgm:styleLbl name="lnNode1">
-    <dgm:fillClrLst meth="repeat">
-      <a:schemeClr val="accent1"/>
-    </dgm:fillClrLst>
-    <dgm:linClrLst meth="repeat">
-      <a:schemeClr val="lt1"/>
-    </dgm:linClrLst>
-    <dgm:effectClrLst/>
-    <dgm:txLinClrLst/>
-    <dgm:txFillClrLst/>
-    <dgm:txEffectClrLst/>
-  </dgm:styleLbl>
-  <dgm:styleLbl name="vennNode1">
-    <dgm:fillClrLst meth="repeat">
-      <a:schemeClr val="accent1">
-        <a:alpha val="50000"/>
-      </a:schemeClr>
-    </dgm:fillClrLst>
-    <dgm:linClrLst meth="repeat">
-      <a:schemeClr val="lt1"/>
-    </dgm:linClrLst>
-    <dgm:effectClrLst/>
-    <dgm:txLinClrLst/>
-    <dgm:txFillClrLst/>
-    <dgm:txEffectClrLst/>
-  </dgm:styleLbl>
-  <dgm:styleLbl name="node2">
-    <dgm:fillClrLst meth="repeat">
-      <a:schemeClr val="accent1"/>
-    </dgm:fillClrLst>
-    <dgm:linClrLst meth="repeat">
-      <a:schemeClr val="lt1"/>
-    </dgm:linClrLst>
-    <dgm:effectClrLst/>
-    <dgm:txLinClrLst/>
-    <dgm:txFillClrLst/>
-    <dgm:txEffectClrLst/>
-  </dgm:styleLbl>
-  <dgm:styleLbl name="node3">
-    <dgm:fillClrLst meth="repeat">
-      <a:schemeClr val="accent1"/>
-    </dgm:fillClrLst>
-    <dgm:linClrLst meth="repeat">
-      <a:schemeClr val="lt1"/>
-    </dgm:linClrLst>
-    <dgm:effectClrLst/>
-    <dgm:txLinClrLst/>
-    <dgm:txFillClrLst/>
-    <dgm:txEffectClrLst/>
-  </dgm:styleLbl>
-  <dgm:styleLbl name="node4">
-    <dgm:fillClrLst meth="repeat">
-      <a:schemeClr val="accent1"/>
-    </dgm:fillClrLst>
-    <dgm:linClrLst meth="repeat">
-      <a:schemeClr val="lt1"/>
-    </dgm:linClrLst>
-    <dgm:effectClrLst/>
-    <dgm:txLinClrLst/>
-    <dgm:txFillClrLst/>
-    <dgm:txEffectClrLst/>
-  </dgm:styleLbl>
-  <dgm:styleLbl name="fgImgPlace1">
-    <dgm:fillClrLst meth="repeat">
-      <a:schemeClr val="accent1">
-        <a:tint val="50000"/>
-      </a:schemeClr>
-    </dgm:fillClrLst>
-    <dgm:linClrLst meth="repeat">
-      <a:schemeClr val="lt1"/>
-    </dgm:linClrLst>
-    <dgm:effectClrLst/>
-    <dgm:txLinClrLst/>
-    <dgm:txFillClrLst meth="repeat">
-      <a:schemeClr val="lt1"/>
-    </dgm:txFillClrLst>
-    <dgm:txEffectClrLst/>
-  </dgm:styleLbl>
-  <dgm:styleLbl name="alignImgPlace1">
-    <dgm:fillClrLst meth="repeat">
-      <a:schemeClr val="accent1">
-        <a:tint val="50000"/>
-      </a:schemeClr>
-    </dgm:fillClrLst>
-    <dgm:linClrLst meth="repeat">
-      <a:schemeClr val="lt1"/>
-    </dgm:linClrLst>
-    <dgm:effectClrLst/>
-    <dgm:txLinClrLst/>
-    <dgm:txFillClrLst meth="repeat">
-      <a:schemeClr val="lt1"/>
-    </dgm:txFillClrLst>
-    <dgm:txEffectClrLst/>
-  </dgm:styleLbl>
-  <dgm:styleLbl name="bgImgPlace1">
-    <dgm:fillClrLst meth="repeat">
-      <a:schemeClr val="accent1">
-        <a:tint val="50000"/>
-      </a:schemeClr>
-    </dgm:fillClrLst>
-    <dgm:linClrLst meth="repeat">
-      <a:schemeClr val="lt1"/>
-    </dgm:linClrLst>
-    <dgm:effectClrLst/>
-    <dgm:txLinClrLst/>
-    <dgm:txFillClrLst meth="repeat">
-      <a:schemeClr val="lt1"/>
-    </dgm:txFillClrLst>
-    <dgm:txEffectClrLst/>
-  </dgm:styleLbl>
-  <dgm:styleLbl name="sibTrans2D1">
-    <dgm:fillClrLst meth="repeat">
-      <a:schemeClr val="accent1">
-        <a:tint val="60000"/>
-      </a:schemeClr>
-    </dgm:fillClrLst>
-    <dgm:linClrLst meth="repeat">
-      <a:schemeClr val="accent1">
-        <a:tint val="60000"/>
-      </a:schemeClr>
-    </dgm:linClrLst>
-    <dgm:effectClrLst/>
-    <dgm:txLinClrLst/>
-    <dgm:txFillClrLst/>
-    <dgm:txEffectClrLst/>
-  </dgm:styleLbl>
-  <dgm:styleLbl name="fgSibTrans2D1">
-    <dgm:fillClrLst meth="repeat">
-      <a:schemeClr val="accent1">
-        <a:tint val="60000"/>
-      </a:schemeClr>
-    </dgm:fillClrLst>
-    <dgm:linClrLst meth="repeat">
-      <a:schemeClr val="accent1">
-        <a:tint val="60000"/>
-      </a:schemeClr>
-    </dgm:linClrLst>
-    <dgm:effectClrLst/>
-    <dgm:txLinClrLst/>
-    <dgm:txFillClrLst/>
-    <dgm:txEffectClrLst/>
-  </dgm:styleLbl>
-  <dgm:styleLbl name="bgSibTrans2D1">
-    <dgm:fillClrLst meth="repeat">
-      <a:schemeClr val="accent1">
-        <a:tint val="60000"/>
-      </a:schemeClr>
-    </dgm:fillClrLst>
-    <dgm:linClrLst meth="repeat">
-      <a:schemeClr val="accent1">
-        <a:tint val="60000"/>
-      </a:schemeClr>
-    </dgm:linClrLst>
-    <dgm:effectClrLst/>
-    <dgm:txLinClrLst/>
-    <dgm:txFillClrLst/>
-    <dgm:txEffectClrLst/>
-  </dgm:styleLbl>
-  <dgm:styleLbl name="sibTrans1D1">
-    <dgm:fillClrLst meth="repeat">
-      <a:schemeClr val="accent1"/>
-    </dgm:fillClrLst>
-    <dgm:linClrLst meth="repeat">
-      <a:schemeClr val="accent1"/>
-    </dgm:linClrLst>
-    <dgm:effectClrLst/>
-    <dgm:txLinClrLst/>
-    <dgm:txFillClrLst meth="repeat">
-      <a:schemeClr val="tx1"/>
-    </dgm:txFillClrLst>
-    <dgm:txEffectClrLst/>
-  </dgm:styleLbl>
-  <dgm:styleLbl name="callout">
-    <dgm:fillClrLst meth="repeat">
-      <a:schemeClr val="accent1"/>
-    </dgm:fillClrLst>
-    <dgm:linClrLst meth="repeat">
-      <a:schemeClr val="accent1">
-        <a:tint val="50000"/>
-      </a:schemeClr>
-    </dgm:linClrLst>
-    <dgm:effectClrLst/>
-    <dgm:txLinClrLst/>
-    <dgm:txFillClrLst meth="repeat">
-      <a:schemeClr val="tx1"/>
-    </dgm:txFillClrLst>
-    <dgm:txEffectClrLst/>
-  </dgm:styleLbl>
-  <dgm:styleLbl name="asst0">
-    <dgm:fillClrLst meth="repeat">
-      <a:schemeClr val="accent1"/>
-    </dgm:fillClrLst>
-    <dgm:linClrLst meth="repeat">
-      <a:schemeClr val="lt1"/>
-    </dgm:linClrLst>
-    <dgm:effectClrLst/>
-    <dgm:txLinClrLst/>
-    <dgm:txFillClrLst/>
-    <dgm:txEffectClrLst/>
-  </dgm:styleLbl>
-  <dgm:styleLbl name="asst1">
-    <dgm:fillClrLst meth="repeat">
-      <a:schemeClr val="accent1"/>
-    </dgm:fillClrLst>
-    <dgm:linClrLst meth="repeat">
-      <a:schemeClr val="lt1"/>
-    </dgm:linClrLst>
-    <dgm:effectClrLst/>
-    <dgm:txLinClrLst/>
-    <dgm:txFillClrLst/>
-    <dgm:txEffectClrLst/>
-  </dgm:styleLbl>
-  <dgm:styleLbl name="asst2">
-    <dgm:fillClrLst meth="repeat">
-      <a:schemeClr val="accent1"/>
-    </dgm:fillClrLst>
-    <dgm:linClrLst meth="repeat">
-      <a:schemeClr val="lt1"/>
-    </dgm:linClrLst>
-    <dgm:effectClrLst/>
-    <dgm:txLinClrLst/>
-    <dgm:txFillClrLst/>
-    <dgm:txEffectClrLst/>
-  </dgm:styleLbl>
-  <dgm:styleLbl name="asst3">
-    <dgm:fillClrLst meth="repeat">
-      <a:schemeClr val="accent1"/>
-    </dgm:fillClrLst>
-    <dgm:linClrLst meth="repeat">
-      <a:schemeClr val="lt1"/>
-    </dgm:linClrLst>
-    <dgm:effectClrLst/>
-    <dgm:txLinClrLst/>
-    <dgm:txFillClrLst/>
-    <dgm:txEffectClrLst/>
-  </dgm:styleLbl>
-  <dgm:styleLbl name="asst4">
-    <dgm:fillClrLst meth="repeat">
-      <a:schemeClr val="accent1"/>
-    </dgm:fillClrLst>
-    <dgm:linClrLst meth="repeat">
-      <a:schemeClr val="lt1"/>
-    </dgm:linClrLst>
-    <dgm:effectClrLst/>
-    <dgm:txLinClrLst/>
-    <dgm:txFillClrLst/>
-    <dgm:txEffectClrLst/>
-  </dgm:styleLbl>
-  <dgm:styleLbl name="parChTrans2D1">
-    <dgm:fillClrLst meth="repeat">
-      <a:schemeClr val="accent1">
-        <a:tint val="60000"/>
-      </a:schemeClr>
-    </dgm:fillClrLst>
-    <dgm:linClrLst meth="repeat">
-      <a:schemeClr val="accent1">
-        <a:tint val="60000"/>
-      </a:schemeClr>
-    </dgm:linClrLst>
-    <dgm:effectClrLst/>
-    <dgm:txLinClrLst/>
-    <dgm:txFillClrLst meth="repeat">
-      <a:schemeClr val="lt1"/>
-    </dgm:txFillClrLst>
-    <dgm:txEffectClrLst/>
-  </dgm:styleLbl>
-  <dgm:styleLbl name="parChTrans2D2">
-    <dgm:fillClrLst meth="repeat">
-      <a:schemeClr val="accent1"/>
-    </dgm:fillClrLst>
-    <dgm:linClrLst meth="repeat">
-      <a:schemeClr val="accent1"/>
-    </dgm:linClrLst>
-    <dgm:effectClrLst/>
-    <dgm:txLinClrLst/>
-    <dgm:txFillClrLst meth="repeat">
-      <a:schemeClr val="lt1"/>
-    </dgm:txFillClrLst>
-    <dgm:txEffectClrLst/>
-  </dgm:styleLbl>
-  <dgm:styleLbl name="parChTrans2D3">
-    <dgm:fillClrLst meth="repeat">
-      <a:schemeClr val="accent1"/>
-    </dgm:fillClrLst>
-    <dgm:linClrLst meth="repeat">
-      <a:schemeClr val="accent1"/>
-    </dgm:linClrLst>
-    <dgm:effectClrLst/>
-    <dgm:txLinClrLst/>
-    <dgm:txFillClrLst meth="repeat">
-      <a:schemeClr val="lt1"/>
-    </dgm:txFillClrLst>
-    <dgm:txEffectClrLst/>
-  </dgm:styleLbl>
-  <dgm:styleLbl name="parChTrans2D4">
-    <dgm:fillClrLst meth="repeat">
-      <a:schemeClr val="accent1"/>
-    </dgm:fillClrLst>
-    <dgm:linClrLst meth="repeat">
-      <a:schemeClr val="accent1"/>
-    </dgm:linClrLst>
-    <dgm:effectClrLst/>
-    <dgm:txLinClrLst/>
-    <dgm:txFillClrLst meth="repeat">
-      <a:schemeClr val="lt1"/>
-    </dgm:txFillClrLst>
-    <dgm:txEffectClrLst/>
-  </dgm:styleLbl>
-  <dgm:styleLbl name="parChTrans1D1">
-    <dgm:fillClrLst meth="repeat">
-      <a:schemeClr val="accent1"/>
-    </dgm:fillClrLst>
-    <dgm:linClrLst meth="repeat">
-      <a:schemeClr val="accent1">
-        <a:shade val="60000"/>
-      </a:schemeClr>
-    </dgm:linClrLst>
-    <dgm:effectClrLst/>
-    <dgm:txLinClrLst/>
-    <dgm:txFillClrLst meth="repeat">
-      <a:schemeClr val="tx1"/>
-    </dgm:txFillClrLst>
-    <dgm:txEffectClrLst/>
-  </dgm:styleLbl>
-  <dgm:styleLbl name="parChTrans1D2">
-    <dgm:fillClrLst meth="repeat">
-      <a:schemeClr val="accent1"/>
-    </dgm:fillClrLst>
-    <dgm:linClrLst meth="repeat">
-      <a:schemeClr val="accent1">
-        <a:shade val="60000"/>
-      </a:schemeClr>
-    </dgm:linClrLst>
-    <dgm:effectClrLst/>
-    <dgm:txLinClrLst/>
-    <dgm:txFillClrLst meth="repeat">
-      <a:schemeClr val="tx1"/>
-    </dgm:txFillClrLst>
-    <dgm:txEffectClrLst/>
-  </dgm:styleLbl>
-  <dgm:styleLbl name="parChTrans1D3">
-    <dgm:fillClrLst meth="repeat">
-      <a:schemeClr val="accent1"/>
-    </dgm:fillClrLst>
-    <dgm:linClrLst meth="repeat">
-      <a:schemeClr val="accent1">
-        <a:shade val="80000"/>
-      </a:schemeClr>
-    </dgm:linClrLst>
-    <dgm:effectClrLst/>
-    <dgm:txLinClrLst/>
-    <dgm:txFillClrLst meth="repeat">
-      <a:schemeClr val="tx1"/>
-    </dgm:txFillClrLst>
-    <dgm:txEffectClrLst/>
-  </dgm:styleLbl>
-  <dgm:styleLbl name="parChTrans1D4">
-    <dgm:fillClrLst meth="repeat">
-      <a:schemeClr val="accent1"/>
-    </dgm:fillClrLst>
-    <dgm:linClrLst meth="repeat">
-      <a:schemeClr val="accent1">
-        <a:shade val="80000"/>
-      </a:schemeClr>
-    </dgm:linClrLst>
-    <dgm:effectClrLst/>
-    <dgm:txLinClrLst/>
-    <dgm:txFillClrLst meth="repeat">
-      <a:schemeClr val="tx1"/>
-    </dgm:txFillClrLst>
-    <dgm:txEffectClrLst/>
-  </dgm:styleLbl>
-  <dgm:styleLbl name="fgAcc1">
-    <dgm:fillClrLst meth="repeat">
-      <a:schemeClr val="lt1">
-        <a:alpha val="90000"/>
-      </a:schemeClr>
-    </dgm:fillClrLst>
-    <dgm:linClrLst meth="repeat">
-      <a:schemeClr val="accent1"/>
-    </dgm:linClrLst>
-    <dgm:effectClrLst/>
-    <dgm:txLinClrLst/>
-    <dgm:txFillClrLst meth="repeat">
-      <a:schemeClr val="dk1"/>
-    </dgm:txFillClrLst>
-    <dgm:txEffectClrLst/>
-  </dgm:styleLbl>
-  <dgm:styleLbl name="conFgAcc1">
-    <dgm:fillClrLst meth="repeat">
-      <a:schemeClr val="lt1">
-        <a:alpha val="90000"/>
-      </a:schemeClr>
-    </dgm:fillClrLst>
-    <dgm:linClrLst meth="repeat">
-      <a:schemeClr val="accent1"/>
-    </dgm:linClrLst>
-    <dgm:effectClrLst/>
-    <dgm:txLinClrLst/>
-    <dgm:txFillClrLst meth="repeat">
-      <a:schemeClr val="dk1"/>
-    </dgm:txFillClrLst>
-    <dgm:txEffectClrLst/>
-  </dgm:styleLbl>
-  <dgm:styleLbl name="alignAcc1">
-    <dgm:fillClrLst meth="repeat">
-      <a:schemeClr val="lt1">
-        <a:alpha val="90000"/>
-      </a:schemeClr>
-    </dgm:fillClrLst>
-    <dgm:linClrLst meth="repeat">
-      <a:schemeClr val="accent1"/>
-    </dgm:linClrLst>
-    <dgm:effectClrLst/>
-    <dgm:txLinClrLst/>
-    <dgm:txFillClrLst meth="repeat">
-      <a:schemeClr val="dk1"/>
-    </dgm:txFillClrLst>
-    <dgm:txEffectClrLst/>
-  </dgm:styleLbl>
-  <dgm:styleLbl name="trAlignAcc1">
-    <dgm:fillClrLst meth="repeat">
-      <a:schemeClr val="lt1">
-        <a:alpha val="40000"/>
-      </a:schemeClr>
-    </dgm:fillClrLst>
-    <dgm:linClrLst meth="repeat">
-      <a:schemeClr val="accent1"/>
-    </dgm:linClrLst>
-    <dgm:effectClrLst/>
-    <dgm:txLinClrLst/>
-    <dgm:txFillClrLst meth="repeat">
-      <a:schemeClr val="dk1"/>
-    </dgm:txFillClrLst>
-    <dgm:txEffectClrLst/>
-  </dgm:styleLbl>
-  <dgm:styleLbl name="bgAcc1">
-    <dgm:fillClrLst meth="repeat">
-      <a:schemeClr val="lt1">
-        <a:alpha val="90000"/>
-      </a:schemeClr>
-    </dgm:fillClrLst>
-    <dgm:linClrLst meth="repeat">
-      <a:schemeClr val="accent1"/>
-    </dgm:linClrLst>
-    <dgm:effectClrLst/>
-    <dgm:txLinClrLst/>
-    <dgm:txFillClrLst meth="repeat">
-      <a:schemeClr val="dk1"/>
-    </dgm:txFillClrLst>
-    <dgm:txEffectClrLst/>
-  </dgm:styleLbl>
-  <dgm:styleLbl name="solidFgAcc1">
-    <dgm:fillClrLst meth="repeat">
-      <a:schemeClr val="lt1"/>
-    </dgm:fillClrLst>
-    <dgm:linClrLst meth="repeat">
-      <a:schemeClr val="accent1"/>
-    </dgm:linClrLst>
-    <dgm:effectClrLst/>
-    <dgm:txLinClrLst/>
-    <dgm:txFillClrLst meth="repeat">
-      <a:schemeClr val="dk1"/>
-    </dgm:txFillClrLst>
-    <dgm:txEffectClrLst/>
-  </dgm:styleLbl>
-  <dgm:styleLbl name="solidAlignAcc1">
-    <dgm:fillClrLst meth="repeat">
-      <a:schemeClr val="lt1"/>
-    </dgm:fillClrLst>
-    <dgm:linClrLst meth="repeat">
-      <a:schemeClr val="accent1"/>
-    </dgm:linClrLst>
-    <dgm:effectClrLst/>
-    <dgm:txLinClrLst/>
-    <dgm:txFillClrLst meth="repeat">
-      <a:schemeClr val="dk1"/>
-    </dgm:txFillClrLst>
-    <dgm:txEffectClrLst/>
-  </dgm:styleLbl>
-  <dgm:styleLbl name="solidBgAcc1">
-    <dgm:fillClrLst meth="repeat">
-      <a:schemeClr val="lt1"/>
-    </dgm:fillClrLst>
-    <dgm:linClrLst meth="repeat">
-      <a:schemeClr val="accent1"/>
-    </dgm:linClrLst>
-    <dgm:effectClrLst/>
-    <dgm:txLinClrLst/>
-    <dgm:txFillClrLst meth="repeat">
-      <a:schemeClr val="dk1"/>
-    </dgm:txFillClrLst>
-    <dgm:txEffectClrLst/>
-  </dgm:styleLbl>
-  <dgm:styleLbl name="fgAccFollowNode1">
-    <dgm:fillClrLst meth="repeat">
-      <a:schemeClr val="accent1">
-        <a:alpha val="90000"/>
-        <a:tint val="40000"/>
-      </a:schemeClr>
-    </dgm:fillClrLst>
-    <dgm:linClrLst meth="repeat">
-      <a:schemeClr val="accent1">
-        <a:alpha val="90000"/>
-        <a:tint val="40000"/>
-      </a:schemeClr>
-    </dgm:linClrLst>
-    <dgm:effectClrLst/>
-    <dgm:txLinClrLst/>
-    <dgm:txFillClrLst meth="repeat">
-      <a:schemeClr val="dk1"/>
-    </dgm:txFillClrLst>
-    <dgm:txEffectClrLst/>
-  </dgm:styleLbl>
-  <dgm:styleLbl name="alignAccFollowNode1">
-    <dgm:fillClrLst meth="repeat">
-      <a:schemeClr val="accent1">
-        <a:alpha val="90000"/>
-        <a:tint val="40000"/>
-      </a:schemeClr>
-    </dgm:fillClrLst>
-    <dgm:linClrLst meth="repeat">
-      <a:schemeClr val="accent1">
-        <a:alpha val="90000"/>
-        <a:tint val="40000"/>
-      </a:schemeClr>
-    </dgm:linClrLst>
-    <dgm:effectClrLst/>
-    <dgm:txLinClrLst/>
-    <dgm:txFillClrLst meth="repeat">
-      <a:schemeClr val="dk1"/>
-    </dgm:txFillClrLst>
-    <dgm:txEffectClrLst/>
-  </dgm:styleLbl>
-  <dgm:styleLbl name="bgAccFollowNode1">
-    <dgm:fillClrLst meth="repeat">
-      <a:schemeClr val="accent1">
-        <a:alpha val="90000"/>
-        <a:tint val="40000"/>
-      </a:schemeClr>
-    </dgm:fillClrLst>
-    <dgm:linClrLst meth="repeat">
-      <a:schemeClr val="accent1">
-        <a:alpha val="90000"/>
-        <a:tint val="40000"/>
-      </a:schemeClr>
-    </dgm:linClrLst>
-    <dgm:effectClrLst/>
-    <dgm:txLinClrLst/>
-    <dgm:txFillClrLst meth="repeat">
-      <a:schemeClr val="dk1"/>
-    </dgm:txFillClrLst>
-    <dgm:txEffectClrLst/>
-  </dgm:styleLbl>
-  <dgm:styleLbl name="fgAcc0">
-    <dgm:fillClrLst meth="repeat">
-      <a:schemeClr val="lt1">
-        <a:alpha val="90000"/>
-      </a:schemeClr>
-    </dgm:fillClrLst>
-    <dgm:linClrLst meth="repeat">
-      <a:schemeClr val="accent1"/>
-    </dgm:linClrLst>
-    <dgm:effectClrLst/>
-    <dgm:txLinClrLst/>
-    <dgm:txFillClrLst meth="repeat">
-      <a:schemeClr val="dk1"/>
-    </dgm:txFillClrLst>
-    <dgm:txEffectClrLst/>
-  </dgm:styleLbl>
-  <dgm:styleLbl name="fgAcc2">
-    <dgm:fillClrLst meth="repeat">
-      <a:schemeClr val="lt1">
-        <a:alpha val="90000"/>
-      </a:schemeClr>
-    </dgm:fillClrLst>
-    <dgm:linClrLst meth="repeat">
-      <a:schemeClr val="accent1"/>
-    </dgm:linClrLst>
-    <dgm:effectClrLst/>
-    <dgm:txLinClrLst/>
-    <dgm:txFillClrLst meth="repeat">
-      <a:schemeClr val="dk1"/>
-    </dgm:txFillClrLst>
-    <dgm:txEffectClrLst/>
-  </dgm:styleLbl>
-  <dgm:styleLbl name="fgAcc3">
-    <dgm:fillClrLst meth="repeat">
-      <a:schemeClr val="lt1">
-        <a:alpha val="90000"/>
-      </a:schemeClr>
-    </dgm:fillClrLst>
-    <dgm:linClrLst meth="repeat">
-      <a:schemeClr val="accent1"/>
-    </dgm:linClrLst>
-    <dgm:effectClrLst/>
-    <dgm:txLinClrLst/>
-    <dgm:txFillClrLst meth="repeat">
-      <a:schemeClr val="dk1"/>
-    </dgm:txFillClrLst>
-    <dgm:txEffectClrLst/>
-  </dgm:styleLbl>
-  <dgm:styleLbl name="fgAcc4">
-    <dgm:fillClrLst meth="repeat">
-      <a:schemeClr val="lt1">
-        <a:alpha val="90000"/>
-      </a:schemeClr>
-    </dgm:fillClrLst>
-    <dgm:linClrLst meth="repeat">
-      <a:schemeClr val="accent1"/>
-    </dgm:linClrLst>
-    <dgm:effectClrLst/>
-    <dgm:txLinClrLst/>
-    <dgm:txFillClrLst meth="repeat">
-      <a:schemeClr val="dk1"/>
-    </dgm:txFillClrLst>
-    <dgm:txEffectClrLst/>
-  </dgm:styleLbl>
-  <dgm:styleLbl name="bgShp">
-    <dgm:fillClrLst meth="repeat">
-      <a:schemeClr val="accent1">
-        <a:tint val="40000"/>
-      </a:schemeClr>
-    </dgm:fillClrLst>
-    <dgm:linClrLst meth="repeat">
-      <a:schemeClr val="accent1"/>
-    </dgm:linClrLst>
-    <dgm:effectClrLst/>
-    <dgm:txLinClrLst/>
-    <dgm:txFillClrLst meth="repeat">
-      <a:schemeClr val="dk1"/>
-    </dgm:txFillClrLst>
-    <dgm:txEffectClrLst/>
-  </dgm:styleLbl>
-  <dgm:styleLbl name="dkBgShp">
-    <dgm:fillClrLst meth="repeat">
-      <a:schemeClr val="accent1">
-        <a:shade val="80000"/>
-      </a:schemeClr>
-    </dgm:fillClrLst>
-    <dgm:linClrLst meth="repeat">
-      <a:schemeClr val="accent1"/>
-    </dgm:linClrLst>
-    <dgm:effectClrLst/>
-    <dgm:txLinClrLst/>
-    <dgm:txFillClrLst meth="repeat">
-      <a:schemeClr val="lt1"/>
-    </dgm:txFillClrLst>
-    <dgm:txEffectClrLst/>
-  </dgm:styleLbl>
-  <dgm:styleLbl name="trBgShp">
-    <dgm:fillClrLst meth="repeat">
-      <a:schemeClr val="accent1">
-        <a:tint val="50000"/>
-        <a:alpha val="40000"/>
-      </a:schemeClr>
-    </dgm:fillClrLst>
-    <dgm:linClrLst meth="repeat">
-      <a:schemeClr val="accent1"/>
-    </dgm:linClrLst>
-    <dgm:effectClrLst/>
-    <dgm:txLinClrLst/>
-    <dgm:txFillClrLst meth="repeat">
-      <a:schemeClr val="lt1"/>
-    </dgm:txFillClrLst>
-    <dgm:txEffectClrLst/>
-  </dgm:styleLbl>
-  <dgm:styleLbl name="fgShp">
-    <dgm:fillClrLst meth="repeat">
-      <a:schemeClr val="accent1">
-        <a:tint val="60000"/>
-      </a:schemeClr>
-    </dgm:fillClrLst>
-    <dgm:linClrLst meth="repeat">
-      <a:schemeClr val="lt1"/>
-    </dgm:linClrLst>
-    <dgm:effectClrLst/>
-    <dgm:txLinClrLst/>
-    <dgm:txFillClrLst meth="repeat">
-      <a:schemeClr val="dk1"/>
-    </dgm:txFillClrLst>
-    <dgm:txEffectClrLst/>
-  </dgm:styleLbl>
-  <dgm:styleLbl name="revTx">
-    <dgm:fillClrLst meth="repeat">
-      <a:schemeClr val="lt1">
-        <a:alpha val="0"/>
-      </a:schemeClr>
-    </dgm:fillClrLst>
-    <dgm:linClrLst meth="repeat">
-      <a:schemeClr val="dk1">
-        <a:alpha val="0"/>
-      </a:schemeClr>
-    </dgm:linClrLst>
-    <dgm:effectClrLst/>
-    <dgm:txLinClrLst/>
-    <dgm:txFillClrLst meth="repeat">
-      <a:schemeClr val="tx1"/>
-    </dgm:txFillClrLst>
-    <dgm:txEffectClrLst/>
-  </dgm:styleLbl>
-</dgm:colorsDef>
-</file>
-
-<file path=ppt/diagrams/data1.xml><?xml version="1.0" encoding="utf-8"?>
-<dgm:dataModel xmlns:dgm="http://schemas.openxmlformats.org/drawingml/2006/diagram" xmlns:a="http://schemas.openxmlformats.org/drawingml/2006/main">
-  <dgm:ptLst>
-    <dgm:pt modelId="{9A5D2337-DAAE-402D-8801-502B87D54EDB}" type="doc">
-      <dgm:prSet loTypeId="urn:microsoft.com/office/officeart/2009/layout/CirclePictureHierarchy" loCatId="hierarchy" qsTypeId="urn:microsoft.com/office/officeart/2005/8/quickstyle/simple1" qsCatId="simple" csTypeId="urn:microsoft.com/office/officeart/2005/8/colors/accent1_2" csCatId="accent1" phldr="1"/>
-      <dgm:spPr/>
-      <dgm:t>
-        <a:bodyPr/>
-        <a:lstStyle/>
-        <a:p>
-          <a:endParaRPr lang="en-US"/>
-        </a:p>
-      </dgm:t>
-    </dgm:pt>
-    <dgm:pt modelId="{2AC6EAD3-BD46-442D-B498-5DB76A0710BD}" type="pres">
-      <dgm:prSet presAssocID="{9A5D2337-DAAE-402D-8801-502B87D54EDB}" presName="hierChild1" presStyleCnt="0">
-        <dgm:presLayoutVars>
-          <dgm:chPref val="1"/>
-          <dgm:dir/>
-          <dgm:animOne val="branch"/>
-          <dgm:animLvl val="lvl"/>
-          <dgm:resizeHandles/>
-        </dgm:presLayoutVars>
-      </dgm:prSet>
-      <dgm:spPr/>
-    </dgm:pt>
-  </dgm:ptLst>
-  <dgm:cxnLst>
-    <dgm:cxn modelId="{9752CE20-0235-4B1D-8D47-2CA108ACF1B5}" type="presOf" srcId="{9A5D2337-DAAE-402D-8801-502B87D54EDB}" destId="{2AC6EAD3-BD46-442D-B498-5DB76A0710BD}" srcOrd="0" destOrd="0" presId="urn:microsoft.com/office/officeart/2009/layout/CirclePictureHierarchy"/>
-  </dgm:cxnLst>
-  <dgm:bg/>
-  <dgm:whole/>
-  <dgm:extLst>
-    <a:ext uri="http://schemas.microsoft.com/office/drawing/2008/diagram">
-      <dsp:dataModelExt xmlns:dsp="http://schemas.microsoft.com/office/drawing/2008/diagram" relId="rId7" minVer="http://schemas.openxmlformats.org/drawingml/2006/diagram"/>
-    </a:ext>
-  </dgm:extLst>
-</dgm:dataModel>
-</file>
-
-<file path=ppt/diagrams/drawing1.xml><?xml version="1.0" encoding="utf-8"?>
-<dsp:drawing xmlns:dgm="http://schemas.openxmlformats.org/drawingml/2006/diagram" xmlns:dsp="http://schemas.microsoft.com/office/drawing/2008/diagram" xmlns:a="http://schemas.openxmlformats.org/drawingml/2006/main">
-  <dsp:spTree>
-    <dsp:nvGrpSpPr>
-      <dsp:cNvPr id="0" name=""/>
-      <dsp:cNvGrpSpPr/>
-    </dsp:nvGrpSpPr>
-    <dsp:grpSpPr/>
-  </dsp:spTree>
-</dsp:drawing>
-</file>
-
-<file path=ppt/diagrams/layout1.xml><?xml version="1.0" encoding="utf-8"?>
-<dgm:layoutDef xmlns:dgm="http://schemas.openxmlformats.org/drawingml/2006/diagram" xmlns:a="http://schemas.openxmlformats.org/drawingml/2006/main" uniqueId="urn:microsoft.com/office/officeart/2009/layout/CirclePictureHierarchy">
-  <dgm:title val=""/>
-  <dgm:desc val=""/>
-  <dgm:catLst>
-    <dgm:cat type="hierarchy" pri="1750"/>
-    <dgm:cat type="picture" pri="23000"/>
-    <dgm:cat type="pictureconvert" pri="23000"/>
-  </dgm:catLst>
-  <dgm:sampData>
-    <dgm:dataModel>
-      <dgm:ptLst>
-        <dgm:pt modelId="0" type="doc"/>
-        <dgm:pt modelId="1">
-          <dgm:prSet phldr="1"/>
-        </dgm:pt>
-        <dgm:pt modelId="2">
-          <dgm:prSet phldr="1"/>
-        </dgm:pt>
-        <dgm:pt modelId="21">
-          <dgm:prSet phldr="1"/>
-        </dgm:pt>
-        <dgm:pt modelId="22">
-          <dgm:prSet phldr="1"/>
-        </dgm:pt>
-        <dgm:pt modelId="3">
-          <dgm:prSet phldr="1"/>
-        </dgm:pt>
-        <dgm:pt modelId="31">
-          <dgm:prSet phldr="1"/>
-        </dgm:pt>
-      </dgm:ptLst>
-      <dgm:cxnLst>
-        <dgm:cxn modelId="4" srcId="0" destId="1" srcOrd="0" destOrd="0"/>
-        <dgm:cxn modelId="5" srcId="1" destId="2" srcOrd="0" destOrd="0"/>
-        <dgm:cxn modelId="6" srcId="1" destId="3" srcOrd="1" destOrd="0"/>
-        <dgm:cxn modelId="23" srcId="2" destId="21" srcOrd="0" destOrd="0"/>
-        <dgm:cxn modelId="24" srcId="2" destId="22" srcOrd="1" destOrd="0"/>
-        <dgm:cxn modelId="33" srcId="3" destId="31" srcOrd="0" destOrd="0"/>
-      </dgm:cxnLst>
-      <dgm:bg/>
-      <dgm:whole/>
-    </dgm:dataModel>
-  </dgm:sampData>
-  <dgm:styleData>
-    <dgm:dataModel>
-      <dgm:ptLst>
-        <dgm:pt modelId="0" type="doc"/>
-        <dgm:pt modelId="1"/>
-        <dgm:pt modelId="11"/>
-        <dgm:pt modelId="12"/>
-      </dgm:ptLst>
-      <dgm:cxnLst>
-        <dgm:cxn modelId="2" srcId="0" destId="1" srcOrd="0" destOrd="0"/>
-        <dgm:cxn modelId="13" srcId="1" destId="11" srcOrd="0" destOrd="0"/>
-        <dgm:cxn modelId="14" srcId="1" destId="12" srcOrd="1" destOrd="0"/>
-      </dgm:cxnLst>
-      <dgm:bg/>
-      <dgm:whole/>
-    </dgm:dataModel>
-  </dgm:styleData>
-  <dgm:clrData>
-    <dgm:dataModel>
-      <dgm:ptLst>
-        <dgm:pt modelId="0" type="doc"/>
-        <dgm:pt modelId="1"/>
-        <dgm:pt modelId="2"/>
-        <dgm:pt modelId="21"/>
-        <dgm:pt modelId="211"/>
-        <dgm:pt modelId="3"/>
-        <dgm:pt modelId="31"/>
-        <dgm:pt modelId="311"/>
-      </dgm:ptLst>
-      <dgm:cxnLst>
-        <dgm:cxn modelId="4" srcId="0" destId="1" srcOrd="0" destOrd="0"/>
-        <dgm:cxn modelId="5" srcId="1" destId="2" srcOrd="0" destOrd="0"/>
-        <dgm:cxn modelId="6" srcId="1" destId="3" srcOrd="1" destOrd="0"/>
-        <dgm:cxn modelId="23" srcId="2" destId="21" srcOrd="0" destOrd="0"/>
-        <dgm:cxn modelId="24" srcId="21" destId="211" srcOrd="0" destOrd="0"/>
-        <dgm:cxn modelId="33" srcId="3" destId="31" srcOrd="0" destOrd="0"/>
-        <dgm:cxn modelId="34" srcId="31" destId="311" srcOrd="0" destOrd="0"/>
-      </dgm:cxnLst>
-      <dgm:bg/>
-      <dgm:whole/>
-    </dgm:dataModel>
-  </dgm:clrData>
-  <dgm:layoutNode name="hierChild1">
-    <dgm:varLst>
-      <dgm:chPref val="1"/>
-      <dgm:dir/>
-      <dgm:animOne val="branch"/>
-      <dgm:animLvl val="lvl"/>
-      <dgm:resizeHandles/>
-    </dgm:varLst>
-    <dgm:choose name="Name0">
-      <dgm:if name="Name1" func="var" arg="dir" op="equ" val="norm">
-        <dgm:alg type="hierChild">
-          <dgm:param type="linDir" val="fromL"/>
-        </dgm:alg>
-      </dgm:if>
-      <dgm:else name="Name2">
-        <dgm:alg type="hierChild">
-          <dgm:param type="linDir" val="fromR"/>
-        </dgm:alg>
-      </dgm:else>
-    </dgm:choose>
-    <dgm:shape xmlns:r="http://schemas.openxmlformats.org/officeDocument/2006/relationships" r:blip="">
-      <dgm:adjLst/>
-    </dgm:shape>
-    <dgm:presOf/>
-    <dgm:constrLst>
-      <dgm:constr type="primFontSz" for="des" ptType="node" op="equ" val="65"/>
-      <dgm:constr type="w" for="des" forName="composite" refType="w"/>
-      <dgm:constr type="h" for="des" forName="composite" refType="w" refFor="des" refForName="composite" fact="0.5"/>
-      <dgm:constr type="w" for="des" forName="composite2" refType="w" refFor="des" refForName="composite"/>
-      <dgm:constr type="h" for="des" forName="composite2" refType="h" refFor="des" refForName="composite"/>
-      <dgm:constr type="w" for="des" forName="composite3" refType="w" refFor="des" refForName="composite"/>
-      <dgm:constr type="h" for="des" forName="composite3" refType="h" refFor="des" refForName="composite"/>
-      <dgm:constr type="w" for="des" forName="composite4" refType="w" refFor="des" refForName="composite"/>
-      <dgm:constr type="h" for="des" forName="composite4" refType="h" refFor="des" refForName="composite"/>
-      <dgm:constr type="w" for="des" forName="composite5" refType="w" refFor="des" refForName="composite"/>
-      <dgm:constr type="h" for="des" forName="composite5" refType="h" refFor="des" refForName="composite"/>
-      <dgm:constr type="sibSp" refType="w" refFor="des" refForName="composite" fact="0.1"/>
-      <dgm:constr type="sibSp" for="des" forName="hierChild2" refType="sibSp"/>
-      <dgm:constr type="sibSp" for="des" forName="hierChild3" refType="sibSp"/>
-      <dgm:constr type="sibSp" for="des" forName="hierChild4" refType="sibSp"/>
-      <dgm:constr type="sibSp" for="des" forName="hierChild5" refType="sibSp"/>
-      <dgm:constr type="sibSp" for="des" forName="hierChild6" refType="sibSp"/>
-      <dgm:constr type="sp" for="des" forName="hierRoot1" refType="h" refFor="des" refForName="composite" fact="0.25"/>
-      <dgm:constr type="sp" for="des" forName="hierRoot2" refType="sp" refFor="des" refForName="hierRoot1"/>
-      <dgm:constr type="sp" for="des" forName="hierRoot3" refType="sp" refFor="des" refForName="hierRoot1"/>
-      <dgm:constr type="sp" for="des" forName="hierRoot4" refType="sp" refFor="des" refForName="hierRoot1"/>
-      <dgm:constr type="sp" for="des" forName="hierRoot5" refType="sp" refFor="des" refForName="hierRoot1"/>
-    </dgm:constrLst>
-    <dgm:ruleLst/>
-    <dgm:forEach name="Name3" axis="ch">
-      <dgm:forEach name="Name4" axis="self" ptType="node">
-        <dgm:layoutNode name="hierRoot1">
-          <dgm:alg type="hierRoot"/>
-          <dgm:shape xmlns:r="http://schemas.openxmlformats.org/officeDocument/2006/relationships" r:blip="">
-            <dgm:adjLst/>
-          </dgm:shape>
-          <dgm:presOf/>
-          <dgm:constrLst>
-            <dgm:constr type="bendDist" for="des" ptType="parTrans" refType="sp" fact="0.5"/>
-          </dgm:constrLst>
-          <dgm:ruleLst/>
-          <dgm:layoutNode name="composite">
-            <dgm:alg type="composite"/>
-            <dgm:shape xmlns:r="http://schemas.openxmlformats.org/officeDocument/2006/relationships" r:blip="">
-              <dgm:adjLst/>
-            </dgm:shape>
-            <dgm:presOf/>
-            <dgm:constrLst>
-              <dgm:constr type="h" for="ch" forName="image" refType="h" fact="0.8"/>
-              <dgm:constr type="w" for="ch" forName="image" refType="h" refFor="ch" refForName="image"/>
-              <dgm:constr type="t" for="ch" forName="image" refType="h" fact="0.1"/>
-              <dgm:constr type="l" for="ch" forName="image"/>
-              <dgm:constr type="w" for="ch" forName="text" refType="w" fact="0.6"/>
-              <dgm:constr type="h" for="ch" forName="text" refType="h" fact="0.8"/>
-              <dgm:constr type="t" for="ch" forName="text" refType="w" fact="0.04"/>
-              <dgm:constr type="l" for="ch" forName="text" refType="w" fact="0.4"/>
-            </dgm:constrLst>
-            <dgm:ruleLst/>
-            <dgm:layoutNode name="image" styleLbl="node0">
-              <dgm:alg type="sp"/>
-              <dgm:shape xmlns:r="http://schemas.openxmlformats.org/officeDocument/2006/relationships" type="ellipse" r:blip="" blipPhldr="1">
-                <dgm:adjLst/>
-              </dgm:shape>
-              <dgm:presOf/>
-              <dgm:constrLst/>
-              <dgm:ruleLst/>
-            </dgm:layoutNode>
-            <dgm:layoutNode name="text" styleLbl="revTx">
-              <dgm:varLst>
-                <dgm:chPref val="3"/>
-              </dgm:varLst>
-              <dgm:alg type="tx">
-                <dgm:param type="parTxLTRAlign" val="l"/>
-                <dgm:param type="parTxRTLAlign" val="r"/>
-              </dgm:alg>
-              <dgm:shape xmlns:r="http://schemas.openxmlformats.org/officeDocument/2006/relationships" type="rect" r:blip="">
-                <dgm:adjLst/>
-              </dgm:shape>
-              <dgm:presOf axis="self"/>
-              <dgm:constrLst>
-                <dgm:constr type="tMarg" refType="primFontSz" fact="0.3"/>
-                <dgm:constr type="bMarg" refType="primFontSz" fact="0.3"/>
-                <dgm:constr type="lMarg" refType="primFontSz" fact="0.3"/>
-                <dgm:constr type="rMarg" refType="primFontSz" fact="0.3"/>
-              </dgm:constrLst>
-              <dgm:ruleLst>
-                <dgm:rule type="primFontSz" val="5" fact="NaN" max="NaN"/>
-              </dgm:ruleLst>
-            </dgm:layoutNode>
-          </dgm:layoutNode>
-          <dgm:layoutNode name="hierChild2">
-            <dgm:choose name="Name5">
-              <dgm:if name="Name6" func="var" arg="dir" op="equ" val="norm">
-                <dgm:alg type="hierChild">
-                  <dgm:param type="linDir" val="fromL"/>
-                </dgm:alg>
-              </dgm:if>
-              <dgm:else name="Name7">
-                <dgm:alg type="hierChild">
-                  <dgm:param type="linDir" val="fromR"/>
-                </dgm:alg>
-              </dgm:else>
-            </dgm:choose>
-            <dgm:shape xmlns:r="http://schemas.openxmlformats.org/officeDocument/2006/relationships" r:blip="">
-              <dgm:adjLst/>
-            </dgm:shape>
-            <dgm:presOf/>
-            <dgm:constrLst/>
-            <dgm:ruleLst/>
-            <dgm:forEach name="Name8" axis="ch">
-              <dgm:forEach name="Name9" axis="self" ptType="parTrans" cnt="1">
-                <dgm:layoutNode name="Name10">
-                  <dgm:alg type="conn">
-                    <dgm:param type="dim" val="1D"/>
-                    <dgm:param type="endSty" val="noArr"/>
-                    <dgm:param type="connRout" val="bend"/>
-                    <dgm:param type="bendPt" val="end"/>
-                    <dgm:param type="begPts" val="bCtr"/>
-                    <dgm:param type="endPts" val="tCtr"/>
-                    <dgm:param type="srcNode" val="image"/>
-                    <dgm:param type="dstNode" val="image2"/>
-                  </dgm:alg>
-                  <dgm:shape xmlns:r="http://schemas.openxmlformats.org/officeDocument/2006/relationships" type="conn" r:blip="" zOrderOff="-999">
-                    <dgm:adjLst/>
-                  </dgm:shape>
-                  <dgm:presOf axis="self"/>
-                  <dgm:constrLst>
-                    <dgm:constr type="begPad"/>
-                    <dgm:constr type="endPad"/>
-                  </dgm:constrLst>
-                  <dgm:ruleLst/>
-                </dgm:layoutNode>
-              </dgm:forEach>
-              <dgm:forEach name="Name11" axis="self" ptType="node">
-                <dgm:layoutNode name="hierRoot2">
-                  <dgm:alg type="hierRoot"/>
-                  <dgm:shape xmlns:r="http://schemas.openxmlformats.org/officeDocument/2006/relationships" r:blip="">
-                    <dgm:adjLst/>
-                  </dgm:shape>
-                  <dgm:presOf/>
-                  <dgm:constrLst>
-                    <dgm:constr type="bendDist" for="des" ptType="parTrans" refType="sp" fact="0.5"/>
-                  </dgm:constrLst>
-                  <dgm:ruleLst/>
-                  <dgm:layoutNode name="composite2">
-                    <dgm:alg type="composite"/>
-                    <dgm:shape xmlns:r="http://schemas.openxmlformats.org/officeDocument/2006/relationships" r:blip="">
-                      <dgm:adjLst/>
-                    </dgm:shape>
-                    <dgm:presOf/>
-                    <dgm:constrLst>
-                      <dgm:constr type="h" for="ch" forName="image2" refType="h" fact="0.8"/>
-                      <dgm:constr type="w" for="ch" forName="image2" refType="h" refFor="ch" refForName="image2"/>
-                      <dgm:constr type="t" for="ch" forName="image2" refType="h" fact="0.1"/>
-                      <dgm:constr type="l" for="ch" forName="image2"/>
-                      <dgm:constr type="w" for="ch" forName="text2" refType="w" fact="0.6"/>
-                      <dgm:constr type="h" for="ch" forName="text2" refType="h" fact="0.8"/>
-                      <dgm:constr type="t" for="ch" forName="text2" refType="w" fact="0.04"/>
-                      <dgm:constr type="l" for="ch" forName="text2" refType="w" fact="0.4"/>
-                    </dgm:constrLst>
-                    <dgm:ruleLst/>
-                    <dgm:layoutNode name="image2">
-                      <dgm:alg type="sp"/>
-                      <dgm:shape xmlns:r="http://schemas.openxmlformats.org/officeDocument/2006/relationships" type="ellipse" r:blip="" blipPhldr="1">
-                        <dgm:adjLst/>
-                      </dgm:shape>
-                      <dgm:presOf/>
-                      <dgm:constrLst/>
-                      <dgm:ruleLst/>
-                    </dgm:layoutNode>
-                    <dgm:layoutNode name="text2" styleLbl="revTx">
-                      <dgm:varLst>
-                        <dgm:chPref val="3"/>
-                      </dgm:varLst>
-                      <dgm:alg type="tx">
-                        <dgm:param type="parTxLTRAlign" val="l"/>
-                        <dgm:param type="parTxRTLAlign" val="r"/>
-                      </dgm:alg>
-                      <dgm:shape xmlns:r="http://schemas.openxmlformats.org/officeDocument/2006/relationships" type="rect" r:blip="">
-                        <dgm:adjLst/>
-                      </dgm:shape>
-                      <dgm:presOf axis="self"/>
-                      <dgm:constrLst>
-                        <dgm:constr type="tMarg" refType="primFontSz" fact="0.3"/>
-                        <dgm:constr type="bMarg" refType="primFontSz" fact="0.3"/>
-                        <dgm:constr type="lMarg" refType="primFontSz" fact="0.3"/>
-                        <dgm:constr type="rMarg" refType="primFontSz" fact="0.3"/>
-                      </dgm:constrLst>
-                      <dgm:ruleLst>
-                        <dgm:rule type="primFontSz" val="5" fact="NaN" max="NaN"/>
-                      </dgm:ruleLst>
-                    </dgm:layoutNode>
-                  </dgm:layoutNode>
-                  <dgm:layoutNode name="hierChild3">
-                    <dgm:choose name="Name12">
-                      <dgm:if name="Name13" func="var" arg="dir" op="equ" val="norm">
-                        <dgm:alg type="hierChild">
-                          <dgm:param type="linDir" val="fromL"/>
-                        </dgm:alg>
-                      </dgm:if>
-                      <dgm:else name="Name14">
-                        <dgm:alg type="hierChild">
-                          <dgm:param type="linDir" val="fromR"/>
-                        </dgm:alg>
-                      </dgm:else>
-                    </dgm:choose>
-                    <dgm:shape xmlns:r="http://schemas.openxmlformats.org/officeDocument/2006/relationships" r:blip="">
-                      <dgm:adjLst/>
-                    </dgm:shape>
-                    <dgm:presOf/>
-                    <dgm:constrLst/>
-                    <dgm:ruleLst/>
-                    <dgm:forEach name="Name15" axis="ch">
-                      <dgm:forEach name="Name16" axis="self" ptType="parTrans" cnt="1">
-                        <dgm:layoutNode name="Name17">
-                          <dgm:alg type="conn">
-                            <dgm:param type="dim" val="1D"/>
-                            <dgm:param type="endSty" val="noArr"/>
-                            <dgm:param type="connRout" val="bend"/>
-                            <dgm:param type="bendPt" val="end"/>
-                            <dgm:param type="begPts" val="bCtr"/>
-                            <dgm:param type="endPts" val="tCtr"/>
-                            <dgm:param type="srcNode" val="image2"/>
-                            <dgm:param type="dstNode" val="image3"/>
-                          </dgm:alg>
-                          <dgm:shape xmlns:r="http://schemas.openxmlformats.org/officeDocument/2006/relationships" type="conn" r:blip="" zOrderOff="-999">
-                            <dgm:adjLst/>
-                          </dgm:shape>
-                          <dgm:presOf axis="self"/>
-                          <dgm:constrLst>
-                            <dgm:constr type="begPad"/>
-                            <dgm:constr type="endPad"/>
-                          </dgm:constrLst>
-                          <dgm:ruleLst/>
-                        </dgm:layoutNode>
-                      </dgm:forEach>
-                      <dgm:forEach name="Name18" axis="self" ptType="node">
-                        <dgm:layoutNode name="hierRoot3">
-                          <dgm:alg type="hierRoot"/>
-                          <dgm:shape xmlns:r="http://schemas.openxmlformats.org/officeDocument/2006/relationships" r:blip="">
-                            <dgm:adjLst/>
-                          </dgm:shape>
-                          <dgm:presOf/>
-                          <dgm:constrLst>
-                            <dgm:constr type="bendDist" for="des" ptType="parTrans" refType="sp" fact="0.5"/>
-                          </dgm:constrLst>
-                          <dgm:ruleLst/>
-                          <dgm:layoutNode name="composite3">
-                            <dgm:alg type="composite"/>
-                            <dgm:shape xmlns:r="http://schemas.openxmlformats.org/officeDocument/2006/relationships" r:blip="">
-                              <dgm:adjLst/>
-                            </dgm:shape>
-                            <dgm:presOf/>
-                            <dgm:constrLst>
-                              <dgm:constr type="h" for="ch" forName="image3" refType="h" fact="0.8"/>
-                              <dgm:constr type="w" for="ch" forName="image3" refType="h" refFor="ch" refForName="image3"/>
-                              <dgm:constr type="t" for="ch" forName="image3" refType="h" fact="0.1"/>
-                              <dgm:constr type="l" for="ch" forName="image3"/>
-                              <dgm:constr type="w" for="ch" forName="text3" refType="w" fact="0.6"/>
-                              <dgm:constr type="h" for="ch" forName="text3" refType="h" fact="0.8"/>
-                              <dgm:constr type="t" for="ch" forName="text3" refType="w" fact="0.04"/>
-                              <dgm:constr type="l" for="ch" forName="text3" refType="w" fact="0.4"/>
-                            </dgm:constrLst>
-                            <dgm:ruleLst/>
-                            <dgm:layoutNode name="image3">
-                              <dgm:alg type="sp"/>
-                              <dgm:shape xmlns:r="http://schemas.openxmlformats.org/officeDocument/2006/relationships" type="ellipse" r:blip="" blipPhldr="1">
-                                <dgm:adjLst/>
-                              </dgm:shape>
-                              <dgm:presOf/>
-                              <dgm:constrLst/>
-                              <dgm:ruleLst/>
-                            </dgm:layoutNode>
-                            <dgm:layoutNode name="text3" styleLbl="revTx">
-                              <dgm:varLst>
-                                <dgm:chPref val="3"/>
-                              </dgm:varLst>
-                              <dgm:alg type="tx">
-                                <dgm:param type="parTxLTRAlign" val="l"/>
-                                <dgm:param type="parTxRTLAlign" val="r"/>
-                              </dgm:alg>
-                              <dgm:shape xmlns:r="http://schemas.openxmlformats.org/officeDocument/2006/relationships" type="rect" r:blip="">
-                                <dgm:adjLst/>
-                              </dgm:shape>
-                              <dgm:presOf axis="self"/>
-                              <dgm:constrLst>
-                                <dgm:constr type="tMarg" refType="primFontSz" fact="0.3"/>
-                                <dgm:constr type="bMarg" refType="primFontSz" fact="0.3"/>
-                                <dgm:constr type="lMarg" refType="primFontSz" fact="0.3"/>
-                                <dgm:constr type="rMarg" refType="primFontSz" fact="0.3"/>
-                              </dgm:constrLst>
-                              <dgm:ruleLst>
-                                <dgm:rule type="primFontSz" val="5" fact="NaN" max="NaN"/>
-                              </dgm:ruleLst>
-                            </dgm:layoutNode>
-                          </dgm:layoutNode>
-                          <dgm:layoutNode name="hierChild4">
-                            <dgm:choose name="Name19">
-                              <dgm:if name="Name20" func="var" arg="dir" op="equ" val="norm">
-                                <dgm:alg type="hierChild">
-                                  <dgm:param type="linDir" val="fromL"/>
-                                </dgm:alg>
-                              </dgm:if>
-                              <dgm:else name="Name21">
-                                <dgm:alg type="hierChild">
-                                  <dgm:param type="linDir" val="fromR"/>
-                                </dgm:alg>
-                              </dgm:else>
-                            </dgm:choose>
-                            <dgm:shape xmlns:r="http://schemas.openxmlformats.org/officeDocument/2006/relationships" r:blip="">
-                              <dgm:adjLst/>
-                            </dgm:shape>
-                            <dgm:presOf/>
-                            <dgm:constrLst/>
-                            <dgm:ruleLst/>
-                            <dgm:forEach name="repeat" axis="ch">
-                              <dgm:forEach name="Name22" axis="self" ptType="parTrans" cnt="1">
-                                <dgm:layoutNode name="Name23">
-                                  <dgm:choose name="Name24">
-                                    <dgm:if name="Name25" axis="self" func="depth" op="lte" val="4">
-                                      <dgm:alg type="conn">
-                                        <dgm:param type="dim" val="1D"/>
-                                        <dgm:param type="endSty" val="noArr"/>
-                                        <dgm:param type="connRout" val="bend"/>
-                                        <dgm:param type="bendPt" val="end"/>
-                                        <dgm:param type="begPts" val="bCtr"/>
-                                        <dgm:param type="endPts" val="tCtr"/>
-                                        <dgm:param type="srcNode" val="image3"/>
-                                        <dgm:param type="dstNode" val="image4"/>
-                                      </dgm:alg>
-                                    </dgm:if>
-                                    <dgm:else name="Name26">
-                                      <dgm:alg type="conn">
-                                        <dgm:param type="dim" val="1D"/>
-                                        <dgm:param type="endSty" val="noArr"/>
-                                        <dgm:param type="connRout" val="bend"/>
-                                        <dgm:param type="bendPt" val="end"/>
-                                        <dgm:param type="begPts" val="bCtr"/>
-                                        <dgm:param type="endPts" val="tCtr"/>
-                                        <dgm:param type="srcNode" val="image4"/>
-                                        <dgm:param type="dstNode" val="image4"/>
-                                      </dgm:alg>
-                                    </dgm:else>
-                                  </dgm:choose>
-                                  <dgm:shape xmlns:r="http://schemas.openxmlformats.org/officeDocument/2006/relationships" type="conn" r:blip="" zOrderOff="-999">
-                                    <dgm:adjLst/>
-                                  </dgm:shape>
-                                  <dgm:presOf axis="self"/>
-                                  <dgm:constrLst>
-                                    <dgm:constr type="begPad"/>
-                                    <dgm:constr type="endPad"/>
-                                  </dgm:constrLst>
-                                  <dgm:ruleLst/>
-                                </dgm:layoutNode>
-                              </dgm:forEach>
-                              <dgm:forEach name="Name27" axis="self" ptType="node">
-                                <dgm:layoutNode name="hierRoot4">
-                                  <dgm:alg type="hierRoot"/>
-                                  <dgm:shape xmlns:r="http://schemas.openxmlformats.org/officeDocument/2006/relationships" r:blip="">
-                                    <dgm:adjLst/>
-                                  </dgm:shape>
-                                  <dgm:presOf/>
-                                  <dgm:constrLst>
-                                    <dgm:constr type="bendDist" for="des" ptType="parTrans" refType="sp" fact="0.5"/>
-                                  </dgm:constrLst>
-                                  <dgm:ruleLst/>
-                                  <dgm:layoutNode name="composite4">
-                                    <dgm:alg type="composite"/>
-                                    <dgm:shape xmlns:r="http://schemas.openxmlformats.org/officeDocument/2006/relationships" r:blip="">
-                                      <dgm:adjLst/>
-                                    </dgm:shape>
-                                    <dgm:presOf/>
-                                    <dgm:constrLst>
-                                      <dgm:constr type="h" for="ch" forName="image4" refType="h" fact="0.8"/>
-                                      <dgm:constr type="w" for="ch" forName="image4" refType="h" refFor="ch" refForName="image4"/>
-                                      <dgm:constr type="t" for="ch" forName="image4" refType="h" fact="0.1"/>
-                                      <dgm:constr type="l" for="ch" forName="image4"/>
-                                      <dgm:constr type="w" for="ch" forName="text4" refType="w" fact="0.6"/>
-                                      <dgm:constr type="h" for="ch" forName="text4" refType="h" fact="0.8"/>
-                                      <dgm:constr type="t" for="ch" forName="text4" refType="w" fact="0.04"/>
-                                      <dgm:constr type="l" for="ch" forName="text4" refType="w" fact="0.4"/>
-                                    </dgm:constrLst>
-                                    <dgm:ruleLst/>
-                                    <dgm:layoutNode name="image4">
-                                      <dgm:alg type="sp"/>
-                                      <dgm:shape xmlns:r="http://schemas.openxmlformats.org/officeDocument/2006/relationships" type="ellipse" r:blip="" blipPhldr="1">
-                                        <dgm:adjLst/>
-                                      </dgm:shape>
-                                      <dgm:presOf/>
-                                      <dgm:constrLst/>
-                                      <dgm:ruleLst/>
-                                    </dgm:layoutNode>
-                                    <dgm:layoutNode name="text4" styleLbl="revTx">
-                                      <dgm:varLst>
-                                        <dgm:chPref val="3"/>
-                                      </dgm:varLst>
-                                      <dgm:alg type="tx">
-                                        <dgm:param type="parTxLTRAlign" val="l"/>
-                                        <dgm:param type="parTxRTLAlign" val="r"/>
-                                      </dgm:alg>
-                                      <dgm:shape xmlns:r="http://schemas.openxmlformats.org/officeDocument/2006/relationships" type="rect" r:blip="">
-                                        <dgm:adjLst/>
-                                      </dgm:shape>
-                                      <dgm:presOf axis="self"/>
-                                      <dgm:constrLst>
-                                        <dgm:constr type="tMarg" refType="primFontSz" fact="0.3"/>
-                                        <dgm:constr type="bMarg" refType="primFontSz" fact="0.3"/>
-                                        <dgm:constr type="lMarg" refType="primFontSz" fact="0.3"/>
-                                        <dgm:constr type="rMarg" refType="primFontSz" fact="0.3"/>
-                                      </dgm:constrLst>
-                                      <dgm:ruleLst>
-                                        <dgm:rule type="primFontSz" val="5" fact="NaN" max="NaN"/>
-                                      </dgm:ruleLst>
-                                    </dgm:layoutNode>
-                                  </dgm:layoutNode>
-                                  <dgm:layoutNode name="hierChild5">
-                                    <dgm:choose name="Name28">
-                                      <dgm:if name="Name29" func="var" arg="dir" op="equ" val="norm">
-                                        <dgm:alg type="hierChild">
-                                          <dgm:param type="linDir" val="fromL"/>
-                                        </dgm:alg>
-                                      </dgm:if>
-                                      <dgm:else name="Name30">
-                                        <dgm:alg type="hierChild">
-                                          <dgm:param type="linDir" val="fromR"/>
-                                        </dgm:alg>
-                                      </dgm:else>
-                                    </dgm:choose>
-                                    <dgm:shape xmlns:r="http://schemas.openxmlformats.org/officeDocument/2006/relationships" r:blip="">
-                                      <dgm:adjLst/>
-                                    </dgm:shape>
-                                    <dgm:presOf/>
-                                    <dgm:constrLst/>
-                                    <dgm:ruleLst/>
-                                    <dgm:forEach name="Name31" ref="repeat"/>
-                                  </dgm:layoutNode>
-                                </dgm:layoutNode>
-                              </dgm:forEach>
-                            </dgm:forEach>
-                          </dgm:layoutNode>
-                        </dgm:layoutNode>
-                      </dgm:forEach>
-                    </dgm:forEach>
-                  </dgm:layoutNode>
-                </dgm:layoutNode>
-              </dgm:forEach>
-            </dgm:forEach>
-          </dgm:layoutNode>
-        </dgm:layoutNode>
-      </dgm:forEach>
-    </dgm:forEach>
-  </dgm:layoutNode>
-</dgm:layoutDef>
-</file>
-
-<file path=ppt/diagrams/quickStyle1.xml><?xml version="1.0" encoding="utf-8"?>
-<dgm:styleDef xmlns:dgm="http://schemas.openxmlformats.org/drawingml/2006/diagram" xmlns:a="http://schemas.openxmlformats.org/drawingml/2006/main" uniqueId="urn:microsoft.com/office/officeart/2005/8/quickstyle/simple1">
-  <dgm:title val=""/>
-  <dgm:desc val=""/>
-  <dgm:catLst>
-    <dgm:cat type="simple" pri="10100"/>
-  </dgm:catLst>
-  <dgm:scene3d>
-    <a:camera prst="orthographicFront"/>
-    <a:lightRig rig="threePt" dir="t"/>
-  </dgm:scene3d>
-  <dgm:styleLbl name="node0">
-    <dgm:scene3d>
-      <a:camera prst="orthographicFront"/>
-      <a:lightRig rig="threePt" dir="t"/>
-    </dgm:scene3d>
-    <dgm:sp3d/>
-    <dgm:txPr/>
-    <dgm:style>
-      <a:lnRef idx="2">
-        <a:scrgbClr r="0" g="0" b="0"/>
-      </a:lnRef>
-      <a:fillRef idx="1">
-        <a:scrgbClr r="0" g="0" b="0"/>
-      </a:fillRef>
-      <a:effectRef idx="0">
-        <a:scrgbClr r="0" g="0" b="0"/>
-      </a:effectRef>
-      <a:fontRef idx="minor">
-        <a:schemeClr val="lt1"/>
-      </a:fontRef>
-    </dgm:style>
-  </dgm:styleLbl>
-  <dgm:styleLbl name="lnNode1">
-    <dgm:scene3d>
-      <a:camera prst="orthographicFront"/>
-      <a:lightRig rig="threePt" dir="t"/>
-    </dgm:scene3d>
-    <dgm:sp3d/>
-    <dgm:txPr/>
-    <dgm:style>
-      <a:lnRef idx="2">
-        <a:scrgbClr r="0" g="0" b="0"/>
-      </a:lnRef>
-      <a:fillRef idx="1">
-        <a:scrgbClr r="0" g="0" b="0"/>
-      </a:fillRef>
-      <a:effectRef idx="0">
-        <a:scrgbClr r="0" g="0" b="0"/>
-      </a:effectRef>
-      <a:fontRef idx="minor">
-        <a:schemeClr val="lt1"/>
-      </a:fontRef>
-    </dgm:style>
-  </dgm:styleLbl>
-  <dgm:styleLbl name="vennNode1">
-    <dgm:scene3d>
-      <a:camera prst="orthographicFront"/>
-      <a:lightRig rig="threePt" dir="t"/>
-    </dgm:scene3d>
-    <dgm:sp3d/>
-    <dgm:txPr/>
-    <dgm:style>
-      <a:lnRef idx="2">
-        <a:scrgbClr r="0" g="0" b="0"/>
-      </a:lnRef>
-      <a:fillRef idx="1">
-        <a:scrgbClr r="0" g="0" b="0"/>
-      </a:fillRef>
-      <a:effectRef idx="0">
-        <a:scrgbClr r="0" g="0" b="0"/>
-      </a:effectRef>
-      <a:fontRef idx="minor">
-        <a:schemeClr val="tx1"/>
-      </a:fontRef>
-    </dgm:style>
-  </dgm:styleLbl>
-  <dgm:styleLbl name="alignNode1">
-    <dgm:scene3d>
-      <a:camera prst="orthographicFront"/>
-      <a:lightRig rig="threePt" dir="t"/>
-    </dgm:scene3d>
-    <dgm:sp3d/>
-    <dgm:txPr/>
-    <dgm:style>
-      <a:lnRef idx="2">
-        <a:scrgbClr r="0" g="0" b="0"/>
-      </a:lnRef>
-      <a:fillRef idx="1">
-        <a:scrgbClr r="0" g="0" b="0"/>
-      </a:fillRef>
-      <a:effectRef idx="0">
-        <a:scrgbClr r="0" g="0" b="0"/>
-      </a:effectRef>
-      <a:fontRef idx="minor">
-        <a:schemeClr val="lt1"/>
-      </a:fontRef>
-    </dgm:style>
-  </dgm:styleLbl>
-  <dgm:styleLbl name="node1">
-    <dgm:scene3d>
-      <a:camera prst="orthographicFront"/>
-      <a:lightRig rig="threePt" dir="t"/>
-    </dgm:scene3d>
-    <dgm:sp3d/>
-    <dgm:txPr/>
-    <dgm:style>
-      <a:lnRef idx="2">
-        <a:scrgbClr r="0" g="0" b="0"/>
-      </a:lnRef>
-      <a:fillRef idx="1">
-        <a:scrgbClr r="0" g="0" b="0"/>
-      </a:fillRef>
-      <a:effectRef idx="0">
-        <a:scrgbClr r="0" g="0" b="0"/>
-      </a:effectRef>
-      <a:fontRef idx="minor">
-        <a:schemeClr val="lt1"/>
-      </a:fontRef>
-    </dgm:style>
-  </dgm:styleLbl>
-  <dgm:styleLbl name="node2">
-    <dgm:scene3d>
-      <a:camera prst="orthographicFront"/>
-      <a:lightRig rig="threePt" dir="t"/>
-    </dgm:scene3d>
-    <dgm:sp3d/>
-    <dgm:txPr/>
-    <dgm:style>
-      <a:lnRef idx="2">
-        <a:scrgbClr r="0" g="0" b="0"/>
-      </a:lnRef>
-      <a:fillRef idx="1">
-        <a:scrgbClr r="0" g="0" b="0"/>
-      </a:fillRef>
-      <a:effectRef idx="0">
-        <a:scrgbClr r="0" g="0" b="0"/>
-      </a:effectRef>
-      <a:fontRef idx="minor">
-        <a:schemeClr val="lt1"/>
-      </a:fontRef>
-    </dgm:style>
-  </dgm:styleLbl>
-  <dgm:styleLbl name="node3">
-    <dgm:scene3d>
-      <a:camera prst="orthographicFront"/>
-      <a:lightRig rig="threePt" dir="t"/>
-    </dgm:scene3d>
-    <dgm:sp3d/>
-    <dgm:txPr/>
-    <dgm:style>
-      <a:lnRef idx="2">
-        <a:scrgbClr r="0" g="0" b="0"/>
-      </a:lnRef>
-      <a:fillRef idx="1">
-        <a:scrgbClr r="0" g="0" b="0"/>
-      </a:fillRef>
-      <a:effectRef idx="0">
-        <a:scrgbClr r="0" g="0" b="0"/>
-      </a:effectRef>
-      <a:fontRef idx="minor">
-        <a:schemeClr val="lt1"/>
-      </a:fontRef>
-    </dgm:style>
-  </dgm:styleLbl>
-  <dgm:styleLbl name="node4">
-    <dgm:scene3d>
-      <a:camera prst="orthographicFront"/>
-      <a:lightRig rig="threePt" dir="t"/>
-    </dgm:scene3d>
-    <dgm:sp3d/>
-    <dgm:txPr/>
-    <dgm:style>
-      <a:lnRef idx="2">
-        <a:scrgbClr r="0" g="0" b="0"/>
-      </a:lnRef>
-      <a:fillRef idx="1">
-        <a:scrgbClr r="0" g="0" b="0"/>
-      </a:fillRef>
-      <a:effectRef idx="0">
-        <a:scrgbClr r="0" g="0" b="0"/>
-      </a:effectRef>
-      <a:fontRef idx="minor">
-        <a:schemeClr val="lt1"/>
-      </a:fontRef>
-    </dgm:style>
-  </dgm:styleLbl>
-  <dgm:styleLbl name="fgImgPlace1">
-    <dgm:scene3d>
-      <a:camera prst="orthographicFront"/>
-      <a:lightRig rig="threePt" dir="t"/>
-    </dgm:scene3d>
-    <dgm:sp3d/>
-    <dgm:txPr/>
-    <dgm:style>
-      <a:lnRef idx="2">
-        <a:scrgbClr r="0" g="0" b="0"/>
-      </a:lnRef>
-      <a:fillRef idx="1">
-        <a:scrgbClr r="0" g="0" b="0"/>
-      </a:fillRef>
-      <a:effectRef idx="0">
-        <a:scrgbClr r="0" g="0" b="0"/>
-      </a:effectRef>
-      <a:fontRef idx="minor"/>
-    </dgm:style>
-  </dgm:styleLbl>
-  <dgm:styleLbl name="alignImgPlace1">
-    <dgm:scene3d>
-      <a:camera prst="orthographicFront"/>
-      <a:lightRig rig="threePt" dir="t"/>
-    </dgm:scene3d>
-    <dgm:sp3d/>
-    <dgm:txPr/>
-    <dgm:style>
-      <a:lnRef idx="2">
-        <a:scrgbClr r="0" g="0" b="0"/>
-      </a:lnRef>
-      <a:fillRef idx="1">
-        <a:scrgbClr r="0" g="0" b="0"/>
-      </a:fillRef>
-      <a:effectRef idx="0">
-        <a:scrgbClr r="0" g="0" b="0"/>
-      </a:effectRef>
-      <a:fontRef idx="minor"/>
-    </dgm:style>
-  </dgm:styleLbl>
-  <dgm:styleLbl name="bgImgPlace1">
-    <dgm:scene3d>
-      <a:camera prst="orthographicFront"/>
-      <a:lightRig rig="threePt" dir="t"/>
-    </dgm:scene3d>
-    <dgm:sp3d/>
-    <dgm:txPr/>
-    <dgm:style>
-      <a:lnRef idx="2">
-        <a:scrgbClr r="0" g="0" b="0"/>
-      </a:lnRef>
-      <a:fillRef idx="1">
-        <a:scrgbClr r="0" g="0" b="0"/>
-      </a:fillRef>
-      <a:effectRef idx="0">
-        <a:scrgbClr r="0" g="0" b="0"/>
-      </a:effectRef>
-      <a:fontRef idx="minor"/>
-    </dgm:style>
-  </dgm:styleLbl>
-  <dgm:styleLbl name="sibTrans2D1">
-    <dgm:scene3d>
-      <a:camera prst="orthographicFront"/>
-      <a:lightRig rig="threePt" dir="t"/>
-    </dgm:scene3d>
-    <dgm:sp3d/>
-    <dgm:txPr/>
-    <dgm:style>
-      <a:lnRef idx="0">
-        <a:scrgbClr r="0" g="0" b="0"/>
-      </a:lnRef>
-      <a:fillRef idx="1">
-        <a:scrgbClr r="0" g="0" b="0"/>
-      </a:fillRef>
-      <a:effectRef idx="0">
-        <a:scrgbClr r="0" g="0" b="0"/>
-      </a:effectRef>
-      <a:fontRef idx="minor">
-        <a:schemeClr val="lt1"/>
-      </a:fontRef>
-    </dgm:style>
-  </dgm:styleLbl>
-  <dgm:styleLbl name="fgSibTrans2D1">
-    <dgm:scene3d>
-      <a:camera prst="orthographicFront"/>
-      <a:lightRig rig="threePt" dir="t"/>
-    </dgm:scene3d>
-    <dgm:sp3d/>
-    <dgm:txPr/>
-    <dgm:style>
-      <a:lnRef idx="0">
-        <a:scrgbClr r="0" g="0" b="0"/>
-      </a:lnRef>
-      <a:fillRef idx="1">
-        <a:scrgbClr r="0" g="0" b="0"/>
-      </a:fillRef>
-      <a:effectRef idx="0">
-        <a:scrgbClr r="0" g="0" b="0"/>
-      </a:effectRef>
-      <a:fontRef idx="minor">
-        <a:schemeClr val="lt1"/>
-      </a:fontRef>
-    </dgm:style>
-  </dgm:styleLbl>
-  <dgm:styleLbl name="bgSibTrans2D1">
-    <dgm:scene3d>
-      <a:camera prst="orthographicFront"/>
-      <a:lightRig rig="threePt" dir="t"/>
-    </dgm:scene3d>
-    <dgm:sp3d/>
-    <dgm:txPr/>
-    <dgm:style>
-      <a:lnRef idx="0">
-        <a:scrgbClr r="0" g="0" b="0"/>
-      </a:lnRef>
-      <a:fillRef idx="1">
-        <a:scrgbClr r="0" g="0" b="0"/>
-      </a:fillRef>
-      <a:effectRef idx="0">
-        <a:scrgbClr r="0" g="0" b="0"/>
-      </a:effectRef>
-      <a:fontRef idx="minor">
-        <a:schemeClr val="lt1"/>
-      </a:fontRef>
-    </dgm:style>
-  </dgm:styleLbl>
-  <dgm:styleLbl name="sibTrans1D1">
-    <dgm:scene3d>
-      <a:camera prst="orthographicFront"/>
-      <a:lightRig rig="threePt" dir="t"/>
-    </dgm:scene3d>
-    <dgm:sp3d/>
-    <dgm:txPr/>
-    <dgm:style>
-      <a:lnRef idx="1">
-        <a:scrgbClr r="0" g="0" b="0"/>
-      </a:lnRef>
-      <a:fillRef idx="0">
-        <a:scrgbClr r="0" g="0" b="0"/>
-      </a:fillRef>
-      <a:effectRef idx="0">
-        <a:scrgbClr r="0" g="0" b="0"/>
-      </a:effectRef>
-      <a:fontRef idx="minor"/>
-    </dgm:style>
-  </dgm:styleLbl>
-  <dgm:styleLbl name="callout">
-    <dgm:scene3d>
-      <a:camera prst="orthographicFront"/>
-      <a:lightRig rig="threePt" dir="t"/>
-    </dgm:scene3d>
-    <dgm:sp3d/>
-    <dgm:txPr/>
-    <dgm:style>
-      <a:lnRef idx="2">
-        <a:scrgbClr r="0" g="0" b="0"/>
-      </a:lnRef>
-      <a:fillRef idx="1">
-        <a:scrgbClr r="0" g="0" b="0"/>
-      </a:fillRef>
-      <a:effectRef idx="0">
-        <a:scrgbClr r="0" g="0" b="0"/>
-      </a:effectRef>
-      <a:fontRef idx="minor"/>
-    </dgm:style>
-  </dgm:styleLbl>
-  <dgm:styleLbl name="asst0">
-    <dgm:scene3d>
-      <a:camera prst="orthographicFront"/>
-      <a:lightRig rig="threePt" dir="t"/>
-    </dgm:scene3d>
-    <dgm:sp3d/>
-    <dgm:txPr/>
-    <dgm:style>
-      <a:lnRef idx="2">
-        <a:scrgbClr r="0" g="0" b="0"/>
-      </a:lnRef>
-      <a:fillRef idx="1">
-        <a:scrgbClr r="0" g="0" b="0"/>
-      </a:fillRef>
-      <a:effectRef idx="0">
-        <a:scrgbClr r="0" g="0" b="0"/>
-      </a:effectRef>
-      <a:fontRef idx="minor">
-        <a:schemeClr val="lt1"/>
-      </a:fontRef>
-    </dgm:style>
-  </dgm:styleLbl>
-  <dgm:styleLbl name="asst1">
-    <dgm:scene3d>
-      <a:camera prst="orthographicFront"/>
-      <a:lightRig rig="threePt" dir="t"/>
-    </dgm:scene3d>
-    <dgm:sp3d/>
-    <dgm:txPr/>
-    <dgm:style>
-      <a:lnRef idx="2">
-        <a:scrgbClr r="0" g="0" b="0"/>
-      </a:lnRef>
-      <a:fillRef idx="1">
-        <a:scrgbClr r="0" g="0" b="0"/>
-      </a:fillRef>
-      <a:effectRef idx="0">
-        <a:scrgbClr r="0" g="0" b="0"/>
-      </a:effectRef>
-      <a:fontRef idx="minor">
-        <a:schemeClr val="lt1"/>
-      </a:fontRef>
-    </dgm:style>
-  </dgm:styleLbl>
-  <dgm:styleLbl name="asst2">
-    <dgm:scene3d>
-      <a:camera prst="orthographicFront"/>
-      <a:lightRig rig="threePt" dir="t"/>
-    </dgm:scene3d>
-    <dgm:sp3d/>
-    <dgm:txPr/>
-    <dgm:style>
-      <a:lnRef idx="2">
-        <a:scrgbClr r="0" g="0" b="0"/>
-      </a:lnRef>
-      <a:fillRef idx="1">
-        <a:scrgbClr r="0" g="0" b="0"/>
-      </a:fillRef>
-      <a:effectRef idx="0">
-        <a:scrgbClr r="0" g="0" b="0"/>
-      </a:effectRef>
-      <a:fontRef idx="minor">
-        <a:schemeClr val="lt1"/>
-      </a:fontRef>
-    </dgm:style>
-  </dgm:styleLbl>
-  <dgm:styleLbl name="asst3">
-    <dgm:scene3d>
-      <a:camera prst="orthographicFront"/>
-      <a:lightRig rig="threePt" dir="t"/>
-    </dgm:scene3d>
-    <dgm:sp3d/>
-    <dgm:txPr/>
-    <dgm:style>
-      <a:lnRef idx="2">
-        <a:scrgbClr r="0" g="0" b="0"/>
-      </a:lnRef>
-      <a:fillRef idx="1">
-        <a:scrgbClr r="0" g="0" b="0"/>
-      </a:fillRef>
-      <a:effectRef idx="0">
-        <a:scrgbClr r="0" g="0" b="0"/>
-      </a:effectRef>
-      <a:fontRef idx="minor">
-        <a:schemeClr val="lt1"/>
-      </a:fontRef>
-    </dgm:style>
-  </dgm:styleLbl>
-  <dgm:styleLbl name="asst4">
-    <dgm:scene3d>
-      <a:camera prst="orthographicFront"/>
-      <a:lightRig rig="threePt" dir="t"/>
-    </dgm:scene3d>
-    <dgm:sp3d/>
-    <dgm:txPr/>
-    <dgm:style>
-      <a:lnRef idx="2">
-        <a:scrgbClr r="0" g="0" b="0"/>
-      </a:lnRef>
-      <a:fillRef idx="1">
-        <a:scrgbClr r="0" g="0" b="0"/>
-      </a:fillRef>
-      <a:effectRef idx="0">
-        <a:scrgbClr r="0" g="0" b="0"/>
-      </a:effectRef>
-      <a:fontRef idx="minor">
-        <a:schemeClr val="lt1"/>
-      </a:fontRef>
-    </dgm:style>
-  </dgm:styleLbl>
-  <dgm:styleLbl name="parChTrans2D1">
-    <dgm:scene3d>
-      <a:camera prst="orthographicFront"/>
-      <a:lightRig rig="threePt" dir="t"/>
-    </dgm:scene3d>
-    <dgm:sp3d/>
-    <dgm:txPr/>
-    <dgm:style>
-      <a:lnRef idx="2">
-        <a:scrgbClr r="0" g="0" b="0"/>
-      </a:lnRef>
-      <a:fillRef idx="1">
-        <a:scrgbClr r="0" g="0" b="0"/>
-      </a:fillRef>
-      <a:effectRef idx="0">
-        <a:scrgbClr r="0" g="0" b="0"/>
-      </a:effectRef>
-      <a:fontRef idx="minor">
-        <a:schemeClr val="lt1"/>
-      </a:fontRef>
-    </dgm:style>
-  </dgm:styleLbl>
-  <dgm:styleLbl name="parChTrans2D2">
-    <dgm:scene3d>
-      <a:camera prst="orthographicFront"/>
-      <a:lightRig rig="threePt" dir="t"/>
-    </dgm:scene3d>
-    <dgm:sp3d/>
-    <dgm:txPr/>
-    <dgm:style>
-      <a:lnRef idx="2">
-        <a:scrgbClr r="0" g="0" b="0"/>
-      </a:lnRef>
-      <a:fillRef idx="1">
-        <a:scrgbClr r="0" g="0" b="0"/>
-      </a:fillRef>
-      <a:effectRef idx="0">
-        <a:scrgbClr r="0" g="0" b="0"/>
-      </a:effectRef>
-      <a:fontRef idx="minor">
-        <a:schemeClr val="lt1"/>
-      </a:fontRef>
-    </dgm:style>
-  </dgm:styleLbl>
-  <dgm:styleLbl name="parChTrans2D3">
-    <dgm:scene3d>
-      <a:camera prst="orthographicFront"/>
-      <a:lightRig rig="threePt" dir="t"/>
-    </dgm:scene3d>
-    <dgm:sp3d/>
-    <dgm:txPr/>
-    <dgm:style>
-      <a:lnRef idx="2">
-        <a:scrgbClr r="0" g="0" b="0"/>
-      </a:lnRef>
-      <a:fillRef idx="1">
-        <a:scrgbClr r="0" g="0" b="0"/>
-      </a:fillRef>
-      <a:effectRef idx="0">
-        <a:scrgbClr r="0" g="0" b="0"/>
-      </a:effectRef>
-      <a:fontRef idx="minor">
-        <a:schemeClr val="lt1"/>
-      </a:fontRef>
-    </dgm:style>
-  </dgm:styleLbl>
-  <dgm:styleLbl name="parChTrans2D4">
-    <dgm:scene3d>
-      <a:camera prst="orthographicFront"/>
-      <a:lightRig rig="threePt" dir="t"/>
-    </dgm:scene3d>
-    <dgm:sp3d/>
-    <dgm:txPr/>
-    <dgm:style>
-      <a:lnRef idx="2">
-        <a:scrgbClr r="0" g="0" b="0"/>
-      </a:lnRef>
-      <a:fillRef idx="1">
-        <a:scrgbClr r="0" g="0" b="0"/>
-      </a:fillRef>
-      <a:effectRef idx="0">
-        <a:scrgbClr r="0" g="0" b="0"/>
-      </a:effectRef>
-      <a:fontRef idx="minor">
-        <a:schemeClr val="lt1"/>
-      </a:fontRef>
-    </dgm:style>
-  </dgm:styleLbl>
-  <dgm:styleLbl name="parChTrans1D1">
-    <dgm:scene3d>
-      <a:camera prst="orthographicFront"/>
-      <a:lightRig rig="threePt" dir="t"/>
-    </dgm:scene3d>
-    <dgm:sp3d/>
-    <dgm:txPr/>
-    <dgm:style>
-      <a:lnRef idx="2">
-        <a:scrgbClr r="0" g="0" b="0"/>
-      </a:lnRef>
-      <a:fillRef idx="0">
-        <a:scrgbClr r="0" g="0" b="0"/>
-      </a:fillRef>
-      <a:effectRef idx="0">
-        <a:scrgbClr r="0" g="0" b="0"/>
-      </a:effectRef>
-      <a:fontRef idx="minor"/>
-    </dgm:style>
-  </dgm:styleLbl>
-  <dgm:styleLbl name="parChTrans1D2">
-    <dgm:scene3d>
-      <a:camera prst="orthographicFront"/>
-      <a:lightRig rig="threePt" dir="t"/>
-    </dgm:scene3d>
-    <dgm:sp3d/>
-    <dgm:txPr/>
-    <dgm:style>
-      <a:lnRef idx="2">
-        <a:scrgbClr r="0" g="0" b="0"/>
-      </a:lnRef>
-      <a:fillRef idx="0">
-        <a:scrgbClr r="0" g="0" b="0"/>
-      </a:fillRef>
-      <a:effectRef idx="0">
-        <a:scrgbClr r="0" g="0" b="0"/>
-      </a:effectRef>
-      <a:fontRef idx="minor"/>
-    </dgm:style>
-  </dgm:styleLbl>
-  <dgm:styleLbl name="parChTrans1D3">
-    <dgm:scene3d>
-      <a:camera prst="orthographicFront"/>
-      <a:lightRig rig="threePt" dir="t"/>
-    </dgm:scene3d>
-    <dgm:sp3d/>
-    <dgm:txPr/>
-    <dgm:style>
-      <a:lnRef idx="2">
-        <a:scrgbClr r="0" g="0" b="0"/>
-      </a:lnRef>
-      <a:fillRef idx="0">
-        <a:scrgbClr r="0" g="0" b="0"/>
-      </a:fillRef>
-      <a:effectRef idx="0">
-        <a:scrgbClr r="0" g="0" b="0"/>
-      </a:effectRef>
-      <a:fontRef idx="minor"/>
-    </dgm:style>
-  </dgm:styleLbl>
-  <dgm:styleLbl name="parChTrans1D4">
-    <dgm:scene3d>
-      <a:camera prst="orthographicFront"/>
-      <a:lightRig rig="threePt" dir="t"/>
-    </dgm:scene3d>
-    <dgm:sp3d/>
-    <dgm:txPr/>
-    <dgm:style>
-      <a:lnRef idx="2">
-        <a:scrgbClr r="0" g="0" b="0"/>
-      </a:lnRef>
-      <a:fillRef idx="0">
-        <a:scrgbClr r="0" g="0" b="0"/>
-      </a:fillRef>
-      <a:effectRef idx="0">
-        <a:scrgbClr r="0" g="0" b="0"/>
-      </a:effectRef>
-      <a:fontRef idx="minor"/>
-    </dgm:style>
-  </dgm:styleLbl>
-  <dgm:styleLbl name="fgAcc1">
-    <dgm:scene3d>
-      <a:camera prst="orthographicFront"/>
-      <a:lightRig rig="threePt" dir="t"/>
-    </dgm:scene3d>
-    <dgm:sp3d/>
-    <dgm:txPr/>
-    <dgm:style>
-      <a:lnRef idx="2">
-        <a:scrgbClr r="0" g="0" b="0"/>
-      </a:lnRef>
-      <a:fillRef idx="1">
-        <a:scrgbClr r="0" g="0" b="0"/>
-      </a:fillRef>
-      <a:effectRef idx="0">
-        <a:scrgbClr r="0" g="0" b="0"/>
-      </a:effectRef>
-      <a:fontRef idx="minor"/>
-    </dgm:style>
-  </dgm:styleLbl>
-  <dgm:styleLbl name="conFgAcc1">
-    <dgm:scene3d>
-      <a:camera prst="orthographicFront"/>
-      <a:lightRig rig="threePt" dir="t"/>
-    </dgm:scene3d>
-    <dgm:sp3d/>
-    <dgm:txPr/>
-    <dgm:style>
-      <a:lnRef idx="2">
-        <a:scrgbClr r="0" g="0" b="0"/>
-      </a:lnRef>
-      <a:fillRef idx="1">
-        <a:scrgbClr r="0" g="0" b="0"/>
-      </a:fillRef>
-      <a:effectRef idx="0">
-        <a:scrgbClr r="0" g="0" b="0"/>
-      </a:effectRef>
-      <a:fontRef idx="minor"/>
-    </dgm:style>
-  </dgm:styleLbl>
-  <dgm:styleLbl name="alignAcc1">
-    <dgm:scene3d>
-      <a:camera prst="orthographicFront"/>
-      <a:lightRig rig="threePt" dir="t"/>
-    </dgm:scene3d>
-    <dgm:sp3d/>
-    <dgm:txPr/>
-    <dgm:style>
-      <a:lnRef idx="2">
-        <a:scrgbClr r="0" g="0" b="0"/>
-      </a:lnRef>
-      <a:fillRef idx="1">
-        <a:scrgbClr r="0" g="0" b="0"/>
-      </a:fillRef>
-      <a:effectRef idx="0">
-        <a:scrgbClr r="0" g="0" b="0"/>
-      </a:effectRef>
-      <a:fontRef idx="minor"/>
-    </dgm:style>
-  </dgm:styleLbl>
-  <dgm:styleLbl name="trAlignAcc1">
-    <dgm:scene3d>
-      <a:camera prst="orthographicFront"/>
-      <a:lightRig rig="threePt" dir="t"/>
-    </dgm:scene3d>
-    <dgm:sp3d/>
-    <dgm:txPr/>
-    <dgm:style>
-      <a:lnRef idx="1">
-        <a:scrgbClr r="0" g="0" b="0"/>
-      </a:lnRef>
-      <a:fillRef idx="1">
-        <a:scrgbClr r="0" g="0" b="0"/>
-      </a:fillRef>
-      <a:effectRef idx="0">
-        <a:scrgbClr r="0" g="0" b="0"/>
-      </a:effectRef>
-      <a:fontRef idx="minor"/>
-    </dgm:style>
-  </dgm:styleLbl>
-  <dgm:styleLbl name="bgAcc1">
-    <dgm:scene3d>
-      <a:camera prst="orthographicFront"/>
-      <a:lightRig rig="threePt" dir="t"/>
-    </dgm:scene3d>
-    <dgm:sp3d/>
-    <dgm:txPr/>
-    <dgm:style>
-      <a:lnRef idx="2">
-        <a:scrgbClr r="0" g="0" b="0"/>
-      </a:lnRef>
-      <a:fillRef idx="1">
-        <a:scrgbClr r="0" g="0" b="0"/>
-      </a:fillRef>
-      <a:effectRef idx="0">
-        <a:scrgbClr r="0" g="0" b="0"/>
-      </a:effectRef>
-      <a:fontRef idx="minor"/>
-    </dgm:style>
-  </dgm:styleLbl>
-  <dgm:styleLbl name="solidFgAcc1">
-    <dgm:scene3d>
-      <a:camera prst="orthographicFront"/>
-      <a:lightRig rig="threePt" dir="t"/>
-    </dgm:scene3d>
-    <dgm:sp3d/>
-    <dgm:txPr/>
-    <dgm:style>
-      <a:lnRef idx="2">
-        <a:scrgbClr r="0" g="0" b="0"/>
-      </a:lnRef>
-      <a:fillRef idx="1">
-        <a:scrgbClr r="0" g="0" b="0"/>
-      </a:fillRef>
-      <a:effectRef idx="0">
-        <a:scrgbClr r="0" g="0" b="0"/>
-      </a:effectRef>
-      <a:fontRef idx="minor"/>
-    </dgm:style>
-  </dgm:styleLbl>
-  <dgm:styleLbl name="solidAlignAcc1">
-    <dgm:scene3d>
-      <a:camera prst="orthographicFront"/>
-      <a:lightRig rig="threePt" dir="t"/>
-    </dgm:scene3d>
-    <dgm:sp3d/>
-    <dgm:txPr/>
-    <dgm:style>
-      <a:lnRef idx="2">
-        <a:scrgbClr r="0" g="0" b="0"/>
-      </a:lnRef>
-      <a:fillRef idx="1">
-        <a:scrgbClr r="0" g="0" b="0"/>
-      </a:fillRef>
-      <a:effectRef idx="0">
-        <a:scrgbClr r="0" g="0" b="0"/>
-      </a:effectRef>
-      <a:fontRef idx="minor"/>
-    </dgm:style>
-  </dgm:styleLbl>
-  <dgm:styleLbl name="solidBgAcc1">
-    <dgm:scene3d>
-      <a:camera prst="orthographicFront"/>
-      <a:lightRig rig="threePt" dir="t"/>
-    </dgm:scene3d>
-    <dgm:sp3d/>
-    <dgm:txPr/>
-    <dgm:style>
-      <a:lnRef idx="2">
-        <a:scrgbClr r="0" g="0" b="0"/>
-      </a:lnRef>
-      <a:fillRef idx="1">
-        <a:scrgbClr r="0" g="0" b="0"/>
-      </a:fillRef>
-      <a:effectRef idx="0">
-        <a:scrgbClr r="0" g="0" b="0"/>
-      </a:effectRef>
-      <a:fontRef idx="minor"/>
-    </dgm:style>
-  </dgm:styleLbl>
-  <dgm:styleLbl name="fgAccFollowNode1">
-    <dgm:scene3d>
-      <a:camera prst="orthographicFront"/>
-      <a:lightRig rig="threePt" dir="t"/>
-    </dgm:scene3d>
-    <dgm:sp3d/>
-    <dgm:txPr/>
-    <dgm:style>
-      <a:lnRef idx="2">
-        <a:scrgbClr r="0" g="0" b="0"/>
-      </a:lnRef>
-      <a:fillRef idx="1">
-        <a:scrgbClr r="0" g="0" b="0"/>
-      </a:fillRef>
-      <a:effectRef idx="0">
-        <a:scrgbClr r="0" g="0" b="0"/>
-      </a:effectRef>
-      <a:fontRef idx="minor"/>
-    </dgm:style>
-  </dgm:styleLbl>
-  <dgm:styleLbl name="alignAccFollowNode1">
-    <dgm:scene3d>
-      <a:camera prst="orthographicFront"/>
-      <a:lightRig rig="threePt" dir="t"/>
-    </dgm:scene3d>
-    <dgm:sp3d/>
-    <dgm:txPr/>
-    <dgm:style>
-      <a:lnRef idx="2">
-        <a:scrgbClr r="0" g="0" b="0"/>
-      </a:lnRef>
-      <a:fillRef idx="1">
-        <a:scrgbClr r="0" g="0" b="0"/>
-      </a:fillRef>
-      <a:effectRef idx="0">
-        <a:scrgbClr r="0" g="0" b="0"/>
-      </a:effectRef>
-      <a:fontRef idx="minor"/>
-    </dgm:style>
-  </dgm:styleLbl>
-  <dgm:styleLbl name="bgAccFollowNode1">
-    <dgm:scene3d>
-      <a:camera prst="orthographicFront"/>
-      <a:lightRig rig="threePt" dir="t"/>
-    </dgm:scene3d>
-    <dgm:sp3d/>
-    <dgm:txPr/>
-    <dgm:style>
-      <a:lnRef idx="2">
-        <a:scrgbClr r="0" g="0" b="0"/>
-      </a:lnRef>
-      <a:fillRef idx="1">
-        <a:scrgbClr r="0" g="0" b="0"/>
-      </a:fillRef>
-      <a:effectRef idx="0">
-        <a:scrgbClr r="0" g="0" b="0"/>
-      </a:effectRef>
-      <a:fontRef idx="minor"/>
-    </dgm:style>
-  </dgm:styleLbl>
-  <dgm:styleLbl name="fgAcc0">
-    <dgm:scene3d>
-      <a:camera prst="orthographicFront"/>
-      <a:lightRig rig="threePt" dir="t"/>
-    </dgm:scene3d>
-    <dgm:sp3d/>
-    <dgm:txPr/>
-    <dgm:style>
-      <a:lnRef idx="2">
-        <a:scrgbClr r="0" g="0" b="0"/>
-      </a:lnRef>
-      <a:fillRef idx="1">
-        <a:scrgbClr r="0" g="0" b="0"/>
-      </a:fillRef>
-      <a:effectRef idx="0">
-        <a:scrgbClr r="0" g="0" b="0"/>
-      </a:effectRef>
-      <a:fontRef idx="minor"/>
-    </dgm:style>
-  </dgm:styleLbl>
-  <dgm:styleLbl name="fgAcc2">
-    <dgm:scene3d>
-      <a:camera prst="orthographicFront"/>
-      <a:lightRig rig="threePt" dir="t"/>
-    </dgm:scene3d>
-    <dgm:sp3d/>
-    <dgm:txPr/>
-    <dgm:style>
-      <a:lnRef idx="2">
-        <a:scrgbClr r="0" g="0" b="0"/>
-      </a:lnRef>
-      <a:fillRef idx="1">
-        <a:scrgbClr r="0" g="0" b="0"/>
-      </a:fillRef>
-      <a:effectRef idx="0">
-        <a:scrgbClr r="0" g="0" b="0"/>
-      </a:effectRef>
-      <a:fontRef idx="minor"/>
-    </dgm:style>
-  </dgm:styleLbl>
-  <dgm:styleLbl name="fgAcc3">
-    <dgm:scene3d>
-      <a:camera prst="orthographicFront"/>
-      <a:lightRig rig="threePt" dir="t"/>
-    </dgm:scene3d>
-    <dgm:sp3d/>
-    <dgm:txPr/>
-    <dgm:style>
-      <a:lnRef idx="2">
-        <a:scrgbClr r="0" g="0" b="0"/>
-      </a:lnRef>
-      <a:fillRef idx="1">
-        <a:scrgbClr r="0" g="0" b="0"/>
-      </a:fillRef>
-      <a:effectRef idx="0">
-        <a:scrgbClr r="0" g="0" b="0"/>
-      </a:effectRef>
-      <a:fontRef idx="minor"/>
-    </dgm:style>
-  </dgm:styleLbl>
-  <dgm:styleLbl name="fgAcc4">
-    <dgm:scene3d>
-      <a:camera prst="orthographicFront"/>
-      <a:lightRig rig="threePt" dir="t"/>
-    </dgm:scene3d>
-    <dgm:sp3d/>
-    <dgm:txPr/>
-    <dgm:style>
-      <a:lnRef idx="2">
-        <a:scrgbClr r="0" g="0" b="0"/>
-      </a:lnRef>
-      <a:fillRef idx="1">
-        <a:scrgbClr r="0" g="0" b="0"/>
-      </a:fillRef>
-      <a:effectRef idx="0">
-        <a:scrgbClr r="0" g="0" b="0"/>
-      </a:effectRef>
-      <a:fontRef idx="minor"/>
-    </dgm:style>
-  </dgm:styleLbl>
-  <dgm:styleLbl name="bgShp">
-    <dgm:scene3d>
-      <a:camera prst="orthographicFront"/>
-      <a:lightRig rig="threePt" dir="t"/>
-    </dgm:scene3d>
-    <dgm:sp3d/>
-    <dgm:txPr/>
-    <dgm:style>
-      <a:lnRef idx="0">
-        <a:scrgbClr r="0" g="0" b="0"/>
-      </a:lnRef>
-      <a:fillRef idx="1">
-        <a:scrgbClr r="0" g="0" b="0"/>
-      </a:fillRef>
-      <a:effectRef idx="0">
-        <a:scrgbClr r="0" g="0" b="0"/>
-      </a:effectRef>
-      <a:fontRef idx="minor"/>
-    </dgm:style>
-  </dgm:styleLbl>
-  <dgm:styleLbl name="dkBgShp">
-    <dgm:scene3d>
-      <a:camera prst="orthographicFront"/>
-      <a:lightRig rig="threePt" dir="t"/>
-    </dgm:scene3d>
-    <dgm:sp3d/>
-    <dgm:txPr/>
-    <dgm:style>
-      <a:lnRef idx="0">
-        <a:scrgbClr r="0" g="0" b="0"/>
-      </a:lnRef>
-      <a:fillRef idx="1">
-        <a:scrgbClr r="0" g="0" b="0"/>
-      </a:fillRef>
-      <a:effectRef idx="0">
-        <a:scrgbClr r="0" g="0" b="0"/>
-      </a:effectRef>
-      <a:fontRef idx="minor"/>
-    </dgm:style>
-  </dgm:styleLbl>
-  <dgm:styleLbl name="trBgShp">
-    <dgm:scene3d>
-      <a:camera prst="orthographicFront"/>
-      <a:lightRig rig="threePt" dir="t"/>
-    </dgm:scene3d>
-    <dgm:sp3d/>
-    <dgm:txPr/>
-    <dgm:style>
-      <a:lnRef idx="0">
-        <a:scrgbClr r="0" g="0" b="0"/>
-      </a:lnRef>
-      <a:fillRef idx="1">
-        <a:scrgbClr r="0" g="0" b="0"/>
-      </a:fillRef>
-      <a:effectRef idx="0">
-        <a:scrgbClr r="0" g="0" b="0"/>
-      </a:effectRef>
-      <a:fontRef idx="minor"/>
-    </dgm:style>
-  </dgm:styleLbl>
-  <dgm:styleLbl name="fgShp">
-    <dgm:scene3d>
-      <a:camera prst="orthographicFront"/>
-      <a:lightRig rig="threePt" dir="t"/>
-    </dgm:scene3d>
-    <dgm:sp3d/>
-    <dgm:txPr/>
-    <dgm:style>
-      <a:lnRef idx="2">
-        <a:scrgbClr r="0" g="0" b="0"/>
-      </a:lnRef>
-      <a:fillRef idx="1">
-        <a:scrgbClr r="0" g="0" b="0"/>
-      </a:fillRef>
-      <a:effectRef idx="0">
-        <a:scrgbClr r="0" g="0" b="0"/>
-      </a:effectRef>
-      <a:fontRef idx="minor"/>
-    </dgm:style>
-  </dgm:styleLbl>
-  <dgm:styleLbl name="revTx">
-    <dgm:scene3d>
-      <a:camera prst="orthographicFront"/>
-      <a:lightRig rig="threePt" dir="t"/>
-    </dgm:scene3d>
-    <dgm:sp3d/>
-    <dgm:txPr/>
-    <dgm:style>
-      <a:lnRef idx="0">
-        <a:scrgbClr r="0" g="0" b="0"/>
-      </a:lnRef>
-      <a:fillRef idx="0">
-        <a:scrgbClr r="0" g="0" b="0"/>
-      </a:fillRef>
-      <a:effectRef idx="0">
-        <a:scrgbClr r="0" g="0" b="0"/>
-      </a:effectRef>
-      <a:fontRef idx="minor"/>
-    </dgm:style>
-  </dgm:styleLbl>
-</dgm:styleDef>
 </file>
 
 <file path=ppt/notesMasters/notesMaster1.xml><?xml version="1.0" encoding="utf-8"?>
@@ -2920,118 +529,6 @@
               <a:tabLst/>
               <a:defRPr/>
             </a:pPr>
-            <a:r>
-              <a:rPr lang="en-US" dirty="0"/>
-              <a:t>1. “No experience with storage services presented in class”</a:t>
-            </a:r>
-          </a:p>
-          <a:p>
-            <a:pPr marL="0" marR="0" lvl="0" indent="0" algn="l" defTabSz="914400" rtl="0" eaLnBrk="1" fontAlgn="auto" latinLnBrk="0" hangingPunct="1">
-              <a:lnSpc>
-                <a:spcPct val="100000"/>
-              </a:lnSpc>
-              <a:spcBef>
-                <a:spcPts val="0"/>
-              </a:spcBef>
-              <a:spcAft>
-                <a:spcPts val="0"/>
-              </a:spcAft>
-              <a:buClrTx/>
-              <a:buSzTx/>
-              <a:buFontTx/>
-              <a:buNone/>
-              <a:tabLst/>
-              <a:defRPr/>
-            </a:pPr>
-            <a:r>
-              <a:rPr lang="en-US" dirty="0"/>
-              <a:t>2. “Amazon Web Services has a bewildering collection of file system choices”</a:t>
-            </a:r>
-          </a:p>
-          <a:p>
-            <a:pPr marL="0" marR="0" lvl="0" indent="0" algn="l" defTabSz="914400" rtl="0" eaLnBrk="1" fontAlgn="auto" latinLnBrk="0" hangingPunct="1">
-              <a:lnSpc>
-                <a:spcPct val="100000"/>
-              </a:lnSpc>
-              <a:spcBef>
-                <a:spcPts val="0"/>
-              </a:spcBef>
-              <a:spcAft>
-                <a:spcPts val="0"/>
-              </a:spcAft>
-              <a:buClrTx/>
-              <a:buSzTx/>
-              <a:buFontTx/>
-              <a:buNone/>
-              <a:tabLst/>
-              <a:defRPr/>
-            </a:pPr>
-            <a:r>
-              <a:rPr lang="en-US" dirty="0"/>
-              <a:t>    “AWS offers many choices. We focused on 2 of their storage services”</a:t>
-            </a:r>
-          </a:p>
-          <a:p>
-            <a:pPr marL="0" marR="0" lvl="0" indent="0" algn="l" defTabSz="914400" rtl="0" eaLnBrk="1" fontAlgn="auto" latinLnBrk="0" hangingPunct="1">
-              <a:lnSpc>
-                <a:spcPct val="100000"/>
-              </a:lnSpc>
-              <a:spcBef>
-                <a:spcPts val="0"/>
-              </a:spcBef>
-              <a:spcAft>
-                <a:spcPts val="0"/>
-              </a:spcAft>
-              <a:buClrTx/>
-              <a:buSzTx/>
-              <a:buFontTx/>
-              <a:buNone/>
-              <a:tabLst/>
-              <a:defRPr/>
-            </a:pPr>
-            <a:r>
-              <a:rPr lang="en-US" dirty="0"/>
-              <a:t>3. “These seem to be interesting and possibly new ways of manipulating data in storage.”</a:t>
-            </a:r>
-          </a:p>
-          <a:p>
-            <a:pPr marL="0" marR="0" lvl="0" indent="0" algn="l" defTabSz="914400" rtl="0" eaLnBrk="1" fontAlgn="auto" latinLnBrk="0" hangingPunct="1">
-              <a:lnSpc>
-                <a:spcPct val="100000"/>
-              </a:lnSpc>
-              <a:spcBef>
-                <a:spcPts val="0"/>
-              </a:spcBef>
-              <a:spcAft>
-                <a:spcPts val="0"/>
-              </a:spcAft>
-              <a:buClrTx/>
-              <a:buSzTx/>
-              <a:buFontTx/>
-              <a:buNone/>
-              <a:tabLst/>
-              <a:defRPr/>
-            </a:pPr>
-            <a:endParaRPr lang="en-US" dirty="0"/>
-          </a:p>
-          <a:p>
-            <a:pPr marL="0" marR="0" lvl="0" indent="0" algn="l" defTabSz="914400" rtl="0" eaLnBrk="1" fontAlgn="auto" latinLnBrk="0" hangingPunct="1">
-              <a:lnSpc>
-                <a:spcPct val="100000"/>
-              </a:lnSpc>
-              <a:spcBef>
-                <a:spcPts val="0"/>
-              </a:spcBef>
-              <a:spcAft>
-                <a:spcPts val="0"/>
-              </a:spcAft>
-              <a:buClrTx/>
-              <a:buSzTx/>
-              <a:buFontTx/>
-              <a:buNone/>
-              <a:tabLst/>
-              <a:defRPr/>
-            </a:pPr>
             <a:endParaRPr lang="en-US" dirty="0"/>
           </a:p>
         </p:txBody>
@@ -3731,13 +1228,24 @@
             <p:ph type="title"/>
           </p:nvPr>
         </p:nvSpPr>
-        <p:spPr/>
-        <p:txBody>
-          <a:bodyPr/>
-          <a:lstStyle/>
-          <a:p>
-            <a:r>
-              <a:rPr lang="en-US"/>
+        <p:spPr>
+          <a:xfrm>
+            <a:off x="615820" y="380572"/>
+            <a:ext cx="10515600" cy="638052"/>
+          </a:xfrm>
+        </p:spPr>
+        <p:txBody>
+          <a:bodyPr>
+            <a:noAutofit/>
+          </a:bodyPr>
+          <a:lstStyle>
+            <a:lvl1pPr>
+              <a:defRPr sz="4400" b="1"/>
+            </a:lvl1pPr>
+          </a:lstStyle>
+          <a:p>
+            <a:r>
+              <a:rPr lang="en-US" dirty="0"/>
               <a:t>Click to edit Master title style</a:t>
             </a:r>
           </a:p>
@@ -3883,6 +1391,50 @@
           </a:p>
         </p:txBody>
       </p:sp>
+      <p:cxnSp>
+        <p:nvCxnSpPr>
+          <p:cNvPr id="7" name="Straight Connector 6">
+            <a:extLst>
+              <a:ext uri="{FF2B5EF4-FFF2-40B4-BE49-F238E27FC236}">
+                <a16:creationId xmlns:a16="http://schemas.microsoft.com/office/drawing/2014/main" id="{1FFB6EB9-9B8F-2375-C5BD-AD79DF4E3AD2}"/>
+              </a:ext>
+            </a:extLst>
+          </p:cNvPr>
+          <p:cNvCxnSpPr/>
+          <p:nvPr userDrawn="1"/>
+        </p:nvCxnSpPr>
+        <p:spPr>
+          <a:xfrm>
+            <a:off x="615820" y="1287624"/>
+            <a:ext cx="10954139" cy="0"/>
+          </a:xfrm>
+          <a:prstGeom prst="line">
+            <a:avLst/>
+          </a:prstGeom>
+          <a:ln w="19050">
+            <a:solidFill>
+              <a:schemeClr val="bg1">
+                <a:lumMod val="50000"/>
+              </a:schemeClr>
+            </a:solidFill>
+            <a:prstDash val="sysDash"/>
+          </a:ln>
+        </p:spPr>
+        <p:style>
+          <a:lnRef idx="1">
+            <a:schemeClr val="accent1"/>
+          </a:lnRef>
+          <a:fillRef idx="0">
+            <a:schemeClr val="accent1"/>
+          </a:fillRef>
+          <a:effectRef idx="0">
+            <a:schemeClr val="accent1"/>
+          </a:effectRef>
+          <a:fontRef idx="minor">
+            <a:schemeClr val="tx1"/>
+          </a:fontRef>
+        </p:style>
+      </p:cxnSp>
     </p:spTree>
     <p:extLst>
       <p:ext uri="{BB962C8B-B14F-4D97-AF65-F5344CB8AC3E}">
@@ -7006,37 +4558,6 @@
           </a:p>
         </p:txBody>
       </p:sp>
-      <p:graphicFrame>
-        <p:nvGraphicFramePr>
-          <p:cNvPr id="7" name="Content Placeholder 2">
-            <a:extLst>
-              <a:ext uri="{FF2B5EF4-FFF2-40B4-BE49-F238E27FC236}">
-                <a16:creationId xmlns:a16="http://schemas.microsoft.com/office/drawing/2014/main" id="{D2B600C7-A791-F681-D189-DA40156272DD}"/>
-              </a:ext>
-            </a:extLst>
-          </p:cNvPr>
-          <p:cNvGraphicFramePr>
-            <a:graphicFrameLocks noGrp="1"/>
-          </p:cNvGraphicFramePr>
-          <p:nvPr>
-            <p:ph idx="1"/>
-            <p:extLst>
-              <p:ext uri="{D42A27DB-BD31-4B8C-83A1-F6EECF244321}">
-                <p14:modId xmlns:p14="http://schemas.microsoft.com/office/powerpoint/2010/main" val="4095380740"/>
-              </p:ext>
-            </p:extLst>
-          </p:nvPr>
-        </p:nvGraphicFramePr>
-        <p:xfrm>
-          <a:off x="838200" y="1825625"/>
-          <a:ext cx="10515600" cy="4351338"/>
-        </p:xfrm>
-        <a:graphic>
-          <a:graphicData uri="http://schemas.openxmlformats.org/drawingml/2006/diagram">
-            <dgm:relIds xmlns:dgm="http://schemas.openxmlformats.org/drawingml/2006/diagram" xmlns:r="http://schemas.openxmlformats.org/officeDocument/2006/relationships" r:dm="rId3" r:lo="rId4" r:qs="rId5" r:cs="rId6"/>
-          </a:graphicData>
-        </a:graphic>
-      </p:graphicFrame>
       <p:cxnSp>
         <p:nvCxnSpPr>
           <p:cNvPr id="5" name="Straight Connector 4">
@@ -7081,10 +4602,502 @@
           </a:fontRef>
         </p:style>
       </p:cxnSp>
+      <p:sp>
+        <p:nvSpPr>
+          <p:cNvPr id="4" name="Content Placeholder 3">
+            <a:extLst>
+              <a:ext uri="{FF2B5EF4-FFF2-40B4-BE49-F238E27FC236}">
+                <a16:creationId xmlns:a16="http://schemas.microsoft.com/office/drawing/2014/main" id="{8A9E4EF8-5E69-948B-8D9B-5C6461DEB974}"/>
+              </a:ext>
+            </a:extLst>
+          </p:cNvPr>
+          <p:cNvSpPr>
+            <a:spLocks noGrp="1"/>
+          </p:cNvSpPr>
+          <p:nvPr>
+            <p:ph idx="1"/>
+          </p:nvPr>
+        </p:nvSpPr>
+        <p:spPr/>
+        <p:txBody>
+          <a:bodyPr/>
+          <a:lstStyle/>
+          <a:p>
+            <a:endParaRPr lang="en-US" dirty="0"/>
+          </a:p>
+        </p:txBody>
+      </p:sp>
     </p:spTree>
     <p:extLst>
       <p:ext uri="{BB962C8B-B14F-4D97-AF65-F5344CB8AC3E}">
         <p14:creationId xmlns:p14="http://schemas.microsoft.com/office/powerpoint/2010/main" val="838582685"/>
+      </p:ext>
+    </p:extLst>
+  </p:cSld>
+  <p:clrMapOvr>
+    <a:masterClrMapping/>
+  </p:clrMapOvr>
+</p:sld>
+</file>
+
+<file path=ppt/slides/slide3.xml><?xml version="1.0" encoding="utf-8"?>
+<p:sld xmlns:a="http://schemas.openxmlformats.org/drawingml/2006/main" xmlns:r="http://schemas.openxmlformats.org/officeDocument/2006/relationships" xmlns:p="http://schemas.openxmlformats.org/presentationml/2006/main">
+  <p:cSld>
+    <p:spTree>
+      <p:nvGrpSpPr>
+        <p:cNvPr id="1" name=""/>
+        <p:cNvGrpSpPr/>
+        <p:nvPr/>
+      </p:nvGrpSpPr>
+      <p:grpSpPr>
+        <a:xfrm>
+          <a:off x="0" y="0"/>
+          <a:ext cx="0" cy="0"/>
+          <a:chOff x="0" y="0"/>
+          <a:chExt cx="0" cy="0"/>
+        </a:xfrm>
+      </p:grpSpPr>
+      <p:sp>
+        <p:nvSpPr>
+          <p:cNvPr id="2" name="Title 1">
+            <a:extLst>
+              <a:ext uri="{FF2B5EF4-FFF2-40B4-BE49-F238E27FC236}">
+                <a16:creationId xmlns:a16="http://schemas.microsoft.com/office/drawing/2014/main" id="{C522C03A-1F25-FFCB-9A59-564E472BE731}"/>
+              </a:ext>
+            </a:extLst>
+          </p:cNvPr>
+          <p:cNvSpPr>
+            <a:spLocks noGrp="1"/>
+          </p:cNvSpPr>
+          <p:nvPr>
+            <p:ph type="title"/>
+          </p:nvPr>
+        </p:nvSpPr>
+        <p:spPr/>
+        <p:txBody>
+          <a:bodyPr/>
+          <a:lstStyle/>
+          <a:p>
+            <a:r>
+              <a:rPr lang="en-US" dirty="0"/>
+              <a:t>Hashing</a:t>
+            </a:r>
+          </a:p>
+        </p:txBody>
+      </p:sp>
+      <p:sp>
+        <p:nvSpPr>
+          <p:cNvPr id="3" name="Content Placeholder 2">
+            <a:extLst>
+              <a:ext uri="{FF2B5EF4-FFF2-40B4-BE49-F238E27FC236}">
+                <a16:creationId xmlns:a16="http://schemas.microsoft.com/office/drawing/2014/main" id="{4928701A-C732-A649-3B69-6F919769FA47}"/>
+              </a:ext>
+            </a:extLst>
+          </p:cNvPr>
+          <p:cNvSpPr>
+            <a:spLocks noGrp="1"/>
+          </p:cNvSpPr>
+          <p:nvPr>
+            <p:ph idx="1"/>
+          </p:nvPr>
+        </p:nvSpPr>
+        <p:spPr/>
+        <p:txBody>
+          <a:bodyPr/>
+          <a:lstStyle/>
+          <a:p>
+            <a:r>
+              <a:rPr lang="en-US" dirty="0"/>
+              <a:t>Comparing all the functions with each other is at least O(n</a:t>
+            </a:r>
+            <a:r>
+              <a:rPr lang="en-US" baseline="30000" dirty="0"/>
+              <a:t>2</a:t>
+            </a:r>
+            <a:r>
+              <a:rPr lang="en-US" dirty="0"/>
+              <a:t>).</a:t>
+            </a:r>
+          </a:p>
+          <a:p>
+            <a:r>
+              <a:rPr lang="en-US" dirty="0"/>
+              <a:t>We used </a:t>
+            </a:r>
+            <a:r>
+              <a:rPr lang="en-US" dirty="0">
+                <a:solidFill>
+                  <a:schemeClr val="accent2"/>
+                </a:solidFill>
+              </a:rPr>
+              <a:t>Locality-Sensitive Hashing</a:t>
+            </a:r>
+            <a:r>
+              <a:rPr lang="en-US" dirty="0"/>
+              <a:t> (LSH) to speed up each compare.</a:t>
+            </a:r>
+          </a:p>
+          <a:p>
+            <a:pPr lvl="1"/>
+            <a:r>
+              <a:rPr lang="en-US" dirty="0"/>
+              <a:t>The </a:t>
+            </a:r>
+            <a:r>
+              <a:rPr lang="en-US" dirty="0" err="1">
+                <a:latin typeface="Courier New" panose="02070309020205020404" pitchFamily="49" charset="0"/>
+                <a:cs typeface="Courier New" panose="02070309020205020404" pitchFamily="49" charset="0"/>
+              </a:rPr>
+              <a:t>py-tlsh</a:t>
+            </a:r>
+            <a:r>
+              <a:rPr lang="en-US" dirty="0"/>
+              <a:t> library has convenient functions for this.</a:t>
+            </a:r>
+          </a:p>
+          <a:p>
+            <a:endParaRPr lang="en-US" dirty="0"/>
+          </a:p>
+        </p:txBody>
+      </p:sp>
+    </p:spTree>
+    <p:extLst>
+      <p:ext uri="{BB962C8B-B14F-4D97-AF65-F5344CB8AC3E}">
+        <p14:creationId xmlns:p14="http://schemas.microsoft.com/office/powerpoint/2010/main" val="35865248"/>
+      </p:ext>
+    </p:extLst>
+  </p:cSld>
+  <p:clrMapOvr>
+    <a:masterClrMapping/>
+  </p:clrMapOvr>
+</p:sld>
+</file>
+
+<file path=ppt/slides/slide4.xml><?xml version="1.0" encoding="utf-8"?>
+<p:sld xmlns:a="http://schemas.openxmlformats.org/drawingml/2006/main" xmlns:r="http://schemas.openxmlformats.org/officeDocument/2006/relationships" xmlns:p="http://schemas.openxmlformats.org/presentationml/2006/main">
+  <p:cSld>
+    <p:spTree>
+      <p:nvGrpSpPr>
+        <p:cNvPr id="1" name=""/>
+        <p:cNvGrpSpPr/>
+        <p:nvPr/>
+      </p:nvGrpSpPr>
+      <p:grpSpPr>
+        <a:xfrm>
+          <a:off x="0" y="0"/>
+          <a:ext cx="0" cy="0"/>
+          <a:chOff x="0" y="0"/>
+          <a:chExt cx="0" cy="0"/>
+        </a:xfrm>
+      </p:grpSpPr>
+      <p:sp>
+        <p:nvSpPr>
+          <p:cNvPr id="2" name="Title 1">
+            <a:extLst>
+              <a:ext uri="{FF2B5EF4-FFF2-40B4-BE49-F238E27FC236}">
+                <a16:creationId xmlns:a16="http://schemas.microsoft.com/office/drawing/2014/main" id="{C522C03A-1F25-FFCB-9A59-564E472BE731}"/>
+              </a:ext>
+            </a:extLst>
+          </p:cNvPr>
+          <p:cNvSpPr>
+            <a:spLocks noGrp="1"/>
+          </p:cNvSpPr>
+          <p:nvPr>
+            <p:ph type="title"/>
+          </p:nvPr>
+        </p:nvSpPr>
+        <p:spPr/>
+        <p:txBody>
+          <a:bodyPr>
+            <a:normAutofit fontScale="90000"/>
+          </a:bodyPr>
+          <a:lstStyle/>
+          <a:p>
+            <a:r>
+              <a:rPr lang="en-US" sz="4900" dirty="0"/>
+              <a:t>Hashing</a:t>
+            </a:r>
+            <a:endParaRPr lang="en-US" dirty="0"/>
+          </a:p>
+        </p:txBody>
+      </p:sp>
+      <p:sp>
+        <p:nvSpPr>
+          <p:cNvPr id="3" name="Content Placeholder 2">
+            <a:extLst>
+              <a:ext uri="{FF2B5EF4-FFF2-40B4-BE49-F238E27FC236}">
+                <a16:creationId xmlns:a16="http://schemas.microsoft.com/office/drawing/2014/main" id="{4928701A-C732-A649-3B69-6F919769FA47}"/>
+              </a:ext>
+            </a:extLst>
+          </p:cNvPr>
+          <p:cNvSpPr>
+            <a:spLocks noGrp="1"/>
+          </p:cNvSpPr>
+          <p:nvPr>
+            <p:ph idx="1"/>
+          </p:nvPr>
+        </p:nvSpPr>
+        <p:spPr/>
+        <p:txBody>
+          <a:bodyPr/>
+          <a:lstStyle/>
+          <a:p>
+            <a:r>
+              <a:rPr lang="en-US" dirty="0"/>
+              <a:t>LSH uses a hash function on a large string of text (like a source code listing of a function) and converts it to a hash code of small fixed size.</a:t>
+            </a:r>
+          </a:p>
+          <a:p>
+            <a:pPr lvl="1"/>
+            <a:r>
+              <a:rPr lang="en-US" dirty="0"/>
+              <a:t>A function might be several KB if it contains 1000’s of characters.</a:t>
+            </a:r>
+          </a:p>
+          <a:p>
+            <a:pPr lvl="1"/>
+            <a:r>
+              <a:rPr lang="en-US" dirty="0"/>
+              <a:t>The hash code (in our version) is always 70 bytes.</a:t>
+            </a:r>
+          </a:p>
+          <a:p>
+            <a:r>
+              <a:rPr lang="en-US" dirty="0"/>
+              <a:t>The trick is that hash codes are locality sensitive:</a:t>
+            </a:r>
+          </a:p>
+          <a:p>
+            <a:pPr lvl="1"/>
+            <a:r>
+              <a:rPr lang="en-US" dirty="0"/>
+              <a:t>If two input strings are almost alike, the corresponding hash codes will be almost alike.</a:t>
+            </a:r>
+          </a:p>
+          <a:p>
+            <a:r>
+              <a:rPr lang="en-US" dirty="0"/>
+              <a:t>Hashing all of the code blocks in our base only adds O(n) complexity.</a:t>
+            </a:r>
+          </a:p>
+          <a:p>
+            <a:endParaRPr lang="en-US" dirty="0"/>
+          </a:p>
+        </p:txBody>
+      </p:sp>
+    </p:spTree>
+    <p:extLst>
+      <p:ext uri="{BB962C8B-B14F-4D97-AF65-F5344CB8AC3E}">
+        <p14:creationId xmlns:p14="http://schemas.microsoft.com/office/powerpoint/2010/main" val="817203057"/>
+      </p:ext>
+    </p:extLst>
+  </p:cSld>
+  <p:clrMapOvr>
+    <a:masterClrMapping/>
+  </p:clrMapOvr>
+</p:sld>
+</file>
+
+<file path=ppt/slides/slide5.xml><?xml version="1.0" encoding="utf-8"?>
+<p:sld xmlns:a="http://schemas.openxmlformats.org/drawingml/2006/main" xmlns:r="http://schemas.openxmlformats.org/officeDocument/2006/relationships" xmlns:p="http://schemas.openxmlformats.org/presentationml/2006/main">
+  <p:cSld>
+    <p:spTree>
+      <p:nvGrpSpPr>
+        <p:cNvPr id="1" name=""/>
+        <p:cNvGrpSpPr/>
+        <p:nvPr/>
+      </p:nvGrpSpPr>
+      <p:grpSpPr>
+        <a:xfrm>
+          <a:off x="0" y="0"/>
+          <a:ext cx="0" cy="0"/>
+          <a:chOff x="0" y="0"/>
+          <a:chExt cx="0" cy="0"/>
+        </a:xfrm>
+      </p:grpSpPr>
+      <p:sp>
+        <p:nvSpPr>
+          <p:cNvPr id="2" name="Title 1">
+            <a:extLst>
+              <a:ext uri="{FF2B5EF4-FFF2-40B4-BE49-F238E27FC236}">
+                <a16:creationId xmlns:a16="http://schemas.microsoft.com/office/drawing/2014/main" id="{82A22F9F-30AD-859E-B701-92F7A256856D}"/>
+              </a:ext>
+            </a:extLst>
+          </p:cNvPr>
+          <p:cNvSpPr>
+            <a:spLocks noGrp="1"/>
+          </p:cNvSpPr>
+          <p:nvPr>
+            <p:ph type="title"/>
+          </p:nvPr>
+        </p:nvSpPr>
+        <p:spPr/>
+        <p:txBody>
+          <a:bodyPr>
+            <a:noAutofit/>
+          </a:bodyPr>
+          <a:lstStyle/>
+          <a:p>
+            <a:r>
+              <a:rPr lang="en-US" dirty="0"/>
+              <a:t>String similarity</a:t>
+            </a:r>
+          </a:p>
+        </p:txBody>
+      </p:sp>
+      <p:sp>
+        <p:nvSpPr>
+          <p:cNvPr id="3" name="Content Placeholder 2">
+            <a:extLst>
+              <a:ext uri="{FF2B5EF4-FFF2-40B4-BE49-F238E27FC236}">
+                <a16:creationId xmlns:a16="http://schemas.microsoft.com/office/drawing/2014/main" id="{49BF805F-408E-585C-FCBE-9B0FA5EA3A8C}"/>
+              </a:ext>
+            </a:extLst>
+          </p:cNvPr>
+          <p:cNvSpPr>
+            <a:spLocks noGrp="1"/>
+          </p:cNvSpPr>
+          <p:nvPr>
+            <p:ph idx="1"/>
+          </p:nvPr>
+        </p:nvSpPr>
+        <p:spPr/>
+        <p:txBody>
+          <a:bodyPr/>
+          <a:lstStyle/>
+          <a:p>
+            <a:r>
+              <a:rPr lang="en-US" dirty="0"/>
+              <a:t>We can approximate how close two blocks of code are by computing string similarity on just the hash codes from LSH.</a:t>
+            </a:r>
+          </a:p>
+          <a:p>
+            <a:pPr lvl="1"/>
+            <a:r>
+              <a:rPr lang="en-US" dirty="0"/>
+              <a:t>It is much cheaper than checking over the whole </a:t>
+            </a:r>
+            <a:r>
+              <a:rPr lang="en-US" dirty="0" err="1"/>
+              <a:t>unhashed</a:t>
+            </a:r>
+            <a:r>
+              <a:rPr lang="en-US" dirty="0"/>
+              <a:t> text block.</a:t>
+            </a:r>
+          </a:p>
+          <a:p>
+            <a:r>
+              <a:rPr lang="en-US" dirty="0"/>
+              <a:t>We used the </a:t>
+            </a:r>
+            <a:r>
+              <a:rPr lang="en-US" dirty="0" err="1">
+                <a:solidFill>
+                  <a:schemeClr val="accent2"/>
+                </a:solidFill>
+              </a:rPr>
+              <a:t>Levenshtein</a:t>
+            </a:r>
+            <a:r>
+              <a:rPr lang="en-US" dirty="0">
+                <a:solidFill>
+                  <a:schemeClr val="accent2"/>
+                </a:solidFill>
+              </a:rPr>
+              <a:t> Distance</a:t>
+            </a:r>
+            <a:r>
+              <a:rPr lang="en-US" dirty="0"/>
+              <a:t> algorithm (</a:t>
+            </a:r>
+            <a:r>
+              <a:rPr lang="en-US" dirty="0" err="1">
+                <a:latin typeface="Courier New" panose="02070309020205020404" pitchFamily="49" charset="0"/>
+                <a:cs typeface="Courier New" panose="02070309020205020404" pitchFamily="49" charset="0"/>
+              </a:rPr>
+              <a:t>fuzzywuzzy</a:t>
+            </a:r>
+            <a:r>
+              <a:rPr lang="en-US" dirty="0"/>
+              <a:t> library)</a:t>
+            </a:r>
+          </a:p>
+          <a:p>
+            <a:pPr lvl="1"/>
+            <a:r>
+              <a:rPr lang="en-US" dirty="0"/>
+              <a:t>The similarity score = the number of single character edits needed to convert one string into another. </a:t>
+            </a:r>
+          </a:p>
+          <a:p>
+            <a:pPr lvl="1"/>
+            <a:r>
+              <a:rPr lang="en-US" dirty="0"/>
+              <a:t>Edits = </a:t>
+            </a:r>
+            <a:r>
+              <a:rPr lang="en-US" dirty="0">
+                <a:solidFill>
+                  <a:schemeClr val="accent5"/>
+                </a:solidFill>
+              </a:rPr>
+              <a:t>change</a:t>
+            </a:r>
+            <a:r>
+              <a:rPr lang="en-US" dirty="0"/>
+              <a:t>, </a:t>
+            </a:r>
+            <a:r>
+              <a:rPr lang="en-US" dirty="0">
+                <a:solidFill>
+                  <a:schemeClr val="accent6"/>
+                </a:solidFill>
+              </a:rPr>
+              <a:t>add</a:t>
+            </a:r>
+            <a:r>
+              <a:rPr lang="en-US" dirty="0"/>
+              <a:t>, or </a:t>
+            </a:r>
+            <a:r>
+              <a:rPr lang="en-US" dirty="0">
+                <a:solidFill>
+                  <a:srgbClr val="FF0000"/>
+                </a:solidFill>
+              </a:rPr>
+              <a:t>delete</a:t>
+            </a:r>
+            <a:r>
+              <a:rPr lang="en-US" dirty="0"/>
+              <a:t> one character.</a:t>
+            </a:r>
+          </a:p>
+          <a:p>
+            <a:pPr lvl="1"/>
+            <a:r>
+              <a:rPr lang="en-US" dirty="0"/>
+              <a:t>Since all hash codes are the same length, we only considered </a:t>
+            </a:r>
+            <a:r>
+              <a:rPr lang="en-US" dirty="0">
+                <a:solidFill>
+                  <a:schemeClr val="accent5"/>
+                </a:solidFill>
+              </a:rPr>
+              <a:t>change</a:t>
+            </a:r>
+            <a:r>
+              <a:rPr lang="en-US" dirty="0"/>
+              <a:t>.</a:t>
+            </a:r>
+          </a:p>
+        </p:txBody>
+      </p:sp>
+    </p:spTree>
+    <p:extLst>
+      <p:ext uri="{BB962C8B-B14F-4D97-AF65-F5344CB8AC3E}">
+        <p14:creationId xmlns:p14="http://schemas.microsoft.com/office/powerpoint/2010/main" val="2475185730"/>
       </p:ext>
     </p:extLst>
   </p:cSld>

--- a/presentation.pptx
+++ b/presentation.pptx
@@ -4756,6 +4756,26 @@
             </a:r>
           </a:p>
           <a:p>
+            <a:r>
+              <a:rPr lang="en-US" dirty="0"/>
+              <a:t>A hash function on a large string of text (like a source code listing of a function) converts it to a hash code of a small fixed size.</a:t>
+            </a:r>
+          </a:p>
+          <a:p>
+            <a:pPr lvl="1"/>
+            <a:r>
+              <a:rPr lang="en-US" dirty="0"/>
+              <a:t>A function might be several KB if it contains 1000’s of characters.</a:t>
+            </a:r>
+          </a:p>
+          <a:p>
+            <a:pPr lvl="1"/>
+            <a:r>
+              <a:rPr lang="en-US" dirty="0"/>
+              <a:t>The hash code (in our version) is always 70 bytes.</a:t>
+            </a:r>
+          </a:p>
+          <a:p>
             <a:endParaRPr lang="en-US" dirty="0"/>
           </a:p>
         </p:txBody>
@@ -4815,7 +4835,7 @@
           <a:p>
             <a:r>
               <a:rPr lang="en-US" sz="4900" dirty="0"/>
-              <a:t>Hashing</a:t>
+              <a:t>What is Locality-Sensitive Hash (LSH)?</a:t>
             </a:r>
             <a:endParaRPr lang="en-US" dirty="0"/>
           </a:p>
@@ -4844,27 +4864,7 @@
           <a:p>
             <a:r>
               <a:rPr lang="en-US" dirty="0"/>
-              <a:t>LSH uses a hash function on a large string of text (like a source code listing of a function) and converts it to a hash code of small fixed size.</a:t>
-            </a:r>
-          </a:p>
-          <a:p>
-            <a:pPr lvl="1"/>
-            <a:r>
-              <a:rPr lang="en-US" dirty="0"/>
-              <a:t>A function might be several KB if it contains 1000’s of characters.</a:t>
-            </a:r>
-          </a:p>
-          <a:p>
-            <a:pPr lvl="1"/>
-            <a:r>
-              <a:rPr lang="en-US" dirty="0"/>
-              <a:t>The hash code (in our version) is always 70 bytes.</a:t>
-            </a:r>
-          </a:p>
-          <a:p>
-            <a:r>
-              <a:rPr lang="en-US" dirty="0"/>
-              <a:t>The trick is that hash codes are locality sensitive:</a:t>
+              <a:t>The trick is that LSH hash codes are locality sensitive:</a:t>
             </a:r>
           </a:p>
           <a:p>

--- a/presentation.pptx
+++ b/presentation.pptx
@@ -5,14 +5,16 @@
     <p:sldMasterId id="2147483648" r:id="rId1"/>
   </p:sldMasterIdLst>
   <p:notesMasterIdLst>
-    <p:notesMasterId r:id="rId7"/>
+    <p:notesMasterId r:id="rId9"/>
   </p:notesMasterIdLst>
   <p:sldIdLst>
     <p:sldId id="256" r:id="rId2"/>
     <p:sldId id="257" r:id="rId3"/>
-    <p:sldId id="258" r:id="rId4"/>
-    <p:sldId id="259" r:id="rId5"/>
-    <p:sldId id="260" r:id="rId6"/>
+    <p:sldId id="262" r:id="rId4"/>
+    <p:sldId id="261" r:id="rId5"/>
+    <p:sldId id="258" r:id="rId6"/>
+    <p:sldId id="259" r:id="rId7"/>
+    <p:sldId id="260" r:id="rId8"/>
   </p:sldIdLst>
   <p:sldSz cx="12192000" cy="6858000"/>
   <p:notesSz cx="6858000" cy="9144000"/>
@@ -560,6 +562,208 @@
     <p:extLst>
       <p:ext uri="{BB962C8B-B14F-4D97-AF65-F5344CB8AC3E}">
         <p14:creationId xmlns:p14="http://schemas.microsoft.com/office/powerpoint/2010/main" val="1053220231"/>
+      </p:ext>
+    </p:extLst>
+  </p:cSld>
+  <p:clrMapOvr>
+    <a:masterClrMapping/>
+  </p:clrMapOvr>
+</p:notes>
+</file>
+
+<file path=ppt/notesSlides/notesSlide2.xml><?xml version="1.0" encoding="utf-8"?>
+<p:notes xmlns:a="http://schemas.openxmlformats.org/drawingml/2006/main" xmlns:r="http://schemas.openxmlformats.org/officeDocument/2006/relationships" xmlns:p="http://schemas.openxmlformats.org/presentationml/2006/main">
+  <p:cSld>
+    <p:spTree>
+      <p:nvGrpSpPr>
+        <p:cNvPr id="1" name=""/>
+        <p:cNvGrpSpPr/>
+        <p:nvPr/>
+      </p:nvGrpSpPr>
+      <p:grpSpPr>
+        <a:xfrm>
+          <a:off x="0" y="0"/>
+          <a:ext cx="0" cy="0"/>
+          <a:chOff x="0" y="0"/>
+          <a:chExt cx="0" cy="0"/>
+        </a:xfrm>
+      </p:grpSpPr>
+      <p:sp>
+        <p:nvSpPr>
+          <p:cNvPr id="2" name="Slide Image Placeholder 1"/>
+          <p:cNvSpPr>
+            <a:spLocks noGrp="1" noRot="1" noChangeAspect="1"/>
+          </p:cNvSpPr>
+          <p:nvPr>
+            <p:ph type="sldImg"/>
+          </p:nvPr>
+        </p:nvSpPr>
+        <p:spPr/>
+      </p:sp>
+      <p:sp>
+        <p:nvSpPr>
+          <p:cNvPr id="3" name="Notes Placeholder 2"/>
+          <p:cNvSpPr>
+            <a:spLocks noGrp="1"/>
+          </p:cNvSpPr>
+          <p:nvPr>
+            <p:ph type="body" idx="1"/>
+          </p:nvPr>
+        </p:nvSpPr>
+        <p:spPr/>
+        <p:txBody>
+          <a:bodyPr/>
+          <a:lstStyle/>
+          <a:p>
+            <a:pPr marL="0" marR="0" lvl="0" indent="0" algn="l" defTabSz="914400" rtl="0" eaLnBrk="1" fontAlgn="auto" latinLnBrk="0" hangingPunct="1">
+              <a:lnSpc>
+                <a:spcPct val="100000"/>
+              </a:lnSpc>
+              <a:spcBef>
+                <a:spcPts val="0"/>
+              </a:spcBef>
+              <a:spcAft>
+                <a:spcPts val="0"/>
+              </a:spcAft>
+              <a:buClrTx/>
+              <a:buSzTx/>
+              <a:buFontTx/>
+              <a:buNone/>
+              <a:tabLst/>
+              <a:defRPr/>
+            </a:pPr>
+            <a:endParaRPr lang="en-US" dirty="0"/>
+          </a:p>
+        </p:txBody>
+      </p:sp>
+      <p:sp>
+        <p:nvSpPr>
+          <p:cNvPr id="4" name="Slide Number Placeholder 3"/>
+          <p:cNvSpPr>
+            <a:spLocks noGrp="1"/>
+          </p:cNvSpPr>
+          <p:nvPr>
+            <p:ph type="sldNum" sz="quarter" idx="5"/>
+          </p:nvPr>
+        </p:nvSpPr>
+        <p:spPr/>
+        <p:txBody>
+          <a:bodyPr/>
+          <a:lstStyle/>
+          <a:p>
+            <a:fld id="{1BFF8EC0-4E85-4B5B-B1AE-D39CEADE6519}" type="slidenum">
+              <a:rPr lang="en-US" smtClean="0"/>
+              <a:t>3</a:t>
+            </a:fld>
+            <a:endParaRPr lang="en-US"/>
+          </a:p>
+        </p:txBody>
+      </p:sp>
+    </p:spTree>
+    <p:extLst>
+      <p:ext uri="{BB962C8B-B14F-4D97-AF65-F5344CB8AC3E}">
+        <p14:creationId xmlns:p14="http://schemas.microsoft.com/office/powerpoint/2010/main" val="1412841110"/>
+      </p:ext>
+    </p:extLst>
+  </p:cSld>
+  <p:clrMapOvr>
+    <a:masterClrMapping/>
+  </p:clrMapOvr>
+</p:notes>
+</file>
+
+<file path=ppt/notesSlides/notesSlide3.xml><?xml version="1.0" encoding="utf-8"?>
+<p:notes xmlns:a="http://schemas.openxmlformats.org/drawingml/2006/main" xmlns:r="http://schemas.openxmlformats.org/officeDocument/2006/relationships" xmlns:p="http://schemas.openxmlformats.org/presentationml/2006/main">
+  <p:cSld>
+    <p:spTree>
+      <p:nvGrpSpPr>
+        <p:cNvPr id="1" name=""/>
+        <p:cNvGrpSpPr/>
+        <p:nvPr/>
+      </p:nvGrpSpPr>
+      <p:grpSpPr>
+        <a:xfrm>
+          <a:off x="0" y="0"/>
+          <a:ext cx="0" cy="0"/>
+          <a:chOff x="0" y="0"/>
+          <a:chExt cx="0" cy="0"/>
+        </a:xfrm>
+      </p:grpSpPr>
+      <p:sp>
+        <p:nvSpPr>
+          <p:cNvPr id="2" name="Slide Image Placeholder 1"/>
+          <p:cNvSpPr>
+            <a:spLocks noGrp="1" noRot="1" noChangeAspect="1"/>
+          </p:cNvSpPr>
+          <p:nvPr>
+            <p:ph type="sldImg"/>
+          </p:nvPr>
+        </p:nvSpPr>
+        <p:spPr/>
+      </p:sp>
+      <p:sp>
+        <p:nvSpPr>
+          <p:cNvPr id="3" name="Notes Placeholder 2"/>
+          <p:cNvSpPr>
+            <a:spLocks noGrp="1"/>
+          </p:cNvSpPr>
+          <p:nvPr>
+            <p:ph type="body" idx="1"/>
+          </p:nvPr>
+        </p:nvSpPr>
+        <p:spPr/>
+        <p:txBody>
+          <a:bodyPr/>
+          <a:lstStyle/>
+          <a:p>
+            <a:pPr marL="0" marR="0" lvl="0" indent="0" algn="l" defTabSz="914400" rtl="0" eaLnBrk="1" fontAlgn="auto" latinLnBrk="0" hangingPunct="1">
+              <a:lnSpc>
+                <a:spcPct val="100000"/>
+              </a:lnSpc>
+              <a:spcBef>
+                <a:spcPts val="0"/>
+              </a:spcBef>
+              <a:spcAft>
+                <a:spcPts val="0"/>
+              </a:spcAft>
+              <a:buClrTx/>
+              <a:buSzTx/>
+              <a:buFontTx/>
+              <a:buNone/>
+              <a:tabLst/>
+              <a:defRPr/>
+            </a:pPr>
+            <a:endParaRPr lang="en-US" dirty="0"/>
+          </a:p>
+        </p:txBody>
+      </p:sp>
+      <p:sp>
+        <p:nvSpPr>
+          <p:cNvPr id="4" name="Slide Number Placeholder 3"/>
+          <p:cNvSpPr>
+            <a:spLocks noGrp="1"/>
+          </p:cNvSpPr>
+          <p:nvPr>
+            <p:ph type="sldNum" sz="quarter" idx="5"/>
+          </p:nvPr>
+        </p:nvSpPr>
+        <p:spPr/>
+        <p:txBody>
+          <a:bodyPr/>
+          <a:lstStyle/>
+          <a:p>
+            <a:fld id="{1BFF8EC0-4E85-4B5B-B1AE-D39CEADE6519}" type="slidenum">
+              <a:rPr lang="en-US" smtClean="0"/>
+              <a:t>4</a:t>
+            </a:fld>
+            <a:endParaRPr lang="en-US"/>
+          </a:p>
+        </p:txBody>
+      </p:sp>
+    </p:spTree>
+    <p:extLst>
+      <p:ext uri="{BB962C8B-B14F-4D97-AF65-F5344CB8AC3E}">
+        <p14:creationId xmlns:p14="http://schemas.microsoft.com/office/powerpoint/2010/main" val="4046277285"/>
       </p:ext>
     </p:extLst>
   </p:cSld>
@@ -4618,12 +4822,28 @@
             <p:ph idx="1"/>
           </p:nvPr>
         </p:nvSpPr>
-        <p:spPr/>
-        <p:txBody>
-          <a:bodyPr/>
-          <a:lstStyle/>
-          <a:p>
-            <a:endParaRPr lang="en-US" dirty="0"/>
+        <p:spPr>
+          <a:xfrm>
+            <a:off x="838200" y="1635620"/>
+            <a:ext cx="10515600" cy="4351338"/>
+          </a:xfrm>
+        </p:spPr>
+        <p:txBody>
+          <a:bodyPr>
+            <a:normAutofit/>
+          </a:bodyPr>
+          <a:lstStyle/>
+          <a:p>
+            <a:r>
+              <a:rPr lang="en-US" sz="3200" dirty="0"/>
+              <a:t>We wanted to avoid using Control Flow or Abstract Syntax Trees</a:t>
+            </a:r>
+          </a:p>
+          <a:p>
+            <a:r>
+              <a:rPr lang="en-US" sz="3200" dirty="0"/>
+              <a:t>We limit our work to python files</a:t>
+            </a:r>
           </a:p>
         </p:txBody>
       </p:sp>
@@ -4662,7 +4882,7 @@
           <p:cNvPr id="2" name="Title 1">
             <a:extLst>
               <a:ext uri="{FF2B5EF4-FFF2-40B4-BE49-F238E27FC236}">
-                <a16:creationId xmlns:a16="http://schemas.microsoft.com/office/drawing/2014/main" id="{C522C03A-1F25-FFCB-9A59-564E472BE731}"/>
+                <a16:creationId xmlns:a16="http://schemas.microsoft.com/office/drawing/2014/main" id="{D0B87F8E-5D83-4513-9285-8A122C4A62CB}"/>
               </a:ext>
             </a:extLst>
           </p:cNvPr>
@@ -4673,117 +4893,569 @@
             <p:ph type="title"/>
           </p:nvPr>
         </p:nvSpPr>
-        <p:spPr/>
+        <p:spPr>
+          <a:xfrm>
+            <a:off x="615820" y="365126"/>
+            <a:ext cx="10737980" cy="745218"/>
+          </a:xfrm>
+        </p:spPr>
         <p:txBody>
           <a:bodyPr/>
           <a:lstStyle/>
           <a:p>
             <a:r>
               <a:rPr lang="en-US" dirty="0"/>
-              <a:t>Hashing</a:t>
-            </a:r>
-          </a:p>
-        </p:txBody>
-      </p:sp>
-      <p:sp>
-        <p:nvSpPr>
-          <p:cNvPr id="3" name="Content Placeholder 2">
-            <a:extLst>
-              <a:ext uri="{FF2B5EF4-FFF2-40B4-BE49-F238E27FC236}">
-                <a16:creationId xmlns:a16="http://schemas.microsoft.com/office/drawing/2014/main" id="{4928701A-C732-A649-3B69-6F919769FA47}"/>
-              </a:ext>
-            </a:extLst>
-          </p:cNvPr>
-          <p:cNvSpPr>
-            <a:spLocks noGrp="1"/>
-          </p:cNvSpPr>
-          <p:nvPr>
-            <p:ph idx="1"/>
-          </p:nvPr>
-        </p:nvSpPr>
-        <p:spPr/>
-        <p:txBody>
-          <a:bodyPr/>
-          <a:lstStyle/>
-          <a:p>
-            <a:r>
-              <a:rPr lang="en-US" dirty="0"/>
-              <a:t>Comparing all the functions with each other is at least O(n</a:t>
-            </a:r>
-            <a:r>
-              <a:rPr lang="en-US" baseline="30000" dirty="0"/>
-              <a:t>2</a:t>
-            </a:r>
-            <a:r>
-              <a:rPr lang="en-US" dirty="0"/>
-              <a:t>).</a:t>
-            </a:r>
-          </a:p>
-          <a:p>
-            <a:r>
-              <a:rPr lang="en-US" dirty="0"/>
-              <a:t>We used </a:t>
-            </a:r>
-            <a:r>
-              <a:rPr lang="en-US" dirty="0">
-                <a:solidFill>
-                  <a:schemeClr val="accent2"/>
-                </a:solidFill>
-              </a:rPr>
-              <a:t>Locality-Sensitive Hashing</a:t>
-            </a:r>
-            <a:r>
-              <a:rPr lang="en-US" dirty="0"/>
-              <a:t> (LSH) to speed up each compare.</a:t>
-            </a:r>
-          </a:p>
-          <a:p>
-            <a:pPr lvl="1"/>
-            <a:r>
-              <a:rPr lang="en-US" dirty="0"/>
-              <a:t>The </a:t>
-            </a:r>
-            <a:r>
-              <a:rPr lang="en-US" dirty="0" err="1">
-                <a:latin typeface="Courier New" panose="02070309020205020404" pitchFamily="49" charset="0"/>
-                <a:cs typeface="Courier New" panose="02070309020205020404" pitchFamily="49" charset="0"/>
-              </a:rPr>
-              <a:t>py-tlsh</a:t>
-            </a:r>
-            <a:r>
-              <a:rPr lang="en-US" dirty="0"/>
-              <a:t> library has convenient functions for this.</a:t>
-            </a:r>
-          </a:p>
-          <a:p>
-            <a:r>
-              <a:rPr lang="en-US" dirty="0"/>
-              <a:t>A hash function on a large string of text (like a source code listing of a function) converts it to a hash code of a small fixed size.</a:t>
-            </a:r>
-          </a:p>
-          <a:p>
-            <a:pPr lvl="1"/>
-            <a:r>
-              <a:rPr lang="en-US" dirty="0"/>
-              <a:t>A function might be several KB if it contains 1000’s of characters.</a:t>
-            </a:r>
-          </a:p>
-          <a:p>
-            <a:pPr lvl="1"/>
-            <a:r>
-              <a:rPr lang="en-US" dirty="0"/>
-              <a:t>The hash code (in our version) is always 70 bytes.</a:t>
-            </a:r>
-          </a:p>
-          <a:p>
-            <a:endParaRPr lang="en-US" dirty="0"/>
-          </a:p>
-        </p:txBody>
-      </p:sp>
+              <a:t>The Flow of our process</a:t>
+            </a:r>
+            <a:endParaRPr lang="en-US" b="1" dirty="0"/>
+          </a:p>
+        </p:txBody>
+      </p:sp>
+      <p:cxnSp>
+        <p:nvCxnSpPr>
+          <p:cNvPr id="5" name="Straight Connector 4">
+            <a:extLst>
+              <a:ext uri="{FF2B5EF4-FFF2-40B4-BE49-F238E27FC236}">
+                <a16:creationId xmlns:a16="http://schemas.microsoft.com/office/drawing/2014/main" id="{86EF85BD-B585-F4FA-AB4B-371C19D22622}"/>
+              </a:ext>
+            </a:extLst>
+          </p:cNvPr>
+          <p:cNvCxnSpPr/>
+          <p:nvPr/>
+        </p:nvCxnSpPr>
+        <p:spPr>
+          <a:xfrm>
+            <a:off x="615820" y="1287624"/>
+            <a:ext cx="10954139" cy="0"/>
+          </a:xfrm>
+          <a:prstGeom prst="line">
+            <a:avLst/>
+          </a:prstGeom>
+          <a:ln w="19050">
+            <a:solidFill>
+              <a:schemeClr val="bg1">
+                <a:lumMod val="50000"/>
+              </a:schemeClr>
+            </a:solidFill>
+            <a:prstDash val="sysDash"/>
+          </a:ln>
+        </p:spPr>
+        <p:style>
+          <a:lnRef idx="1">
+            <a:schemeClr val="accent1"/>
+          </a:lnRef>
+          <a:fillRef idx="0">
+            <a:schemeClr val="accent1"/>
+          </a:fillRef>
+          <a:effectRef idx="0">
+            <a:schemeClr val="accent1"/>
+          </a:effectRef>
+          <a:fontRef idx="minor">
+            <a:schemeClr val="tx1"/>
+          </a:fontRef>
+        </p:style>
+      </p:cxnSp>
+      <p:sp>
+        <p:nvSpPr>
+          <p:cNvPr id="3" name="TextBox 2">
+            <a:extLst>
+              <a:ext uri="{FF2B5EF4-FFF2-40B4-BE49-F238E27FC236}">
+                <a16:creationId xmlns:a16="http://schemas.microsoft.com/office/drawing/2014/main" id="{84DC2BB8-292B-9547-F547-714E254909AC}"/>
+              </a:ext>
+            </a:extLst>
+          </p:cNvPr>
+          <p:cNvSpPr txBox="1"/>
+          <p:nvPr/>
+        </p:nvSpPr>
+        <p:spPr>
+          <a:xfrm>
+            <a:off x="2482064" y="1615044"/>
+            <a:ext cx="7237163" cy="461665"/>
+          </a:xfrm>
+          <a:prstGeom prst="rect">
+            <a:avLst/>
+          </a:prstGeom>
+          <a:noFill/>
+          <a:ln w="19050">
+            <a:solidFill>
+              <a:schemeClr val="accent1"/>
+            </a:solidFill>
+          </a:ln>
+        </p:spPr>
+        <p:txBody>
+          <a:bodyPr wrap="square" rtlCol="0">
+            <a:spAutoFit/>
+          </a:bodyPr>
+          <a:lstStyle/>
+          <a:p>
+            <a:r>
+              <a:rPr lang="en-US" sz="2400" dirty="0"/>
+              <a:t>Preprocess files and place each block of code in a folder</a:t>
+            </a:r>
+          </a:p>
+        </p:txBody>
+      </p:sp>
+      <p:cxnSp>
+        <p:nvCxnSpPr>
+          <p:cNvPr id="6" name="Straight Arrow Connector 5">
+            <a:extLst>
+              <a:ext uri="{FF2B5EF4-FFF2-40B4-BE49-F238E27FC236}">
+                <a16:creationId xmlns:a16="http://schemas.microsoft.com/office/drawing/2014/main" id="{B78E30C3-3DDD-81E6-326B-A6A9E45AD369}"/>
+              </a:ext>
+            </a:extLst>
+          </p:cNvPr>
+          <p:cNvCxnSpPr>
+            <a:cxnSpLocks/>
+          </p:cNvCxnSpPr>
+          <p:nvPr/>
+        </p:nvCxnSpPr>
+        <p:spPr>
+          <a:xfrm>
+            <a:off x="6100646" y="2076709"/>
+            <a:ext cx="0" cy="281721"/>
+          </a:xfrm>
+          <a:prstGeom prst="straightConnector1">
+            <a:avLst/>
+          </a:prstGeom>
+          <a:ln w="9525">
+            <a:tailEnd type="triangle" w="lg" len="med"/>
+          </a:ln>
+        </p:spPr>
+        <p:style>
+          <a:lnRef idx="1">
+            <a:schemeClr val="accent1"/>
+          </a:lnRef>
+          <a:fillRef idx="0">
+            <a:schemeClr val="accent1"/>
+          </a:fillRef>
+          <a:effectRef idx="0">
+            <a:schemeClr val="accent1"/>
+          </a:effectRef>
+          <a:fontRef idx="minor">
+            <a:schemeClr val="tx1"/>
+          </a:fontRef>
+        </p:style>
+      </p:cxnSp>
+      <p:sp>
+        <p:nvSpPr>
+          <p:cNvPr id="8" name="TextBox 7">
+            <a:extLst>
+              <a:ext uri="{FF2B5EF4-FFF2-40B4-BE49-F238E27FC236}">
+                <a16:creationId xmlns:a16="http://schemas.microsoft.com/office/drawing/2014/main" id="{D67CC55F-BD51-EFE5-750B-92A0584389C0}"/>
+              </a:ext>
+            </a:extLst>
+          </p:cNvPr>
+          <p:cNvSpPr txBox="1"/>
+          <p:nvPr/>
+        </p:nvSpPr>
+        <p:spPr>
+          <a:xfrm>
+            <a:off x="2482060" y="2404128"/>
+            <a:ext cx="7261523" cy="461665"/>
+          </a:xfrm>
+          <a:prstGeom prst="rect">
+            <a:avLst/>
+          </a:prstGeom>
+          <a:noFill/>
+          <a:ln w="19050">
+            <a:solidFill>
+              <a:schemeClr val="accent1"/>
+            </a:solidFill>
+          </a:ln>
+        </p:spPr>
+        <p:txBody>
+          <a:bodyPr wrap="square" rtlCol="0">
+            <a:spAutoFit/>
+          </a:bodyPr>
+          <a:lstStyle/>
+          <a:p>
+            <a:pPr algn="ctr"/>
+            <a:r>
+              <a:rPr lang="en-US" sz="2400" dirty="0"/>
+              <a:t>Hash all of the code files</a:t>
+            </a:r>
+          </a:p>
+        </p:txBody>
+      </p:sp>
+      <p:sp>
+        <p:nvSpPr>
+          <p:cNvPr id="4" name="TextBox 3">
+            <a:extLst>
+              <a:ext uri="{FF2B5EF4-FFF2-40B4-BE49-F238E27FC236}">
+                <a16:creationId xmlns:a16="http://schemas.microsoft.com/office/drawing/2014/main" id="{3F21C954-9D99-07CD-A05F-AD817D7E0C03}"/>
+              </a:ext>
+            </a:extLst>
+          </p:cNvPr>
+          <p:cNvSpPr txBox="1"/>
+          <p:nvPr/>
+        </p:nvSpPr>
+        <p:spPr>
+          <a:xfrm>
+            <a:off x="2482060" y="3198167"/>
+            <a:ext cx="7237161" cy="461665"/>
+          </a:xfrm>
+          <a:prstGeom prst="rect">
+            <a:avLst/>
+          </a:prstGeom>
+          <a:noFill/>
+          <a:ln w="19050">
+            <a:solidFill>
+              <a:schemeClr val="accent1"/>
+            </a:solidFill>
+          </a:ln>
+        </p:spPr>
+        <p:txBody>
+          <a:bodyPr wrap="square" rtlCol="0">
+            <a:spAutoFit/>
+          </a:bodyPr>
+          <a:lstStyle/>
+          <a:p>
+            <a:pPr algn="ctr"/>
+            <a:r>
+              <a:rPr lang="en-US" sz="2400" dirty="0"/>
+              <a:t>Compare hash code for each file with every other one</a:t>
+            </a:r>
+          </a:p>
+        </p:txBody>
+      </p:sp>
+      <p:cxnSp>
+        <p:nvCxnSpPr>
+          <p:cNvPr id="9" name="Straight Arrow Connector 8">
+            <a:extLst>
+              <a:ext uri="{FF2B5EF4-FFF2-40B4-BE49-F238E27FC236}">
+                <a16:creationId xmlns:a16="http://schemas.microsoft.com/office/drawing/2014/main" id="{2C3F7B3C-ABB9-335A-DB6D-DDD7A150B158}"/>
+              </a:ext>
+            </a:extLst>
+          </p:cNvPr>
+          <p:cNvCxnSpPr>
+            <a:cxnSpLocks/>
+          </p:cNvCxnSpPr>
+          <p:nvPr/>
+        </p:nvCxnSpPr>
+        <p:spPr>
+          <a:xfrm>
+            <a:off x="6110461" y="2855168"/>
+            <a:ext cx="0" cy="342999"/>
+          </a:xfrm>
+          <a:prstGeom prst="straightConnector1">
+            <a:avLst/>
+          </a:prstGeom>
+          <a:ln w="0">
+            <a:tailEnd type="triangle" w="lg" len="med"/>
+          </a:ln>
+        </p:spPr>
+        <p:style>
+          <a:lnRef idx="1">
+            <a:schemeClr val="accent1"/>
+          </a:lnRef>
+          <a:fillRef idx="0">
+            <a:schemeClr val="accent1"/>
+          </a:fillRef>
+          <a:effectRef idx="0">
+            <a:schemeClr val="accent1"/>
+          </a:effectRef>
+          <a:fontRef idx="minor">
+            <a:schemeClr val="tx1"/>
+          </a:fontRef>
+        </p:style>
+      </p:cxnSp>
+      <p:sp>
+        <p:nvSpPr>
+          <p:cNvPr id="11" name="TextBox 10">
+            <a:extLst>
+              <a:ext uri="{FF2B5EF4-FFF2-40B4-BE49-F238E27FC236}">
+                <a16:creationId xmlns:a16="http://schemas.microsoft.com/office/drawing/2014/main" id="{D0161953-B802-E031-9173-88AC95ED3465}"/>
+              </a:ext>
+            </a:extLst>
+          </p:cNvPr>
+          <p:cNvSpPr txBox="1"/>
+          <p:nvPr/>
+        </p:nvSpPr>
+        <p:spPr>
+          <a:xfrm>
+            <a:off x="842138" y="3930755"/>
+            <a:ext cx="2934215" cy="461665"/>
+          </a:xfrm>
+          <a:prstGeom prst="rect">
+            <a:avLst/>
+          </a:prstGeom>
+          <a:noFill/>
+          <a:ln w="19050">
+            <a:solidFill>
+              <a:schemeClr val="accent1"/>
+            </a:solidFill>
+          </a:ln>
+        </p:spPr>
+        <p:txBody>
+          <a:bodyPr wrap="square" rtlCol="0">
+            <a:spAutoFit/>
+          </a:bodyPr>
+          <a:lstStyle/>
+          <a:p>
+            <a:pPr algn="ctr"/>
+            <a:r>
+              <a:rPr lang="en-US" sz="2400" dirty="0"/>
+              <a:t>Report type I</a:t>
+            </a:r>
+          </a:p>
+        </p:txBody>
+      </p:sp>
+      <p:cxnSp>
+        <p:nvCxnSpPr>
+          <p:cNvPr id="15" name="Connector: Elbow 14">
+            <a:extLst>
+              <a:ext uri="{FF2B5EF4-FFF2-40B4-BE49-F238E27FC236}">
+                <a16:creationId xmlns:a16="http://schemas.microsoft.com/office/drawing/2014/main" id="{903C2CDA-62FB-F15C-9416-9C59F394A844}"/>
+              </a:ext>
+            </a:extLst>
+          </p:cNvPr>
+          <p:cNvCxnSpPr>
+            <a:cxnSpLocks/>
+          </p:cNvCxnSpPr>
+          <p:nvPr/>
+        </p:nvCxnSpPr>
+        <p:spPr>
+          <a:xfrm rot="10800000" flipV="1">
+            <a:off x="3776354" y="3659832"/>
+            <a:ext cx="831272" cy="508418"/>
+          </a:xfrm>
+          <a:prstGeom prst="bentConnector3">
+            <a:avLst/>
+          </a:prstGeom>
+          <a:ln w="15875">
+            <a:tailEnd type="stealth" w="lg" len="med"/>
+          </a:ln>
+        </p:spPr>
+        <p:style>
+          <a:lnRef idx="1">
+            <a:schemeClr val="accent1"/>
+          </a:lnRef>
+          <a:fillRef idx="0">
+            <a:schemeClr val="accent1"/>
+          </a:fillRef>
+          <a:effectRef idx="0">
+            <a:schemeClr val="accent1"/>
+          </a:effectRef>
+          <a:fontRef idx="minor">
+            <a:schemeClr val="tx1"/>
+          </a:fontRef>
+        </p:style>
+      </p:cxnSp>
+      <p:sp>
+        <p:nvSpPr>
+          <p:cNvPr id="18" name="TextBox 17">
+            <a:extLst>
+              <a:ext uri="{FF2B5EF4-FFF2-40B4-BE49-F238E27FC236}">
+                <a16:creationId xmlns:a16="http://schemas.microsoft.com/office/drawing/2014/main" id="{61A6DC2D-4998-61E7-D85C-270F4C9BAAD9}"/>
+              </a:ext>
+            </a:extLst>
+          </p:cNvPr>
+          <p:cNvSpPr txBox="1"/>
+          <p:nvPr/>
+        </p:nvSpPr>
+        <p:spPr>
+          <a:xfrm>
+            <a:off x="2398815" y="4593468"/>
+            <a:ext cx="7344767" cy="461665"/>
+          </a:xfrm>
+          <a:prstGeom prst="rect">
+            <a:avLst/>
+          </a:prstGeom>
+          <a:noFill/>
+          <a:ln w="19050">
+            <a:solidFill>
+              <a:schemeClr val="accent1"/>
+            </a:solidFill>
+          </a:ln>
+        </p:spPr>
+        <p:txBody>
+          <a:bodyPr wrap="square" rtlCol="0">
+            <a:spAutoFit/>
+          </a:bodyPr>
+          <a:lstStyle/>
+          <a:p>
+            <a:pPr algn="ctr"/>
+            <a:r>
+              <a:rPr lang="en-US" sz="2400" dirty="0"/>
+              <a:t>Replace internal names with tokens</a:t>
+            </a:r>
+          </a:p>
+        </p:txBody>
+      </p:sp>
+      <p:cxnSp>
+        <p:nvCxnSpPr>
+          <p:cNvPr id="25" name="Straight Arrow Connector 24">
+            <a:extLst>
+              <a:ext uri="{FF2B5EF4-FFF2-40B4-BE49-F238E27FC236}">
+                <a16:creationId xmlns:a16="http://schemas.microsoft.com/office/drawing/2014/main" id="{11D9F816-9BF9-5F34-1ACB-E701949DF6AB}"/>
+              </a:ext>
+            </a:extLst>
+          </p:cNvPr>
+          <p:cNvCxnSpPr>
+            <a:cxnSpLocks/>
+            <a:stCxn id="4" idx="2"/>
+          </p:cNvCxnSpPr>
+          <p:nvPr/>
+        </p:nvCxnSpPr>
+        <p:spPr>
+          <a:xfrm>
+            <a:off x="6100641" y="3659832"/>
+            <a:ext cx="5753" cy="933636"/>
+          </a:xfrm>
+          <a:prstGeom prst="straightConnector1">
+            <a:avLst/>
+          </a:prstGeom>
+          <a:ln w="0">
+            <a:tailEnd type="triangle" w="lg" len="med"/>
+          </a:ln>
+        </p:spPr>
+        <p:style>
+          <a:lnRef idx="1">
+            <a:schemeClr val="accent1"/>
+          </a:lnRef>
+          <a:fillRef idx="0">
+            <a:schemeClr val="accent1"/>
+          </a:fillRef>
+          <a:effectRef idx="0">
+            <a:schemeClr val="accent1"/>
+          </a:effectRef>
+          <a:fontRef idx="minor">
+            <a:schemeClr val="tx1"/>
+          </a:fontRef>
+        </p:style>
+      </p:cxnSp>
+      <p:sp>
+        <p:nvSpPr>
+          <p:cNvPr id="51" name="TextBox 50">
+            <a:extLst>
+              <a:ext uri="{FF2B5EF4-FFF2-40B4-BE49-F238E27FC236}">
+                <a16:creationId xmlns:a16="http://schemas.microsoft.com/office/drawing/2014/main" id="{15083F6C-0154-66E7-F7B7-53AD23A4B728}"/>
+              </a:ext>
+            </a:extLst>
+          </p:cNvPr>
+          <p:cNvSpPr txBox="1"/>
+          <p:nvPr/>
+        </p:nvSpPr>
+        <p:spPr>
+          <a:xfrm>
+            <a:off x="2470184" y="5196765"/>
+            <a:ext cx="7261523" cy="461665"/>
+          </a:xfrm>
+          <a:prstGeom prst="rect">
+            <a:avLst/>
+          </a:prstGeom>
+          <a:noFill/>
+          <a:ln w="19050">
+            <a:solidFill>
+              <a:schemeClr val="accent1"/>
+            </a:solidFill>
+          </a:ln>
+        </p:spPr>
+        <p:txBody>
+          <a:bodyPr wrap="square" rtlCol="0">
+            <a:spAutoFit/>
+          </a:bodyPr>
+          <a:lstStyle/>
+          <a:p>
+            <a:pPr algn="ctr"/>
+            <a:r>
+              <a:rPr lang="en-US" sz="2400" dirty="0"/>
+              <a:t>Hash again all of the code files</a:t>
+            </a:r>
+          </a:p>
+        </p:txBody>
+      </p:sp>
+      <p:sp>
+        <p:nvSpPr>
+          <p:cNvPr id="52" name="TextBox 51">
+            <a:extLst>
+              <a:ext uri="{FF2B5EF4-FFF2-40B4-BE49-F238E27FC236}">
+                <a16:creationId xmlns:a16="http://schemas.microsoft.com/office/drawing/2014/main" id="{02D291B1-6347-2554-D1E5-35026E4AFB76}"/>
+              </a:ext>
+            </a:extLst>
+          </p:cNvPr>
+          <p:cNvSpPr txBox="1"/>
+          <p:nvPr/>
+        </p:nvSpPr>
+        <p:spPr>
+          <a:xfrm>
+            <a:off x="2470184" y="5990804"/>
+            <a:ext cx="7237161" cy="461665"/>
+          </a:xfrm>
+          <a:prstGeom prst="rect">
+            <a:avLst/>
+          </a:prstGeom>
+          <a:noFill/>
+          <a:ln w="19050">
+            <a:solidFill>
+              <a:schemeClr val="accent1"/>
+            </a:solidFill>
+          </a:ln>
+        </p:spPr>
+        <p:txBody>
+          <a:bodyPr wrap="square" rtlCol="0">
+            <a:spAutoFit/>
+          </a:bodyPr>
+          <a:lstStyle/>
+          <a:p>
+            <a:pPr algn="ctr"/>
+            <a:r>
+              <a:rPr lang="en-US" sz="2400" dirty="0"/>
+              <a:t>Compare – report as type II clones if </a:t>
+            </a:r>
+            <a:r>
+              <a:rPr lang="en-US" sz="2400" dirty="0" err="1"/>
+              <a:t>matach</a:t>
+            </a:r>
+            <a:endParaRPr lang="en-US" sz="2400" dirty="0"/>
+          </a:p>
+        </p:txBody>
+      </p:sp>
+      <p:cxnSp>
+        <p:nvCxnSpPr>
+          <p:cNvPr id="53" name="Straight Arrow Connector 52">
+            <a:extLst>
+              <a:ext uri="{FF2B5EF4-FFF2-40B4-BE49-F238E27FC236}">
+                <a16:creationId xmlns:a16="http://schemas.microsoft.com/office/drawing/2014/main" id="{E9BAEEF3-4B8E-E5E2-7A33-34465E0CAEBE}"/>
+              </a:ext>
+            </a:extLst>
+          </p:cNvPr>
+          <p:cNvCxnSpPr>
+            <a:cxnSpLocks/>
+          </p:cNvCxnSpPr>
+          <p:nvPr/>
+        </p:nvCxnSpPr>
+        <p:spPr>
+          <a:xfrm>
+            <a:off x="6098585" y="5647805"/>
+            <a:ext cx="0" cy="342999"/>
+          </a:xfrm>
+          <a:prstGeom prst="straightConnector1">
+            <a:avLst/>
+          </a:prstGeom>
+          <a:ln w="0">
+            <a:tailEnd type="triangle" w="lg" len="med"/>
+          </a:ln>
+        </p:spPr>
+        <p:style>
+          <a:lnRef idx="1">
+            <a:schemeClr val="accent1"/>
+          </a:lnRef>
+          <a:fillRef idx="0">
+            <a:schemeClr val="accent1"/>
+          </a:fillRef>
+          <a:effectRef idx="0">
+            <a:schemeClr val="accent1"/>
+          </a:effectRef>
+          <a:fontRef idx="minor">
+            <a:schemeClr val="tx1"/>
+          </a:fontRef>
+        </p:style>
+      </p:cxnSp>
     </p:spTree>
     <p:extLst>
       <p:ext uri="{BB962C8B-B14F-4D97-AF65-F5344CB8AC3E}">
-        <p14:creationId xmlns:p14="http://schemas.microsoft.com/office/powerpoint/2010/main" val="35865248"/>
+        <p14:creationId xmlns:p14="http://schemas.microsoft.com/office/powerpoint/2010/main" val="3291108056"/>
       </p:ext>
     </p:extLst>
   </p:cSld>
@@ -4815,7 +5487,7 @@
           <p:cNvPr id="2" name="Title 1">
             <a:extLst>
               <a:ext uri="{FF2B5EF4-FFF2-40B4-BE49-F238E27FC236}">
-                <a16:creationId xmlns:a16="http://schemas.microsoft.com/office/drawing/2014/main" id="{C522C03A-1F25-FFCB-9A59-564E472BE731}"/>
+                <a16:creationId xmlns:a16="http://schemas.microsoft.com/office/drawing/2014/main" id="{D0B87F8E-5D83-4513-9285-8A122C4A62CB}"/>
               </a:ext>
             </a:extLst>
           </p:cNvPr>
@@ -4826,69 +5498,192 @@
             <p:ph type="title"/>
           </p:nvPr>
         </p:nvSpPr>
-        <p:spPr/>
-        <p:txBody>
-          <a:bodyPr>
-            <a:normAutofit fontScale="90000"/>
+        <p:spPr>
+          <a:xfrm>
+            <a:off x="615820" y="365126"/>
+            <a:ext cx="10737980" cy="745218"/>
+          </a:xfrm>
+        </p:spPr>
+        <p:txBody>
+          <a:bodyPr/>
+          <a:lstStyle/>
+          <a:p>
+            <a:r>
+              <a:rPr lang="en-US" b="1" dirty="0"/>
+              <a:t>Details of the preprocessing</a:t>
+            </a:r>
+          </a:p>
+        </p:txBody>
+      </p:sp>
+      <p:cxnSp>
+        <p:nvCxnSpPr>
+          <p:cNvPr id="5" name="Straight Connector 4">
+            <a:extLst>
+              <a:ext uri="{FF2B5EF4-FFF2-40B4-BE49-F238E27FC236}">
+                <a16:creationId xmlns:a16="http://schemas.microsoft.com/office/drawing/2014/main" id="{86EF85BD-B585-F4FA-AB4B-371C19D22622}"/>
+              </a:ext>
+            </a:extLst>
+          </p:cNvPr>
+          <p:cNvCxnSpPr/>
+          <p:nvPr/>
+        </p:nvCxnSpPr>
+        <p:spPr>
+          <a:xfrm>
+            <a:off x="615820" y="1287624"/>
+            <a:ext cx="10954139" cy="0"/>
+          </a:xfrm>
+          <a:prstGeom prst="line">
+            <a:avLst/>
+          </a:prstGeom>
+          <a:ln w="19050">
+            <a:solidFill>
+              <a:schemeClr val="bg1">
+                <a:lumMod val="50000"/>
+              </a:schemeClr>
+            </a:solidFill>
+            <a:prstDash val="sysDash"/>
+          </a:ln>
+        </p:spPr>
+        <p:style>
+          <a:lnRef idx="1">
+            <a:schemeClr val="accent1"/>
+          </a:lnRef>
+          <a:fillRef idx="0">
+            <a:schemeClr val="accent1"/>
+          </a:fillRef>
+          <a:effectRef idx="0">
+            <a:schemeClr val="accent1"/>
+          </a:effectRef>
+          <a:fontRef idx="minor">
+            <a:schemeClr val="tx1"/>
+          </a:fontRef>
+        </p:style>
+      </p:cxnSp>
+      <p:sp>
+        <p:nvSpPr>
+          <p:cNvPr id="3" name="TextBox 2">
+            <a:extLst>
+              <a:ext uri="{FF2B5EF4-FFF2-40B4-BE49-F238E27FC236}">
+                <a16:creationId xmlns:a16="http://schemas.microsoft.com/office/drawing/2014/main" id="{84DC2BB8-292B-9547-F547-714E254909AC}"/>
+              </a:ext>
+            </a:extLst>
+          </p:cNvPr>
+          <p:cNvSpPr txBox="1"/>
+          <p:nvPr/>
+        </p:nvSpPr>
+        <p:spPr>
+          <a:xfrm>
+            <a:off x="2482064" y="1615044"/>
+            <a:ext cx="7237163" cy="461665"/>
+          </a:xfrm>
+          <a:prstGeom prst="rect">
+            <a:avLst/>
+          </a:prstGeom>
+          <a:noFill/>
+          <a:ln w="19050">
+            <a:solidFill>
+              <a:schemeClr val="accent1"/>
+            </a:solidFill>
+          </a:ln>
+        </p:spPr>
+        <p:txBody>
+          <a:bodyPr wrap="square" rtlCol="0">
+            <a:spAutoFit/>
           </a:bodyPr>
           <a:lstStyle/>
           <a:p>
             <a:r>
-              <a:rPr lang="en-US" sz="4900" dirty="0"/>
-              <a:t>What is Locality-Sensitive Hash (LSH)?</a:t>
-            </a:r>
-            <a:endParaRPr lang="en-US" dirty="0"/>
-          </a:p>
-        </p:txBody>
-      </p:sp>
-      <p:sp>
-        <p:nvSpPr>
-          <p:cNvPr id="3" name="Content Placeholder 2">
-            <a:extLst>
-              <a:ext uri="{FF2B5EF4-FFF2-40B4-BE49-F238E27FC236}">
-                <a16:creationId xmlns:a16="http://schemas.microsoft.com/office/drawing/2014/main" id="{4928701A-C732-A649-3B69-6F919769FA47}"/>
-              </a:ext>
-            </a:extLst>
-          </p:cNvPr>
-          <p:cNvSpPr>
-            <a:spLocks noGrp="1"/>
-          </p:cNvSpPr>
-          <p:nvPr>
-            <p:ph idx="1"/>
-          </p:nvPr>
-        </p:nvSpPr>
-        <p:spPr/>
-        <p:txBody>
-          <a:bodyPr/>
-          <a:lstStyle/>
-          <a:p>
-            <a:r>
-              <a:rPr lang="en-US" dirty="0"/>
-              <a:t>The trick is that LSH hash codes are locality sensitive:</a:t>
-            </a:r>
-          </a:p>
-          <a:p>
-            <a:pPr lvl="1"/>
-            <a:r>
-              <a:rPr lang="en-US" dirty="0"/>
-              <a:t>If two input strings are almost alike, the corresponding hash codes will be almost alike.</a:t>
-            </a:r>
-          </a:p>
-          <a:p>
-            <a:r>
-              <a:rPr lang="en-US" dirty="0"/>
-              <a:t>Hashing all of the code blocks in our base only adds O(n) complexity.</a:t>
-            </a:r>
-          </a:p>
-          <a:p>
-            <a:endParaRPr lang="en-US" dirty="0"/>
+              <a:rPr lang="en-US" sz="2400" dirty="0"/>
+              <a:t>Preprocess files and place each block of code in a folder</a:t>
+            </a:r>
+          </a:p>
+        </p:txBody>
+      </p:sp>
+      <p:cxnSp>
+        <p:nvCxnSpPr>
+          <p:cNvPr id="6" name="Straight Arrow Connector 5">
+            <a:extLst>
+              <a:ext uri="{FF2B5EF4-FFF2-40B4-BE49-F238E27FC236}">
+                <a16:creationId xmlns:a16="http://schemas.microsoft.com/office/drawing/2014/main" id="{B78E30C3-3DDD-81E6-326B-A6A9E45AD369}"/>
+              </a:ext>
+            </a:extLst>
+          </p:cNvPr>
+          <p:cNvCxnSpPr>
+            <a:cxnSpLocks/>
+          </p:cNvCxnSpPr>
+          <p:nvPr/>
+        </p:nvCxnSpPr>
+        <p:spPr>
+          <a:xfrm>
+            <a:off x="6100646" y="2076709"/>
+            <a:ext cx="0" cy="281721"/>
+          </a:xfrm>
+          <a:prstGeom prst="straightConnector1">
+            <a:avLst/>
+          </a:prstGeom>
+          <a:ln>
+            <a:tailEnd type="triangle"/>
+          </a:ln>
+        </p:spPr>
+        <p:style>
+          <a:lnRef idx="1">
+            <a:schemeClr val="accent1"/>
+          </a:lnRef>
+          <a:fillRef idx="0">
+            <a:schemeClr val="accent1"/>
+          </a:fillRef>
+          <a:effectRef idx="0">
+            <a:schemeClr val="accent1"/>
+          </a:effectRef>
+          <a:fontRef idx="minor">
+            <a:schemeClr val="tx1"/>
+          </a:fontRef>
+        </p:style>
+      </p:cxnSp>
+      <p:sp>
+        <p:nvSpPr>
+          <p:cNvPr id="8" name="TextBox 7">
+            <a:extLst>
+              <a:ext uri="{FF2B5EF4-FFF2-40B4-BE49-F238E27FC236}">
+                <a16:creationId xmlns:a16="http://schemas.microsoft.com/office/drawing/2014/main" id="{D67CC55F-BD51-EFE5-750B-92A0584389C0}"/>
+              </a:ext>
+            </a:extLst>
+          </p:cNvPr>
+          <p:cNvSpPr txBox="1"/>
+          <p:nvPr/>
+        </p:nvSpPr>
+        <p:spPr>
+          <a:xfrm>
+            <a:off x="2710241" y="2338297"/>
+            <a:ext cx="6780810" cy="461665"/>
+          </a:xfrm>
+          <a:prstGeom prst="rect">
+            <a:avLst/>
+          </a:prstGeom>
+          <a:noFill/>
+          <a:ln w="19050">
+            <a:solidFill>
+              <a:schemeClr val="accent1"/>
+            </a:solidFill>
+          </a:ln>
+        </p:spPr>
+        <p:txBody>
+          <a:bodyPr wrap="square" rtlCol="0">
+            <a:spAutoFit/>
+          </a:bodyPr>
+          <a:lstStyle/>
+          <a:p>
+            <a:r>
+              <a:rPr lang="en-US" sz="2400" dirty="0"/>
+              <a:t>Hash all of the code files</a:t>
+            </a:r>
           </a:p>
         </p:txBody>
       </p:sp>
     </p:spTree>
     <p:extLst>
       <p:ext uri="{BB962C8B-B14F-4D97-AF65-F5344CB8AC3E}">
-        <p14:creationId xmlns:p14="http://schemas.microsoft.com/office/powerpoint/2010/main" val="817203057"/>
+        <p14:creationId xmlns:p14="http://schemas.microsoft.com/office/powerpoint/2010/main" val="228087438"/>
       </p:ext>
     </p:extLst>
   </p:cSld>
@@ -4920,6 +5715,286 @@
           <p:cNvPr id="2" name="Title 1">
             <a:extLst>
               <a:ext uri="{FF2B5EF4-FFF2-40B4-BE49-F238E27FC236}">
+                <a16:creationId xmlns:a16="http://schemas.microsoft.com/office/drawing/2014/main" id="{C522C03A-1F25-FFCB-9A59-564E472BE731}"/>
+              </a:ext>
+            </a:extLst>
+          </p:cNvPr>
+          <p:cNvSpPr>
+            <a:spLocks noGrp="1"/>
+          </p:cNvSpPr>
+          <p:nvPr>
+            <p:ph type="title"/>
+          </p:nvPr>
+        </p:nvSpPr>
+        <p:spPr/>
+        <p:txBody>
+          <a:bodyPr/>
+          <a:lstStyle/>
+          <a:p>
+            <a:r>
+              <a:rPr lang="en-US" dirty="0"/>
+              <a:t>Hashing</a:t>
+            </a:r>
+          </a:p>
+        </p:txBody>
+      </p:sp>
+      <p:sp>
+        <p:nvSpPr>
+          <p:cNvPr id="3" name="Content Placeholder 2">
+            <a:extLst>
+              <a:ext uri="{FF2B5EF4-FFF2-40B4-BE49-F238E27FC236}">
+                <a16:creationId xmlns:a16="http://schemas.microsoft.com/office/drawing/2014/main" id="{4928701A-C732-A649-3B69-6F919769FA47}"/>
+              </a:ext>
+            </a:extLst>
+          </p:cNvPr>
+          <p:cNvSpPr>
+            <a:spLocks noGrp="1"/>
+          </p:cNvSpPr>
+          <p:nvPr>
+            <p:ph idx="1"/>
+          </p:nvPr>
+        </p:nvSpPr>
+        <p:spPr>
+          <a:xfrm>
+            <a:off x="838200" y="1671246"/>
+            <a:ext cx="10515600" cy="4515798"/>
+          </a:xfrm>
+        </p:spPr>
+        <p:txBody>
+          <a:bodyPr/>
+          <a:lstStyle/>
+          <a:p>
+            <a:r>
+              <a:rPr lang="en-US" sz="3200" dirty="0"/>
+              <a:t>Comparing all the functions with each other is at least O(n</a:t>
+            </a:r>
+            <a:r>
+              <a:rPr lang="en-US" sz="3200" baseline="30000" dirty="0"/>
+              <a:t>2</a:t>
+            </a:r>
+            <a:r>
+              <a:rPr lang="en-US" sz="3200" dirty="0"/>
+              <a:t>).</a:t>
+            </a:r>
+          </a:p>
+          <a:p>
+            <a:r>
+              <a:rPr lang="en-US" sz="3200" dirty="0"/>
+              <a:t>We used </a:t>
+            </a:r>
+            <a:r>
+              <a:rPr lang="en-US" sz="3200" dirty="0">
+                <a:solidFill>
+                  <a:schemeClr val="accent2"/>
+                </a:solidFill>
+              </a:rPr>
+              <a:t>Locality-Sensitive Hashing</a:t>
+            </a:r>
+            <a:r>
+              <a:rPr lang="en-US" sz="3200" dirty="0"/>
+              <a:t> (LSH) to speed up each compare</a:t>
+            </a:r>
+            <a:r>
+              <a:rPr lang="en-US" dirty="0"/>
+              <a:t>.</a:t>
+            </a:r>
+          </a:p>
+          <a:p>
+            <a:pPr lvl="1"/>
+            <a:r>
+              <a:rPr lang="en-US" sz="2800" dirty="0"/>
+              <a:t>The </a:t>
+            </a:r>
+            <a:r>
+              <a:rPr lang="en-US" sz="2800" dirty="0" err="1">
+                <a:latin typeface="Courier New" panose="02070309020205020404" pitchFamily="49" charset="0"/>
+                <a:cs typeface="Courier New" panose="02070309020205020404" pitchFamily="49" charset="0"/>
+              </a:rPr>
+              <a:t>py-tlsh</a:t>
+            </a:r>
+            <a:r>
+              <a:rPr lang="en-US" sz="2800" dirty="0"/>
+              <a:t> library has convenient functions for this</a:t>
+            </a:r>
+            <a:r>
+              <a:rPr lang="en-US" dirty="0"/>
+              <a:t>.</a:t>
+            </a:r>
+          </a:p>
+          <a:p>
+            <a:r>
+              <a:rPr lang="en-US" sz="3200" dirty="0"/>
+              <a:t>A hash function on a large string of text (like a source code listing of a function) converts it to a hash code of a small fixed size.</a:t>
+            </a:r>
+          </a:p>
+          <a:p>
+            <a:pPr lvl="1"/>
+            <a:r>
+              <a:rPr lang="en-US" sz="2800" dirty="0"/>
+              <a:t>A function might be several KB if it contains 1000’s of characters.</a:t>
+            </a:r>
+          </a:p>
+          <a:p>
+            <a:pPr lvl="1"/>
+            <a:r>
+              <a:rPr lang="en-US" sz="2800" dirty="0"/>
+              <a:t>The hash code (in our version) is always 70 bytes.</a:t>
+            </a:r>
+          </a:p>
+          <a:p>
+            <a:endParaRPr lang="en-US" dirty="0"/>
+          </a:p>
+        </p:txBody>
+      </p:sp>
+    </p:spTree>
+    <p:extLst>
+      <p:ext uri="{BB962C8B-B14F-4D97-AF65-F5344CB8AC3E}">
+        <p14:creationId xmlns:p14="http://schemas.microsoft.com/office/powerpoint/2010/main" val="35865248"/>
+      </p:ext>
+    </p:extLst>
+  </p:cSld>
+  <p:clrMapOvr>
+    <a:masterClrMapping/>
+  </p:clrMapOvr>
+</p:sld>
+</file>
+
+<file path=ppt/slides/slide6.xml><?xml version="1.0" encoding="utf-8"?>
+<p:sld xmlns:a="http://schemas.openxmlformats.org/drawingml/2006/main" xmlns:r="http://schemas.openxmlformats.org/officeDocument/2006/relationships" xmlns:p="http://schemas.openxmlformats.org/presentationml/2006/main">
+  <p:cSld>
+    <p:spTree>
+      <p:nvGrpSpPr>
+        <p:cNvPr id="1" name=""/>
+        <p:cNvGrpSpPr/>
+        <p:nvPr/>
+      </p:nvGrpSpPr>
+      <p:grpSpPr>
+        <a:xfrm>
+          <a:off x="0" y="0"/>
+          <a:ext cx="0" cy="0"/>
+          <a:chOff x="0" y="0"/>
+          <a:chExt cx="0" cy="0"/>
+        </a:xfrm>
+      </p:grpSpPr>
+      <p:sp>
+        <p:nvSpPr>
+          <p:cNvPr id="2" name="Title 1">
+            <a:extLst>
+              <a:ext uri="{FF2B5EF4-FFF2-40B4-BE49-F238E27FC236}">
+                <a16:creationId xmlns:a16="http://schemas.microsoft.com/office/drawing/2014/main" id="{C522C03A-1F25-FFCB-9A59-564E472BE731}"/>
+              </a:ext>
+            </a:extLst>
+          </p:cNvPr>
+          <p:cNvSpPr>
+            <a:spLocks noGrp="1"/>
+          </p:cNvSpPr>
+          <p:nvPr>
+            <p:ph type="title"/>
+          </p:nvPr>
+        </p:nvSpPr>
+        <p:spPr/>
+        <p:txBody>
+          <a:bodyPr>
+            <a:normAutofit fontScale="90000"/>
+          </a:bodyPr>
+          <a:lstStyle/>
+          <a:p>
+            <a:r>
+              <a:rPr lang="en-US" sz="4900" dirty="0"/>
+              <a:t>What is Locality-Sensitive Hash (LSH)?</a:t>
+            </a:r>
+            <a:endParaRPr lang="en-US" dirty="0"/>
+          </a:p>
+        </p:txBody>
+      </p:sp>
+      <p:sp>
+        <p:nvSpPr>
+          <p:cNvPr id="3" name="Content Placeholder 2">
+            <a:extLst>
+              <a:ext uri="{FF2B5EF4-FFF2-40B4-BE49-F238E27FC236}">
+                <a16:creationId xmlns:a16="http://schemas.microsoft.com/office/drawing/2014/main" id="{4928701A-C732-A649-3B69-6F919769FA47}"/>
+              </a:ext>
+            </a:extLst>
+          </p:cNvPr>
+          <p:cNvSpPr>
+            <a:spLocks noGrp="1"/>
+          </p:cNvSpPr>
+          <p:nvPr>
+            <p:ph idx="1"/>
+          </p:nvPr>
+        </p:nvSpPr>
+        <p:spPr>
+          <a:xfrm>
+            <a:off x="838200" y="1659371"/>
+            <a:ext cx="10515600" cy="4351338"/>
+          </a:xfrm>
+        </p:spPr>
+        <p:txBody>
+          <a:bodyPr/>
+          <a:lstStyle/>
+          <a:p>
+            <a:r>
+              <a:rPr lang="en-US" sz="3200" dirty="0"/>
+              <a:t>The trick is that LSH hash codes are locality sensitive</a:t>
+            </a:r>
+            <a:r>
+              <a:rPr lang="en-US" dirty="0"/>
+              <a:t>:</a:t>
+            </a:r>
+          </a:p>
+          <a:p>
+            <a:pPr lvl="1"/>
+            <a:r>
+              <a:rPr lang="en-US" sz="2800" dirty="0"/>
+              <a:t>If two input strings are almost alike, the corresponding hash codes will be almost alike.</a:t>
+            </a:r>
+          </a:p>
+          <a:p>
+            <a:r>
+              <a:rPr lang="en-US" sz="3200" dirty="0"/>
+              <a:t>Hashing all of the code blocks in our base only adds O(n) complexity.</a:t>
+            </a:r>
+          </a:p>
+          <a:p>
+            <a:endParaRPr lang="en-US" dirty="0"/>
+          </a:p>
+        </p:txBody>
+      </p:sp>
+    </p:spTree>
+    <p:extLst>
+      <p:ext uri="{BB962C8B-B14F-4D97-AF65-F5344CB8AC3E}">
+        <p14:creationId xmlns:p14="http://schemas.microsoft.com/office/powerpoint/2010/main" val="817203057"/>
+      </p:ext>
+    </p:extLst>
+  </p:cSld>
+  <p:clrMapOvr>
+    <a:masterClrMapping/>
+  </p:clrMapOvr>
+</p:sld>
+</file>
+
+<file path=ppt/slides/slide7.xml><?xml version="1.0" encoding="utf-8"?>
+<p:sld xmlns:a="http://schemas.openxmlformats.org/drawingml/2006/main" xmlns:r="http://schemas.openxmlformats.org/officeDocument/2006/relationships" xmlns:p="http://schemas.openxmlformats.org/presentationml/2006/main">
+  <p:cSld>
+    <p:spTree>
+      <p:nvGrpSpPr>
+        <p:cNvPr id="1" name=""/>
+        <p:cNvGrpSpPr/>
+        <p:nvPr/>
+      </p:nvGrpSpPr>
+      <p:grpSpPr>
+        <a:xfrm>
+          <a:off x="0" y="0"/>
+          <a:ext cx="0" cy="0"/>
+          <a:chOff x="0" y="0"/>
+          <a:chExt cx="0" cy="0"/>
+        </a:xfrm>
+      </p:grpSpPr>
+      <p:sp>
+        <p:nvSpPr>
+          <p:cNvPr id="2" name="Title 1">
+            <a:extLst>
+              <a:ext uri="{FF2B5EF4-FFF2-40B4-BE49-F238E27FC236}">
                 <a16:creationId xmlns:a16="http://schemas.microsoft.com/office/drawing/2014/main" id="{82A22F9F-30AD-859E-B701-92F7A256856D}"/>
               </a:ext>
             </a:extLst>
@@ -4961,38 +6036,49 @@
             <p:ph idx="1"/>
           </p:nvPr>
         </p:nvSpPr>
-        <p:spPr/>
-        <p:txBody>
-          <a:bodyPr/>
-          <a:lstStyle/>
-          <a:p>
+        <p:spPr>
+          <a:xfrm>
+            <a:off x="838200" y="1635620"/>
+            <a:ext cx="10515600" cy="4515798"/>
+          </a:xfrm>
+        </p:spPr>
+        <p:txBody>
+          <a:bodyPr>
+            <a:normAutofit lnSpcReduction="10000"/>
+          </a:bodyPr>
+          <a:lstStyle/>
+          <a:p>
+            <a:r>
+              <a:rPr lang="en-US" sz="3200" dirty="0"/>
+              <a:t>We can approximate how close two blocks of code are by computing string similarity on just the hash codes from LSH.</a:t>
+            </a:r>
+          </a:p>
+          <a:p>
+            <a:pPr lvl="1"/>
+            <a:r>
+              <a:rPr lang="en-US" sz="2800" dirty="0"/>
+              <a:t>It is much cheaper than checking over the whole </a:t>
+            </a:r>
+            <a:r>
+              <a:rPr lang="en-US" sz="2800" dirty="0" err="1"/>
+              <a:t>unhashed</a:t>
+            </a:r>
+            <a:r>
+              <a:rPr lang="en-US" sz="2800" dirty="0"/>
+              <a:t> text block</a:t>
+            </a:r>
             <a:r>
               <a:rPr lang="en-US" dirty="0"/>
-              <a:t>We can approximate how close two blocks of code are by computing string similarity on just the hash codes from LSH.</a:t>
-            </a:r>
-          </a:p>
-          <a:p>
-            <a:pPr lvl="1"/>
-            <a:r>
-              <a:rPr lang="en-US" dirty="0"/>
-              <a:t>It is much cheaper than checking over the whole </a:t>
-            </a:r>
-            <a:r>
-              <a:rPr lang="en-US" dirty="0" err="1"/>
-              <a:t>unhashed</a:t>
-            </a:r>
-            <a:r>
-              <a:rPr lang="en-US" dirty="0"/>
-              <a:t> text block.</a:t>
-            </a:r>
-          </a:p>
-          <a:p>
-            <a:r>
-              <a:rPr lang="en-US" dirty="0"/>
+              <a:t>.</a:t>
+            </a:r>
+          </a:p>
+          <a:p>
+            <a:r>
+              <a:rPr lang="en-US" sz="3200" dirty="0"/>
               <a:t>We used the </a:t>
             </a:r>
             <a:r>
-              <a:rPr lang="en-US" dirty="0" err="1">
+              <a:rPr lang="en-US" sz="3200" dirty="0" err="1">
                 <a:solidFill>
                   <a:schemeClr val="accent2"/>
                 </a:solidFill>
@@ -5000,7 +6086,7 @@
               <a:t>Levenshtein</a:t>
             </a:r>
             <a:r>
-              <a:rPr lang="en-US" dirty="0">
+              <a:rPr lang="en-US" sz="3200" dirty="0">
                 <a:solidFill>
                   <a:schemeClr val="accent2"/>
                 </a:solidFill>
@@ -5008,36 +6094,36 @@
               <a:t> Distance</a:t>
             </a:r>
             <a:r>
-              <a:rPr lang="en-US" dirty="0"/>
+              <a:rPr lang="en-US" sz="3200" dirty="0"/>
               <a:t> algorithm (</a:t>
             </a:r>
             <a:r>
-              <a:rPr lang="en-US" dirty="0" err="1">
+              <a:rPr lang="en-US" sz="3200" dirty="0" err="1">
                 <a:latin typeface="Courier New" panose="02070309020205020404" pitchFamily="49" charset="0"/>
                 <a:cs typeface="Courier New" panose="02070309020205020404" pitchFamily="49" charset="0"/>
               </a:rPr>
               <a:t>fuzzywuzzy</a:t>
             </a:r>
             <a:r>
-              <a:rPr lang="en-US" dirty="0"/>
+              <a:rPr lang="en-US" sz="3200" dirty="0"/>
               <a:t> library)</a:t>
             </a:r>
           </a:p>
           <a:p>
             <a:pPr lvl="1"/>
             <a:r>
-              <a:rPr lang="en-US" dirty="0"/>
+              <a:rPr lang="en-US" sz="2800" dirty="0"/>
               <a:t>The similarity score = the number of single character edits needed to convert one string into another. </a:t>
             </a:r>
           </a:p>
           <a:p>
             <a:pPr lvl="1"/>
             <a:r>
-              <a:rPr lang="en-US" dirty="0"/>
+              <a:rPr lang="en-US" sz="2800" dirty="0"/>
               <a:t>Edits = </a:t>
             </a:r>
             <a:r>
-              <a:rPr lang="en-US" dirty="0">
+              <a:rPr lang="en-US" sz="2800" dirty="0">
                 <a:solidFill>
                   <a:schemeClr val="accent5"/>
                 </a:solidFill>
@@ -5045,11 +6131,11 @@
               <a:t>change</a:t>
             </a:r>
             <a:r>
-              <a:rPr lang="en-US" dirty="0"/>
+              <a:rPr lang="en-US" sz="2800" dirty="0"/>
               <a:t>, </a:t>
             </a:r>
             <a:r>
-              <a:rPr lang="en-US" dirty="0">
+              <a:rPr lang="en-US" sz="2800" dirty="0">
                 <a:solidFill>
                   <a:schemeClr val="accent6"/>
                 </a:solidFill>
@@ -5057,11 +6143,11 @@
               <a:t>add</a:t>
             </a:r>
             <a:r>
-              <a:rPr lang="en-US" dirty="0"/>
+              <a:rPr lang="en-US" sz="2800" dirty="0"/>
               <a:t>, or </a:t>
             </a:r>
             <a:r>
-              <a:rPr lang="en-US" dirty="0">
+              <a:rPr lang="en-US" sz="2800" dirty="0">
                 <a:solidFill>
                   <a:srgbClr val="FF0000"/>
                 </a:solidFill>
@@ -5069,18 +6155,18 @@
               <a:t>delete</a:t>
             </a:r>
             <a:r>
-              <a:rPr lang="en-US" dirty="0"/>
+              <a:rPr lang="en-US" sz="2800" dirty="0"/>
               <a:t> one character.</a:t>
             </a:r>
           </a:p>
           <a:p>
             <a:pPr lvl="1"/>
             <a:r>
-              <a:rPr lang="en-US" dirty="0"/>
+              <a:rPr lang="en-US" sz="2800" dirty="0"/>
               <a:t>Since all hash codes are the same length, we only considered </a:t>
             </a:r>
             <a:r>
-              <a:rPr lang="en-US" dirty="0">
+              <a:rPr lang="en-US" sz="2800" dirty="0">
                 <a:solidFill>
                   <a:schemeClr val="accent5"/>
                 </a:solidFill>

--- a/presentation.pptx
+++ b/presentation.pptx
@@ -5173,7 +5173,7 @@
         </p:nvSpPr>
         <p:spPr>
           <a:xfrm>
-            <a:off x="842138" y="3930755"/>
+            <a:off x="842138" y="3759337"/>
             <a:ext cx="2934215" cy="461665"/>
           </a:xfrm>
           <a:prstGeom prst="rect">
@@ -5211,13 +5211,14 @@
           </p:cNvPr>
           <p:cNvCxnSpPr>
             <a:cxnSpLocks/>
+            <a:endCxn id="11" idx="3"/>
           </p:cNvCxnSpPr>
           <p:nvPr/>
         </p:nvCxnSpPr>
         <p:spPr>
           <a:xfrm rot="10800000" flipV="1">
             <a:off x="3776354" y="3659832"/>
-            <a:ext cx="831272" cy="508418"/>
+            <a:ext cx="831275" cy="330338"/>
           </a:xfrm>
           <a:prstGeom prst="bentConnector3">
             <a:avLst/>
@@ -5255,7 +5256,7 @@
         </p:nvSpPr>
         <p:spPr>
           <a:xfrm>
-            <a:off x="2398815" y="4593468"/>
+            <a:off x="2416380" y="4362635"/>
             <a:ext cx="7344767" cy="461665"/>
           </a:xfrm>
           <a:prstGeom prst="rect">
@@ -5294,13 +5295,14 @@
           <p:cNvCxnSpPr>
             <a:cxnSpLocks/>
             <a:stCxn id="4" idx="2"/>
+            <a:endCxn id="18" idx="0"/>
           </p:cNvCxnSpPr>
           <p:nvPr/>
         </p:nvCxnSpPr>
         <p:spPr>
-          <a:xfrm>
-            <a:off x="6100641" y="3659832"/>
-            <a:ext cx="5753" cy="933636"/>
+          <a:xfrm flipH="1">
+            <a:off x="6088764" y="3659832"/>
+            <a:ext cx="11877" cy="702803"/>
           </a:xfrm>
           <a:prstGeom prst="straightConnector1">
             <a:avLst/>
@@ -5360,7 +5362,7 @@
             <a:pPr algn="ctr"/>
             <a:r>
               <a:rPr lang="en-US" sz="2400" dirty="0"/>
-              <a:t>Hash again all of the code files</a:t>
+              <a:t>Hash all of the code files again</a:t>
             </a:r>
           </a:p>
         </p:txBody>
@@ -5401,13 +5403,8 @@
             <a:pPr algn="ctr"/>
             <a:r>
               <a:rPr lang="en-US" sz="2400" dirty="0"/>
-              <a:t>Compare – report as type II clones if </a:t>
-            </a:r>
-            <a:r>
-              <a:rPr lang="en-US" sz="2400" dirty="0" err="1"/>
-              <a:t>matach</a:t>
-            </a:r>
-            <a:endParaRPr lang="en-US" sz="2400" dirty="0"/>
+              <a:t>Compare – report as type II clones if matches</a:t>
+            </a:r>
           </a:p>
         </p:txBody>
       </p:sp>
@@ -5428,6 +5425,47 @@
         <p:spPr>
           <a:xfrm>
             <a:off x="6098585" y="5647805"/>
+            <a:ext cx="0" cy="342999"/>
+          </a:xfrm>
+          <a:prstGeom prst="straightConnector1">
+            <a:avLst/>
+          </a:prstGeom>
+          <a:ln w="0">
+            <a:tailEnd type="triangle" w="lg" len="med"/>
+          </a:ln>
+        </p:spPr>
+        <p:style>
+          <a:lnRef idx="1">
+            <a:schemeClr val="accent1"/>
+          </a:lnRef>
+          <a:fillRef idx="0">
+            <a:schemeClr val="accent1"/>
+          </a:fillRef>
+          <a:effectRef idx="0">
+            <a:schemeClr val="accent1"/>
+          </a:effectRef>
+          <a:fontRef idx="minor">
+            <a:schemeClr val="tx1"/>
+          </a:fontRef>
+        </p:style>
+      </p:cxnSp>
+      <p:cxnSp>
+        <p:nvCxnSpPr>
+          <p:cNvPr id="12" name="Straight Arrow Connector 11">
+            <a:extLst>
+              <a:ext uri="{FF2B5EF4-FFF2-40B4-BE49-F238E27FC236}">
+                <a16:creationId xmlns:a16="http://schemas.microsoft.com/office/drawing/2014/main" id="{C000D6F9-0F1D-FB05-924E-C940EA0CEBE7}"/>
+              </a:ext>
+            </a:extLst>
+          </p:cNvPr>
+          <p:cNvCxnSpPr>
+            <a:cxnSpLocks/>
+          </p:cNvCxnSpPr>
+          <p:nvPr/>
+        </p:nvCxnSpPr>
+        <p:spPr>
+          <a:xfrm>
+            <a:off x="6110461" y="4824300"/>
             <a:ext cx="0" cy="342999"/>
           </a:xfrm>
           <a:prstGeom prst="straightConnector1">
@@ -5561,10 +5599,10 @@
       </p:cxnSp>
       <p:sp>
         <p:nvSpPr>
-          <p:cNvPr id="3" name="TextBox 2">
-            <a:extLst>
-              <a:ext uri="{FF2B5EF4-FFF2-40B4-BE49-F238E27FC236}">
-                <a16:creationId xmlns:a16="http://schemas.microsoft.com/office/drawing/2014/main" id="{84DC2BB8-292B-9547-F547-714E254909AC}"/>
+          <p:cNvPr id="4" name="TextBox 3">
+            <a:extLst>
+              <a:ext uri="{FF2B5EF4-FFF2-40B4-BE49-F238E27FC236}">
+                <a16:creationId xmlns:a16="http://schemas.microsoft.com/office/drawing/2014/main" id="{82DAD499-FD02-A701-175D-A67C401A6F59}"/>
               </a:ext>
             </a:extLst>
           </p:cNvPr>
@@ -5573,18 +5611,13 @@
         </p:nvSpPr>
         <p:spPr>
           <a:xfrm>
-            <a:off x="2482064" y="1615044"/>
-            <a:ext cx="7237163" cy="461665"/>
+            <a:off x="709423" y="1464905"/>
+            <a:ext cx="10644378" cy="5016758"/>
           </a:xfrm>
           <a:prstGeom prst="rect">
             <a:avLst/>
           </a:prstGeom>
           <a:noFill/>
-          <a:ln w="19050">
-            <a:solidFill>
-              <a:schemeClr val="accent1"/>
-            </a:solidFill>
-          </a:ln>
         </p:spPr>
         <p:txBody>
           <a:bodyPr wrap="square" rtlCol="0">
@@ -5593,89 +5626,74 @@
           <a:lstStyle/>
           <a:p>
             <a:r>
-              <a:rPr lang="en-US" sz="2400" dirty="0"/>
-              <a:t>Preprocess files and place each block of code in a folder</a:t>
-            </a:r>
-          </a:p>
-        </p:txBody>
-      </p:sp>
-      <p:cxnSp>
-        <p:nvCxnSpPr>
-          <p:cNvPr id="6" name="Straight Arrow Connector 5">
-            <a:extLst>
-              <a:ext uri="{FF2B5EF4-FFF2-40B4-BE49-F238E27FC236}">
-                <a16:creationId xmlns:a16="http://schemas.microsoft.com/office/drawing/2014/main" id="{B78E30C3-3DDD-81E6-326B-A6A9E45AD369}"/>
-              </a:ext>
-            </a:extLst>
-          </p:cNvPr>
-          <p:cNvCxnSpPr>
-            <a:cxnSpLocks/>
-          </p:cNvCxnSpPr>
-          <p:nvPr/>
-        </p:nvCxnSpPr>
-        <p:spPr>
-          <a:xfrm>
-            <a:off x="6100646" y="2076709"/>
-            <a:ext cx="0" cy="281721"/>
-          </a:xfrm>
-          <a:prstGeom prst="straightConnector1">
-            <a:avLst/>
-          </a:prstGeom>
-          <a:ln>
-            <a:tailEnd type="triangle"/>
-          </a:ln>
-        </p:spPr>
-        <p:style>
-          <a:lnRef idx="1">
-            <a:schemeClr val="accent1"/>
-          </a:lnRef>
-          <a:fillRef idx="0">
-            <a:schemeClr val="accent1"/>
-          </a:fillRef>
-          <a:effectRef idx="0">
-            <a:schemeClr val="accent1"/>
-          </a:effectRef>
-          <a:fontRef idx="minor">
-            <a:schemeClr val="tx1"/>
-          </a:fontRef>
-        </p:style>
-      </p:cxnSp>
-      <p:sp>
-        <p:nvSpPr>
-          <p:cNvPr id="8" name="TextBox 7">
-            <a:extLst>
-              <a:ext uri="{FF2B5EF4-FFF2-40B4-BE49-F238E27FC236}">
-                <a16:creationId xmlns:a16="http://schemas.microsoft.com/office/drawing/2014/main" id="{D67CC55F-BD51-EFE5-750B-92A0584389C0}"/>
-              </a:ext>
-            </a:extLst>
-          </p:cNvPr>
-          <p:cNvSpPr txBox="1"/>
-          <p:nvPr/>
-        </p:nvSpPr>
-        <p:spPr>
-          <a:xfrm>
-            <a:off x="2710241" y="2338297"/>
-            <a:ext cx="6780810" cy="461665"/>
-          </a:xfrm>
-          <a:prstGeom prst="rect">
-            <a:avLst/>
-          </a:prstGeom>
-          <a:noFill/>
-          <a:ln w="19050">
-            <a:solidFill>
-              <a:schemeClr val="accent1"/>
-            </a:solidFill>
-          </a:ln>
-        </p:spPr>
-        <p:txBody>
-          <a:bodyPr wrap="square" rtlCol="0">
-            <a:spAutoFit/>
-          </a:bodyPr>
-          <a:lstStyle/>
-          <a:p>
-            <a:r>
-              <a:rPr lang="en-US" sz="2400" dirty="0"/>
-              <a:t>Hash all of the code files</a:t>
+              <a:rPr lang="en-US" sz="3200" dirty="0"/>
+              <a:t>The preprocessor first breaks each source file into the functions.</a:t>
+            </a:r>
+          </a:p>
+          <a:p>
+            <a:pPr marL="457200" indent="-457200">
+              <a:buFont typeface="Arial" panose="020B0604020202020204" pitchFamily="34" charset="0"/>
+              <a:buChar char="•"/>
+            </a:pPr>
+            <a:r>
+              <a:rPr lang="en-US" sz="2800" dirty="0"/>
+              <a:t>The functions are places in a directory named for the parent file</a:t>
+            </a:r>
+          </a:p>
+          <a:p>
+            <a:pPr marL="457200" indent="-457200">
+              <a:buFont typeface="Arial" panose="020B0604020202020204" pitchFamily="34" charset="0"/>
+              <a:buChar char="•"/>
+            </a:pPr>
+            <a:r>
+              <a:rPr lang="en-US" sz="2800" dirty="0"/>
+              <a:t>If there are no functions a file named “__main__.py” is created</a:t>
+            </a:r>
+          </a:p>
+          <a:p>
+            <a:pPr marL="457200" indent="-457200">
+              <a:buFont typeface="Arial" panose="020B0604020202020204" pitchFamily="34" charset="0"/>
+              <a:buChar char="•"/>
+            </a:pPr>
+            <a:r>
+              <a:rPr lang="en-US" sz="2800" dirty="0"/>
+              <a:t>Code outside of functions is in a file called “front_matter.py”</a:t>
+            </a:r>
+          </a:p>
+          <a:p>
+            <a:pPr marL="457200" indent="-457200">
+              <a:buFont typeface="Arial" panose="020B0604020202020204" pitchFamily="34" charset="0"/>
+              <a:buChar char="•"/>
+            </a:pPr>
+            <a:r>
+              <a:rPr lang="en-US" sz="2800" dirty="0"/>
+              <a:t>If there is a class in the file, the functions in that class is all that is processed</a:t>
+            </a:r>
+          </a:p>
+          <a:p>
+            <a:r>
+              <a:rPr lang="en-US" sz="3200" dirty="0"/>
+              <a:t>Each file then has:</a:t>
+            </a:r>
+          </a:p>
+          <a:p>
+            <a:pPr marL="457200" indent="-457200">
+              <a:buFont typeface="Arial" panose="020B0604020202020204" pitchFamily="34" charset="0"/>
+              <a:buChar char="•"/>
+            </a:pPr>
+            <a:r>
+              <a:rPr lang="en-US" sz="2800" dirty="0"/>
+              <a:t>Comments and blank lines removed</a:t>
+            </a:r>
+          </a:p>
+          <a:p>
+            <a:pPr marL="457200" indent="-457200">
+              <a:buFont typeface="Arial" panose="020B0604020202020204" pitchFamily="34" charset="0"/>
+              <a:buChar char="•"/>
+            </a:pPr>
+            <a:r>
+              <a:rPr lang="en-US" sz="2800" dirty="0"/>
+              <a:t>Extra blanks are removed; i.e. white spaces (not including indents) are limited to a single one at a time. </a:t>
             </a:r>
           </a:p>
         </p:txBody>

--- a/presentation.pptx
+++ b/presentation.pptx
@@ -203,7 +203,7 @@
           <a:p>
             <a:fld id="{BE2A43AE-C781-437F-82F9-639F52CA20CD}" type="datetimeFigureOut">
               <a:rPr lang="en-US" smtClean="0"/>
-              <a:t>4/25/2023</a:t>
+              <a:t>4/26/2023</a:t>
             </a:fld>
             <a:endParaRPr lang="en-US"/>
           </a:p>
@@ -795,7 +795,7 @@
           <p:cNvPr id="2" name="Title 1">
             <a:extLst>
               <a:ext uri="{FF2B5EF4-FFF2-40B4-BE49-F238E27FC236}">
-                <a16:creationId xmlns:a16="http://schemas.microsoft.com/office/drawing/2014/main" id="{213A34AA-5E43-435A-A7B7-BCC9F3E207DC}"/>
+                <a16:creationId xmlns:a16="http://schemas.microsoft.com/office/drawing/2014/main" xmlns="" id="{213A34AA-5E43-435A-A7B7-BCC9F3E207DC}"/>
               </a:ext>
             </a:extLst>
           </p:cNvPr>
@@ -832,7 +832,7 @@
           <p:cNvPr id="3" name="Subtitle 2">
             <a:extLst>
               <a:ext uri="{FF2B5EF4-FFF2-40B4-BE49-F238E27FC236}">
-                <a16:creationId xmlns:a16="http://schemas.microsoft.com/office/drawing/2014/main" id="{5F4F9EDB-7F05-4023-B4E0-405F390EA9F3}"/>
+                <a16:creationId xmlns:a16="http://schemas.microsoft.com/office/drawing/2014/main" xmlns="" id="{5F4F9EDB-7F05-4023-B4E0-405F390EA9F3}"/>
               </a:ext>
             </a:extLst>
           </p:cNvPr>
@@ -902,7 +902,7 @@
           <p:cNvPr id="4" name="Date Placeholder 3">
             <a:extLst>
               <a:ext uri="{FF2B5EF4-FFF2-40B4-BE49-F238E27FC236}">
-                <a16:creationId xmlns:a16="http://schemas.microsoft.com/office/drawing/2014/main" id="{F3FF794F-1319-48B1-A178-7CF25CA76618}"/>
+                <a16:creationId xmlns:a16="http://schemas.microsoft.com/office/drawing/2014/main" xmlns="" id="{F3FF794F-1319-48B1-A178-7CF25CA76618}"/>
               </a:ext>
             </a:extLst>
           </p:cNvPr>
@@ -920,7 +920,7 @@
           <a:p>
             <a:fld id="{65DDBF0C-176C-41A2-A7B0-D55ED202E141}" type="datetimeFigureOut">
               <a:rPr lang="en-US" smtClean="0"/>
-              <a:t>4/25/2023</a:t>
+              <a:t>4/26/2023</a:t>
             </a:fld>
             <a:endParaRPr lang="en-US"/>
           </a:p>
@@ -931,7 +931,7 @@
           <p:cNvPr id="5" name="Footer Placeholder 4">
             <a:extLst>
               <a:ext uri="{FF2B5EF4-FFF2-40B4-BE49-F238E27FC236}">
-                <a16:creationId xmlns:a16="http://schemas.microsoft.com/office/drawing/2014/main" id="{AD6F78D6-F2B5-4B62-BD56-CE7B1EE4BFD4}"/>
+                <a16:creationId xmlns:a16="http://schemas.microsoft.com/office/drawing/2014/main" xmlns="" id="{AD6F78D6-F2B5-4B62-BD56-CE7B1EE4BFD4}"/>
               </a:ext>
             </a:extLst>
           </p:cNvPr>
@@ -956,7 +956,7 @@
           <p:cNvPr id="6" name="Slide Number Placeholder 5">
             <a:extLst>
               <a:ext uri="{FF2B5EF4-FFF2-40B4-BE49-F238E27FC236}">
-                <a16:creationId xmlns:a16="http://schemas.microsoft.com/office/drawing/2014/main" id="{7B5ED8BB-7569-424A-BB8B-F7DB6CD610AF}"/>
+                <a16:creationId xmlns:a16="http://schemas.microsoft.com/office/drawing/2014/main" xmlns="" id="{7B5ED8BB-7569-424A-BB8B-F7DB6CD610AF}"/>
               </a:ext>
             </a:extLst>
           </p:cNvPr>
@@ -1015,7 +1015,7 @@
           <p:cNvPr id="2" name="Title 1">
             <a:extLst>
               <a:ext uri="{FF2B5EF4-FFF2-40B4-BE49-F238E27FC236}">
-                <a16:creationId xmlns:a16="http://schemas.microsoft.com/office/drawing/2014/main" id="{674061D1-01DA-4CF4-ADFD-4320CF9A1AC2}"/>
+                <a16:creationId xmlns:a16="http://schemas.microsoft.com/office/drawing/2014/main" xmlns="" id="{674061D1-01DA-4CF4-ADFD-4320CF9A1AC2}"/>
               </a:ext>
             </a:extLst>
           </p:cNvPr>
@@ -1043,7 +1043,7 @@
           <p:cNvPr id="3" name="Vertical Text Placeholder 2">
             <a:extLst>
               <a:ext uri="{FF2B5EF4-FFF2-40B4-BE49-F238E27FC236}">
-                <a16:creationId xmlns:a16="http://schemas.microsoft.com/office/drawing/2014/main" id="{72FADD50-F22E-4FF0-8992-4446F74924B0}"/>
+                <a16:creationId xmlns:a16="http://schemas.microsoft.com/office/drawing/2014/main" xmlns="" id="{72FADD50-F22E-4FF0-8992-4446F74924B0}"/>
               </a:ext>
             </a:extLst>
           </p:cNvPr>
@@ -1100,7 +1100,7 @@
           <p:cNvPr id="4" name="Date Placeholder 3">
             <a:extLst>
               <a:ext uri="{FF2B5EF4-FFF2-40B4-BE49-F238E27FC236}">
-                <a16:creationId xmlns:a16="http://schemas.microsoft.com/office/drawing/2014/main" id="{4FD568AB-3774-460A-9993-F8C912398DEE}"/>
+                <a16:creationId xmlns:a16="http://schemas.microsoft.com/office/drawing/2014/main" xmlns="" id="{4FD568AB-3774-460A-9993-F8C912398DEE}"/>
               </a:ext>
             </a:extLst>
           </p:cNvPr>
@@ -1118,7 +1118,7 @@
           <a:p>
             <a:fld id="{65DDBF0C-176C-41A2-A7B0-D55ED202E141}" type="datetimeFigureOut">
               <a:rPr lang="en-US" smtClean="0"/>
-              <a:t>4/25/2023</a:t>
+              <a:t>4/26/2023</a:t>
             </a:fld>
             <a:endParaRPr lang="en-US"/>
           </a:p>
@@ -1129,7 +1129,7 @@
           <p:cNvPr id="5" name="Footer Placeholder 4">
             <a:extLst>
               <a:ext uri="{FF2B5EF4-FFF2-40B4-BE49-F238E27FC236}">
-                <a16:creationId xmlns:a16="http://schemas.microsoft.com/office/drawing/2014/main" id="{26595190-64E7-44FA-8F10-C4B9CE118C7C}"/>
+                <a16:creationId xmlns:a16="http://schemas.microsoft.com/office/drawing/2014/main" xmlns="" id="{26595190-64E7-44FA-8F10-C4B9CE118C7C}"/>
               </a:ext>
             </a:extLst>
           </p:cNvPr>
@@ -1154,7 +1154,7 @@
           <p:cNvPr id="6" name="Slide Number Placeholder 5">
             <a:extLst>
               <a:ext uri="{FF2B5EF4-FFF2-40B4-BE49-F238E27FC236}">
-                <a16:creationId xmlns:a16="http://schemas.microsoft.com/office/drawing/2014/main" id="{1269AE7E-E85B-4C0C-9F9F-4A9E512A8DD4}"/>
+                <a16:creationId xmlns:a16="http://schemas.microsoft.com/office/drawing/2014/main" xmlns="" id="{1269AE7E-E85B-4C0C-9F9F-4A9E512A8DD4}"/>
               </a:ext>
             </a:extLst>
           </p:cNvPr>
@@ -1213,7 +1213,7 @@
           <p:cNvPr id="2" name="Vertical Title 1">
             <a:extLst>
               <a:ext uri="{FF2B5EF4-FFF2-40B4-BE49-F238E27FC236}">
-                <a16:creationId xmlns:a16="http://schemas.microsoft.com/office/drawing/2014/main" id="{75F13DAB-B72E-415D-AB8E-CE29234F5655}"/>
+                <a16:creationId xmlns:a16="http://schemas.microsoft.com/office/drawing/2014/main" xmlns="" id="{75F13DAB-B72E-415D-AB8E-CE29234F5655}"/>
               </a:ext>
             </a:extLst>
           </p:cNvPr>
@@ -1246,7 +1246,7 @@
           <p:cNvPr id="3" name="Vertical Text Placeholder 2">
             <a:extLst>
               <a:ext uri="{FF2B5EF4-FFF2-40B4-BE49-F238E27FC236}">
-                <a16:creationId xmlns:a16="http://schemas.microsoft.com/office/drawing/2014/main" id="{8A678E1E-5EB3-48CE-A09B-F57E17B5BA50}"/>
+                <a16:creationId xmlns:a16="http://schemas.microsoft.com/office/drawing/2014/main" xmlns="" id="{8A678E1E-5EB3-48CE-A09B-F57E17B5BA50}"/>
               </a:ext>
             </a:extLst>
           </p:cNvPr>
@@ -1308,7 +1308,7 @@
           <p:cNvPr id="4" name="Date Placeholder 3">
             <a:extLst>
               <a:ext uri="{FF2B5EF4-FFF2-40B4-BE49-F238E27FC236}">
-                <a16:creationId xmlns:a16="http://schemas.microsoft.com/office/drawing/2014/main" id="{0B724926-44BF-43CC-984F-83B2B3ABCB87}"/>
+                <a16:creationId xmlns:a16="http://schemas.microsoft.com/office/drawing/2014/main" xmlns="" id="{0B724926-44BF-43CC-984F-83B2B3ABCB87}"/>
               </a:ext>
             </a:extLst>
           </p:cNvPr>
@@ -1326,7 +1326,7 @@
           <a:p>
             <a:fld id="{65DDBF0C-176C-41A2-A7B0-D55ED202E141}" type="datetimeFigureOut">
               <a:rPr lang="en-US" smtClean="0"/>
-              <a:t>4/25/2023</a:t>
+              <a:t>4/26/2023</a:t>
             </a:fld>
             <a:endParaRPr lang="en-US"/>
           </a:p>
@@ -1337,7 +1337,7 @@
           <p:cNvPr id="5" name="Footer Placeholder 4">
             <a:extLst>
               <a:ext uri="{FF2B5EF4-FFF2-40B4-BE49-F238E27FC236}">
-                <a16:creationId xmlns:a16="http://schemas.microsoft.com/office/drawing/2014/main" id="{5F3EF2D1-473B-44ED-BC3D-63CE7CEE9F7B}"/>
+                <a16:creationId xmlns:a16="http://schemas.microsoft.com/office/drawing/2014/main" xmlns="" id="{5F3EF2D1-473B-44ED-BC3D-63CE7CEE9F7B}"/>
               </a:ext>
             </a:extLst>
           </p:cNvPr>
@@ -1362,7 +1362,7 @@
           <p:cNvPr id="6" name="Slide Number Placeholder 5">
             <a:extLst>
               <a:ext uri="{FF2B5EF4-FFF2-40B4-BE49-F238E27FC236}">
-                <a16:creationId xmlns:a16="http://schemas.microsoft.com/office/drawing/2014/main" id="{E5835003-389E-431A-BBE3-43DD45A54185}"/>
+                <a16:creationId xmlns:a16="http://schemas.microsoft.com/office/drawing/2014/main" xmlns="" id="{E5835003-389E-431A-BBE3-43DD45A54185}"/>
               </a:ext>
             </a:extLst>
           </p:cNvPr>
@@ -1421,7 +1421,7 @@
           <p:cNvPr id="2" name="Title 1">
             <a:extLst>
               <a:ext uri="{FF2B5EF4-FFF2-40B4-BE49-F238E27FC236}">
-                <a16:creationId xmlns:a16="http://schemas.microsoft.com/office/drawing/2014/main" id="{5452D5BD-C1DF-4673-AD18-9028F79FC53C}"/>
+                <a16:creationId xmlns:a16="http://schemas.microsoft.com/office/drawing/2014/main" xmlns="" id="{5452D5BD-C1DF-4673-AD18-9028F79FC53C}"/>
               </a:ext>
             </a:extLst>
           </p:cNvPr>
@@ -1460,7 +1460,7 @@
           <p:cNvPr id="3" name="Content Placeholder 2">
             <a:extLst>
               <a:ext uri="{FF2B5EF4-FFF2-40B4-BE49-F238E27FC236}">
-                <a16:creationId xmlns:a16="http://schemas.microsoft.com/office/drawing/2014/main" id="{872F80AF-00BC-4B52-99D4-8FCA3A097FC0}"/>
+                <a16:creationId xmlns:a16="http://schemas.microsoft.com/office/drawing/2014/main" xmlns="" id="{872F80AF-00BC-4B52-99D4-8FCA3A097FC0}"/>
               </a:ext>
             </a:extLst>
           </p:cNvPr>
@@ -1517,7 +1517,7 @@
           <p:cNvPr id="4" name="Date Placeholder 3">
             <a:extLst>
               <a:ext uri="{FF2B5EF4-FFF2-40B4-BE49-F238E27FC236}">
-                <a16:creationId xmlns:a16="http://schemas.microsoft.com/office/drawing/2014/main" id="{0292E782-6B5B-40FC-91C1-A2D12D0D9806}"/>
+                <a16:creationId xmlns:a16="http://schemas.microsoft.com/office/drawing/2014/main" xmlns="" id="{0292E782-6B5B-40FC-91C1-A2D12D0D9806}"/>
               </a:ext>
             </a:extLst>
           </p:cNvPr>
@@ -1535,7 +1535,7 @@
           <a:p>
             <a:fld id="{65DDBF0C-176C-41A2-A7B0-D55ED202E141}" type="datetimeFigureOut">
               <a:rPr lang="en-US" smtClean="0"/>
-              <a:t>4/25/2023</a:t>
+              <a:t>4/26/2023</a:t>
             </a:fld>
             <a:endParaRPr lang="en-US"/>
           </a:p>
@@ -1546,7 +1546,7 @@
           <p:cNvPr id="5" name="Footer Placeholder 4">
             <a:extLst>
               <a:ext uri="{FF2B5EF4-FFF2-40B4-BE49-F238E27FC236}">
-                <a16:creationId xmlns:a16="http://schemas.microsoft.com/office/drawing/2014/main" id="{E22C71DF-7E1C-480A-9F46-C30FE13A6F29}"/>
+                <a16:creationId xmlns:a16="http://schemas.microsoft.com/office/drawing/2014/main" xmlns="" id="{E22C71DF-7E1C-480A-9F46-C30FE13A6F29}"/>
               </a:ext>
             </a:extLst>
           </p:cNvPr>
@@ -1571,7 +1571,7 @@
           <p:cNvPr id="6" name="Slide Number Placeholder 5">
             <a:extLst>
               <a:ext uri="{FF2B5EF4-FFF2-40B4-BE49-F238E27FC236}">
-                <a16:creationId xmlns:a16="http://schemas.microsoft.com/office/drawing/2014/main" id="{7BDBEA1F-7D89-4993-B0E2-EBEF464F47BA}"/>
+                <a16:creationId xmlns:a16="http://schemas.microsoft.com/office/drawing/2014/main" xmlns="" id="{7BDBEA1F-7D89-4993-B0E2-EBEF464F47BA}"/>
               </a:ext>
             </a:extLst>
           </p:cNvPr>
@@ -1600,7 +1600,7 @@
           <p:cNvPr id="7" name="Straight Connector 6">
             <a:extLst>
               <a:ext uri="{FF2B5EF4-FFF2-40B4-BE49-F238E27FC236}">
-                <a16:creationId xmlns:a16="http://schemas.microsoft.com/office/drawing/2014/main" id="{1FFB6EB9-9B8F-2375-C5BD-AD79DF4E3AD2}"/>
+                <a16:creationId xmlns:a16="http://schemas.microsoft.com/office/drawing/2014/main" xmlns="" id="{1FFB6EB9-9B8F-2375-C5BD-AD79DF4E3AD2}"/>
               </a:ext>
             </a:extLst>
           </p:cNvPr>
@@ -1674,7 +1674,7 @@
           <p:cNvPr id="2" name="Title 1">
             <a:extLst>
               <a:ext uri="{FF2B5EF4-FFF2-40B4-BE49-F238E27FC236}">
-                <a16:creationId xmlns:a16="http://schemas.microsoft.com/office/drawing/2014/main" id="{DE75824E-C687-48A0-9A3C-B8705386EAF9}"/>
+                <a16:creationId xmlns:a16="http://schemas.microsoft.com/office/drawing/2014/main" xmlns="" id="{DE75824E-C687-48A0-9A3C-B8705386EAF9}"/>
               </a:ext>
             </a:extLst>
           </p:cNvPr>
@@ -1711,7 +1711,7 @@
           <p:cNvPr id="3" name="Text Placeholder 2">
             <a:extLst>
               <a:ext uri="{FF2B5EF4-FFF2-40B4-BE49-F238E27FC236}">
-                <a16:creationId xmlns:a16="http://schemas.microsoft.com/office/drawing/2014/main" id="{0D1B597D-16B1-4C13-8406-A9E5AFB4CCAD}"/>
+                <a16:creationId xmlns:a16="http://schemas.microsoft.com/office/drawing/2014/main" xmlns="" id="{0D1B597D-16B1-4C13-8406-A9E5AFB4CCAD}"/>
               </a:ext>
             </a:extLst>
           </p:cNvPr>
@@ -1836,7 +1836,7 @@
           <p:cNvPr id="4" name="Date Placeholder 3">
             <a:extLst>
               <a:ext uri="{FF2B5EF4-FFF2-40B4-BE49-F238E27FC236}">
-                <a16:creationId xmlns:a16="http://schemas.microsoft.com/office/drawing/2014/main" id="{E3A81C5D-813E-43A4-BA6C-1E3E5035FC73}"/>
+                <a16:creationId xmlns:a16="http://schemas.microsoft.com/office/drawing/2014/main" xmlns="" id="{E3A81C5D-813E-43A4-BA6C-1E3E5035FC73}"/>
               </a:ext>
             </a:extLst>
           </p:cNvPr>
@@ -1854,7 +1854,7 @@
           <a:p>
             <a:fld id="{65DDBF0C-176C-41A2-A7B0-D55ED202E141}" type="datetimeFigureOut">
               <a:rPr lang="en-US" smtClean="0"/>
-              <a:t>4/25/2023</a:t>
+              <a:t>4/26/2023</a:t>
             </a:fld>
             <a:endParaRPr lang="en-US"/>
           </a:p>
@@ -1865,7 +1865,7 @@
           <p:cNvPr id="5" name="Footer Placeholder 4">
             <a:extLst>
               <a:ext uri="{FF2B5EF4-FFF2-40B4-BE49-F238E27FC236}">
-                <a16:creationId xmlns:a16="http://schemas.microsoft.com/office/drawing/2014/main" id="{5EA3CFD6-6559-4140-B76A-09E4BE83C8B5}"/>
+                <a16:creationId xmlns:a16="http://schemas.microsoft.com/office/drawing/2014/main" xmlns="" id="{5EA3CFD6-6559-4140-B76A-09E4BE83C8B5}"/>
               </a:ext>
             </a:extLst>
           </p:cNvPr>
@@ -1890,7 +1890,7 @@
           <p:cNvPr id="6" name="Slide Number Placeholder 5">
             <a:extLst>
               <a:ext uri="{FF2B5EF4-FFF2-40B4-BE49-F238E27FC236}">
-                <a16:creationId xmlns:a16="http://schemas.microsoft.com/office/drawing/2014/main" id="{ECDA1549-12AC-4059-A8F6-0D84C0707D1F}"/>
+                <a16:creationId xmlns:a16="http://schemas.microsoft.com/office/drawing/2014/main" xmlns="" id="{ECDA1549-12AC-4059-A8F6-0D84C0707D1F}"/>
               </a:ext>
             </a:extLst>
           </p:cNvPr>
@@ -1949,7 +1949,7 @@
           <p:cNvPr id="2" name="Title 1">
             <a:extLst>
               <a:ext uri="{FF2B5EF4-FFF2-40B4-BE49-F238E27FC236}">
-                <a16:creationId xmlns:a16="http://schemas.microsoft.com/office/drawing/2014/main" id="{A60BC9F5-576E-42DE-B055-199083CAF103}"/>
+                <a16:creationId xmlns:a16="http://schemas.microsoft.com/office/drawing/2014/main" xmlns="" id="{A60BC9F5-576E-42DE-B055-199083CAF103}"/>
               </a:ext>
             </a:extLst>
           </p:cNvPr>
@@ -1977,7 +1977,7 @@
           <p:cNvPr id="3" name="Content Placeholder 2">
             <a:extLst>
               <a:ext uri="{FF2B5EF4-FFF2-40B4-BE49-F238E27FC236}">
-                <a16:creationId xmlns:a16="http://schemas.microsoft.com/office/drawing/2014/main" id="{71A3C86C-66B7-4437-B8FF-5BA1B3B63C63}"/>
+                <a16:creationId xmlns:a16="http://schemas.microsoft.com/office/drawing/2014/main" xmlns="" id="{71A3C86C-66B7-4437-B8FF-5BA1B3B63C63}"/>
               </a:ext>
             </a:extLst>
           </p:cNvPr>
@@ -2039,7 +2039,7 @@
           <p:cNvPr id="4" name="Content Placeholder 3">
             <a:extLst>
               <a:ext uri="{FF2B5EF4-FFF2-40B4-BE49-F238E27FC236}">
-                <a16:creationId xmlns:a16="http://schemas.microsoft.com/office/drawing/2014/main" id="{92959486-1032-47F9-84F0-2B4B46D772F0}"/>
+                <a16:creationId xmlns:a16="http://schemas.microsoft.com/office/drawing/2014/main" xmlns="" id="{92959486-1032-47F9-84F0-2B4B46D772F0}"/>
               </a:ext>
             </a:extLst>
           </p:cNvPr>
@@ -2101,7 +2101,7 @@
           <p:cNvPr id="5" name="Date Placeholder 4">
             <a:extLst>
               <a:ext uri="{FF2B5EF4-FFF2-40B4-BE49-F238E27FC236}">
-                <a16:creationId xmlns:a16="http://schemas.microsoft.com/office/drawing/2014/main" id="{A6D883F3-47AF-45FD-9291-206A04A5F7EA}"/>
+                <a16:creationId xmlns:a16="http://schemas.microsoft.com/office/drawing/2014/main" xmlns="" id="{A6D883F3-47AF-45FD-9291-206A04A5F7EA}"/>
               </a:ext>
             </a:extLst>
           </p:cNvPr>
@@ -2119,7 +2119,7 @@
           <a:p>
             <a:fld id="{65DDBF0C-176C-41A2-A7B0-D55ED202E141}" type="datetimeFigureOut">
               <a:rPr lang="en-US" smtClean="0"/>
-              <a:t>4/25/2023</a:t>
+              <a:t>4/26/2023</a:t>
             </a:fld>
             <a:endParaRPr lang="en-US"/>
           </a:p>
@@ -2130,7 +2130,7 @@
           <p:cNvPr id="6" name="Footer Placeholder 5">
             <a:extLst>
               <a:ext uri="{FF2B5EF4-FFF2-40B4-BE49-F238E27FC236}">
-                <a16:creationId xmlns:a16="http://schemas.microsoft.com/office/drawing/2014/main" id="{69F8164B-C772-4EB8-94A2-C24897BD216C}"/>
+                <a16:creationId xmlns:a16="http://schemas.microsoft.com/office/drawing/2014/main" xmlns="" id="{69F8164B-C772-4EB8-94A2-C24897BD216C}"/>
               </a:ext>
             </a:extLst>
           </p:cNvPr>
@@ -2155,7 +2155,7 @@
           <p:cNvPr id="7" name="Slide Number Placeholder 6">
             <a:extLst>
               <a:ext uri="{FF2B5EF4-FFF2-40B4-BE49-F238E27FC236}">
-                <a16:creationId xmlns:a16="http://schemas.microsoft.com/office/drawing/2014/main" id="{40170100-5C66-4772-A280-A70E353823C6}"/>
+                <a16:creationId xmlns:a16="http://schemas.microsoft.com/office/drawing/2014/main" xmlns="" id="{40170100-5C66-4772-A280-A70E353823C6}"/>
               </a:ext>
             </a:extLst>
           </p:cNvPr>
@@ -2214,7 +2214,7 @@
           <p:cNvPr id="2" name="Title 1">
             <a:extLst>
               <a:ext uri="{FF2B5EF4-FFF2-40B4-BE49-F238E27FC236}">
-                <a16:creationId xmlns:a16="http://schemas.microsoft.com/office/drawing/2014/main" id="{01235673-6FE8-45A3-A361-B5F5F1F3C486}"/>
+                <a16:creationId xmlns:a16="http://schemas.microsoft.com/office/drawing/2014/main" xmlns="" id="{01235673-6FE8-45A3-A361-B5F5F1F3C486}"/>
               </a:ext>
             </a:extLst>
           </p:cNvPr>
@@ -2247,7 +2247,7 @@
           <p:cNvPr id="3" name="Text Placeholder 2">
             <a:extLst>
               <a:ext uri="{FF2B5EF4-FFF2-40B4-BE49-F238E27FC236}">
-                <a16:creationId xmlns:a16="http://schemas.microsoft.com/office/drawing/2014/main" id="{68B14653-79B1-4EDB-B3DB-60E1A37667C1}"/>
+                <a16:creationId xmlns:a16="http://schemas.microsoft.com/office/drawing/2014/main" xmlns="" id="{68B14653-79B1-4EDB-B3DB-60E1A37667C1}"/>
               </a:ext>
             </a:extLst>
           </p:cNvPr>
@@ -2318,7 +2318,7 @@
           <p:cNvPr id="4" name="Content Placeholder 3">
             <a:extLst>
               <a:ext uri="{FF2B5EF4-FFF2-40B4-BE49-F238E27FC236}">
-                <a16:creationId xmlns:a16="http://schemas.microsoft.com/office/drawing/2014/main" id="{0AC4CE1B-FA0F-4FED-AF46-75720527F96D}"/>
+                <a16:creationId xmlns:a16="http://schemas.microsoft.com/office/drawing/2014/main" xmlns="" id="{0AC4CE1B-FA0F-4FED-AF46-75720527F96D}"/>
               </a:ext>
             </a:extLst>
           </p:cNvPr>
@@ -2380,7 +2380,7 @@
           <p:cNvPr id="5" name="Text Placeholder 4">
             <a:extLst>
               <a:ext uri="{FF2B5EF4-FFF2-40B4-BE49-F238E27FC236}">
-                <a16:creationId xmlns:a16="http://schemas.microsoft.com/office/drawing/2014/main" id="{C928A86F-6541-41F4-8141-0E5397B6BFB2}"/>
+                <a16:creationId xmlns:a16="http://schemas.microsoft.com/office/drawing/2014/main" xmlns="" id="{C928A86F-6541-41F4-8141-0E5397B6BFB2}"/>
               </a:ext>
             </a:extLst>
           </p:cNvPr>
@@ -2451,7 +2451,7 @@
           <p:cNvPr id="6" name="Content Placeholder 5">
             <a:extLst>
               <a:ext uri="{FF2B5EF4-FFF2-40B4-BE49-F238E27FC236}">
-                <a16:creationId xmlns:a16="http://schemas.microsoft.com/office/drawing/2014/main" id="{4F930E6C-8D3B-46FB-8D9D-CAB40E0DBFD1}"/>
+                <a16:creationId xmlns:a16="http://schemas.microsoft.com/office/drawing/2014/main" xmlns="" id="{4F930E6C-8D3B-46FB-8D9D-CAB40E0DBFD1}"/>
               </a:ext>
             </a:extLst>
           </p:cNvPr>
@@ -2513,7 +2513,7 @@
           <p:cNvPr id="7" name="Date Placeholder 6">
             <a:extLst>
               <a:ext uri="{FF2B5EF4-FFF2-40B4-BE49-F238E27FC236}">
-                <a16:creationId xmlns:a16="http://schemas.microsoft.com/office/drawing/2014/main" id="{DC999066-0E0E-4AB1-A82D-0A337EFBA275}"/>
+                <a16:creationId xmlns:a16="http://schemas.microsoft.com/office/drawing/2014/main" xmlns="" id="{DC999066-0E0E-4AB1-A82D-0A337EFBA275}"/>
               </a:ext>
             </a:extLst>
           </p:cNvPr>
@@ -2531,7 +2531,7 @@
           <a:p>
             <a:fld id="{65DDBF0C-176C-41A2-A7B0-D55ED202E141}" type="datetimeFigureOut">
               <a:rPr lang="en-US" smtClean="0"/>
-              <a:t>4/25/2023</a:t>
+              <a:t>4/26/2023</a:t>
             </a:fld>
             <a:endParaRPr lang="en-US"/>
           </a:p>
@@ -2542,7 +2542,7 @@
           <p:cNvPr id="8" name="Footer Placeholder 7">
             <a:extLst>
               <a:ext uri="{FF2B5EF4-FFF2-40B4-BE49-F238E27FC236}">
-                <a16:creationId xmlns:a16="http://schemas.microsoft.com/office/drawing/2014/main" id="{8C1085FD-2875-4547-BCA9-0A7C3025B8E1}"/>
+                <a16:creationId xmlns:a16="http://schemas.microsoft.com/office/drawing/2014/main" xmlns="" id="{8C1085FD-2875-4547-BCA9-0A7C3025B8E1}"/>
               </a:ext>
             </a:extLst>
           </p:cNvPr>
@@ -2567,7 +2567,7 @@
           <p:cNvPr id="9" name="Slide Number Placeholder 8">
             <a:extLst>
               <a:ext uri="{FF2B5EF4-FFF2-40B4-BE49-F238E27FC236}">
-                <a16:creationId xmlns:a16="http://schemas.microsoft.com/office/drawing/2014/main" id="{4DC75EAD-6B1A-402D-8ABC-2B209FEC6432}"/>
+                <a16:creationId xmlns:a16="http://schemas.microsoft.com/office/drawing/2014/main" xmlns="" id="{4DC75EAD-6B1A-402D-8ABC-2B209FEC6432}"/>
               </a:ext>
             </a:extLst>
           </p:cNvPr>
@@ -2626,7 +2626,7 @@
           <p:cNvPr id="2" name="Title 1">
             <a:extLst>
               <a:ext uri="{FF2B5EF4-FFF2-40B4-BE49-F238E27FC236}">
-                <a16:creationId xmlns:a16="http://schemas.microsoft.com/office/drawing/2014/main" id="{0AEEC28D-2A24-4691-8B5E-BD2FAB5F770A}"/>
+                <a16:creationId xmlns:a16="http://schemas.microsoft.com/office/drawing/2014/main" xmlns="" id="{0AEEC28D-2A24-4691-8B5E-BD2FAB5F770A}"/>
               </a:ext>
             </a:extLst>
           </p:cNvPr>
@@ -2654,7 +2654,7 @@
           <p:cNvPr id="3" name="Date Placeholder 2">
             <a:extLst>
               <a:ext uri="{FF2B5EF4-FFF2-40B4-BE49-F238E27FC236}">
-                <a16:creationId xmlns:a16="http://schemas.microsoft.com/office/drawing/2014/main" id="{991570B2-8C27-4ABF-80B6-B55E4708B792}"/>
+                <a16:creationId xmlns:a16="http://schemas.microsoft.com/office/drawing/2014/main" xmlns="" id="{991570B2-8C27-4ABF-80B6-B55E4708B792}"/>
               </a:ext>
             </a:extLst>
           </p:cNvPr>
@@ -2672,7 +2672,7 @@
           <a:p>
             <a:fld id="{65DDBF0C-176C-41A2-A7B0-D55ED202E141}" type="datetimeFigureOut">
               <a:rPr lang="en-US" smtClean="0"/>
-              <a:t>4/25/2023</a:t>
+              <a:t>4/26/2023</a:t>
             </a:fld>
             <a:endParaRPr lang="en-US"/>
           </a:p>
@@ -2683,7 +2683,7 @@
           <p:cNvPr id="4" name="Footer Placeholder 3">
             <a:extLst>
               <a:ext uri="{FF2B5EF4-FFF2-40B4-BE49-F238E27FC236}">
-                <a16:creationId xmlns:a16="http://schemas.microsoft.com/office/drawing/2014/main" id="{1A3935D8-1AD9-4C98-A851-5552255BE606}"/>
+                <a16:creationId xmlns:a16="http://schemas.microsoft.com/office/drawing/2014/main" xmlns="" id="{1A3935D8-1AD9-4C98-A851-5552255BE606}"/>
               </a:ext>
             </a:extLst>
           </p:cNvPr>
@@ -2708,7 +2708,7 @@
           <p:cNvPr id="5" name="Slide Number Placeholder 4">
             <a:extLst>
               <a:ext uri="{FF2B5EF4-FFF2-40B4-BE49-F238E27FC236}">
-                <a16:creationId xmlns:a16="http://schemas.microsoft.com/office/drawing/2014/main" id="{60CC3E2B-319D-4F7D-AAE1-90F625AE016C}"/>
+                <a16:creationId xmlns:a16="http://schemas.microsoft.com/office/drawing/2014/main" xmlns="" id="{60CC3E2B-319D-4F7D-AAE1-90F625AE016C}"/>
               </a:ext>
             </a:extLst>
           </p:cNvPr>
@@ -2767,7 +2767,7 @@
           <p:cNvPr id="2" name="Date Placeholder 1">
             <a:extLst>
               <a:ext uri="{FF2B5EF4-FFF2-40B4-BE49-F238E27FC236}">
-                <a16:creationId xmlns:a16="http://schemas.microsoft.com/office/drawing/2014/main" id="{1A5AA1FD-5E00-4D00-8C52-C127D7954892}"/>
+                <a16:creationId xmlns:a16="http://schemas.microsoft.com/office/drawing/2014/main" xmlns="" id="{1A5AA1FD-5E00-4D00-8C52-C127D7954892}"/>
               </a:ext>
             </a:extLst>
           </p:cNvPr>
@@ -2785,7 +2785,7 @@
           <a:p>
             <a:fld id="{65DDBF0C-176C-41A2-A7B0-D55ED202E141}" type="datetimeFigureOut">
               <a:rPr lang="en-US" smtClean="0"/>
-              <a:t>4/25/2023</a:t>
+              <a:t>4/26/2023</a:t>
             </a:fld>
             <a:endParaRPr lang="en-US"/>
           </a:p>
@@ -2796,7 +2796,7 @@
           <p:cNvPr id="3" name="Footer Placeholder 2">
             <a:extLst>
               <a:ext uri="{FF2B5EF4-FFF2-40B4-BE49-F238E27FC236}">
-                <a16:creationId xmlns:a16="http://schemas.microsoft.com/office/drawing/2014/main" id="{9C406108-9619-49A5-AF84-495EFEBEA696}"/>
+                <a16:creationId xmlns:a16="http://schemas.microsoft.com/office/drawing/2014/main" xmlns="" id="{9C406108-9619-49A5-AF84-495EFEBEA696}"/>
               </a:ext>
             </a:extLst>
           </p:cNvPr>
@@ -2821,7 +2821,7 @@
           <p:cNvPr id="4" name="Slide Number Placeholder 3">
             <a:extLst>
               <a:ext uri="{FF2B5EF4-FFF2-40B4-BE49-F238E27FC236}">
-                <a16:creationId xmlns:a16="http://schemas.microsoft.com/office/drawing/2014/main" id="{1B813436-D426-492A-9226-0920D5CFE042}"/>
+                <a16:creationId xmlns:a16="http://schemas.microsoft.com/office/drawing/2014/main" xmlns="" id="{1B813436-D426-492A-9226-0920D5CFE042}"/>
               </a:ext>
             </a:extLst>
           </p:cNvPr>
@@ -2880,7 +2880,7 @@
           <p:cNvPr id="2" name="Title 1">
             <a:extLst>
               <a:ext uri="{FF2B5EF4-FFF2-40B4-BE49-F238E27FC236}">
-                <a16:creationId xmlns:a16="http://schemas.microsoft.com/office/drawing/2014/main" id="{D967986A-6145-42DA-B61A-658219270C61}"/>
+                <a16:creationId xmlns:a16="http://schemas.microsoft.com/office/drawing/2014/main" xmlns="" id="{D967986A-6145-42DA-B61A-658219270C61}"/>
               </a:ext>
             </a:extLst>
           </p:cNvPr>
@@ -2917,7 +2917,7 @@
           <p:cNvPr id="3" name="Content Placeholder 2">
             <a:extLst>
               <a:ext uri="{FF2B5EF4-FFF2-40B4-BE49-F238E27FC236}">
-                <a16:creationId xmlns:a16="http://schemas.microsoft.com/office/drawing/2014/main" id="{738B42C9-4D21-4D87-A4D6-B69D502D7A18}"/>
+                <a16:creationId xmlns:a16="http://schemas.microsoft.com/office/drawing/2014/main" xmlns="" id="{738B42C9-4D21-4D87-A4D6-B69D502D7A18}"/>
               </a:ext>
             </a:extLst>
           </p:cNvPr>
@@ -3007,7 +3007,7 @@
           <p:cNvPr id="4" name="Text Placeholder 3">
             <a:extLst>
               <a:ext uri="{FF2B5EF4-FFF2-40B4-BE49-F238E27FC236}">
-                <a16:creationId xmlns:a16="http://schemas.microsoft.com/office/drawing/2014/main" id="{2B7D580D-8BBE-4840-A34B-6929FF0BB154}"/>
+                <a16:creationId xmlns:a16="http://schemas.microsoft.com/office/drawing/2014/main" xmlns="" id="{2B7D580D-8BBE-4840-A34B-6929FF0BB154}"/>
               </a:ext>
             </a:extLst>
           </p:cNvPr>
@@ -3078,7 +3078,7 @@
           <p:cNvPr id="5" name="Date Placeholder 4">
             <a:extLst>
               <a:ext uri="{FF2B5EF4-FFF2-40B4-BE49-F238E27FC236}">
-                <a16:creationId xmlns:a16="http://schemas.microsoft.com/office/drawing/2014/main" id="{2F107C27-AD4E-4D6F-AEF2-D527DBBB420E}"/>
+                <a16:creationId xmlns:a16="http://schemas.microsoft.com/office/drawing/2014/main" xmlns="" id="{2F107C27-AD4E-4D6F-AEF2-D527DBBB420E}"/>
               </a:ext>
             </a:extLst>
           </p:cNvPr>
@@ -3096,7 +3096,7 @@
           <a:p>
             <a:fld id="{65DDBF0C-176C-41A2-A7B0-D55ED202E141}" type="datetimeFigureOut">
               <a:rPr lang="en-US" smtClean="0"/>
-              <a:t>4/25/2023</a:t>
+              <a:t>4/26/2023</a:t>
             </a:fld>
             <a:endParaRPr lang="en-US"/>
           </a:p>
@@ -3107,7 +3107,7 @@
           <p:cNvPr id="6" name="Footer Placeholder 5">
             <a:extLst>
               <a:ext uri="{FF2B5EF4-FFF2-40B4-BE49-F238E27FC236}">
-                <a16:creationId xmlns:a16="http://schemas.microsoft.com/office/drawing/2014/main" id="{1C73A189-BE23-44B5-AF70-7A5849D8877C}"/>
+                <a16:creationId xmlns:a16="http://schemas.microsoft.com/office/drawing/2014/main" xmlns="" id="{1C73A189-BE23-44B5-AF70-7A5849D8877C}"/>
               </a:ext>
             </a:extLst>
           </p:cNvPr>
@@ -3132,7 +3132,7 @@
           <p:cNvPr id="7" name="Slide Number Placeholder 6">
             <a:extLst>
               <a:ext uri="{FF2B5EF4-FFF2-40B4-BE49-F238E27FC236}">
-                <a16:creationId xmlns:a16="http://schemas.microsoft.com/office/drawing/2014/main" id="{3D5B1BE8-EA4A-445C-A2AB-FD678F21B492}"/>
+                <a16:creationId xmlns:a16="http://schemas.microsoft.com/office/drawing/2014/main" xmlns="" id="{3D5B1BE8-EA4A-445C-A2AB-FD678F21B492}"/>
               </a:ext>
             </a:extLst>
           </p:cNvPr>
@@ -3191,7 +3191,7 @@
           <p:cNvPr id="2" name="Title 1">
             <a:extLst>
               <a:ext uri="{FF2B5EF4-FFF2-40B4-BE49-F238E27FC236}">
-                <a16:creationId xmlns:a16="http://schemas.microsoft.com/office/drawing/2014/main" id="{205B61B1-267A-4FA9-B3C7-F1D55E48384B}"/>
+                <a16:creationId xmlns:a16="http://schemas.microsoft.com/office/drawing/2014/main" xmlns="" id="{205B61B1-267A-4FA9-B3C7-F1D55E48384B}"/>
               </a:ext>
             </a:extLst>
           </p:cNvPr>
@@ -3228,7 +3228,7 @@
           <p:cNvPr id="3" name="Picture Placeholder 2">
             <a:extLst>
               <a:ext uri="{FF2B5EF4-FFF2-40B4-BE49-F238E27FC236}">
-                <a16:creationId xmlns:a16="http://schemas.microsoft.com/office/drawing/2014/main" id="{1CB2FD67-EFF8-4BC3-850D-BA1B1B8085F9}"/>
+                <a16:creationId xmlns:a16="http://schemas.microsoft.com/office/drawing/2014/main" xmlns="" id="{1CB2FD67-EFF8-4BC3-850D-BA1B1B8085F9}"/>
               </a:ext>
             </a:extLst>
           </p:cNvPr>
@@ -3295,7 +3295,7 @@
           <p:cNvPr id="4" name="Text Placeholder 3">
             <a:extLst>
               <a:ext uri="{FF2B5EF4-FFF2-40B4-BE49-F238E27FC236}">
-                <a16:creationId xmlns:a16="http://schemas.microsoft.com/office/drawing/2014/main" id="{8F0F29B7-6DD9-4959-8D89-D8A87F449619}"/>
+                <a16:creationId xmlns:a16="http://schemas.microsoft.com/office/drawing/2014/main" xmlns="" id="{8F0F29B7-6DD9-4959-8D89-D8A87F449619}"/>
               </a:ext>
             </a:extLst>
           </p:cNvPr>
@@ -3366,7 +3366,7 @@
           <p:cNvPr id="5" name="Date Placeholder 4">
             <a:extLst>
               <a:ext uri="{FF2B5EF4-FFF2-40B4-BE49-F238E27FC236}">
-                <a16:creationId xmlns:a16="http://schemas.microsoft.com/office/drawing/2014/main" id="{C0F50D6A-6AB5-493A-99F8-5BD7085BB2FC}"/>
+                <a16:creationId xmlns:a16="http://schemas.microsoft.com/office/drawing/2014/main" xmlns="" id="{C0F50D6A-6AB5-493A-99F8-5BD7085BB2FC}"/>
               </a:ext>
             </a:extLst>
           </p:cNvPr>
@@ -3384,7 +3384,7 @@
           <a:p>
             <a:fld id="{65DDBF0C-176C-41A2-A7B0-D55ED202E141}" type="datetimeFigureOut">
               <a:rPr lang="en-US" smtClean="0"/>
-              <a:t>4/25/2023</a:t>
+              <a:t>4/26/2023</a:t>
             </a:fld>
             <a:endParaRPr lang="en-US"/>
           </a:p>
@@ -3395,7 +3395,7 @@
           <p:cNvPr id="6" name="Footer Placeholder 5">
             <a:extLst>
               <a:ext uri="{FF2B5EF4-FFF2-40B4-BE49-F238E27FC236}">
-                <a16:creationId xmlns:a16="http://schemas.microsoft.com/office/drawing/2014/main" id="{B5DDB1B5-62DF-4E2C-8AB0-9B77899B0C5B}"/>
+                <a16:creationId xmlns:a16="http://schemas.microsoft.com/office/drawing/2014/main" xmlns="" id="{B5DDB1B5-62DF-4E2C-8AB0-9B77899B0C5B}"/>
               </a:ext>
             </a:extLst>
           </p:cNvPr>
@@ -3420,7 +3420,7 @@
           <p:cNvPr id="7" name="Slide Number Placeholder 6">
             <a:extLst>
               <a:ext uri="{FF2B5EF4-FFF2-40B4-BE49-F238E27FC236}">
-                <a16:creationId xmlns:a16="http://schemas.microsoft.com/office/drawing/2014/main" id="{D70A59F4-0C5E-4F23-B69C-A3C9F776BEE2}"/>
+                <a16:creationId xmlns:a16="http://schemas.microsoft.com/office/drawing/2014/main" xmlns="" id="{D70A59F4-0C5E-4F23-B69C-A3C9F776BEE2}"/>
               </a:ext>
             </a:extLst>
           </p:cNvPr>
@@ -3484,7 +3484,7 @@
           <p:cNvPr id="2" name="Title Placeholder 1">
             <a:extLst>
               <a:ext uri="{FF2B5EF4-FFF2-40B4-BE49-F238E27FC236}">
-                <a16:creationId xmlns:a16="http://schemas.microsoft.com/office/drawing/2014/main" id="{4813BCD2-8A5E-4D49-90F8-55AE5F05214D}"/>
+                <a16:creationId xmlns:a16="http://schemas.microsoft.com/office/drawing/2014/main" xmlns="" id="{4813BCD2-8A5E-4D49-90F8-55AE5F05214D}"/>
               </a:ext>
             </a:extLst>
           </p:cNvPr>
@@ -3522,7 +3522,7 @@
           <p:cNvPr id="3" name="Text Placeholder 2">
             <a:extLst>
               <a:ext uri="{FF2B5EF4-FFF2-40B4-BE49-F238E27FC236}">
-                <a16:creationId xmlns:a16="http://schemas.microsoft.com/office/drawing/2014/main" id="{AE92E3E2-D29B-46E0-80AC-34D21DF87517}"/>
+                <a16:creationId xmlns:a16="http://schemas.microsoft.com/office/drawing/2014/main" xmlns="" id="{AE92E3E2-D29B-46E0-80AC-34D21DF87517}"/>
               </a:ext>
             </a:extLst>
           </p:cNvPr>
@@ -3589,7 +3589,7 @@
           <p:cNvPr id="4" name="Date Placeholder 3">
             <a:extLst>
               <a:ext uri="{FF2B5EF4-FFF2-40B4-BE49-F238E27FC236}">
-                <a16:creationId xmlns:a16="http://schemas.microsoft.com/office/drawing/2014/main" id="{2A31DDCA-89E3-4D45-B126-8247341F4621}"/>
+                <a16:creationId xmlns:a16="http://schemas.microsoft.com/office/drawing/2014/main" xmlns="" id="{2A31DDCA-89E3-4D45-B126-8247341F4621}"/>
               </a:ext>
             </a:extLst>
           </p:cNvPr>
@@ -3625,7 +3625,7 @@
           <a:p>
             <a:fld id="{65DDBF0C-176C-41A2-A7B0-D55ED202E141}" type="datetimeFigureOut">
               <a:rPr lang="en-US" smtClean="0"/>
-              <a:t>4/25/2023</a:t>
+              <a:t>4/26/2023</a:t>
             </a:fld>
             <a:endParaRPr lang="en-US"/>
           </a:p>
@@ -3636,7 +3636,7 @@
           <p:cNvPr id="5" name="Footer Placeholder 4">
             <a:extLst>
               <a:ext uri="{FF2B5EF4-FFF2-40B4-BE49-F238E27FC236}">
-                <a16:creationId xmlns:a16="http://schemas.microsoft.com/office/drawing/2014/main" id="{47DFE6DC-0EA6-47E4-B1F3-3EF1ADDD8CAD}"/>
+                <a16:creationId xmlns:a16="http://schemas.microsoft.com/office/drawing/2014/main" xmlns="" id="{47DFE6DC-0EA6-47E4-B1F3-3EF1ADDD8CAD}"/>
               </a:ext>
             </a:extLst>
           </p:cNvPr>
@@ -3679,7 +3679,7 @@
           <p:cNvPr id="6" name="Slide Number Placeholder 5">
             <a:extLst>
               <a:ext uri="{FF2B5EF4-FFF2-40B4-BE49-F238E27FC236}">
-                <a16:creationId xmlns:a16="http://schemas.microsoft.com/office/drawing/2014/main" id="{32F7927D-7ECA-4692-A0A9-E3D137290ECC}"/>
+                <a16:creationId xmlns:a16="http://schemas.microsoft.com/office/drawing/2014/main" xmlns="" id="{32F7927D-7ECA-4692-A0A9-E3D137290ECC}"/>
               </a:ext>
             </a:extLst>
           </p:cNvPr>
@@ -4055,10 +4055,10 @@
           <p:cNvPr id="8" name="Rectangle 7">
             <a:extLst>
               <a:ext uri="{FF2B5EF4-FFF2-40B4-BE49-F238E27FC236}">
-                <a16:creationId xmlns:a16="http://schemas.microsoft.com/office/drawing/2014/main" id="{FFD48BC7-DC40-47DE-87EE-9F4B6ECB9ABB}"/>
+                <a16:creationId xmlns:a16="http://schemas.microsoft.com/office/drawing/2014/main" xmlns="" id="{FFD48BC7-DC40-47DE-87EE-9F4B6ECB9ABB}"/>
               </a:ext>
               <a:ext uri="{C183D7F6-B498-43B3-948B-1728B52AA6E4}">
-                <adec:decorative xmlns:adec="http://schemas.microsoft.com/office/drawing/2017/decorative" val="1"/>
+                <adec:decorative xmlns:adec="http://schemas.microsoft.com/office/drawing/2017/decorative" xmlns="" val="1"/>
               </a:ext>
             </a:extLst>
           </p:cNvPr>
@@ -4068,7 +4068,7 @@
           <p:nvPr>
             <p:extLst>
               <p:ext uri="{386F3935-93C4-4BCD-93E2-E3B085C9AB24}">
-                <p16:designElem xmlns:p16="http://schemas.microsoft.com/office/powerpoint/2015/main" val="1"/>
+                <p16:designElem xmlns:p16="http://schemas.microsoft.com/office/powerpoint/2015/main" xmlns="" val="1"/>
               </p:ext>
             </p:extLst>
           </p:nvPr>
@@ -4115,10 +4115,10 @@
           <p:cNvPr id="10" name="Freeform: Shape 9">
             <a:extLst>
               <a:ext uri="{FF2B5EF4-FFF2-40B4-BE49-F238E27FC236}">
-                <a16:creationId xmlns:a16="http://schemas.microsoft.com/office/drawing/2014/main" id="{E502BBC7-2C76-46F3-BC24-5985BC13DB88}"/>
+                <a16:creationId xmlns:a16="http://schemas.microsoft.com/office/drawing/2014/main" xmlns="" id="{E502BBC7-2C76-46F3-BC24-5985BC13DB88}"/>
               </a:ext>
               <a:ext uri="{C183D7F6-B498-43B3-948B-1728B52AA6E4}">
-                <adec:decorative xmlns:adec="http://schemas.microsoft.com/office/drawing/2017/decorative" val="1"/>
+                <adec:decorative xmlns:adec="http://schemas.microsoft.com/office/drawing/2017/decorative" xmlns="" val="1"/>
               </a:ext>
             </a:extLst>
           </p:cNvPr>
@@ -4128,7 +4128,7 @@
           <p:nvPr>
             <p:extLst>
               <p:ext uri="{386F3935-93C4-4BCD-93E2-E3B085C9AB24}">
-                <p16:designElem xmlns:p16="http://schemas.microsoft.com/office/powerpoint/2015/main" val="1"/>
+                <p16:designElem xmlns:p16="http://schemas.microsoft.com/office/powerpoint/2015/main" xmlns="" val="1"/>
               </p:ext>
             </p:extLst>
           </p:nvPr>
@@ -4315,10 +4315,10 @@
           <p:cNvPr id="12" name="Freeform: Shape 11">
             <a:extLst>
               <a:ext uri="{FF2B5EF4-FFF2-40B4-BE49-F238E27FC236}">
-                <a16:creationId xmlns:a16="http://schemas.microsoft.com/office/drawing/2014/main" id="{C7F28D52-2A5F-4D23-81AE-7CB8B591C7AF}"/>
+                <a16:creationId xmlns:a16="http://schemas.microsoft.com/office/drawing/2014/main" xmlns="" id="{C7F28D52-2A5F-4D23-81AE-7CB8B591C7AF}"/>
               </a:ext>
               <a:ext uri="{C183D7F6-B498-43B3-948B-1728B52AA6E4}">
-                <adec:decorative xmlns:adec="http://schemas.microsoft.com/office/drawing/2017/decorative" val="1"/>
+                <adec:decorative xmlns:adec="http://schemas.microsoft.com/office/drawing/2017/decorative" xmlns="" val="1"/>
               </a:ext>
             </a:extLst>
           </p:cNvPr>
@@ -4328,7 +4328,7 @@
           <p:nvPr>
             <p:extLst>
               <p:ext uri="{386F3935-93C4-4BCD-93E2-E3B085C9AB24}">
-                <p16:designElem xmlns:p16="http://schemas.microsoft.com/office/powerpoint/2015/main" val="1"/>
+                <p16:designElem xmlns:p16="http://schemas.microsoft.com/office/powerpoint/2015/main" xmlns="" val="1"/>
               </p:ext>
             </p:extLst>
           </p:nvPr>
@@ -4506,7 +4506,7 @@
           <p:cNvPr id="2" name="Title 1">
             <a:extLst>
               <a:ext uri="{FF2B5EF4-FFF2-40B4-BE49-F238E27FC236}">
-                <a16:creationId xmlns:a16="http://schemas.microsoft.com/office/drawing/2014/main" id="{07A9CF8F-21F5-4E3B-BB07-9920DADEE900}"/>
+                <a16:creationId xmlns:a16="http://schemas.microsoft.com/office/drawing/2014/main" xmlns="" id="{07A9CF8F-21F5-4E3B-BB07-9920DADEE900}"/>
               </a:ext>
             </a:extLst>
           </p:cNvPr>
@@ -4541,6 +4541,10 @@
               <a:rPr lang="en-US" sz="4800" spc="-150" dirty="0"/>
               <a:t>COSC 6386 Project</a:t>
             </a:r>
+            <a:r>
+              <a:rPr lang="en-US" sz="6100" dirty="0"/>
+              <a:t/>
+            </a:r>
             <a:br>
               <a:rPr lang="en-US" sz="6100" dirty="0"/>
             </a:br>
@@ -4563,7 +4567,7 @@
           <p:cNvPr id="3" name="Subtitle 2">
             <a:extLst>
               <a:ext uri="{FF2B5EF4-FFF2-40B4-BE49-F238E27FC236}">
-                <a16:creationId xmlns:a16="http://schemas.microsoft.com/office/drawing/2014/main" id="{521EE48C-5A0E-4A1C-AE14-5F20EB0F0153}"/>
+                <a16:creationId xmlns:a16="http://schemas.microsoft.com/office/drawing/2014/main" xmlns="" id="{521EE48C-5A0E-4A1C-AE14-5F20EB0F0153}"/>
               </a:ext>
             </a:extLst>
           </p:cNvPr>
@@ -4612,10 +4616,10 @@
           <p:cNvPr id="14" name="Rectangle 13">
             <a:extLst>
               <a:ext uri="{FF2B5EF4-FFF2-40B4-BE49-F238E27FC236}">
-                <a16:creationId xmlns:a16="http://schemas.microsoft.com/office/drawing/2014/main" id="{3629484E-3792-4B3D-89AD-7C8A1ED0E0D4}"/>
+                <a16:creationId xmlns:a16="http://schemas.microsoft.com/office/drawing/2014/main" xmlns="" id="{3629484E-3792-4B3D-89AD-7C8A1ED0E0D4}"/>
               </a:ext>
               <a:ext uri="{C183D7F6-B498-43B3-948B-1728B52AA6E4}">
-                <adec:decorative xmlns:adec="http://schemas.microsoft.com/office/drawing/2017/decorative" val="1"/>
+                <adec:decorative xmlns:adec="http://schemas.microsoft.com/office/drawing/2017/decorative" xmlns="" val="1"/>
               </a:ext>
             </a:extLst>
           </p:cNvPr>
@@ -4625,7 +4629,7 @@
           <p:nvPr>
             <p:extLst>
               <p:ext uri="{386F3935-93C4-4BCD-93E2-E3B085C9AB24}">
-                <p16:designElem xmlns:p16="http://schemas.microsoft.com/office/powerpoint/2015/main" val="1"/>
+                <p16:designElem xmlns:p16="http://schemas.microsoft.com/office/powerpoint/2015/main" xmlns="" val="1"/>
               </p:ext>
             </p:extLst>
           </p:nvPr>
@@ -4734,7 +4738,7 @@
           <p:cNvPr id="2" name="Title 1">
             <a:extLst>
               <a:ext uri="{FF2B5EF4-FFF2-40B4-BE49-F238E27FC236}">
-                <a16:creationId xmlns:a16="http://schemas.microsoft.com/office/drawing/2014/main" id="{D0B87F8E-5D83-4513-9285-8A122C4A62CB}"/>
+                <a16:creationId xmlns:a16="http://schemas.microsoft.com/office/drawing/2014/main" xmlns="" id="{D0B87F8E-5D83-4513-9285-8A122C4A62CB}"/>
               </a:ext>
             </a:extLst>
           </p:cNvPr>
@@ -4767,7 +4771,7 @@
           <p:cNvPr id="5" name="Straight Connector 4">
             <a:extLst>
               <a:ext uri="{FF2B5EF4-FFF2-40B4-BE49-F238E27FC236}">
-                <a16:creationId xmlns:a16="http://schemas.microsoft.com/office/drawing/2014/main" id="{86EF85BD-B585-F4FA-AB4B-371C19D22622}"/>
+                <a16:creationId xmlns:a16="http://schemas.microsoft.com/office/drawing/2014/main" xmlns="" id="{86EF85BD-B585-F4FA-AB4B-371C19D22622}"/>
               </a:ext>
             </a:extLst>
           </p:cNvPr>
@@ -4811,7 +4815,7 @@
           <p:cNvPr id="4" name="Content Placeholder 3">
             <a:extLst>
               <a:ext uri="{FF2B5EF4-FFF2-40B4-BE49-F238E27FC236}">
-                <a16:creationId xmlns:a16="http://schemas.microsoft.com/office/drawing/2014/main" id="{8A9E4EF8-5E69-948B-8D9B-5C6461DEB974}"/>
+                <a16:creationId xmlns:a16="http://schemas.microsoft.com/office/drawing/2014/main" xmlns="" id="{8A9E4EF8-5E69-948B-8D9B-5C6461DEB974}"/>
               </a:ext>
             </a:extLst>
           </p:cNvPr>
@@ -4835,15 +4839,35 @@
           <a:lstStyle/>
           <a:p>
             <a:r>
-              <a:rPr lang="en-US" sz="3200" dirty="0"/>
-              <a:t>We wanted to avoid using Control Flow or Abstract Syntax Trees</a:t>
-            </a:r>
-          </a:p>
-          <a:p>
-            <a:r>
-              <a:rPr lang="en-US" sz="3200" dirty="0"/>
-              <a:t>We limit our work to python files</a:t>
-            </a:r>
+              <a:rPr lang="en-US" sz="3200" dirty="0" smtClean="0"/>
+              <a:t>We wanted to catch the simplest but most common types of clones (types I and II) at lightning speed.</a:t>
+            </a:r>
+          </a:p>
+          <a:p>
+            <a:pPr lvl="1"/>
+            <a:r>
+              <a:rPr lang="en-US" dirty="0" smtClean="0"/>
+              <a:t>We streamlined the detection model to be sensitive to cloned functions, which are common in our experience.</a:t>
+            </a:r>
+          </a:p>
+          <a:p>
+            <a:pPr lvl="1"/>
+            <a:r>
+              <a:rPr lang="en-US" dirty="0" smtClean="0"/>
+              <a:t>Our “lazy”/non-exhaustive approach might miss some clones, but it works efficiently and quickly to catch most clones in our </a:t>
+            </a:r>
+            <a:r>
+              <a:rPr lang="en-US" smtClean="0"/>
+              <a:t>intended category.</a:t>
+            </a:r>
+            <a:endParaRPr lang="en-US" dirty="0" smtClean="0"/>
+          </a:p>
+          <a:p>
+            <a:r>
+              <a:rPr lang="en-US" sz="3200" dirty="0" smtClean="0"/>
+              <a:t>Our work focuses on Python language exclusively, but it would be easy to adapt to other languages.</a:t>
+            </a:r>
+            <a:endParaRPr lang="en-US" sz="3200" dirty="0"/>
           </a:p>
         </p:txBody>
       </p:sp>
@@ -4882,7 +4906,7 @@
           <p:cNvPr id="2" name="Title 1">
             <a:extLst>
               <a:ext uri="{FF2B5EF4-FFF2-40B4-BE49-F238E27FC236}">
-                <a16:creationId xmlns:a16="http://schemas.microsoft.com/office/drawing/2014/main" id="{D0B87F8E-5D83-4513-9285-8A122C4A62CB}"/>
+                <a16:creationId xmlns:a16="http://schemas.microsoft.com/office/drawing/2014/main" xmlns="" id="{D0B87F8E-5D83-4513-9285-8A122C4A62CB}"/>
               </a:ext>
             </a:extLst>
           </p:cNvPr>
@@ -4916,7 +4940,7 @@
           <p:cNvPr id="5" name="Straight Connector 4">
             <a:extLst>
               <a:ext uri="{FF2B5EF4-FFF2-40B4-BE49-F238E27FC236}">
-                <a16:creationId xmlns:a16="http://schemas.microsoft.com/office/drawing/2014/main" id="{86EF85BD-B585-F4FA-AB4B-371C19D22622}"/>
+                <a16:creationId xmlns:a16="http://schemas.microsoft.com/office/drawing/2014/main" xmlns="" id="{86EF85BD-B585-F4FA-AB4B-371C19D22622}"/>
               </a:ext>
             </a:extLst>
           </p:cNvPr>
@@ -4960,7 +4984,7 @@
           <p:cNvPr id="3" name="TextBox 2">
             <a:extLst>
               <a:ext uri="{FF2B5EF4-FFF2-40B4-BE49-F238E27FC236}">
-                <a16:creationId xmlns:a16="http://schemas.microsoft.com/office/drawing/2014/main" id="{84DC2BB8-292B-9547-F547-714E254909AC}"/>
+                <a16:creationId xmlns:a16="http://schemas.microsoft.com/office/drawing/2014/main" xmlns="" id="{84DC2BB8-292B-9547-F547-714E254909AC}"/>
               </a:ext>
             </a:extLst>
           </p:cNvPr>
@@ -5000,7 +5024,7 @@
           <p:cNvPr id="6" name="Straight Arrow Connector 5">
             <a:extLst>
               <a:ext uri="{FF2B5EF4-FFF2-40B4-BE49-F238E27FC236}">
-                <a16:creationId xmlns:a16="http://schemas.microsoft.com/office/drawing/2014/main" id="{B78E30C3-3DDD-81E6-326B-A6A9E45AD369}"/>
+                <a16:creationId xmlns:a16="http://schemas.microsoft.com/office/drawing/2014/main" xmlns="" id="{B78E30C3-3DDD-81E6-326B-A6A9E45AD369}"/>
               </a:ext>
             </a:extLst>
           </p:cNvPr>
@@ -5041,7 +5065,7 @@
           <p:cNvPr id="8" name="TextBox 7">
             <a:extLst>
               <a:ext uri="{FF2B5EF4-FFF2-40B4-BE49-F238E27FC236}">
-                <a16:creationId xmlns:a16="http://schemas.microsoft.com/office/drawing/2014/main" id="{D67CC55F-BD51-EFE5-750B-92A0584389C0}"/>
+                <a16:creationId xmlns:a16="http://schemas.microsoft.com/office/drawing/2014/main" xmlns="" id="{D67CC55F-BD51-EFE5-750B-92A0584389C0}"/>
               </a:ext>
             </a:extLst>
           </p:cNvPr>
@@ -5082,7 +5106,7 @@
           <p:cNvPr id="4" name="TextBox 3">
             <a:extLst>
               <a:ext uri="{FF2B5EF4-FFF2-40B4-BE49-F238E27FC236}">
-                <a16:creationId xmlns:a16="http://schemas.microsoft.com/office/drawing/2014/main" id="{3F21C954-9D99-07CD-A05F-AD817D7E0C03}"/>
+                <a16:creationId xmlns:a16="http://schemas.microsoft.com/office/drawing/2014/main" xmlns="" id="{3F21C954-9D99-07CD-A05F-AD817D7E0C03}"/>
               </a:ext>
             </a:extLst>
           </p:cNvPr>
@@ -5123,7 +5147,7 @@
           <p:cNvPr id="9" name="Straight Arrow Connector 8">
             <a:extLst>
               <a:ext uri="{FF2B5EF4-FFF2-40B4-BE49-F238E27FC236}">
-                <a16:creationId xmlns:a16="http://schemas.microsoft.com/office/drawing/2014/main" id="{2C3F7B3C-ABB9-335A-DB6D-DDD7A150B158}"/>
+                <a16:creationId xmlns:a16="http://schemas.microsoft.com/office/drawing/2014/main" xmlns="" id="{2C3F7B3C-ABB9-335A-DB6D-DDD7A150B158}"/>
               </a:ext>
             </a:extLst>
           </p:cNvPr>
@@ -5164,7 +5188,7 @@
           <p:cNvPr id="11" name="TextBox 10">
             <a:extLst>
               <a:ext uri="{FF2B5EF4-FFF2-40B4-BE49-F238E27FC236}">
-                <a16:creationId xmlns:a16="http://schemas.microsoft.com/office/drawing/2014/main" id="{D0161953-B802-E031-9173-88AC95ED3465}"/>
+                <a16:creationId xmlns:a16="http://schemas.microsoft.com/office/drawing/2014/main" xmlns="" id="{D0161953-B802-E031-9173-88AC95ED3465}"/>
               </a:ext>
             </a:extLst>
           </p:cNvPr>
@@ -5205,7 +5229,7 @@
           <p:cNvPr id="15" name="Connector: Elbow 14">
             <a:extLst>
               <a:ext uri="{FF2B5EF4-FFF2-40B4-BE49-F238E27FC236}">
-                <a16:creationId xmlns:a16="http://schemas.microsoft.com/office/drawing/2014/main" id="{903C2CDA-62FB-F15C-9416-9C59F394A844}"/>
+                <a16:creationId xmlns:a16="http://schemas.microsoft.com/office/drawing/2014/main" xmlns="" id="{903C2CDA-62FB-F15C-9416-9C59F394A844}"/>
               </a:ext>
             </a:extLst>
           </p:cNvPr>
@@ -5247,7 +5271,7 @@
           <p:cNvPr id="18" name="TextBox 17">
             <a:extLst>
               <a:ext uri="{FF2B5EF4-FFF2-40B4-BE49-F238E27FC236}">
-                <a16:creationId xmlns:a16="http://schemas.microsoft.com/office/drawing/2014/main" id="{61A6DC2D-4998-61E7-D85C-270F4C9BAAD9}"/>
+                <a16:creationId xmlns:a16="http://schemas.microsoft.com/office/drawing/2014/main" xmlns="" id="{61A6DC2D-4998-61E7-D85C-270F4C9BAAD9}"/>
               </a:ext>
             </a:extLst>
           </p:cNvPr>
@@ -5288,7 +5312,7 @@
           <p:cNvPr id="25" name="Straight Arrow Connector 24">
             <a:extLst>
               <a:ext uri="{FF2B5EF4-FFF2-40B4-BE49-F238E27FC236}">
-                <a16:creationId xmlns:a16="http://schemas.microsoft.com/office/drawing/2014/main" id="{11D9F816-9BF9-5F34-1ACB-E701949DF6AB}"/>
+                <a16:creationId xmlns:a16="http://schemas.microsoft.com/office/drawing/2014/main" xmlns="" id="{11D9F816-9BF9-5F34-1ACB-E701949DF6AB}"/>
               </a:ext>
             </a:extLst>
           </p:cNvPr>
@@ -5331,7 +5355,7 @@
           <p:cNvPr id="51" name="TextBox 50">
             <a:extLst>
               <a:ext uri="{FF2B5EF4-FFF2-40B4-BE49-F238E27FC236}">
-                <a16:creationId xmlns:a16="http://schemas.microsoft.com/office/drawing/2014/main" id="{15083F6C-0154-66E7-F7B7-53AD23A4B728}"/>
+                <a16:creationId xmlns:a16="http://schemas.microsoft.com/office/drawing/2014/main" xmlns="" id="{15083F6C-0154-66E7-F7B7-53AD23A4B728}"/>
               </a:ext>
             </a:extLst>
           </p:cNvPr>
@@ -5372,7 +5396,7 @@
           <p:cNvPr id="52" name="TextBox 51">
             <a:extLst>
               <a:ext uri="{FF2B5EF4-FFF2-40B4-BE49-F238E27FC236}">
-                <a16:creationId xmlns:a16="http://schemas.microsoft.com/office/drawing/2014/main" id="{02D291B1-6347-2554-D1E5-35026E4AFB76}"/>
+                <a16:creationId xmlns:a16="http://schemas.microsoft.com/office/drawing/2014/main" xmlns="" id="{02D291B1-6347-2554-D1E5-35026E4AFB76}"/>
               </a:ext>
             </a:extLst>
           </p:cNvPr>
@@ -5413,7 +5437,7 @@
           <p:cNvPr id="53" name="Straight Arrow Connector 52">
             <a:extLst>
               <a:ext uri="{FF2B5EF4-FFF2-40B4-BE49-F238E27FC236}">
-                <a16:creationId xmlns:a16="http://schemas.microsoft.com/office/drawing/2014/main" id="{E9BAEEF3-4B8E-E5E2-7A33-34465E0CAEBE}"/>
+                <a16:creationId xmlns:a16="http://schemas.microsoft.com/office/drawing/2014/main" xmlns="" id="{E9BAEEF3-4B8E-E5E2-7A33-34465E0CAEBE}"/>
               </a:ext>
             </a:extLst>
           </p:cNvPr>
@@ -5454,7 +5478,7 @@
           <p:cNvPr id="12" name="Straight Arrow Connector 11">
             <a:extLst>
               <a:ext uri="{FF2B5EF4-FFF2-40B4-BE49-F238E27FC236}">
-                <a16:creationId xmlns:a16="http://schemas.microsoft.com/office/drawing/2014/main" id="{C000D6F9-0F1D-FB05-924E-C940EA0CEBE7}"/>
+                <a16:creationId xmlns:a16="http://schemas.microsoft.com/office/drawing/2014/main" xmlns="" id="{C000D6F9-0F1D-FB05-924E-C940EA0CEBE7}"/>
               </a:ext>
             </a:extLst>
           </p:cNvPr>
@@ -5525,7 +5549,7 @@
           <p:cNvPr id="2" name="Title 1">
             <a:extLst>
               <a:ext uri="{FF2B5EF4-FFF2-40B4-BE49-F238E27FC236}">
-                <a16:creationId xmlns:a16="http://schemas.microsoft.com/office/drawing/2014/main" id="{D0B87F8E-5D83-4513-9285-8A122C4A62CB}"/>
+                <a16:creationId xmlns:a16="http://schemas.microsoft.com/office/drawing/2014/main" xmlns="" id="{D0B87F8E-5D83-4513-9285-8A122C4A62CB}"/>
               </a:ext>
             </a:extLst>
           </p:cNvPr>
@@ -5558,7 +5582,7 @@
           <p:cNvPr id="5" name="Straight Connector 4">
             <a:extLst>
               <a:ext uri="{FF2B5EF4-FFF2-40B4-BE49-F238E27FC236}">
-                <a16:creationId xmlns:a16="http://schemas.microsoft.com/office/drawing/2014/main" id="{86EF85BD-B585-F4FA-AB4B-371C19D22622}"/>
+                <a16:creationId xmlns:a16="http://schemas.microsoft.com/office/drawing/2014/main" xmlns="" id="{86EF85BD-B585-F4FA-AB4B-371C19D22622}"/>
               </a:ext>
             </a:extLst>
           </p:cNvPr>
@@ -5602,7 +5626,7 @@
           <p:cNvPr id="4" name="TextBox 3">
             <a:extLst>
               <a:ext uri="{FF2B5EF4-FFF2-40B4-BE49-F238E27FC236}">
-                <a16:creationId xmlns:a16="http://schemas.microsoft.com/office/drawing/2014/main" id="{82DAD499-FD02-A701-175D-A67C401A6F59}"/>
+                <a16:creationId xmlns:a16="http://schemas.microsoft.com/office/drawing/2014/main" xmlns="" id="{82DAD499-FD02-A701-175D-A67C401A6F59}"/>
               </a:ext>
             </a:extLst>
           </p:cNvPr>
@@ -5733,7 +5757,7 @@
           <p:cNvPr id="2" name="Title 1">
             <a:extLst>
               <a:ext uri="{FF2B5EF4-FFF2-40B4-BE49-F238E27FC236}">
-                <a16:creationId xmlns:a16="http://schemas.microsoft.com/office/drawing/2014/main" id="{C522C03A-1F25-FFCB-9A59-564E472BE731}"/>
+                <a16:creationId xmlns:a16="http://schemas.microsoft.com/office/drawing/2014/main" xmlns="" id="{C522C03A-1F25-FFCB-9A59-564E472BE731}"/>
               </a:ext>
             </a:extLst>
           </p:cNvPr>
@@ -5761,7 +5785,7 @@
           <p:cNvPr id="3" name="Content Placeholder 2">
             <a:extLst>
               <a:ext uri="{FF2B5EF4-FFF2-40B4-BE49-F238E27FC236}">
-                <a16:creationId xmlns:a16="http://schemas.microsoft.com/office/drawing/2014/main" id="{4928701A-C732-A649-3B69-6F919769FA47}"/>
+                <a16:creationId xmlns:a16="http://schemas.microsoft.com/office/drawing/2014/main" xmlns="" id="{4928701A-C732-A649-3B69-6F919769FA47}"/>
               </a:ext>
             </a:extLst>
           </p:cNvPr>
@@ -5899,7 +5923,7 @@
           <p:cNvPr id="2" name="Title 1">
             <a:extLst>
               <a:ext uri="{FF2B5EF4-FFF2-40B4-BE49-F238E27FC236}">
-                <a16:creationId xmlns:a16="http://schemas.microsoft.com/office/drawing/2014/main" id="{C522C03A-1F25-FFCB-9A59-564E472BE731}"/>
+                <a16:creationId xmlns:a16="http://schemas.microsoft.com/office/drawing/2014/main" xmlns="" id="{C522C03A-1F25-FFCB-9A59-564E472BE731}"/>
               </a:ext>
             </a:extLst>
           </p:cNvPr>
@@ -5930,7 +5954,7 @@
           <p:cNvPr id="3" name="Content Placeholder 2">
             <a:extLst>
               <a:ext uri="{FF2B5EF4-FFF2-40B4-BE49-F238E27FC236}">
-                <a16:creationId xmlns:a16="http://schemas.microsoft.com/office/drawing/2014/main" id="{4928701A-C732-A649-3B69-6F919769FA47}"/>
+                <a16:creationId xmlns:a16="http://schemas.microsoft.com/office/drawing/2014/main" xmlns="" id="{4928701A-C732-A649-3B69-6F919769FA47}"/>
               </a:ext>
             </a:extLst>
           </p:cNvPr>
@@ -6013,7 +6037,7 @@
           <p:cNvPr id="2" name="Title 1">
             <a:extLst>
               <a:ext uri="{FF2B5EF4-FFF2-40B4-BE49-F238E27FC236}">
-                <a16:creationId xmlns:a16="http://schemas.microsoft.com/office/drawing/2014/main" id="{82A22F9F-30AD-859E-B701-92F7A256856D}"/>
+                <a16:creationId xmlns:a16="http://schemas.microsoft.com/office/drawing/2014/main" xmlns="" id="{82A22F9F-30AD-859E-B701-92F7A256856D}"/>
               </a:ext>
             </a:extLst>
           </p:cNvPr>
@@ -6043,7 +6067,7 @@
           <p:cNvPr id="3" name="Content Placeholder 2">
             <a:extLst>
               <a:ext uri="{FF2B5EF4-FFF2-40B4-BE49-F238E27FC236}">
-                <a16:creationId xmlns:a16="http://schemas.microsoft.com/office/drawing/2014/main" id="{49BF805F-408E-585C-FCBE-9B0FA5EA3A8C}"/>
+                <a16:creationId xmlns:a16="http://schemas.microsoft.com/office/drawing/2014/main" xmlns="" id="{49BF805F-408E-585C-FCBE-9B0FA5EA3A8C}"/>
               </a:ext>
             </a:extLst>
           </p:cNvPr>

--- a/presentation.pptx
+++ b/presentation.pptx
@@ -4854,11 +4854,7 @@
             <a:pPr lvl="1"/>
             <a:r>
               <a:rPr lang="en-US" dirty="0" smtClean="0"/>
-              <a:t>Our “lazy”/non-exhaustive approach might miss some clones, but it works efficiently and quickly to catch most clones in our </a:t>
-            </a:r>
-            <a:r>
-              <a:rPr lang="en-US" smtClean="0"/>
-              <a:t>intended category.</a:t>
+              <a:t>Our “lazy”/non-exhaustive approach might miss some clones, but it works efficiently and quickly to catch most clones in our intended category.</a:t>
             </a:r>
             <a:endParaRPr lang="en-US" dirty="0" smtClean="0"/>
           </a:p>
@@ -4993,7 +4989,7 @@
         </p:nvSpPr>
         <p:spPr>
           <a:xfrm>
-            <a:off x="2482064" y="1615044"/>
+            <a:off x="3211269" y="1487719"/>
             <a:ext cx="7237163" cy="461665"/>
           </a:xfrm>
           <a:prstGeom prst="rect">
@@ -5030,13 +5026,15 @@
           </p:cNvPr>
           <p:cNvCxnSpPr>
             <a:cxnSpLocks/>
+            <a:stCxn id="3" idx="2"/>
+            <a:endCxn id="8" idx="0"/>
           </p:cNvCxnSpPr>
           <p:nvPr/>
         </p:nvCxnSpPr>
         <p:spPr>
-          <a:xfrm>
-            <a:off x="6100646" y="2076709"/>
-            <a:ext cx="0" cy="281721"/>
+          <a:xfrm flipH="1">
+            <a:off x="6829846" y="1949384"/>
+            <a:ext cx="5" cy="327419"/>
           </a:xfrm>
           <a:prstGeom prst="straightConnector1">
             <a:avLst/>
@@ -5074,8 +5072,8 @@
         </p:nvSpPr>
         <p:spPr>
           <a:xfrm>
-            <a:off x="2482060" y="2404128"/>
-            <a:ext cx="7261523" cy="461665"/>
+            <a:off x="3211265" y="2276803"/>
+            <a:ext cx="7237161" cy="461665"/>
           </a:xfrm>
           <a:prstGeom prst="rect">
             <a:avLst/>
@@ -5115,7 +5113,7 @@
         </p:nvSpPr>
         <p:spPr>
           <a:xfrm>
-            <a:off x="2482060" y="3198167"/>
+            <a:off x="3211265" y="3070842"/>
             <a:ext cx="7237161" cy="461665"/>
           </a:xfrm>
           <a:prstGeom prst="rect">
@@ -5153,13 +5151,15 @@
           </p:cNvPr>
           <p:cNvCxnSpPr>
             <a:cxnSpLocks/>
+            <a:stCxn id="8" idx="2"/>
+            <a:endCxn id="4" idx="0"/>
           </p:cNvCxnSpPr>
           <p:nvPr/>
         </p:nvCxnSpPr>
         <p:spPr>
           <a:xfrm>
-            <a:off x="6110461" y="2855168"/>
-            <a:ext cx="0" cy="342999"/>
+            <a:off x="6829846" y="2738468"/>
+            <a:ext cx="0" cy="332374"/>
           </a:xfrm>
           <a:prstGeom prst="straightConnector1">
             <a:avLst/>
@@ -5197,8 +5197,54 @@
         </p:nvSpPr>
         <p:spPr>
           <a:xfrm>
-            <a:off x="842138" y="3759337"/>
+            <a:off x="675022" y="4075864"/>
             <a:ext cx="2934215" cy="461665"/>
+          </a:xfrm>
+          <a:prstGeom prst="rect">
+            <a:avLst/>
+          </a:prstGeom>
+          <a:noFill/>
+          <a:ln w="19050">
+            <a:solidFill>
+              <a:schemeClr val="accent6"/>
+            </a:solidFill>
+          </a:ln>
+        </p:spPr>
+        <p:txBody>
+          <a:bodyPr wrap="square" rtlCol="0">
+            <a:spAutoFit/>
+          </a:bodyPr>
+          <a:lstStyle/>
+          <a:p>
+            <a:pPr algn="ctr"/>
+            <a:r>
+              <a:rPr lang="en-US" sz="2400" dirty="0"/>
+              <a:t>Report </a:t>
+            </a:r>
+            <a:r>
+              <a:rPr lang="en-US" sz="2400" dirty="0" smtClean="0"/>
+              <a:t>clone:</a:t>
+            </a:r>
+            <a:endParaRPr lang="en-US" sz="2400" dirty="0"/>
+          </a:p>
+        </p:txBody>
+      </p:sp>
+      <p:sp>
+        <p:nvSpPr>
+          <p:cNvPr id="18" name="TextBox 17">
+            <a:extLst>
+              <a:ext uri="{FF2B5EF4-FFF2-40B4-BE49-F238E27FC236}">
+                <a16:creationId xmlns:a16="http://schemas.microsoft.com/office/drawing/2014/main" xmlns="" id="{61A6DC2D-4998-61E7-D85C-270F4C9BAAD9}"/>
+              </a:ext>
+            </a:extLst>
+          </p:cNvPr>
+          <p:cNvSpPr txBox="1"/>
+          <p:nvPr/>
+        </p:nvSpPr>
+        <p:spPr>
+          <a:xfrm>
+            <a:off x="4293162" y="6217238"/>
+            <a:ext cx="5073361" cy="461665"/>
           </a:xfrm>
           <a:prstGeom prst="rect">
             <a:avLst/>
@@ -5218,238 +5264,76 @@
           <a:p>
             <a:pPr algn="ctr"/>
             <a:r>
-              <a:rPr lang="en-US" sz="2400" dirty="0"/>
-              <a:t>Report type I</a:t>
-            </a:r>
-          </a:p>
-        </p:txBody>
-      </p:sp>
-      <p:cxnSp>
-        <p:nvCxnSpPr>
-          <p:cNvPr id="15" name="Connector: Elbow 14">
-            <a:extLst>
-              <a:ext uri="{FF2B5EF4-FFF2-40B4-BE49-F238E27FC236}">
-                <a16:creationId xmlns:a16="http://schemas.microsoft.com/office/drawing/2014/main" xmlns="" id="{903C2CDA-62FB-F15C-9416-9C59F394A844}"/>
-              </a:ext>
-            </a:extLst>
-          </p:cNvPr>
-          <p:cNvCxnSpPr>
-            <a:cxnSpLocks/>
-            <a:endCxn id="11" idx="3"/>
-          </p:cNvCxnSpPr>
+              <a:rPr lang="en-US" sz="2400" dirty="0" smtClean="0"/>
+              <a:t>Code blocks: replace names as tokens</a:t>
+            </a:r>
+            <a:endParaRPr lang="en-US" sz="2400" dirty="0"/>
+          </a:p>
+        </p:txBody>
+      </p:sp>
+      <p:sp>
+        <p:nvSpPr>
+          <p:cNvPr id="7" name="Diamond 6"/>
+          <p:cNvSpPr/>
           <p:nvPr/>
-        </p:nvCxnSpPr>
-        <p:spPr>
-          <a:xfrm rot="10800000" flipV="1">
-            <a:off x="3776354" y="3659832"/>
-            <a:ext cx="831275" cy="330338"/>
-          </a:xfrm>
-          <a:prstGeom prst="bentConnector3">
+        </p:nvSpPr>
+        <p:spPr>
+          <a:xfrm>
+            <a:off x="5690128" y="3928845"/>
+            <a:ext cx="2279431" cy="755703"/>
+          </a:xfrm>
+          <a:prstGeom prst="diamond">
             <a:avLst/>
           </a:prstGeom>
-          <a:ln w="15875">
-            <a:tailEnd type="stealth" w="lg" len="med"/>
-          </a:ln>
+          <a:ln w="28575"/>
         </p:spPr>
         <p:style>
-          <a:lnRef idx="1">
+          <a:lnRef idx="2">
             <a:schemeClr val="accent1"/>
           </a:lnRef>
-          <a:fillRef idx="0">
-            <a:schemeClr val="accent1"/>
+          <a:fillRef idx="1">
+            <a:schemeClr val="lt1"/>
           </a:fillRef>
           <a:effectRef idx="0">
             <a:schemeClr val="accent1"/>
           </a:effectRef>
           <a:fontRef idx="minor">
-            <a:schemeClr val="tx1"/>
+            <a:schemeClr val="dk1"/>
           </a:fontRef>
         </p:style>
-      </p:cxnSp>
-      <p:sp>
-        <p:nvSpPr>
-          <p:cNvPr id="18" name="TextBox 17">
-            <a:extLst>
-              <a:ext uri="{FF2B5EF4-FFF2-40B4-BE49-F238E27FC236}">
-                <a16:creationId xmlns:a16="http://schemas.microsoft.com/office/drawing/2014/main" xmlns="" id="{61A6DC2D-4998-61E7-D85C-270F4C9BAAD9}"/>
-              </a:ext>
-            </a:extLst>
-          </p:cNvPr>
-          <p:cNvSpPr txBox="1"/>
-          <p:nvPr/>
-        </p:nvSpPr>
-        <p:spPr>
-          <a:xfrm>
-            <a:off x="2416380" y="4362635"/>
-            <a:ext cx="7344767" cy="461665"/>
-          </a:xfrm>
-          <a:prstGeom prst="rect">
-            <a:avLst/>
-          </a:prstGeom>
-          <a:noFill/>
-          <a:ln w="19050">
-            <a:solidFill>
-              <a:schemeClr val="accent1"/>
-            </a:solidFill>
-          </a:ln>
-        </p:spPr>
-        <p:txBody>
-          <a:bodyPr wrap="square" rtlCol="0">
-            <a:spAutoFit/>
-          </a:bodyPr>
+        <p:txBody>
+          <a:bodyPr wrap="none" rtlCol="0" anchor="ctr"/>
           <a:lstStyle/>
           <a:p>
             <a:pPr algn="ctr"/>
             <a:r>
-              <a:rPr lang="en-US" sz="2400" dirty="0"/>
-              <a:t>Replace internal names with tokens</a:t>
-            </a:r>
+              <a:rPr lang="en-US" dirty="0" smtClean="0"/>
+              <a:t>Hash similarity?</a:t>
+            </a:r>
+            <a:endParaRPr lang="en-US" dirty="0"/>
           </a:p>
         </p:txBody>
       </p:sp>
       <p:cxnSp>
         <p:nvCxnSpPr>
-          <p:cNvPr id="25" name="Straight Arrow Connector 24">
-            <a:extLst>
-              <a:ext uri="{FF2B5EF4-FFF2-40B4-BE49-F238E27FC236}">
-                <a16:creationId xmlns:a16="http://schemas.microsoft.com/office/drawing/2014/main" xmlns="" id="{11D9F816-9BF9-5F34-1ACB-E701949DF6AB}"/>
+          <p:cNvPr id="24" name="Straight Arrow Connector 23">
+            <a:extLst>
+              <a:ext uri="{FF2B5EF4-FFF2-40B4-BE49-F238E27FC236}">
+                <a16:creationId xmlns:a16="http://schemas.microsoft.com/office/drawing/2014/main" xmlns="" id="{2C3F7B3C-ABB9-335A-DB6D-DDD7A150B158}"/>
               </a:ext>
             </a:extLst>
           </p:cNvPr>
           <p:cNvCxnSpPr>
             <a:cxnSpLocks/>
             <a:stCxn id="4" idx="2"/>
-            <a:endCxn id="18" idx="0"/>
+            <a:endCxn id="7" idx="0"/>
           </p:cNvCxnSpPr>
           <p:nvPr/>
         </p:nvCxnSpPr>
         <p:spPr>
           <a:xfrm flipH="1">
-            <a:off x="6088764" y="3659832"/>
-            <a:ext cx="11877" cy="702803"/>
-          </a:xfrm>
-          <a:prstGeom prst="straightConnector1">
-            <a:avLst/>
-          </a:prstGeom>
-          <a:ln w="0">
-            <a:tailEnd type="triangle" w="lg" len="med"/>
-          </a:ln>
-        </p:spPr>
-        <p:style>
-          <a:lnRef idx="1">
-            <a:schemeClr val="accent1"/>
-          </a:lnRef>
-          <a:fillRef idx="0">
-            <a:schemeClr val="accent1"/>
-          </a:fillRef>
-          <a:effectRef idx="0">
-            <a:schemeClr val="accent1"/>
-          </a:effectRef>
-          <a:fontRef idx="minor">
-            <a:schemeClr val="tx1"/>
-          </a:fontRef>
-        </p:style>
-      </p:cxnSp>
-      <p:sp>
-        <p:nvSpPr>
-          <p:cNvPr id="51" name="TextBox 50">
-            <a:extLst>
-              <a:ext uri="{FF2B5EF4-FFF2-40B4-BE49-F238E27FC236}">
-                <a16:creationId xmlns:a16="http://schemas.microsoft.com/office/drawing/2014/main" xmlns="" id="{15083F6C-0154-66E7-F7B7-53AD23A4B728}"/>
-              </a:ext>
-            </a:extLst>
-          </p:cNvPr>
-          <p:cNvSpPr txBox="1"/>
-          <p:nvPr/>
-        </p:nvSpPr>
-        <p:spPr>
-          <a:xfrm>
-            <a:off x="2470184" y="5196765"/>
-            <a:ext cx="7261523" cy="461665"/>
-          </a:xfrm>
-          <a:prstGeom prst="rect">
-            <a:avLst/>
-          </a:prstGeom>
-          <a:noFill/>
-          <a:ln w="19050">
-            <a:solidFill>
-              <a:schemeClr val="accent1"/>
-            </a:solidFill>
-          </a:ln>
-        </p:spPr>
-        <p:txBody>
-          <a:bodyPr wrap="square" rtlCol="0">
-            <a:spAutoFit/>
-          </a:bodyPr>
-          <a:lstStyle/>
-          <a:p>
-            <a:pPr algn="ctr"/>
-            <a:r>
-              <a:rPr lang="en-US" sz="2400" dirty="0"/>
-              <a:t>Hash all of the code files again</a:t>
-            </a:r>
-          </a:p>
-        </p:txBody>
-      </p:sp>
-      <p:sp>
-        <p:nvSpPr>
-          <p:cNvPr id="52" name="TextBox 51">
-            <a:extLst>
-              <a:ext uri="{FF2B5EF4-FFF2-40B4-BE49-F238E27FC236}">
-                <a16:creationId xmlns:a16="http://schemas.microsoft.com/office/drawing/2014/main" xmlns="" id="{02D291B1-6347-2554-D1E5-35026E4AFB76}"/>
-              </a:ext>
-            </a:extLst>
-          </p:cNvPr>
-          <p:cNvSpPr txBox="1"/>
-          <p:nvPr/>
-        </p:nvSpPr>
-        <p:spPr>
-          <a:xfrm>
-            <a:off x="2470184" y="5990804"/>
-            <a:ext cx="7237161" cy="461665"/>
-          </a:xfrm>
-          <a:prstGeom prst="rect">
-            <a:avLst/>
-          </a:prstGeom>
-          <a:noFill/>
-          <a:ln w="19050">
-            <a:solidFill>
-              <a:schemeClr val="accent1"/>
-            </a:solidFill>
-          </a:ln>
-        </p:spPr>
-        <p:txBody>
-          <a:bodyPr wrap="square" rtlCol="0">
-            <a:spAutoFit/>
-          </a:bodyPr>
-          <a:lstStyle/>
-          <a:p>
-            <a:pPr algn="ctr"/>
-            <a:r>
-              <a:rPr lang="en-US" sz="2400" dirty="0"/>
-              <a:t>Compare – report as type II clones if matches</a:t>
-            </a:r>
-          </a:p>
-        </p:txBody>
-      </p:sp>
-      <p:cxnSp>
-        <p:nvCxnSpPr>
-          <p:cNvPr id="53" name="Straight Arrow Connector 52">
-            <a:extLst>
-              <a:ext uri="{FF2B5EF4-FFF2-40B4-BE49-F238E27FC236}">
-                <a16:creationId xmlns:a16="http://schemas.microsoft.com/office/drawing/2014/main" xmlns="" id="{E9BAEEF3-4B8E-E5E2-7A33-34465E0CAEBE}"/>
-              </a:ext>
-            </a:extLst>
-          </p:cNvPr>
-          <p:cNvCxnSpPr>
-            <a:cxnSpLocks/>
-          </p:cNvCxnSpPr>
-          <p:nvPr/>
-        </p:nvCxnSpPr>
-        <p:spPr>
-          <a:xfrm>
-            <a:off x="6098585" y="5647805"/>
-            <a:ext cx="0" cy="342999"/>
+            <a:off x="6829844" y="3532507"/>
+            <a:ext cx="2" cy="396338"/>
           </a:xfrm>
           <a:prstGeom prst="straightConnector1">
             <a:avLst/>
@@ -5475,28 +5359,23 @@
       </p:cxnSp>
       <p:cxnSp>
         <p:nvCxnSpPr>
-          <p:cNvPr id="12" name="Straight Arrow Connector 11">
-            <a:extLst>
-              <a:ext uri="{FF2B5EF4-FFF2-40B4-BE49-F238E27FC236}">
-                <a16:creationId xmlns:a16="http://schemas.microsoft.com/office/drawing/2014/main" xmlns="" id="{C000D6F9-0F1D-FB05-924E-C940EA0CEBE7}"/>
-              </a:ext>
-            </a:extLst>
-          </p:cNvPr>
+          <p:cNvPr id="27" name="Straight Arrow Connector 26"/>
           <p:cNvCxnSpPr>
-            <a:cxnSpLocks/>
+            <a:stCxn id="7" idx="1"/>
+            <a:endCxn id="11" idx="3"/>
           </p:cNvCxnSpPr>
           <p:nvPr/>
         </p:nvCxnSpPr>
         <p:spPr>
-          <a:xfrm>
-            <a:off x="6110461" y="4824300"/>
-            <a:ext cx="0" cy="342999"/>
+          <a:xfrm flipH="1">
+            <a:off x="3609237" y="4306697"/>
+            <a:ext cx="2080891" cy="0"/>
           </a:xfrm>
           <a:prstGeom prst="straightConnector1">
             <a:avLst/>
           </a:prstGeom>
-          <a:ln w="0">
-            <a:tailEnd type="triangle" w="lg" len="med"/>
+          <a:ln>
+            <a:tailEnd type="triangle"/>
           </a:ln>
         </p:spPr>
         <p:style>
@@ -5514,6 +5393,836 @@
           </a:fontRef>
         </p:style>
       </p:cxnSp>
+      <p:sp>
+        <p:nvSpPr>
+          <p:cNvPr id="28" name="TextBox 27"/>
+          <p:cNvSpPr txBox="1"/>
+          <p:nvPr/>
+        </p:nvSpPr>
+        <p:spPr>
+          <a:xfrm>
+            <a:off x="4439712" y="3955526"/>
+            <a:ext cx="699230" cy="369332"/>
+          </a:xfrm>
+          <a:prstGeom prst="rect">
+            <a:avLst/>
+          </a:prstGeom>
+          <a:noFill/>
+        </p:spPr>
+        <p:txBody>
+          <a:bodyPr wrap="none" rtlCol="0">
+            <a:spAutoFit/>
+          </a:bodyPr>
+          <a:lstStyle/>
+          <a:p>
+            <a:r>
+              <a:rPr lang="en-US" dirty="0" smtClean="0"/>
+              <a:t>&gt;90%</a:t>
+            </a:r>
+            <a:endParaRPr lang="en-US" dirty="0"/>
+          </a:p>
+        </p:txBody>
+      </p:sp>
+      <p:cxnSp>
+        <p:nvCxnSpPr>
+          <p:cNvPr id="30" name="Straight Arrow Connector 29"/>
+          <p:cNvCxnSpPr>
+            <a:stCxn id="7" idx="2"/>
+            <a:endCxn id="37" idx="0"/>
+          </p:cNvCxnSpPr>
+          <p:nvPr/>
+        </p:nvCxnSpPr>
+        <p:spPr>
+          <a:xfrm flipH="1">
+            <a:off x="6829843" y="4684548"/>
+            <a:ext cx="1" cy="428168"/>
+          </a:xfrm>
+          <a:prstGeom prst="straightConnector1">
+            <a:avLst/>
+          </a:prstGeom>
+          <a:ln>
+            <a:tailEnd type="triangle"/>
+          </a:ln>
+        </p:spPr>
+        <p:style>
+          <a:lnRef idx="1">
+            <a:schemeClr val="accent1"/>
+          </a:lnRef>
+          <a:fillRef idx="0">
+            <a:schemeClr val="accent1"/>
+          </a:fillRef>
+          <a:effectRef idx="0">
+            <a:schemeClr val="accent1"/>
+          </a:effectRef>
+          <a:fontRef idx="minor">
+            <a:schemeClr val="tx1"/>
+          </a:fontRef>
+        </p:style>
+      </p:cxnSp>
+      <p:sp>
+        <p:nvSpPr>
+          <p:cNvPr id="37" name="Diamond 36"/>
+          <p:cNvSpPr/>
+          <p:nvPr/>
+        </p:nvSpPr>
+        <p:spPr>
+          <a:xfrm>
+            <a:off x="5927082" y="5112716"/>
+            <a:ext cx="1805521" cy="755703"/>
+          </a:xfrm>
+          <a:prstGeom prst="diamond">
+            <a:avLst/>
+          </a:prstGeom>
+          <a:ln w="28575"/>
+        </p:spPr>
+        <p:style>
+          <a:lnRef idx="2">
+            <a:schemeClr val="accent1"/>
+          </a:lnRef>
+          <a:fillRef idx="1">
+            <a:schemeClr val="lt1"/>
+          </a:fillRef>
+          <a:effectRef idx="0">
+            <a:schemeClr val="accent1"/>
+          </a:effectRef>
+          <a:fontRef idx="minor">
+            <a:schemeClr val="dk1"/>
+          </a:fontRef>
+        </p:style>
+        <p:txBody>
+          <a:bodyPr wrap="none" lIns="0" tIns="0" rIns="0" bIns="0" rtlCol="0" anchor="ctr"/>
+          <a:lstStyle/>
+          <a:p>
+            <a:pPr algn="ctr"/>
+            <a:r>
+              <a:rPr lang="en-US" dirty="0" smtClean="0"/>
+              <a:t>Tokens yet?</a:t>
+            </a:r>
+            <a:endParaRPr lang="en-US" dirty="0"/>
+          </a:p>
+        </p:txBody>
+      </p:sp>
+      <p:sp>
+        <p:nvSpPr>
+          <p:cNvPr id="38" name="TextBox 37">
+            <a:extLst>
+              <a:ext uri="{FF2B5EF4-FFF2-40B4-BE49-F238E27FC236}">
+                <a16:creationId xmlns:a16="http://schemas.microsoft.com/office/drawing/2014/main" xmlns="" id="{D0161953-B802-E031-9173-88AC95ED3465}"/>
+              </a:ext>
+            </a:extLst>
+          </p:cNvPr>
+          <p:cNvSpPr txBox="1"/>
+          <p:nvPr/>
+        </p:nvSpPr>
+        <p:spPr>
+          <a:xfrm>
+            <a:off x="8635744" y="4075864"/>
+            <a:ext cx="2934215" cy="461665"/>
+          </a:xfrm>
+          <a:prstGeom prst="rect">
+            <a:avLst/>
+          </a:prstGeom>
+          <a:ln w="19050">
+            <a:solidFill>
+              <a:schemeClr val="accent3"/>
+            </a:solidFill>
+          </a:ln>
+        </p:spPr>
+        <p:style>
+          <a:lnRef idx="2">
+            <a:schemeClr val="accent2"/>
+          </a:lnRef>
+          <a:fillRef idx="1">
+            <a:schemeClr val="lt1"/>
+          </a:fillRef>
+          <a:effectRef idx="0">
+            <a:schemeClr val="accent2"/>
+          </a:effectRef>
+          <a:fontRef idx="minor">
+            <a:schemeClr val="dk1"/>
+          </a:fontRef>
+        </p:style>
+        <p:txBody>
+          <a:bodyPr wrap="square" rtlCol="0">
+            <a:spAutoFit/>
+          </a:bodyPr>
+          <a:lstStyle/>
+          <a:p>
+            <a:pPr algn="ctr"/>
+            <a:r>
+              <a:rPr lang="en-US" sz="2400" dirty="0" smtClean="0"/>
+              <a:t>Not clone; discard</a:t>
+            </a:r>
+            <a:endParaRPr lang="en-US" sz="2400" dirty="0"/>
+          </a:p>
+        </p:txBody>
+      </p:sp>
+      <p:cxnSp>
+        <p:nvCxnSpPr>
+          <p:cNvPr id="35" name="Straight Arrow Connector 34"/>
+          <p:cNvCxnSpPr>
+            <a:stCxn id="7" idx="3"/>
+            <a:endCxn id="38" idx="1"/>
+          </p:cNvCxnSpPr>
+          <p:nvPr/>
+        </p:nvCxnSpPr>
+        <p:spPr>
+          <a:xfrm>
+            <a:off x="7969559" y="4306697"/>
+            <a:ext cx="666185" cy="0"/>
+          </a:xfrm>
+          <a:prstGeom prst="straightConnector1">
+            <a:avLst/>
+          </a:prstGeom>
+          <a:ln>
+            <a:tailEnd type="triangle"/>
+          </a:ln>
+        </p:spPr>
+        <p:style>
+          <a:lnRef idx="1">
+            <a:schemeClr val="accent1"/>
+          </a:lnRef>
+          <a:fillRef idx="0">
+            <a:schemeClr val="accent1"/>
+          </a:fillRef>
+          <a:effectRef idx="0">
+            <a:schemeClr val="accent1"/>
+          </a:effectRef>
+          <a:fontRef idx="minor">
+            <a:schemeClr val="tx1"/>
+          </a:fontRef>
+        </p:style>
+      </p:cxnSp>
+      <p:sp>
+        <p:nvSpPr>
+          <p:cNvPr id="54" name="TextBox 53"/>
+          <p:cNvSpPr txBox="1"/>
+          <p:nvPr/>
+        </p:nvSpPr>
+        <p:spPr>
+          <a:xfrm>
+            <a:off x="7925113" y="3955526"/>
+            <a:ext cx="699230" cy="369332"/>
+          </a:xfrm>
+          <a:prstGeom prst="rect">
+            <a:avLst/>
+          </a:prstGeom>
+          <a:noFill/>
+        </p:spPr>
+        <p:txBody>
+          <a:bodyPr wrap="none" rtlCol="0">
+            <a:spAutoFit/>
+          </a:bodyPr>
+          <a:lstStyle/>
+          <a:p>
+            <a:r>
+              <a:rPr lang="en-US" dirty="0" smtClean="0"/>
+              <a:t>&lt;50%</a:t>
+            </a:r>
+            <a:endParaRPr lang="en-US" dirty="0"/>
+          </a:p>
+        </p:txBody>
+      </p:sp>
+      <p:sp>
+        <p:nvSpPr>
+          <p:cNvPr id="55" name="TextBox 54"/>
+          <p:cNvSpPr txBox="1"/>
+          <p:nvPr/>
+        </p:nvSpPr>
+        <p:spPr>
+          <a:xfrm>
+            <a:off x="6831047" y="4717596"/>
+            <a:ext cx="933269" cy="369332"/>
+          </a:xfrm>
+          <a:prstGeom prst="rect">
+            <a:avLst/>
+          </a:prstGeom>
+          <a:noFill/>
+        </p:spPr>
+        <p:txBody>
+          <a:bodyPr wrap="none" rtlCol="0">
+            <a:spAutoFit/>
+          </a:bodyPr>
+          <a:lstStyle/>
+          <a:p>
+            <a:r>
+              <a:rPr lang="en-US" dirty="0" smtClean="0"/>
+              <a:t>50~90%</a:t>
+            </a:r>
+            <a:endParaRPr lang="en-US" dirty="0"/>
+          </a:p>
+        </p:txBody>
+      </p:sp>
+      <p:sp>
+        <p:nvSpPr>
+          <p:cNvPr id="56" name="Diamond 55"/>
+          <p:cNvSpPr/>
+          <p:nvPr/>
+        </p:nvSpPr>
+        <p:spPr>
+          <a:xfrm>
+            <a:off x="1240154" y="5112716"/>
+            <a:ext cx="1803953" cy="755703"/>
+          </a:xfrm>
+          <a:prstGeom prst="diamond">
+            <a:avLst/>
+          </a:prstGeom>
+          <a:ln w="28575"/>
+        </p:spPr>
+        <p:style>
+          <a:lnRef idx="2">
+            <a:schemeClr val="accent1"/>
+          </a:lnRef>
+          <a:fillRef idx="1">
+            <a:schemeClr val="lt1"/>
+          </a:fillRef>
+          <a:effectRef idx="0">
+            <a:schemeClr val="accent1"/>
+          </a:effectRef>
+          <a:fontRef idx="minor">
+            <a:schemeClr val="dk1"/>
+          </a:fontRef>
+        </p:style>
+        <p:txBody>
+          <a:bodyPr wrap="none" lIns="0" tIns="0" rIns="0" bIns="0" rtlCol="0" anchor="ctr"/>
+          <a:lstStyle/>
+          <a:p>
+            <a:pPr algn="ctr"/>
+            <a:r>
+              <a:rPr lang="en-US" dirty="0" smtClean="0"/>
+              <a:t>Tokens yet?</a:t>
+            </a:r>
+            <a:endParaRPr lang="en-US" dirty="0"/>
+          </a:p>
+        </p:txBody>
+      </p:sp>
+      <p:cxnSp>
+        <p:nvCxnSpPr>
+          <p:cNvPr id="63" name="Elbow Connector 62"/>
+          <p:cNvCxnSpPr>
+            <a:stCxn id="37" idx="3"/>
+            <a:endCxn id="38" idx="2"/>
+          </p:cNvCxnSpPr>
+          <p:nvPr/>
+        </p:nvCxnSpPr>
+        <p:spPr>
+          <a:xfrm flipV="1">
+            <a:off x="7732603" y="4537529"/>
+            <a:ext cx="2370249" cy="953039"/>
+          </a:xfrm>
+          <a:prstGeom prst="bentConnector2">
+            <a:avLst/>
+          </a:prstGeom>
+          <a:ln>
+            <a:tailEnd type="triangle"/>
+          </a:ln>
+        </p:spPr>
+        <p:style>
+          <a:lnRef idx="1">
+            <a:schemeClr val="accent1"/>
+          </a:lnRef>
+          <a:fillRef idx="0">
+            <a:schemeClr val="accent1"/>
+          </a:fillRef>
+          <a:effectRef idx="0">
+            <a:schemeClr val="accent1"/>
+          </a:effectRef>
+          <a:fontRef idx="minor">
+            <a:schemeClr val="tx1"/>
+          </a:fontRef>
+        </p:style>
+      </p:cxnSp>
+      <p:cxnSp>
+        <p:nvCxnSpPr>
+          <p:cNvPr id="72" name="Elbow Connector 71"/>
+          <p:cNvCxnSpPr>
+            <a:stCxn id="18" idx="3"/>
+            <a:endCxn id="8" idx="3"/>
+          </p:cNvCxnSpPr>
+          <p:nvPr/>
+        </p:nvCxnSpPr>
+        <p:spPr>
+          <a:xfrm flipV="1">
+            <a:off x="9366523" y="2507636"/>
+            <a:ext cx="1081903" cy="3940435"/>
+          </a:xfrm>
+          <a:prstGeom prst="bentConnector3">
+            <a:avLst>
+              <a:gd name="adj1" fmla="val 227044"/>
+            </a:avLst>
+          </a:prstGeom>
+          <a:ln>
+            <a:tailEnd type="triangle"/>
+          </a:ln>
+        </p:spPr>
+        <p:style>
+          <a:lnRef idx="1">
+            <a:schemeClr val="accent1"/>
+          </a:lnRef>
+          <a:fillRef idx="0">
+            <a:schemeClr val="accent1"/>
+          </a:fillRef>
+          <a:effectRef idx="0">
+            <a:schemeClr val="accent1"/>
+          </a:effectRef>
+          <a:fontRef idx="minor">
+            <a:schemeClr val="tx1"/>
+          </a:fontRef>
+        </p:style>
+      </p:cxnSp>
+      <p:sp>
+        <p:nvSpPr>
+          <p:cNvPr id="74" name="TextBox 73">
+            <a:extLst>
+              <a:ext uri="{FF2B5EF4-FFF2-40B4-BE49-F238E27FC236}">
+                <a16:creationId xmlns:a16="http://schemas.microsoft.com/office/drawing/2014/main" xmlns="" id="{D0161953-B802-E031-9173-88AC95ED3465}"/>
+              </a:ext>
+            </a:extLst>
+          </p:cNvPr>
+          <p:cNvSpPr txBox="1"/>
+          <p:nvPr/>
+        </p:nvSpPr>
+        <p:spPr>
+          <a:xfrm>
+            <a:off x="615820" y="1487718"/>
+            <a:ext cx="1085062" cy="461665"/>
+          </a:xfrm>
+          <a:prstGeom prst="rect">
+            <a:avLst/>
+          </a:prstGeom>
+          <a:ln w="19050"/>
+        </p:spPr>
+        <p:style>
+          <a:lnRef idx="2">
+            <a:schemeClr val="accent2"/>
+          </a:lnRef>
+          <a:fillRef idx="1">
+            <a:schemeClr val="lt1"/>
+          </a:fillRef>
+          <a:effectRef idx="0">
+            <a:schemeClr val="accent2"/>
+          </a:effectRef>
+          <a:fontRef idx="minor">
+            <a:schemeClr val="dk1"/>
+          </a:fontRef>
+        </p:style>
+        <p:txBody>
+          <a:bodyPr wrap="square" rtlCol="0">
+            <a:spAutoFit/>
+          </a:bodyPr>
+          <a:lstStyle/>
+          <a:p>
+            <a:pPr algn="ctr"/>
+            <a:r>
+              <a:rPr lang="en-US" sz="2400" dirty="0" smtClean="0"/>
+              <a:t>Start</a:t>
+            </a:r>
+            <a:endParaRPr lang="en-US" sz="2400" dirty="0"/>
+          </a:p>
+        </p:txBody>
+      </p:sp>
+      <p:cxnSp>
+        <p:nvCxnSpPr>
+          <p:cNvPr id="76" name="Straight Arrow Connector 75"/>
+          <p:cNvCxnSpPr>
+            <a:stCxn id="74" idx="3"/>
+            <a:endCxn id="3" idx="1"/>
+          </p:cNvCxnSpPr>
+          <p:nvPr/>
+        </p:nvCxnSpPr>
+        <p:spPr>
+          <a:xfrm>
+            <a:off x="1700882" y="1718551"/>
+            <a:ext cx="1510387" cy="1"/>
+          </a:xfrm>
+          <a:prstGeom prst="straightConnector1">
+            <a:avLst/>
+          </a:prstGeom>
+          <a:ln>
+            <a:tailEnd type="triangle"/>
+          </a:ln>
+        </p:spPr>
+        <p:style>
+          <a:lnRef idx="1">
+            <a:schemeClr val="accent1"/>
+          </a:lnRef>
+          <a:fillRef idx="0">
+            <a:schemeClr val="accent1"/>
+          </a:fillRef>
+          <a:effectRef idx="0">
+            <a:schemeClr val="accent1"/>
+          </a:effectRef>
+          <a:fontRef idx="minor">
+            <a:schemeClr val="tx1"/>
+          </a:fontRef>
+        </p:style>
+      </p:cxnSp>
+      <p:cxnSp>
+        <p:nvCxnSpPr>
+          <p:cNvPr id="85" name="Straight Arrow Connector 84"/>
+          <p:cNvCxnSpPr>
+            <a:stCxn id="37" idx="2"/>
+            <a:endCxn id="18" idx="0"/>
+          </p:cNvCxnSpPr>
+          <p:nvPr/>
+        </p:nvCxnSpPr>
+        <p:spPr>
+          <a:xfrm>
+            <a:off x="6829843" y="5868419"/>
+            <a:ext cx="0" cy="348819"/>
+          </a:xfrm>
+          <a:prstGeom prst="straightConnector1">
+            <a:avLst/>
+          </a:prstGeom>
+          <a:ln>
+            <a:tailEnd type="triangle"/>
+          </a:ln>
+        </p:spPr>
+        <p:style>
+          <a:lnRef idx="1">
+            <a:schemeClr val="accent1"/>
+          </a:lnRef>
+          <a:fillRef idx="0">
+            <a:schemeClr val="accent1"/>
+          </a:fillRef>
+          <a:effectRef idx="0">
+            <a:schemeClr val="accent1"/>
+          </a:effectRef>
+          <a:fontRef idx="minor">
+            <a:schemeClr val="tx1"/>
+          </a:fontRef>
+        </p:style>
+      </p:cxnSp>
+      <p:sp>
+        <p:nvSpPr>
+          <p:cNvPr id="94" name="TextBox 93"/>
+          <p:cNvSpPr txBox="1"/>
+          <p:nvPr/>
+        </p:nvSpPr>
+        <p:spPr>
+          <a:xfrm>
+            <a:off x="7824599" y="5115066"/>
+            <a:ext cx="485518" cy="369332"/>
+          </a:xfrm>
+          <a:prstGeom prst="rect">
+            <a:avLst/>
+          </a:prstGeom>
+          <a:noFill/>
+        </p:spPr>
+        <p:txBody>
+          <a:bodyPr wrap="none" rtlCol="0">
+            <a:spAutoFit/>
+          </a:bodyPr>
+          <a:lstStyle/>
+          <a:p>
+            <a:r>
+              <a:rPr lang="en-US" dirty="0" smtClean="0"/>
+              <a:t>Yes</a:t>
+            </a:r>
+            <a:endParaRPr lang="en-US" dirty="0"/>
+          </a:p>
+        </p:txBody>
+      </p:sp>
+      <p:sp>
+        <p:nvSpPr>
+          <p:cNvPr id="95" name="TextBox 94"/>
+          <p:cNvSpPr txBox="1"/>
+          <p:nvPr/>
+        </p:nvSpPr>
+        <p:spPr>
+          <a:xfrm>
+            <a:off x="6920884" y="5847906"/>
+            <a:ext cx="455574" cy="369332"/>
+          </a:xfrm>
+          <a:prstGeom prst="rect">
+            <a:avLst/>
+          </a:prstGeom>
+          <a:noFill/>
+        </p:spPr>
+        <p:txBody>
+          <a:bodyPr wrap="none" rtlCol="0">
+            <a:spAutoFit/>
+          </a:bodyPr>
+          <a:lstStyle/>
+          <a:p>
+            <a:r>
+              <a:rPr lang="en-US" dirty="0" smtClean="0"/>
+              <a:t>No</a:t>
+            </a:r>
+            <a:endParaRPr lang="en-US" dirty="0"/>
+          </a:p>
+        </p:txBody>
+      </p:sp>
+      <p:sp>
+        <p:nvSpPr>
+          <p:cNvPr id="96" name="TextBox 95">
+            <a:extLst>
+              <a:ext uri="{FF2B5EF4-FFF2-40B4-BE49-F238E27FC236}">
+                <a16:creationId xmlns:a16="http://schemas.microsoft.com/office/drawing/2014/main" xmlns="" id="{D0161953-B802-E031-9173-88AC95ED3465}"/>
+              </a:ext>
+            </a:extLst>
+          </p:cNvPr>
+          <p:cNvSpPr txBox="1"/>
+          <p:nvPr/>
+        </p:nvSpPr>
+        <p:spPr>
+          <a:xfrm>
+            <a:off x="362764" y="6199895"/>
+            <a:ext cx="1437252" cy="461665"/>
+          </a:xfrm>
+          <a:prstGeom prst="rect">
+            <a:avLst/>
+          </a:prstGeom>
+          <a:ln w="19050"/>
+        </p:spPr>
+        <p:style>
+          <a:lnRef idx="2">
+            <a:schemeClr val="accent6"/>
+          </a:lnRef>
+          <a:fillRef idx="1">
+            <a:schemeClr val="lt1"/>
+          </a:fillRef>
+          <a:effectRef idx="0">
+            <a:schemeClr val="accent6"/>
+          </a:effectRef>
+          <a:fontRef idx="minor">
+            <a:schemeClr val="dk1"/>
+          </a:fontRef>
+        </p:style>
+        <p:txBody>
+          <a:bodyPr wrap="square" rtlCol="0">
+            <a:spAutoFit/>
+          </a:bodyPr>
+          <a:lstStyle/>
+          <a:p>
+            <a:pPr algn="ctr"/>
+            <a:r>
+              <a:rPr lang="en-US" sz="2400" dirty="0" smtClean="0"/>
+              <a:t>Type I</a:t>
+            </a:r>
+            <a:endParaRPr lang="en-US" sz="2400" dirty="0"/>
+          </a:p>
+        </p:txBody>
+      </p:sp>
+      <p:sp>
+        <p:nvSpPr>
+          <p:cNvPr id="97" name="TextBox 96">
+            <a:extLst>
+              <a:ext uri="{FF2B5EF4-FFF2-40B4-BE49-F238E27FC236}">
+                <a16:creationId xmlns:a16="http://schemas.microsoft.com/office/drawing/2014/main" xmlns="" id="{D0161953-B802-E031-9173-88AC95ED3465}"/>
+              </a:ext>
+            </a:extLst>
+          </p:cNvPr>
+          <p:cNvSpPr txBox="1"/>
+          <p:nvPr/>
+        </p:nvSpPr>
+        <p:spPr>
+          <a:xfrm>
+            <a:off x="2502543" y="6199894"/>
+            <a:ext cx="1437252" cy="461665"/>
+          </a:xfrm>
+          <a:prstGeom prst="rect">
+            <a:avLst/>
+          </a:prstGeom>
+          <a:ln w="19050"/>
+        </p:spPr>
+        <p:style>
+          <a:lnRef idx="2">
+            <a:schemeClr val="accent6"/>
+          </a:lnRef>
+          <a:fillRef idx="1">
+            <a:schemeClr val="lt1"/>
+          </a:fillRef>
+          <a:effectRef idx="0">
+            <a:schemeClr val="accent6"/>
+          </a:effectRef>
+          <a:fontRef idx="minor">
+            <a:schemeClr val="dk1"/>
+          </a:fontRef>
+        </p:style>
+        <p:txBody>
+          <a:bodyPr wrap="square" rtlCol="0">
+            <a:spAutoFit/>
+          </a:bodyPr>
+          <a:lstStyle/>
+          <a:p>
+            <a:pPr algn="ctr"/>
+            <a:r>
+              <a:rPr lang="en-US" sz="2400" dirty="0" smtClean="0"/>
+              <a:t>Type II</a:t>
+            </a:r>
+            <a:endParaRPr lang="en-US" sz="2400" dirty="0"/>
+          </a:p>
+        </p:txBody>
+      </p:sp>
+      <p:cxnSp>
+        <p:nvCxnSpPr>
+          <p:cNvPr id="101" name="Elbow Connector 100"/>
+          <p:cNvCxnSpPr>
+            <a:stCxn id="56" idx="1"/>
+            <a:endCxn id="96" idx="0"/>
+          </p:cNvCxnSpPr>
+          <p:nvPr/>
+        </p:nvCxnSpPr>
+        <p:spPr>
+          <a:xfrm rot="10800000" flipV="1">
+            <a:off x="1081390" y="5490567"/>
+            <a:ext cx="158764" cy="709327"/>
+          </a:xfrm>
+          <a:prstGeom prst="bentConnector2">
+            <a:avLst/>
+          </a:prstGeom>
+          <a:ln>
+            <a:tailEnd type="triangle"/>
+          </a:ln>
+        </p:spPr>
+        <p:style>
+          <a:lnRef idx="1">
+            <a:schemeClr val="accent1"/>
+          </a:lnRef>
+          <a:fillRef idx="0">
+            <a:schemeClr val="accent1"/>
+          </a:fillRef>
+          <a:effectRef idx="0">
+            <a:schemeClr val="accent1"/>
+          </a:effectRef>
+          <a:fontRef idx="minor">
+            <a:schemeClr val="tx1"/>
+          </a:fontRef>
+        </p:style>
+      </p:cxnSp>
+      <p:cxnSp>
+        <p:nvCxnSpPr>
+          <p:cNvPr id="103" name="Elbow Connector 102"/>
+          <p:cNvCxnSpPr>
+            <a:stCxn id="56" idx="3"/>
+            <a:endCxn id="97" idx="0"/>
+          </p:cNvCxnSpPr>
+          <p:nvPr/>
+        </p:nvCxnSpPr>
+        <p:spPr>
+          <a:xfrm>
+            <a:off x="3044107" y="5490568"/>
+            <a:ext cx="177062" cy="709326"/>
+          </a:xfrm>
+          <a:prstGeom prst="bentConnector2">
+            <a:avLst/>
+          </a:prstGeom>
+          <a:ln>
+            <a:tailEnd type="triangle"/>
+          </a:ln>
+        </p:spPr>
+        <p:style>
+          <a:lnRef idx="1">
+            <a:schemeClr val="accent1"/>
+          </a:lnRef>
+          <a:fillRef idx="0">
+            <a:schemeClr val="accent1"/>
+          </a:fillRef>
+          <a:effectRef idx="0">
+            <a:schemeClr val="accent1"/>
+          </a:effectRef>
+          <a:fontRef idx="minor">
+            <a:schemeClr val="tx1"/>
+          </a:fontRef>
+        </p:style>
+      </p:cxnSp>
+      <p:cxnSp>
+        <p:nvCxnSpPr>
+          <p:cNvPr id="108" name="Straight Arrow Connector 107"/>
+          <p:cNvCxnSpPr>
+            <a:stCxn id="11" idx="2"/>
+            <a:endCxn id="56" idx="0"/>
+          </p:cNvCxnSpPr>
+          <p:nvPr/>
+        </p:nvCxnSpPr>
+        <p:spPr>
+          <a:xfrm>
+            <a:off x="2142130" y="4537529"/>
+            <a:ext cx="1" cy="575187"/>
+          </a:xfrm>
+          <a:prstGeom prst="straightConnector1">
+            <a:avLst/>
+          </a:prstGeom>
+          <a:ln>
+            <a:tailEnd type="triangle"/>
+          </a:ln>
+        </p:spPr>
+        <p:style>
+          <a:lnRef idx="1">
+            <a:schemeClr val="accent1"/>
+          </a:lnRef>
+          <a:fillRef idx="0">
+            <a:schemeClr val="accent1"/>
+          </a:fillRef>
+          <a:effectRef idx="0">
+            <a:schemeClr val="accent1"/>
+          </a:effectRef>
+          <a:fontRef idx="minor">
+            <a:schemeClr val="tx1"/>
+          </a:fontRef>
+        </p:style>
+      </p:cxnSp>
+      <p:sp>
+        <p:nvSpPr>
+          <p:cNvPr id="109" name="TextBox 108"/>
+          <p:cNvSpPr txBox="1"/>
+          <p:nvPr/>
+        </p:nvSpPr>
+        <p:spPr>
+          <a:xfrm>
+            <a:off x="3250858" y="5735419"/>
+            <a:ext cx="485518" cy="369332"/>
+          </a:xfrm>
+          <a:prstGeom prst="rect">
+            <a:avLst/>
+          </a:prstGeom>
+          <a:noFill/>
+        </p:spPr>
+        <p:txBody>
+          <a:bodyPr wrap="none" rtlCol="0">
+            <a:spAutoFit/>
+          </a:bodyPr>
+          <a:lstStyle/>
+          <a:p>
+            <a:r>
+              <a:rPr lang="en-US" dirty="0" smtClean="0"/>
+              <a:t>Yes</a:t>
+            </a:r>
+            <a:endParaRPr lang="en-US" dirty="0"/>
+          </a:p>
+        </p:txBody>
+      </p:sp>
+      <p:sp>
+        <p:nvSpPr>
+          <p:cNvPr id="110" name="TextBox 109"/>
+          <p:cNvSpPr txBox="1"/>
+          <p:nvPr/>
+        </p:nvSpPr>
+        <p:spPr>
+          <a:xfrm>
+            <a:off x="1117152" y="5738230"/>
+            <a:ext cx="455574" cy="369332"/>
+          </a:xfrm>
+          <a:prstGeom prst="rect">
+            <a:avLst/>
+          </a:prstGeom>
+          <a:noFill/>
+        </p:spPr>
+        <p:txBody>
+          <a:bodyPr wrap="none" rtlCol="0">
+            <a:spAutoFit/>
+          </a:bodyPr>
+          <a:lstStyle/>
+          <a:p>
+            <a:r>
+              <a:rPr lang="en-US" dirty="0" smtClean="0"/>
+              <a:t>No</a:t>
+            </a:r>
+            <a:endParaRPr lang="en-US" dirty="0"/>
+          </a:p>
+        </p:txBody>
+      </p:sp>
     </p:spTree>
     <p:extLst>
       <p:ext uri="{BB962C8B-B14F-4D97-AF65-F5344CB8AC3E}">

--- a/presentation.pptx
+++ b/presentation.pptx
@@ -5094,8 +5094,13 @@
             <a:pPr algn="ctr"/>
             <a:r>
               <a:rPr lang="en-US" sz="2400" dirty="0"/>
-              <a:t>Hash all of the code files</a:t>
-            </a:r>
+              <a:t>Hash all of the code </a:t>
+            </a:r>
+            <a:r>
+              <a:rPr lang="en-US" sz="2400" dirty="0" smtClean="0"/>
+              <a:t>blocks</a:t>
+            </a:r>
+            <a:endParaRPr lang="en-US" sz="2400" dirty="0"/>
           </a:p>
         </p:txBody>
       </p:sp>
@@ -5135,7 +5140,19 @@
             <a:pPr algn="ctr"/>
             <a:r>
               <a:rPr lang="en-US" sz="2400" dirty="0"/>
-              <a:t>Compare hash code for each file with every other one</a:t>
+              <a:t>Compare hash code for </a:t>
+            </a:r>
+            <a:r>
+              <a:rPr lang="en-US" sz="2400"/>
+              <a:t>each </a:t>
+            </a:r>
+            <a:r>
+              <a:rPr lang="en-US" sz="2400" smtClean="0"/>
+              <a:t>block with </a:t>
+            </a:r>
+            <a:r>
+              <a:rPr lang="en-US" sz="2400" dirty="0"/>
+              <a:t>every other one</a:t>
             </a:r>
           </a:p>
         </p:txBody>

--- a/presentation.pptx
+++ b/presentation.pptx
@@ -5140,14 +5140,10 @@
             <a:pPr algn="ctr"/>
             <a:r>
               <a:rPr lang="en-US" sz="2400" dirty="0"/>
-              <a:t>Compare hash code for </a:t>
-            </a:r>
-            <a:r>
-              <a:rPr lang="en-US" sz="2400"/>
-              <a:t>each </a:t>
-            </a:r>
-            <a:r>
-              <a:rPr lang="en-US" sz="2400" smtClean="0"/>
+              <a:t>Compare hash code for each </a:t>
+            </a:r>
+            <a:r>
+              <a:rPr lang="en-US" sz="2400" dirty="0" smtClean="0"/>
               <a:t>block with </a:t>
             </a:r>
             <a:r>
@@ -5541,7 +5537,7 @@
           </a:prstGeom>
           <a:ln w="19050">
             <a:solidFill>
-              <a:schemeClr val="accent3"/>
+              <a:schemeClr val="accent2"/>
             </a:solidFill>
           </a:ln>
         </p:spPr>
@@ -5807,7 +5803,11 @@
           <a:prstGeom prst="rect">
             <a:avLst/>
           </a:prstGeom>
-          <a:ln w="19050"/>
+          <a:ln w="19050">
+            <a:solidFill>
+              <a:schemeClr val="accent3"/>
+            </a:solidFill>
+          </a:ln>
         </p:spPr>
         <p:style>
           <a:lnRef idx="2">

--- a/presentation.pptx
+++ b/presentation.pptx
@@ -6788,166 +6788,324 @@
           </a:p>
         </p:txBody>
       </p:sp>
-      <p:sp>
-        <p:nvSpPr>
-          <p:cNvPr id="3" name="Content Placeholder 2">
-            <a:extLst>
-              <a:ext uri="{FF2B5EF4-FFF2-40B4-BE49-F238E27FC236}">
-                <a16:creationId xmlns:a16="http://schemas.microsoft.com/office/drawing/2014/main" xmlns="" id="{49BF805F-408E-585C-FCBE-9B0FA5EA3A8C}"/>
-              </a:ext>
-            </a:extLst>
-          </p:cNvPr>
-          <p:cNvSpPr>
-            <a:spLocks noGrp="1"/>
-          </p:cNvSpPr>
-          <p:nvPr>
-            <p:ph idx="1"/>
-          </p:nvPr>
-        </p:nvSpPr>
-        <p:spPr>
-          <a:xfrm>
-            <a:off x="838200" y="1635620"/>
-            <a:ext cx="10515600" cy="4515798"/>
-          </a:xfrm>
-        </p:spPr>
-        <p:txBody>
-          <a:bodyPr>
-            <a:normAutofit lnSpcReduction="10000"/>
-          </a:bodyPr>
-          <a:lstStyle/>
-          <a:p>
-            <a:r>
-              <a:rPr lang="en-US" sz="3200" dirty="0"/>
-              <a:t>We can approximate how close two blocks of code are by computing string similarity on just the hash codes from LSH.</a:t>
-            </a:r>
-          </a:p>
-          <a:p>
-            <a:pPr lvl="1"/>
-            <a:r>
-              <a:rPr lang="en-US" sz="2800" dirty="0"/>
-              <a:t>It is much cheaper than checking over the whole </a:t>
-            </a:r>
-            <a:r>
-              <a:rPr lang="en-US" sz="2800" dirty="0" err="1"/>
-              <a:t>unhashed</a:t>
-            </a:r>
-            <a:r>
-              <a:rPr lang="en-US" sz="2800" dirty="0"/>
-              <a:t> text block</a:t>
-            </a:r>
-            <a:r>
-              <a:rPr lang="en-US" dirty="0"/>
-              <a:t>.</a:t>
-            </a:r>
-          </a:p>
-          <a:p>
-            <a:r>
-              <a:rPr lang="en-US" sz="3200" dirty="0"/>
-              <a:t>We used the </a:t>
-            </a:r>
-            <a:r>
-              <a:rPr lang="en-US" sz="3200" dirty="0" err="1">
-                <a:solidFill>
-                  <a:schemeClr val="accent2"/>
-                </a:solidFill>
-              </a:rPr>
-              <a:t>Levenshtein</a:t>
-            </a:r>
-            <a:r>
-              <a:rPr lang="en-US" sz="3200" dirty="0">
-                <a:solidFill>
-                  <a:schemeClr val="accent2"/>
-                </a:solidFill>
-              </a:rPr>
-              <a:t> Distance</a:t>
-            </a:r>
-            <a:r>
-              <a:rPr lang="en-US" sz="3200" dirty="0"/>
-              <a:t> algorithm (</a:t>
-            </a:r>
-            <a:r>
-              <a:rPr lang="en-US" sz="3200" dirty="0" err="1">
-                <a:latin typeface="Courier New" panose="02070309020205020404" pitchFamily="49" charset="0"/>
-                <a:cs typeface="Courier New" panose="02070309020205020404" pitchFamily="49" charset="0"/>
-              </a:rPr>
-              <a:t>fuzzywuzzy</a:t>
-            </a:r>
-            <a:r>
-              <a:rPr lang="en-US" sz="3200" dirty="0"/>
-              <a:t> library)</a:t>
-            </a:r>
-          </a:p>
-          <a:p>
-            <a:pPr lvl="1"/>
-            <a:r>
-              <a:rPr lang="en-US" sz="2800" dirty="0"/>
-              <a:t>The similarity score = the number of single character edits needed to convert one string into another. </a:t>
-            </a:r>
-          </a:p>
-          <a:p>
-            <a:pPr lvl="1"/>
-            <a:r>
-              <a:rPr lang="en-US" sz="2800" dirty="0"/>
-              <a:t>Edits = </a:t>
-            </a:r>
-            <a:r>
-              <a:rPr lang="en-US" sz="2800" dirty="0">
-                <a:solidFill>
-                  <a:schemeClr val="accent5"/>
-                </a:solidFill>
-              </a:rPr>
-              <a:t>change</a:t>
-            </a:r>
-            <a:r>
-              <a:rPr lang="en-US" sz="2800" dirty="0"/>
-              <a:t>, </a:t>
-            </a:r>
-            <a:r>
-              <a:rPr lang="en-US" sz="2800" dirty="0">
-                <a:solidFill>
-                  <a:schemeClr val="accent6"/>
-                </a:solidFill>
-              </a:rPr>
-              <a:t>add</a:t>
-            </a:r>
-            <a:r>
-              <a:rPr lang="en-US" sz="2800" dirty="0"/>
-              <a:t>, or </a:t>
-            </a:r>
-            <a:r>
-              <a:rPr lang="en-US" sz="2800" dirty="0">
-                <a:solidFill>
-                  <a:srgbClr val="FF0000"/>
-                </a:solidFill>
-              </a:rPr>
-              <a:t>delete</a:t>
-            </a:r>
-            <a:r>
-              <a:rPr lang="en-US" sz="2800" dirty="0"/>
-              <a:t> one character.</a:t>
-            </a:r>
-          </a:p>
-          <a:p>
-            <a:pPr lvl="1"/>
-            <a:r>
-              <a:rPr lang="en-US" sz="2800" dirty="0"/>
-              <a:t>Since all hash codes are the same length, we only considered </a:t>
-            </a:r>
-            <a:r>
-              <a:rPr lang="en-US" sz="2800" dirty="0">
-                <a:solidFill>
-                  <a:schemeClr val="accent5"/>
-                </a:solidFill>
-              </a:rPr>
-              <a:t>change</a:t>
-            </a:r>
-            <a:r>
-              <a:rPr lang="en-US" dirty="0"/>
-              <a:t>.</a:t>
-            </a:r>
-          </a:p>
-        </p:txBody>
-      </p:sp>
+      <mc:AlternateContent xmlns:mc="http://schemas.openxmlformats.org/markup-compatibility/2006">
+        <mc:Choice xmlns:a14="http://schemas.microsoft.com/office/drawing/2010/main" Requires="a14">
+          <p:sp>
+            <p:nvSpPr>
+              <p:cNvPr id="3" name="Content Placeholder 2">
+                <a:extLst>
+                  <a:ext uri="{FF2B5EF4-FFF2-40B4-BE49-F238E27FC236}">
+                    <a16:creationId xmlns:a16="http://schemas.microsoft.com/office/drawing/2014/main" xmlns="" id="{49BF805F-408E-585C-FCBE-9B0FA5EA3A8C}"/>
+                  </a:ext>
+                </a:extLst>
+              </p:cNvPr>
+              <p:cNvSpPr>
+                <a:spLocks noGrp="1"/>
+              </p:cNvSpPr>
+              <p:nvPr>
+                <p:ph idx="1"/>
+              </p:nvPr>
+            </p:nvSpPr>
+            <p:spPr>
+              <a:xfrm>
+                <a:off x="838200" y="1635620"/>
+                <a:ext cx="10515600" cy="4515798"/>
+              </a:xfrm>
+            </p:spPr>
+            <p:txBody>
+              <a:bodyPr>
+                <a:normAutofit/>
+              </a:bodyPr>
+              <a:lstStyle/>
+              <a:p>
+                <a:r>
+                  <a:rPr lang="en-US" sz="3200" dirty="0" smtClean="0"/>
+                  <a:t>We can approximate how close two blocks of code are by computing string similarity on just the hash codes from LSH.</a:t>
+                </a:r>
+              </a:p>
+              <a:p>
+                <a:pPr lvl="1"/>
+                <a:r>
+                  <a:rPr lang="en-US" sz="2800" dirty="0"/>
+                  <a:t>It is much cheaper than checking </a:t>
+                </a:r>
+                <a:r>
+                  <a:rPr lang="en-US" sz="2800" dirty="0" smtClean="0"/>
+                  <a:t>the </a:t>
+                </a:r>
+                <a:r>
+                  <a:rPr lang="en-US" sz="2800" dirty="0"/>
+                  <a:t>whole </a:t>
+                </a:r>
+                <a:r>
+                  <a:rPr lang="en-US" sz="2800" dirty="0" err="1"/>
+                  <a:t>unhashed</a:t>
+                </a:r>
+                <a:r>
+                  <a:rPr lang="en-US" sz="2800" dirty="0"/>
+                  <a:t> text block</a:t>
+                </a:r>
+                <a:r>
+                  <a:rPr lang="en-US" dirty="0"/>
+                  <a:t>.</a:t>
+                </a:r>
+              </a:p>
+              <a:p>
+                <a:r>
+                  <a:rPr lang="en-US" sz="3200" dirty="0"/>
+                  <a:t>We used the </a:t>
+                </a:r>
+                <a:r>
+                  <a:rPr lang="en-US" sz="3200" dirty="0" err="1">
+                    <a:solidFill>
+                      <a:schemeClr val="accent2"/>
+                    </a:solidFill>
+                  </a:rPr>
+                  <a:t>Levenshtein</a:t>
+                </a:r>
+                <a:r>
+                  <a:rPr lang="en-US" sz="3200" dirty="0">
+                    <a:solidFill>
+                      <a:schemeClr val="accent2"/>
+                    </a:solidFill>
+                  </a:rPr>
+                  <a:t> Distance</a:t>
+                </a:r>
+                <a:r>
+                  <a:rPr lang="en-US" sz="3200" dirty="0"/>
+                  <a:t> </a:t>
+                </a:r>
+                <a:r>
+                  <a:rPr lang="en-US" sz="3200" dirty="0" smtClean="0"/>
+                  <a:t>(</a:t>
+                </a:r>
+                <a:r>
+                  <a:rPr lang="en-US" sz="3200" dirty="0" err="1">
+                    <a:latin typeface="Courier New" panose="02070309020205020404" pitchFamily="49" charset="0"/>
+                    <a:cs typeface="Courier New" panose="02070309020205020404" pitchFamily="49" charset="0"/>
+                  </a:rPr>
+                  <a:t>fuzzywuzzy</a:t>
+                </a:r>
+                <a:r>
+                  <a:rPr lang="en-US" sz="3200" dirty="0"/>
+                  <a:t> library)</a:t>
+                </a:r>
+              </a:p>
+              <a:p>
+                <a:pPr lvl="1"/>
+                <a:r>
+                  <a:rPr lang="en-US" sz="2800" dirty="0"/>
+                  <a:t>Distance = # of edits needed to convert s1 into </a:t>
+                </a:r>
+                <a:r>
+                  <a:rPr lang="en-US" sz="2800" dirty="0" smtClean="0"/>
+                  <a:t>s2</a:t>
+                </a:r>
+                <a:endParaRPr lang="en-US" sz="2800" dirty="0" smtClean="0"/>
+              </a:p>
+              <a:p>
+                <a:pPr lvl="1"/>
+                <a:r>
+                  <a:rPr lang="en-US" sz="2800" dirty="0" smtClean="0"/>
+                  <a:t>Edits = </a:t>
+                </a:r>
+                <a:r>
+                  <a:rPr lang="en-US" sz="2800" dirty="0" smtClean="0">
+                    <a:solidFill>
+                      <a:schemeClr val="accent5"/>
+                    </a:solidFill>
+                  </a:rPr>
+                  <a:t>change</a:t>
+                </a:r>
+                <a:r>
+                  <a:rPr lang="en-US" sz="2800" dirty="0" smtClean="0"/>
+                  <a:t>, </a:t>
+                </a:r>
+                <a:r>
+                  <a:rPr lang="en-US" sz="2800" dirty="0" smtClean="0">
+                    <a:solidFill>
+                      <a:schemeClr val="accent6"/>
+                    </a:solidFill>
+                  </a:rPr>
+                  <a:t>add</a:t>
+                </a:r>
+                <a:r>
+                  <a:rPr lang="en-US" sz="2800" dirty="0" smtClean="0"/>
+                  <a:t>, or </a:t>
+                </a:r>
+                <a:r>
+                  <a:rPr lang="en-US" sz="2800" dirty="0" smtClean="0">
+                    <a:solidFill>
+                      <a:srgbClr val="FF0000"/>
+                    </a:solidFill>
+                  </a:rPr>
+                  <a:t>delete</a:t>
+                </a:r>
+                <a:r>
+                  <a:rPr lang="en-US" sz="2800" dirty="0" smtClean="0"/>
+                  <a:t> one character.</a:t>
+                </a:r>
+              </a:p>
+              <a:p>
+                <a:pPr lvl="1"/>
+                <a:r>
+                  <a:rPr lang="en-US" sz="2800" dirty="0"/>
+                  <a:t>Similarity </a:t>
+                </a:r>
+                <a:r>
+                  <a:rPr lang="en-US" sz="2800" dirty="0"/>
+                  <a:t>score </a:t>
+                </a:r>
+                <a:r>
+                  <a:rPr lang="en-US" sz="2800" dirty="0"/>
+                  <a:t>= </a:t>
+                </a:r>
+                <a14:m>
+                  <m:oMath xmlns:m="http://schemas.openxmlformats.org/officeDocument/2006/math">
+                    <m:f>
+                      <m:fPr>
+                        <m:ctrlPr>
+                          <a:rPr lang="en-US" sz="2800" i="1">
+                            <a:latin typeface="Cambria Math" panose="02040503050406030204" pitchFamily="18" charset="0"/>
+                          </a:rPr>
+                        </m:ctrlPr>
+                      </m:fPr>
+                      <m:num>
+                        <m:r>
+                          <a:rPr lang="en-US" sz="2800" i="1">
+                            <a:latin typeface="Cambria Math" panose="02040503050406030204" pitchFamily="18" charset="0"/>
+                          </a:rPr>
+                          <m:t>𝑑𝑖𝑠𝑡𝑎𝑛𝑐𝑒</m:t>
+                        </m:r>
+                        <m:r>
+                          <a:rPr lang="en-US" sz="2800" i="1">
+                            <a:latin typeface="Cambria Math" panose="02040503050406030204" pitchFamily="18" charset="0"/>
+                          </a:rPr>
+                          <m:t> </m:t>
+                        </m:r>
+                        <m:r>
+                          <a:rPr lang="en-US" sz="2800" i="1">
+                            <a:latin typeface="Cambria Math" panose="02040503050406030204" pitchFamily="18" charset="0"/>
+                          </a:rPr>
+                          <m:t>𝑠</m:t>
+                        </m:r>
+                        <m:r>
+                          <a:rPr lang="en-US" sz="2800" i="1">
+                            <a:latin typeface="Cambria Math" panose="02040503050406030204" pitchFamily="18" charset="0"/>
+                          </a:rPr>
+                          <m:t>1 → </m:t>
+                        </m:r>
+                        <m:r>
+                          <a:rPr lang="en-US" sz="2800" i="1">
+                            <a:latin typeface="Cambria Math" panose="02040503050406030204" pitchFamily="18" charset="0"/>
+                            <a:ea typeface="Cambria Math" panose="02040503050406030204" pitchFamily="18" charset="0"/>
+                          </a:rPr>
+                          <m:t>𝑠</m:t>
+                        </m:r>
+                        <m:r>
+                          <a:rPr lang="en-US" sz="2800" i="1">
+                            <a:latin typeface="Cambria Math" panose="02040503050406030204" pitchFamily="18" charset="0"/>
+                            <a:ea typeface="Cambria Math" panose="02040503050406030204" pitchFamily="18" charset="0"/>
+                          </a:rPr>
+                          <m:t>2</m:t>
+                        </m:r>
+                      </m:num>
+                      <m:den>
+                        <m:r>
+                          <a:rPr lang="en-US" sz="2800" i="1">
+                            <a:latin typeface="Cambria Math" panose="02040503050406030204" pitchFamily="18" charset="0"/>
+                          </a:rPr>
+                          <m:t>𝑡𝑜𝑡𝑎𝑙</m:t>
+                        </m:r>
+                        <m:r>
+                          <a:rPr lang="en-US" sz="2800" i="1">
+                            <a:latin typeface="Cambria Math" panose="02040503050406030204" pitchFamily="18" charset="0"/>
+                          </a:rPr>
+                          <m:t> </m:t>
+                        </m:r>
+                        <m:r>
+                          <a:rPr lang="en-US" sz="2800" i="1">
+                            <a:latin typeface="Cambria Math" panose="02040503050406030204" pitchFamily="18" charset="0"/>
+                          </a:rPr>
+                          <m:t>𝑐h𝑎𝑟𝑠</m:t>
+                        </m:r>
+                        <m:r>
+                          <a:rPr lang="en-US" sz="2800" i="1">
+                            <a:latin typeface="Cambria Math" panose="02040503050406030204" pitchFamily="18" charset="0"/>
+                          </a:rPr>
+                          <m:t> </m:t>
+                        </m:r>
+                        <m:r>
+                          <a:rPr lang="en-US" sz="2800" i="1">
+                            <a:latin typeface="Cambria Math" panose="02040503050406030204" pitchFamily="18" charset="0"/>
+                          </a:rPr>
+                          <m:t>𝑖𝑛</m:t>
+                        </m:r>
+                        <m:r>
+                          <a:rPr lang="en-US" sz="2800" i="1">
+                            <a:latin typeface="Cambria Math" panose="02040503050406030204" pitchFamily="18" charset="0"/>
+                          </a:rPr>
+                          <m:t> </m:t>
+                        </m:r>
+                        <m:r>
+                          <a:rPr lang="en-US" sz="2800" i="1">
+                            <a:latin typeface="Cambria Math" panose="02040503050406030204" pitchFamily="18" charset="0"/>
+                          </a:rPr>
+                          <m:t>𝑠𝑡𝑟𝑖𝑛𝑔</m:t>
+                        </m:r>
+                      </m:den>
+                    </m:f>
+                  </m:oMath>
+                </a14:m>
+                <a:endParaRPr lang="en-US" sz="2800" dirty="0" smtClean="0"/>
+              </a:p>
+            </p:txBody>
+          </p:sp>
+        </mc:Choice>
+        <mc:Fallback>
+          <p:sp>
+            <p:nvSpPr>
+              <p:cNvPr id="3" name="Content Placeholder 2">
+                <a:extLst>
+                  <a:ext uri="{FF2B5EF4-FFF2-40B4-BE49-F238E27FC236}">
+                    <a16:creationId xmlns:a16="http://schemas.microsoft.com/office/drawing/2014/main" xmlns="" id="{49BF805F-408E-585C-FCBE-9B0FA5EA3A8C}"/>
+                  </a:ext>
+                </a:extLst>
+              </p:cNvPr>
+              <p:cNvSpPr>
+                <a:spLocks noGrp="1" noRot="1" noChangeAspect="1" noMove="1" noResize="1" noEditPoints="1" noAdjustHandles="1" noChangeArrowheads="1" noChangeShapeType="1" noTextEdit="1"/>
+              </p:cNvSpPr>
+              <p:nvPr>
+                <p:ph idx="1"/>
+              </p:nvPr>
+            </p:nvSpPr>
+            <p:spPr>
+              <a:xfrm>
+                <a:off x="838200" y="1635620"/>
+                <a:ext cx="10515600" cy="4515798"/>
+              </a:xfrm>
+              <a:blipFill rotWithShape="0">
+                <a:blip r:embed="rId2"/>
+                <a:stretch>
+                  <a:fillRect l="-1333" t="-2834"/>
+                </a:stretch>
+              </a:blipFill>
+            </p:spPr>
+            <p:txBody>
+              <a:bodyPr/>
+              <a:lstStyle/>
+              <a:p>
+                <a:r>
+                  <a:rPr lang="en-US">
+                    <a:noFill/>
+                  </a:rPr>
+                  <a:t> </a:t>
+                </a:r>
+              </a:p>
+            </p:txBody>
+          </p:sp>
+        </mc:Fallback>
+      </mc:AlternateContent>
     </p:spTree>
     <p:extLst>
       <p:ext uri="{BB962C8B-B14F-4D97-AF65-F5344CB8AC3E}">

--- a/presentation.pptx
+++ b/presentation.pptx
@@ -795,7 +795,7 @@
           <p:cNvPr id="2" name="Title 1">
             <a:extLst>
               <a:ext uri="{FF2B5EF4-FFF2-40B4-BE49-F238E27FC236}">
-                <a16:creationId xmlns:a16="http://schemas.microsoft.com/office/drawing/2014/main" xmlns="" id="{213A34AA-5E43-435A-A7B7-BCC9F3E207DC}"/>
+                <a16:creationId xmlns="" xmlns:a16="http://schemas.microsoft.com/office/drawing/2014/main" id="{213A34AA-5E43-435A-A7B7-BCC9F3E207DC}"/>
               </a:ext>
             </a:extLst>
           </p:cNvPr>
@@ -832,7 +832,7 @@
           <p:cNvPr id="3" name="Subtitle 2">
             <a:extLst>
               <a:ext uri="{FF2B5EF4-FFF2-40B4-BE49-F238E27FC236}">
-                <a16:creationId xmlns:a16="http://schemas.microsoft.com/office/drawing/2014/main" xmlns="" id="{5F4F9EDB-7F05-4023-B4E0-405F390EA9F3}"/>
+                <a16:creationId xmlns="" xmlns:a16="http://schemas.microsoft.com/office/drawing/2014/main" id="{5F4F9EDB-7F05-4023-B4E0-405F390EA9F3}"/>
               </a:ext>
             </a:extLst>
           </p:cNvPr>
@@ -902,7 +902,7 @@
           <p:cNvPr id="4" name="Date Placeholder 3">
             <a:extLst>
               <a:ext uri="{FF2B5EF4-FFF2-40B4-BE49-F238E27FC236}">
-                <a16:creationId xmlns:a16="http://schemas.microsoft.com/office/drawing/2014/main" xmlns="" id="{F3FF794F-1319-48B1-A178-7CF25CA76618}"/>
+                <a16:creationId xmlns="" xmlns:a16="http://schemas.microsoft.com/office/drawing/2014/main" id="{F3FF794F-1319-48B1-A178-7CF25CA76618}"/>
               </a:ext>
             </a:extLst>
           </p:cNvPr>
@@ -931,7 +931,7 @@
           <p:cNvPr id="5" name="Footer Placeholder 4">
             <a:extLst>
               <a:ext uri="{FF2B5EF4-FFF2-40B4-BE49-F238E27FC236}">
-                <a16:creationId xmlns:a16="http://schemas.microsoft.com/office/drawing/2014/main" xmlns="" id="{AD6F78D6-F2B5-4B62-BD56-CE7B1EE4BFD4}"/>
+                <a16:creationId xmlns="" xmlns:a16="http://schemas.microsoft.com/office/drawing/2014/main" id="{AD6F78D6-F2B5-4B62-BD56-CE7B1EE4BFD4}"/>
               </a:ext>
             </a:extLst>
           </p:cNvPr>
@@ -956,7 +956,7 @@
           <p:cNvPr id="6" name="Slide Number Placeholder 5">
             <a:extLst>
               <a:ext uri="{FF2B5EF4-FFF2-40B4-BE49-F238E27FC236}">
-                <a16:creationId xmlns:a16="http://schemas.microsoft.com/office/drawing/2014/main" xmlns="" id="{7B5ED8BB-7569-424A-BB8B-F7DB6CD610AF}"/>
+                <a16:creationId xmlns="" xmlns:a16="http://schemas.microsoft.com/office/drawing/2014/main" id="{7B5ED8BB-7569-424A-BB8B-F7DB6CD610AF}"/>
               </a:ext>
             </a:extLst>
           </p:cNvPr>
@@ -1015,7 +1015,7 @@
           <p:cNvPr id="2" name="Title 1">
             <a:extLst>
               <a:ext uri="{FF2B5EF4-FFF2-40B4-BE49-F238E27FC236}">
-                <a16:creationId xmlns:a16="http://schemas.microsoft.com/office/drawing/2014/main" xmlns="" id="{674061D1-01DA-4CF4-ADFD-4320CF9A1AC2}"/>
+                <a16:creationId xmlns="" xmlns:a16="http://schemas.microsoft.com/office/drawing/2014/main" id="{674061D1-01DA-4CF4-ADFD-4320CF9A1AC2}"/>
               </a:ext>
             </a:extLst>
           </p:cNvPr>
@@ -1043,7 +1043,7 @@
           <p:cNvPr id="3" name="Vertical Text Placeholder 2">
             <a:extLst>
               <a:ext uri="{FF2B5EF4-FFF2-40B4-BE49-F238E27FC236}">
-                <a16:creationId xmlns:a16="http://schemas.microsoft.com/office/drawing/2014/main" xmlns="" id="{72FADD50-F22E-4FF0-8992-4446F74924B0}"/>
+                <a16:creationId xmlns="" xmlns:a16="http://schemas.microsoft.com/office/drawing/2014/main" id="{72FADD50-F22E-4FF0-8992-4446F74924B0}"/>
               </a:ext>
             </a:extLst>
           </p:cNvPr>
@@ -1100,7 +1100,7 @@
           <p:cNvPr id="4" name="Date Placeholder 3">
             <a:extLst>
               <a:ext uri="{FF2B5EF4-FFF2-40B4-BE49-F238E27FC236}">
-                <a16:creationId xmlns:a16="http://schemas.microsoft.com/office/drawing/2014/main" xmlns="" id="{4FD568AB-3774-460A-9993-F8C912398DEE}"/>
+                <a16:creationId xmlns="" xmlns:a16="http://schemas.microsoft.com/office/drawing/2014/main" id="{4FD568AB-3774-460A-9993-F8C912398DEE}"/>
               </a:ext>
             </a:extLst>
           </p:cNvPr>
@@ -1129,7 +1129,7 @@
           <p:cNvPr id="5" name="Footer Placeholder 4">
             <a:extLst>
               <a:ext uri="{FF2B5EF4-FFF2-40B4-BE49-F238E27FC236}">
-                <a16:creationId xmlns:a16="http://schemas.microsoft.com/office/drawing/2014/main" xmlns="" id="{26595190-64E7-44FA-8F10-C4B9CE118C7C}"/>
+                <a16:creationId xmlns="" xmlns:a16="http://schemas.microsoft.com/office/drawing/2014/main" id="{26595190-64E7-44FA-8F10-C4B9CE118C7C}"/>
               </a:ext>
             </a:extLst>
           </p:cNvPr>
@@ -1154,7 +1154,7 @@
           <p:cNvPr id="6" name="Slide Number Placeholder 5">
             <a:extLst>
               <a:ext uri="{FF2B5EF4-FFF2-40B4-BE49-F238E27FC236}">
-                <a16:creationId xmlns:a16="http://schemas.microsoft.com/office/drawing/2014/main" xmlns="" id="{1269AE7E-E85B-4C0C-9F9F-4A9E512A8DD4}"/>
+                <a16:creationId xmlns="" xmlns:a16="http://schemas.microsoft.com/office/drawing/2014/main" id="{1269AE7E-E85B-4C0C-9F9F-4A9E512A8DD4}"/>
               </a:ext>
             </a:extLst>
           </p:cNvPr>
@@ -1213,7 +1213,7 @@
           <p:cNvPr id="2" name="Vertical Title 1">
             <a:extLst>
               <a:ext uri="{FF2B5EF4-FFF2-40B4-BE49-F238E27FC236}">
-                <a16:creationId xmlns:a16="http://schemas.microsoft.com/office/drawing/2014/main" xmlns="" id="{75F13DAB-B72E-415D-AB8E-CE29234F5655}"/>
+                <a16:creationId xmlns="" xmlns:a16="http://schemas.microsoft.com/office/drawing/2014/main" id="{75F13DAB-B72E-415D-AB8E-CE29234F5655}"/>
               </a:ext>
             </a:extLst>
           </p:cNvPr>
@@ -1246,7 +1246,7 @@
           <p:cNvPr id="3" name="Vertical Text Placeholder 2">
             <a:extLst>
               <a:ext uri="{FF2B5EF4-FFF2-40B4-BE49-F238E27FC236}">
-                <a16:creationId xmlns:a16="http://schemas.microsoft.com/office/drawing/2014/main" xmlns="" id="{8A678E1E-5EB3-48CE-A09B-F57E17B5BA50}"/>
+                <a16:creationId xmlns="" xmlns:a16="http://schemas.microsoft.com/office/drawing/2014/main" id="{8A678E1E-5EB3-48CE-A09B-F57E17B5BA50}"/>
               </a:ext>
             </a:extLst>
           </p:cNvPr>
@@ -1308,7 +1308,7 @@
           <p:cNvPr id="4" name="Date Placeholder 3">
             <a:extLst>
               <a:ext uri="{FF2B5EF4-FFF2-40B4-BE49-F238E27FC236}">
-                <a16:creationId xmlns:a16="http://schemas.microsoft.com/office/drawing/2014/main" xmlns="" id="{0B724926-44BF-43CC-984F-83B2B3ABCB87}"/>
+                <a16:creationId xmlns="" xmlns:a16="http://schemas.microsoft.com/office/drawing/2014/main" id="{0B724926-44BF-43CC-984F-83B2B3ABCB87}"/>
               </a:ext>
             </a:extLst>
           </p:cNvPr>
@@ -1337,7 +1337,7 @@
           <p:cNvPr id="5" name="Footer Placeholder 4">
             <a:extLst>
               <a:ext uri="{FF2B5EF4-FFF2-40B4-BE49-F238E27FC236}">
-                <a16:creationId xmlns:a16="http://schemas.microsoft.com/office/drawing/2014/main" xmlns="" id="{5F3EF2D1-473B-44ED-BC3D-63CE7CEE9F7B}"/>
+                <a16:creationId xmlns="" xmlns:a16="http://schemas.microsoft.com/office/drawing/2014/main" id="{5F3EF2D1-473B-44ED-BC3D-63CE7CEE9F7B}"/>
               </a:ext>
             </a:extLst>
           </p:cNvPr>
@@ -1362,7 +1362,7 @@
           <p:cNvPr id="6" name="Slide Number Placeholder 5">
             <a:extLst>
               <a:ext uri="{FF2B5EF4-FFF2-40B4-BE49-F238E27FC236}">
-                <a16:creationId xmlns:a16="http://schemas.microsoft.com/office/drawing/2014/main" xmlns="" id="{E5835003-389E-431A-BBE3-43DD45A54185}"/>
+                <a16:creationId xmlns="" xmlns:a16="http://schemas.microsoft.com/office/drawing/2014/main" id="{E5835003-389E-431A-BBE3-43DD45A54185}"/>
               </a:ext>
             </a:extLst>
           </p:cNvPr>
@@ -1421,7 +1421,7 @@
           <p:cNvPr id="2" name="Title 1">
             <a:extLst>
               <a:ext uri="{FF2B5EF4-FFF2-40B4-BE49-F238E27FC236}">
-                <a16:creationId xmlns:a16="http://schemas.microsoft.com/office/drawing/2014/main" xmlns="" id="{5452D5BD-C1DF-4673-AD18-9028F79FC53C}"/>
+                <a16:creationId xmlns="" xmlns:a16="http://schemas.microsoft.com/office/drawing/2014/main" id="{5452D5BD-C1DF-4673-AD18-9028F79FC53C}"/>
               </a:ext>
             </a:extLst>
           </p:cNvPr>
@@ -1460,7 +1460,7 @@
           <p:cNvPr id="3" name="Content Placeholder 2">
             <a:extLst>
               <a:ext uri="{FF2B5EF4-FFF2-40B4-BE49-F238E27FC236}">
-                <a16:creationId xmlns:a16="http://schemas.microsoft.com/office/drawing/2014/main" xmlns="" id="{872F80AF-00BC-4B52-99D4-8FCA3A097FC0}"/>
+                <a16:creationId xmlns="" xmlns:a16="http://schemas.microsoft.com/office/drawing/2014/main" id="{872F80AF-00BC-4B52-99D4-8FCA3A097FC0}"/>
               </a:ext>
             </a:extLst>
           </p:cNvPr>
@@ -1517,7 +1517,7 @@
           <p:cNvPr id="4" name="Date Placeholder 3">
             <a:extLst>
               <a:ext uri="{FF2B5EF4-FFF2-40B4-BE49-F238E27FC236}">
-                <a16:creationId xmlns:a16="http://schemas.microsoft.com/office/drawing/2014/main" xmlns="" id="{0292E782-6B5B-40FC-91C1-A2D12D0D9806}"/>
+                <a16:creationId xmlns="" xmlns:a16="http://schemas.microsoft.com/office/drawing/2014/main" id="{0292E782-6B5B-40FC-91C1-A2D12D0D9806}"/>
               </a:ext>
             </a:extLst>
           </p:cNvPr>
@@ -1546,7 +1546,7 @@
           <p:cNvPr id="5" name="Footer Placeholder 4">
             <a:extLst>
               <a:ext uri="{FF2B5EF4-FFF2-40B4-BE49-F238E27FC236}">
-                <a16:creationId xmlns:a16="http://schemas.microsoft.com/office/drawing/2014/main" xmlns="" id="{E22C71DF-7E1C-480A-9F46-C30FE13A6F29}"/>
+                <a16:creationId xmlns="" xmlns:a16="http://schemas.microsoft.com/office/drawing/2014/main" id="{E22C71DF-7E1C-480A-9F46-C30FE13A6F29}"/>
               </a:ext>
             </a:extLst>
           </p:cNvPr>
@@ -1571,7 +1571,7 @@
           <p:cNvPr id="6" name="Slide Number Placeholder 5">
             <a:extLst>
               <a:ext uri="{FF2B5EF4-FFF2-40B4-BE49-F238E27FC236}">
-                <a16:creationId xmlns:a16="http://schemas.microsoft.com/office/drawing/2014/main" xmlns="" id="{7BDBEA1F-7D89-4993-B0E2-EBEF464F47BA}"/>
+                <a16:creationId xmlns="" xmlns:a16="http://schemas.microsoft.com/office/drawing/2014/main" id="{7BDBEA1F-7D89-4993-B0E2-EBEF464F47BA}"/>
               </a:ext>
             </a:extLst>
           </p:cNvPr>
@@ -1600,7 +1600,7 @@
           <p:cNvPr id="7" name="Straight Connector 6">
             <a:extLst>
               <a:ext uri="{FF2B5EF4-FFF2-40B4-BE49-F238E27FC236}">
-                <a16:creationId xmlns:a16="http://schemas.microsoft.com/office/drawing/2014/main" xmlns="" id="{1FFB6EB9-9B8F-2375-C5BD-AD79DF4E3AD2}"/>
+                <a16:creationId xmlns="" xmlns:a16="http://schemas.microsoft.com/office/drawing/2014/main" id="{1FFB6EB9-9B8F-2375-C5BD-AD79DF4E3AD2}"/>
               </a:ext>
             </a:extLst>
           </p:cNvPr>
@@ -1674,7 +1674,7 @@
           <p:cNvPr id="2" name="Title 1">
             <a:extLst>
               <a:ext uri="{FF2B5EF4-FFF2-40B4-BE49-F238E27FC236}">
-                <a16:creationId xmlns:a16="http://schemas.microsoft.com/office/drawing/2014/main" xmlns="" id="{DE75824E-C687-48A0-9A3C-B8705386EAF9}"/>
+                <a16:creationId xmlns="" xmlns:a16="http://schemas.microsoft.com/office/drawing/2014/main" id="{DE75824E-C687-48A0-9A3C-B8705386EAF9}"/>
               </a:ext>
             </a:extLst>
           </p:cNvPr>
@@ -1711,7 +1711,7 @@
           <p:cNvPr id="3" name="Text Placeholder 2">
             <a:extLst>
               <a:ext uri="{FF2B5EF4-FFF2-40B4-BE49-F238E27FC236}">
-                <a16:creationId xmlns:a16="http://schemas.microsoft.com/office/drawing/2014/main" xmlns="" id="{0D1B597D-16B1-4C13-8406-A9E5AFB4CCAD}"/>
+                <a16:creationId xmlns="" xmlns:a16="http://schemas.microsoft.com/office/drawing/2014/main" id="{0D1B597D-16B1-4C13-8406-A9E5AFB4CCAD}"/>
               </a:ext>
             </a:extLst>
           </p:cNvPr>
@@ -1836,7 +1836,7 @@
           <p:cNvPr id="4" name="Date Placeholder 3">
             <a:extLst>
               <a:ext uri="{FF2B5EF4-FFF2-40B4-BE49-F238E27FC236}">
-                <a16:creationId xmlns:a16="http://schemas.microsoft.com/office/drawing/2014/main" xmlns="" id="{E3A81C5D-813E-43A4-BA6C-1E3E5035FC73}"/>
+                <a16:creationId xmlns="" xmlns:a16="http://schemas.microsoft.com/office/drawing/2014/main" id="{E3A81C5D-813E-43A4-BA6C-1E3E5035FC73}"/>
               </a:ext>
             </a:extLst>
           </p:cNvPr>
@@ -1865,7 +1865,7 @@
           <p:cNvPr id="5" name="Footer Placeholder 4">
             <a:extLst>
               <a:ext uri="{FF2B5EF4-FFF2-40B4-BE49-F238E27FC236}">
-                <a16:creationId xmlns:a16="http://schemas.microsoft.com/office/drawing/2014/main" xmlns="" id="{5EA3CFD6-6559-4140-B76A-09E4BE83C8B5}"/>
+                <a16:creationId xmlns="" xmlns:a16="http://schemas.microsoft.com/office/drawing/2014/main" id="{5EA3CFD6-6559-4140-B76A-09E4BE83C8B5}"/>
               </a:ext>
             </a:extLst>
           </p:cNvPr>
@@ -1890,7 +1890,7 @@
           <p:cNvPr id="6" name="Slide Number Placeholder 5">
             <a:extLst>
               <a:ext uri="{FF2B5EF4-FFF2-40B4-BE49-F238E27FC236}">
-                <a16:creationId xmlns:a16="http://schemas.microsoft.com/office/drawing/2014/main" xmlns="" id="{ECDA1549-12AC-4059-A8F6-0D84C0707D1F}"/>
+                <a16:creationId xmlns="" xmlns:a16="http://schemas.microsoft.com/office/drawing/2014/main" id="{ECDA1549-12AC-4059-A8F6-0D84C0707D1F}"/>
               </a:ext>
             </a:extLst>
           </p:cNvPr>
@@ -1949,7 +1949,7 @@
           <p:cNvPr id="2" name="Title 1">
             <a:extLst>
               <a:ext uri="{FF2B5EF4-FFF2-40B4-BE49-F238E27FC236}">
-                <a16:creationId xmlns:a16="http://schemas.microsoft.com/office/drawing/2014/main" xmlns="" id="{A60BC9F5-576E-42DE-B055-199083CAF103}"/>
+                <a16:creationId xmlns="" xmlns:a16="http://schemas.microsoft.com/office/drawing/2014/main" id="{A60BC9F5-576E-42DE-B055-199083CAF103}"/>
               </a:ext>
             </a:extLst>
           </p:cNvPr>
@@ -1977,7 +1977,7 @@
           <p:cNvPr id="3" name="Content Placeholder 2">
             <a:extLst>
               <a:ext uri="{FF2B5EF4-FFF2-40B4-BE49-F238E27FC236}">
-                <a16:creationId xmlns:a16="http://schemas.microsoft.com/office/drawing/2014/main" xmlns="" id="{71A3C86C-66B7-4437-B8FF-5BA1B3B63C63}"/>
+                <a16:creationId xmlns="" xmlns:a16="http://schemas.microsoft.com/office/drawing/2014/main" id="{71A3C86C-66B7-4437-B8FF-5BA1B3B63C63}"/>
               </a:ext>
             </a:extLst>
           </p:cNvPr>
@@ -2039,7 +2039,7 @@
           <p:cNvPr id="4" name="Content Placeholder 3">
             <a:extLst>
               <a:ext uri="{FF2B5EF4-FFF2-40B4-BE49-F238E27FC236}">
-                <a16:creationId xmlns:a16="http://schemas.microsoft.com/office/drawing/2014/main" xmlns="" id="{92959486-1032-47F9-84F0-2B4B46D772F0}"/>
+                <a16:creationId xmlns="" xmlns:a16="http://schemas.microsoft.com/office/drawing/2014/main" id="{92959486-1032-47F9-84F0-2B4B46D772F0}"/>
               </a:ext>
             </a:extLst>
           </p:cNvPr>
@@ -2101,7 +2101,7 @@
           <p:cNvPr id="5" name="Date Placeholder 4">
             <a:extLst>
               <a:ext uri="{FF2B5EF4-FFF2-40B4-BE49-F238E27FC236}">
-                <a16:creationId xmlns:a16="http://schemas.microsoft.com/office/drawing/2014/main" xmlns="" id="{A6D883F3-47AF-45FD-9291-206A04A5F7EA}"/>
+                <a16:creationId xmlns="" xmlns:a16="http://schemas.microsoft.com/office/drawing/2014/main" id="{A6D883F3-47AF-45FD-9291-206A04A5F7EA}"/>
               </a:ext>
             </a:extLst>
           </p:cNvPr>
@@ -2130,7 +2130,7 @@
           <p:cNvPr id="6" name="Footer Placeholder 5">
             <a:extLst>
               <a:ext uri="{FF2B5EF4-FFF2-40B4-BE49-F238E27FC236}">
-                <a16:creationId xmlns:a16="http://schemas.microsoft.com/office/drawing/2014/main" xmlns="" id="{69F8164B-C772-4EB8-94A2-C24897BD216C}"/>
+                <a16:creationId xmlns="" xmlns:a16="http://schemas.microsoft.com/office/drawing/2014/main" id="{69F8164B-C772-4EB8-94A2-C24897BD216C}"/>
               </a:ext>
             </a:extLst>
           </p:cNvPr>
@@ -2155,7 +2155,7 @@
           <p:cNvPr id="7" name="Slide Number Placeholder 6">
             <a:extLst>
               <a:ext uri="{FF2B5EF4-FFF2-40B4-BE49-F238E27FC236}">
-                <a16:creationId xmlns:a16="http://schemas.microsoft.com/office/drawing/2014/main" xmlns="" id="{40170100-5C66-4772-A280-A70E353823C6}"/>
+                <a16:creationId xmlns="" xmlns:a16="http://schemas.microsoft.com/office/drawing/2014/main" id="{40170100-5C66-4772-A280-A70E353823C6}"/>
               </a:ext>
             </a:extLst>
           </p:cNvPr>
@@ -2214,7 +2214,7 @@
           <p:cNvPr id="2" name="Title 1">
             <a:extLst>
               <a:ext uri="{FF2B5EF4-FFF2-40B4-BE49-F238E27FC236}">
-                <a16:creationId xmlns:a16="http://schemas.microsoft.com/office/drawing/2014/main" xmlns="" id="{01235673-6FE8-45A3-A361-B5F5F1F3C486}"/>
+                <a16:creationId xmlns="" xmlns:a16="http://schemas.microsoft.com/office/drawing/2014/main" id="{01235673-6FE8-45A3-A361-B5F5F1F3C486}"/>
               </a:ext>
             </a:extLst>
           </p:cNvPr>
@@ -2247,7 +2247,7 @@
           <p:cNvPr id="3" name="Text Placeholder 2">
             <a:extLst>
               <a:ext uri="{FF2B5EF4-FFF2-40B4-BE49-F238E27FC236}">
-                <a16:creationId xmlns:a16="http://schemas.microsoft.com/office/drawing/2014/main" xmlns="" id="{68B14653-79B1-4EDB-B3DB-60E1A37667C1}"/>
+                <a16:creationId xmlns="" xmlns:a16="http://schemas.microsoft.com/office/drawing/2014/main" id="{68B14653-79B1-4EDB-B3DB-60E1A37667C1}"/>
               </a:ext>
             </a:extLst>
           </p:cNvPr>
@@ -2318,7 +2318,7 @@
           <p:cNvPr id="4" name="Content Placeholder 3">
             <a:extLst>
               <a:ext uri="{FF2B5EF4-FFF2-40B4-BE49-F238E27FC236}">
-                <a16:creationId xmlns:a16="http://schemas.microsoft.com/office/drawing/2014/main" xmlns="" id="{0AC4CE1B-FA0F-4FED-AF46-75720527F96D}"/>
+                <a16:creationId xmlns="" xmlns:a16="http://schemas.microsoft.com/office/drawing/2014/main" id="{0AC4CE1B-FA0F-4FED-AF46-75720527F96D}"/>
               </a:ext>
             </a:extLst>
           </p:cNvPr>
@@ -2380,7 +2380,7 @@
           <p:cNvPr id="5" name="Text Placeholder 4">
             <a:extLst>
               <a:ext uri="{FF2B5EF4-FFF2-40B4-BE49-F238E27FC236}">
-                <a16:creationId xmlns:a16="http://schemas.microsoft.com/office/drawing/2014/main" xmlns="" id="{C928A86F-6541-41F4-8141-0E5397B6BFB2}"/>
+                <a16:creationId xmlns="" xmlns:a16="http://schemas.microsoft.com/office/drawing/2014/main" id="{C928A86F-6541-41F4-8141-0E5397B6BFB2}"/>
               </a:ext>
             </a:extLst>
           </p:cNvPr>
@@ -2451,7 +2451,7 @@
           <p:cNvPr id="6" name="Content Placeholder 5">
             <a:extLst>
               <a:ext uri="{FF2B5EF4-FFF2-40B4-BE49-F238E27FC236}">
-                <a16:creationId xmlns:a16="http://schemas.microsoft.com/office/drawing/2014/main" xmlns="" id="{4F930E6C-8D3B-46FB-8D9D-CAB40E0DBFD1}"/>
+                <a16:creationId xmlns="" xmlns:a16="http://schemas.microsoft.com/office/drawing/2014/main" id="{4F930E6C-8D3B-46FB-8D9D-CAB40E0DBFD1}"/>
               </a:ext>
             </a:extLst>
           </p:cNvPr>
@@ -2513,7 +2513,7 @@
           <p:cNvPr id="7" name="Date Placeholder 6">
             <a:extLst>
               <a:ext uri="{FF2B5EF4-FFF2-40B4-BE49-F238E27FC236}">
-                <a16:creationId xmlns:a16="http://schemas.microsoft.com/office/drawing/2014/main" xmlns="" id="{DC999066-0E0E-4AB1-A82D-0A337EFBA275}"/>
+                <a16:creationId xmlns="" xmlns:a16="http://schemas.microsoft.com/office/drawing/2014/main" id="{DC999066-0E0E-4AB1-A82D-0A337EFBA275}"/>
               </a:ext>
             </a:extLst>
           </p:cNvPr>
@@ -2542,7 +2542,7 @@
           <p:cNvPr id="8" name="Footer Placeholder 7">
             <a:extLst>
               <a:ext uri="{FF2B5EF4-FFF2-40B4-BE49-F238E27FC236}">
-                <a16:creationId xmlns:a16="http://schemas.microsoft.com/office/drawing/2014/main" xmlns="" id="{8C1085FD-2875-4547-BCA9-0A7C3025B8E1}"/>
+                <a16:creationId xmlns="" xmlns:a16="http://schemas.microsoft.com/office/drawing/2014/main" id="{8C1085FD-2875-4547-BCA9-0A7C3025B8E1}"/>
               </a:ext>
             </a:extLst>
           </p:cNvPr>
@@ -2567,7 +2567,7 @@
           <p:cNvPr id="9" name="Slide Number Placeholder 8">
             <a:extLst>
               <a:ext uri="{FF2B5EF4-FFF2-40B4-BE49-F238E27FC236}">
-                <a16:creationId xmlns:a16="http://schemas.microsoft.com/office/drawing/2014/main" xmlns="" id="{4DC75EAD-6B1A-402D-8ABC-2B209FEC6432}"/>
+                <a16:creationId xmlns="" xmlns:a16="http://schemas.microsoft.com/office/drawing/2014/main" id="{4DC75EAD-6B1A-402D-8ABC-2B209FEC6432}"/>
               </a:ext>
             </a:extLst>
           </p:cNvPr>
@@ -2626,7 +2626,7 @@
           <p:cNvPr id="2" name="Title 1">
             <a:extLst>
               <a:ext uri="{FF2B5EF4-FFF2-40B4-BE49-F238E27FC236}">
-                <a16:creationId xmlns:a16="http://schemas.microsoft.com/office/drawing/2014/main" xmlns="" id="{0AEEC28D-2A24-4691-8B5E-BD2FAB5F770A}"/>
+                <a16:creationId xmlns="" xmlns:a16="http://schemas.microsoft.com/office/drawing/2014/main" id="{0AEEC28D-2A24-4691-8B5E-BD2FAB5F770A}"/>
               </a:ext>
             </a:extLst>
           </p:cNvPr>
@@ -2654,7 +2654,7 @@
           <p:cNvPr id="3" name="Date Placeholder 2">
             <a:extLst>
               <a:ext uri="{FF2B5EF4-FFF2-40B4-BE49-F238E27FC236}">
-                <a16:creationId xmlns:a16="http://schemas.microsoft.com/office/drawing/2014/main" xmlns="" id="{991570B2-8C27-4ABF-80B6-B55E4708B792}"/>
+                <a16:creationId xmlns="" xmlns:a16="http://schemas.microsoft.com/office/drawing/2014/main" id="{991570B2-8C27-4ABF-80B6-B55E4708B792}"/>
               </a:ext>
             </a:extLst>
           </p:cNvPr>
@@ -2683,7 +2683,7 @@
           <p:cNvPr id="4" name="Footer Placeholder 3">
             <a:extLst>
               <a:ext uri="{FF2B5EF4-FFF2-40B4-BE49-F238E27FC236}">
-                <a16:creationId xmlns:a16="http://schemas.microsoft.com/office/drawing/2014/main" xmlns="" id="{1A3935D8-1AD9-4C98-A851-5552255BE606}"/>
+                <a16:creationId xmlns="" xmlns:a16="http://schemas.microsoft.com/office/drawing/2014/main" id="{1A3935D8-1AD9-4C98-A851-5552255BE606}"/>
               </a:ext>
             </a:extLst>
           </p:cNvPr>
@@ -2708,7 +2708,7 @@
           <p:cNvPr id="5" name="Slide Number Placeholder 4">
             <a:extLst>
               <a:ext uri="{FF2B5EF4-FFF2-40B4-BE49-F238E27FC236}">
-                <a16:creationId xmlns:a16="http://schemas.microsoft.com/office/drawing/2014/main" xmlns="" id="{60CC3E2B-319D-4F7D-AAE1-90F625AE016C}"/>
+                <a16:creationId xmlns="" xmlns:a16="http://schemas.microsoft.com/office/drawing/2014/main" id="{60CC3E2B-319D-4F7D-AAE1-90F625AE016C}"/>
               </a:ext>
             </a:extLst>
           </p:cNvPr>
@@ -2767,7 +2767,7 @@
           <p:cNvPr id="2" name="Date Placeholder 1">
             <a:extLst>
               <a:ext uri="{FF2B5EF4-FFF2-40B4-BE49-F238E27FC236}">
-                <a16:creationId xmlns:a16="http://schemas.microsoft.com/office/drawing/2014/main" xmlns="" id="{1A5AA1FD-5E00-4D00-8C52-C127D7954892}"/>
+                <a16:creationId xmlns="" xmlns:a16="http://schemas.microsoft.com/office/drawing/2014/main" id="{1A5AA1FD-5E00-4D00-8C52-C127D7954892}"/>
               </a:ext>
             </a:extLst>
           </p:cNvPr>
@@ -2796,7 +2796,7 @@
           <p:cNvPr id="3" name="Footer Placeholder 2">
             <a:extLst>
               <a:ext uri="{FF2B5EF4-FFF2-40B4-BE49-F238E27FC236}">
-                <a16:creationId xmlns:a16="http://schemas.microsoft.com/office/drawing/2014/main" xmlns="" id="{9C406108-9619-49A5-AF84-495EFEBEA696}"/>
+                <a16:creationId xmlns="" xmlns:a16="http://schemas.microsoft.com/office/drawing/2014/main" id="{9C406108-9619-49A5-AF84-495EFEBEA696}"/>
               </a:ext>
             </a:extLst>
           </p:cNvPr>
@@ -2821,7 +2821,7 @@
           <p:cNvPr id="4" name="Slide Number Placeholder 3">
             <a:extLst>
               <a:ext uri="{FF2B5EF4-FFF2-40B4-BE49-F238E27FC236}">
-                <a16:creationId xmlns:a16="http://schemas.microsoft.com/office/drawing/2014/main" xmlns="" id="{1B813436-D426-492A-9226-0920D5CFE042}"/>
+                <a16:creationId xmlns="" xmlns:a16="http://schemas.microsoft.com/office/drawing/2014/main" id="{1B813436-D426-492A-9226-0920D5CFE042}"/>
               </a:ext>
             </a:extLst>
           </p:cNvPr>
@@ -2880,7 +2880,7 @@
           <p:cNvPr id="2" name="Title 1">
             <a:extLst>
               <a:ext uri="{FF2B5EF4-FFF2-40B4-BE49-F238E27FC236}">
-                <a16:creationId xmlns:a16="http://schemas.microsoft.com/office/drawing/2014/main" xmlns="" id="{D967986A-6145-42DA-B61A-658219270C61}"/>
+                <a16:creationId xmlns="" xmlns:a16="http://schemas.microsoft.com/office/drawing/2014/main" id="{D967986A-6145-42DA-B61A-658219270C61}"/>
               </a:ext>
             </a:extLst>
           </p:cNvPr>
@@ -2917,7 +2917,7 @@
           <p:cNvPr id="3" name="Content Placeholder 2">
             <a:extLst>
               <a:ext uri="{FF2B5EF4-FFF2-40B4-BE49-F238E27FC236}">
-                <a16:creationId xmlns:a16="http://schemas.microsoft.com/office/drawing/2014/main" xmlns="" id="{738B42C9-4D21-4D87-A4D6-B69D502D7A18}"/>
+                <a16:creationId xmlns="" xmlns:a16="http://schemas.microsoft.com/office/drawing/2014/main" id="{738B42C9-4D21-4D87-A4D6-B69D502D7A18}"/>
               </a:ext>
             </a:extLst>
           </p:cNvPr>
@@ -3007,7 +3007,7 @@
           <p:cNvPr id="4" name="Text Placeholder 3">
             <a:extLst>
               <a:ext uri="{FF2B5EF4-FFF2-40B4-BE49-F238E27FC236}">
-                <a16:creationId xmlns:a16="http://schemas.microsoft.com/office/drawing/2014/main" xmlns="" id="{2B7D580D-8BBE-4840-A34B-6929FF0BB154}"/>
+                <a16:creationId xmlns="" xmlns:a16="http://schemas.microsoft.com/office/drawing/2014/main" id="{2B7D580D-8BBE-4840-A34B-6929FF0BB154}"/>
               </a:ext>
             </a:extLst>
           </p:cNvPr>
@@ -3078,7 +3078,7 @@
           <p:cNvPr id="5" name="Date Placeholder 4">
             <a:extLst>
               <a:ext uri="{FF2B5EF4-FFF2-40B4-BE49-F238E27FC236}">
-                <a16:creationId xmlns:a16="http://schemas.microsoft.com/office/drawing/2014/main" xmlns="" id="{2F107C27-AD4E-4D6F-AEF2-D527DBBB420E}"/>
+                <a16:creationId xmlns="" xmlns:a16="http://schemas.microsoft.com/office/drawing/2014/main" id="{2F107C27-AD4E-4D6F-AEF2-D527DBBB420E}"/>
               </a:ext>
             </a:extLst>
           </p:cNvPr>
@@ -3107,7 +3107,7 @@
           <p:cNvPr id="6" name="Footer Placeholder 5">
             <a:extLst>
               <a:ext uri="{FF2B5EF4-FFF2-40B4-BE49-F238E27FC236}">
-                <a16:creationId xmlns:a16="http://schemas.microsoft.com/office/drawing/2014/main" xmlns="" id="{1C73A189-BE23-44B5-AF70-7A5849D8877C}"/>
+                <a16:creationId xmlns="" xmlns:a16="http://schemas.microsoft.com/office/drawing/2014/main" id="{1C73A189-BE23-44B5-AF70-7A5849D8877C}"/>
               </a:ext>
             </a:extLst>
           </p:cNvPr>
@@ -3132,7 +3132,7 @@
           <p:cNvPr id="7" name="Slide Number Placeholder 6">
             <a:extLst>
               <a:ext uri="{FF2B5EF4-FFF2-40B4-BE49-F238E27FC236}">
-                <a16:creationId xmlns:a16="http://schemas.microsoft.com/office/drawing/2014/main" xmlns="" id="{3D5B1BE8-EA4A-445C-A2AB-FD678F21B492}"/>
+                <a16:creationId xmlns="" xmlns:a16="http://schemas.microsoft.com/office/drawing/2014/main" id="{3D5B1BE8-EA4A-445C-A2AB-FD678F21B492}"/>
               </a:ext>
             </a:extLst>
           </p:cNvPr>
@@ -3191,7 +3191,7 @@
           <p:cNvPr id="2" name="Title 1">
             <a:extLst>
               <a:ext uri="{FF2B5EF4-FFF2-40B4-BE49-F238E27FC236}">
-                <a16:creationId xmlns:a16="http://schemas.microsoft.com/office/drawing/2014/main" xmlns="" id="{205B61B1-267A-4FA9-B3C7-F1D55E48384B}"/>
+                <a16:creationId xmlns="" xmlns:a16="http://schemas.microsoft.com/office/drawing/2014/main" id="{205B61B1-267A-4FA9-B3C7-F1D55E48384B}"/>
               </a:ext>
             </a:extLst>
           </p:cNvPr>
@@ -3228,7 +3228,7 @@
           <p:cNvPr id="3" name="Picture Placeholder 2">
             <a:extLst>
               <a:ext uri="{FF2B5EF4-FFF2-40B4-BE49-F238E27FC236}">
-                <a16:creationId xmlns:a16="http://schemas.microsoft.com/office/drawing/2014/main" xmlns="" id="{1CB2FD67-EFF8-4BC3-850D-BA1B1B8085F9}"/>
+                <a16:creationId xmlns="" xmlns:a16="http://schemas.microsoft.com/office/drawing/2014/main" id="{1CB2FD67-EFF8-4BC3-850D-BA1B1B8085F9}"/>
               </a:ext>
             </a:extLst>
           </p:cNvPr>
@@ -3295,7 +3295,7 @@
           <p:cNvPr id="4" name="Text Placeholder 3">
             <a:extLst>
               <a:ext uri="{FF2B5EF4-FFF2-40B4-BE49-F238E27FC236}">
-                <a16:creationId xmlns:a16="http://schemas.microsoft.com/office/drawing/2014/main" xmlns="" id="{8F0F29B7-6DD9-4959-8D89-D8A87F449619}"/>
+                <a16:creationId xmlns="" xmlns:a16="http://schemas.microsoft.com/office/drawing/2014/main" id="{8F0F29B7-6DD9-4959-8D89-D8A87F449619}"/>
               </a:ext>
             </a:extLst>
           </p:cNvPr>
@@ -3366,7 +3366,7 @@
           <p:cNvPr id="5" name="Date Placeholder 4">
             <a:extLst>
               <a:ext uri="{FF2B5EF4-FFF2-40B4-BE49-F238E27FC236}">
-                <a16:creationId xmlns:a16="http://schemas.microsoft.com/office/drawing/2014/main" xmlns="" id="{C0F50D6A-6AB5-493A-99F8-5BD7085BB2FC}"/>
+                <a16:creationId xmlns="" xmlns:a16="http://schemas.microsoft.com/office/drawing/2014/main" id="{C0F50D6A-6AB5-493A-99F8-5BD7085BB2FC}"/>
               </a:ext>
             </a:extLst>
           </p:cNvPr>
@@ -3395,7 +3395,7 @@
           <p:cNvPr id="6" name="Footer Placeholder 5">
             <a:extLst>
               <a:ext uri="{FF2B5EF4-FFF2-40B4-BE49-F238E27FC236}">
-                <a16:creationId xmlns:a16="http://schemas.microsoft.com/office/drawing/2014/main" xmlns="" id="{B5DDB1B5-62DF-4E2C-8AB0-9B77899B0C5B}"/>
+                <a16:creationId xmlns="" xmlns:a16="http://schemas.microsoft.com/office/drawing/2014/main" id="{B5DDB1B5-62DF-4E2C-8AB0-9B77899B0C5B}"/>
               </a:ext>
             </a:extLst>
           </p:cNvPr>
@@ -3420,7 +3420,7 @@
           <p:cNvPr id="7" name="Slide Number Placeholder 6">
             <a:extLst>
               <a:ext uri="{FF2B5EF4-FFF2-40B4-BE49-F238E27FC236}">
-                <a16:creationId xmlns:a16="http://schemas.microsoft.com/office/drawing/2014/main" xmlns="" id="{D70A59F4-0C5E-4F23-B69C-A3C9F776BEE2}"/>
+                <a16:creationId xmlns="" xmlns:a16="http://schemas.microsoft.com/office/drawing/2014/main" id="{D70A59F4-0C5E-4F23-B69C-A3C9F776BEE2}"/>
               </a:ext>
             </a:extLst>
           </p:cNvPr>
@@ -3484,7 +3484,7 @@
           <p:cNvPr id="2" name="Title Placeholder 1">
             <a:extLst>
               <a:ext uri="{FF2B5EF4-FFF2-40B4-BE49-F238E27FC236}">
-                <a16:creationId xmlns:a16="http://schemas.microsoft.com/office/drawing/2014/main" xmlns="" id="{4813BCD2-8A5E-4D49-90F8-55AE5F05214D}"/>
+                <a16:creationId xmlns="" xmlns:a16="http://schemas.microsoft.com/office/drawing/2014/main" id="{4813BCD2-8A5E-4D49-90F8-55AE5F05214D}"/>
               </a:ext>
             </a:extLst>
           </p:cNvPr>
@@ -3522,7 +3522,7 @@
           <p:cNvPr id="3" name="Text Placeholder 2">
             <a:extLst>
               <a:ext uri="{FF2B5EF4-FFF2-40B4-BE49-F238E27FC236}">
-                <a16:creationId xmlns:a16="http://schemas.microsoft.com/office/drawing/2014/main" xmlns="" id="{AE92E3E2-D29B-46E0-80AC-34D21DF87517}"/>
+                <a16:creationId xmlns="" xmlns:a16="http://schemas.microsoft.com/office/drawing/2014/main" id="{AE92E3E2-D29B-46E0-80AC-34D21DF87517}"/>
               </a:ext>
             </a:extLst>
           </p:cNvPr>
@@ -3589,7 +3589,7 @@
           <p:cNvPr id="4" name="Date Placeholder 3">
             <a:extLst>
               <a:ext uri="{FF2B5EF4-FFF2-40B4-BE49-F238E27FC236}">
-                <a16:creationId xmlns:a16="http://schemas.microsoft.com/office/drawing/2014/main" xmlns="" id="{2A31DDCA-89E3-4D45-B126-8247341F4621}"/>
+                <a16:creationId xmlns="" xmlns:a16="http://schemas.microsoft.com/office/drawing/2014/main" id="{2A31DDCA-89E3-4D45-B126-8247341F4621}"/>
               </a:ext>
             </a:extLst>
           </p:cNvPr>
@@ -3636,7 +3636,7 @@
           <p:cNvPr id="5" name="Footer Placeholder 4">
             <a:extLst>
               <a:ext uri="{FF2B5EF4-FFF2-40B4-BE49-F238E27FC236}">
-                <a16:creationId xmlns:a16="http://schemas.microsoft.com/office/drawing/2014/main" xmlns="" id="{47DFE6DC-0EA6-47E4-B1F3-3EF1ADDD8CAD}"/>
+                <a16:creationId xmlns="" xmlns:a16="http://schemas.microsoft.com/office/drawing/2014/main" id="{47DFE6DC-0EA6-47E4-B1F3-3EF1ADDD8CAD}"/>
               </a:ext>
             </a:extLst>
           </p:cNvPr>
@@ -3679,7 +3679,7 @@
           <p:cNvPr id="6" name="Slide Number Placeholder 5">
             <a:extLst>
               <a:ext uri="{FF2B5EF4-FFF2-40B4-BE49-F238E27FC236}">
-                <a16:creationId xmlns:a16="http://schemas.microsoft.com/office/drawing/2014/main" xmlns="" id="{32F7927D-7ECA-4692-A0A9-E3D137290ECC}"/>
+                <a16:creationId xmlns="" xmlns:a16="http://schemas.microsoft.com/office/drawing/2014/main" id="{32F7927D-7ECA-4692-A0A9-E3D137290ECC}"/>
               </a:ext>
             </a:extLst>
           </p:cNvPr>
@@ -4055,10 +4055,10 @@
           <p:cNvPr id="8" name="Rectangle 7">
             <a:extLst>
               <a:ext uri="{FF2B5EF4-FFF2-40B4-BE49-F238E27FC236}">
-                <a16:creationId xmlns:a16="http://schemas.microsoft.com/office/drawing/2014/main" xmlns="" id="{FFD48BC7-DC40-47DE-87EE-9F4B6ECB9ABB}"/>
+                <a16:creationId xmlns="" xmlns:a16="http://schemas.microsoft.com/office/drawing/2014/main" id="{FFD48BC7-DC40-47DE-87EE-9F4B6ECB9ABB}"/>
               </a:ext>
               <a:ext uri="{C183D7F6-B498-43B3-948B-1728B52AA6E4}">
-                <adec:decorative xmlns:adec="http://schemas.microsoft.com/office/drawing/2017/decorative" xmlns="" val="1"/>
+                <adec:decorative xmlns="" xmlns:adec="http://schemas.microsoft.com/office/drawing/2017/decorative" val="1"/>
               </a:ext>
             </a:extLst>
           </p:cNvPr>
@@ -4068,7 +4068,7 @@
           <p:nvPr>
             <p:extLst>
               <p:ext uri="{386F3935-93C4-4BCD-93E2-E3B085C9AB24}">
-                <p16:designElem xmlns:p16="http://schemas.microsoft.com/office/powerpoint/2015/main" xmlns="" val="1"/>
+                <p16:designElem xmlns="" xmlns:p16="http://schemas.microsoft.com/office/powerpoint/2015/main" val="1"/>
               </p:ext>
             </p:extLst>
           </p:nvPr>
@@ -4115,10 +4115,10 @@
           <p:cNvPr id="10" name="Freeform: Shape 9">
             <a:extLst>
               <a:ext uri="{FF2B5EF4-FFF2-40B4-BE49-F238E27FC236}">
-                <a16:creationId xmlns:a16="http://schemas.microsoft.com/office/drawing/2014/main" xmlns="" id="{E502BBC7-2C76-46F3-BC24-5985BC13DB88}"/>
+                <a16:creationId xmlns="" xmlns:a16="http://schemas.microsoft.com/office/drawing/2014/main" id="{E502BBC7-2C76-46F3-BC24-5985BC13DB88}"/>
               </a:ext>
               <a:ext uri="{C183D7F6-B498-43B3-948B-1728B52AA6E4}">
-                <adec:decorative xmlns:adec="http://schemas.microsoft.com/office/drawing/2017/decorative" xmlns="" val="1"/>
+                <adec:decorative xmlns="" xmlns:adec="http://schemas.microsoft.com/office/drawing/2017/decorative" val="1"/>
               </a:ext>
             </a:extLst>
           </p:cNvPr>
@@ -4128,7 +4128,7 @@
           <p:nvPr>
             <p:extLst>
               <p:ext uri="{386F3935-93C4-4BCD-93E2-E3B085C9AB24}">
-                <p16:designElem xmlns:p16="http://schemas.microsoft.com/office/powerpoint/2015/main" xmlns="" val="1"/>
+                <p16:designElem xmlns="" xmlns:p16="http://schemas.microsoft.com/office/powerpoint/2015/main" val="1"/>
               </p:ext>
             </p:extLst>
           </p:nvPr>
@@ -4315,10 +4315,10 @@
           <p:cNvPr id="12" name="Freeform: Shape 11">
             <a:extLst>
               <a:ext uri="{FF2B5EF4-FFF2-40B4-BE49-F238E27FC236}">
-                <a16:creationId xmlns:a16="http://schemas.microsoft.com/office/drawing/2014/main" xmlns="" id="{C7F28D52-2A5F-4D23-81AE-7CB8B591C7AF}"/>
+                <a16:creationId xmlns="" xmlns:a16="http://schemas.microsoft.com/office/drawing/2014/main" id="{C7F28D52-2A5F-4D23-81AE-7CB8B591C7AF}"/>
               </a:ext>
               <a:ext uri="{C183D7F6-B498-43B3-948B-1728B52AA6E4}">
-                <adec:decorative xmlns:adec="http://schemas.microsoft.com/office/drawing/2017/decorative" xmlns="" val="1"/>
+                <adec:decorative xmlns="" xmlns:adec="http://schemas.microsoft.com/office/drawing/2017/decorative" val="1"/>
               </a:ext>
             </a:extLst>
           </p:cNvPr>
@@ -4328,7 +4328,7 @@
           <p:nvPr>
             <p:extLst>
               <p:ext uri="{386F3935-93C4-4BCD-93E2-E3B085C9AB24}">
-                <p16:designElem xmlns:p16="http://schemas.microsoft.com/office/powerpoint/2015/main" xmlns="" val="1"/>
+                <p16:designElem xmlns="" xmlns:p16="http://schemas.microsoft.com/office/powerpoint/2015/main" val="1"/>
               </p:ext>
             </p:extLst>
           </p:nvPr>
@@ -4506,7 +4506,7 @@
           <p:cNvPr id="2" name="Title 1">
             <a:extLst>
               <a:ext uri="{FF2B5EF4-FFF2-40B4-BE49-F238E27FC236}">
-                <a16:creationId xmlns:a16="http://schemas.microsoft.com/office/drawing/2014/main" xmlns="" id="{07A9CF8F-21F5-4E3B-BB07-9920DADEE900}"/>
+                <a16:creationId xmlns="" xmlns:a16="http://schemas.microsoft.com/office/drawing/2014/main" id="{07A9CF8F-21F5-4E3B-BB07-9920DADEE900}"/>
               </a:ext>
             </a:extLst>
           </p:cNvPr>
@@ -4567,7 +4567,7 @@
           <p:cNvPr id="3" name="Subtitle 2">
             <a:extLst>
               <a:ext uri="{FF2B5EF4-FFF2-40B4-BE49-F238E27FC236}">
-                <a16:creationId xmlns:a16="http://schemas.microsoft.com/office/drawing/2014/main" xmlns="" id="{521EE48C-5A0E-4A1C-AE14-5F20EB0F0153}"/>
+                <a16:creationId xmlns="" xmlns:a16="http://schemas.microsoft.com/office/drawing/2014/main" id="{521EE48C-5A0E-4A1C-AE14-5F20EB0F0153}"/>
               </a:ext>
             </a:extLst>
           </p:cNvPr>
@@ -4616,10 +4616,10 @@
           <p:cNvPr id="14" name="Rectangle 13">
             <a:extLst>
               <a:ext uri="{FF2B5EF4-FFF2-40B4-BE49-F238E27FC236}">
-                <a16:creationId xmlns:a16="http://schemas.microsoft.com/office/drawing/2014/main" xmlns="" id="{3629484E-3792-4B3D-89AD-7C8A1ED0E0D4}"/>
+                <a16:creationId xmlns="" xmlns:a16="http://schemas.microsoft.com/office/drawing/2014/main" id="{3629484E-3792-4B3D-89AD-7C8A1ED0E0D4}"/>
               </a:ext>
               <a:ext uri="{C183D7F6-B498-43B3-948B-1728B52AA6E4}">
-                <adec:decorative xmlns:adec="http://schemas.microsoft.com/office/drawing/2017/decorative" xmlns="" val="1"/>
+                <adec:decorative xmlns="" xmlns:adec="http://schemas.microsoft.com/office/drawing/2017/decorative" val="1"/>
               </a:ext>
             </a:extLst>
           </p:cNvPr>
@@ -4629,7 +4629,7 @@
           <p:nvPr>
             <p:extLst>
               <p:ext uri="{386F3935-93C4-4BCD-93E2-E3B085C9AB24}">
-                <p16:designElem xmlns:p16="http://schemas.microsoft.com/office/powerpoint/2015/main" xmlns="" val="1"/>
+                <p16:designElem xmlns="" xmlns:p16="http://schemas.microsoft.com/office/powerpoint/2015/main" val="1"/>
               </p:ext>
             </p:extLst>
           </p:nvPr>
@@ -4738,7 +4738,7 @@
           <p:cNvPr id="2" name="Title 1">
             <a:extLst>
               <a:ext uri="{FF2B5EF4-FFF2-40B4-BE49-F238E27FC236}">
-                <a16:creationId xmlns:a16="http://schemas.microsoft.com/office/drawing/2014/main" xmlns="" id="{D0B87F8E-5D83-4513-9285-8A122C4A62CB}"/>
+                <a16:creationId xmlns="" xmlns:a16="http://schemas.microsoft.com/office/drawing/2014/main" id="{D0B87F8E-5D83-4513-9285-8A122C4A62CB}"/>
               </a:ext>
             </a:extLst>
           </p:cNvPr>
@@ -4771,7 +4771,7 @@
           <p:cNvPr id="5" name="Straight Connector 4">
             <a:extLst>
               <a:ext uri="{FF2B5EF4-FFF2-40B4-BE49-F238E27FC236}">
-                <a16:creationId xmlns:a16="http://schemas.microsoft.com/office/drawing/2014/main" xmlns="" id="{86EF85BD-B585-F4FA-AB4B-371C19D22622}"/>
+                <a16:creationId xmlns="" xmlns:a16="http://schemas.microsoft.com/office/drawing/2014/main" id="{86EF85BD-B585-F4FA-AB4B-371C19D22622}"/>
               </a:ext>
             </a:extLst>
           </p:cNvPr>
@@ -4815,7 +4815,7 @@
           <p:cNvPr id="4" name="Content Placeholder 3">
             <a:extLst>
               <a:ext uri="{FF2B5EF4-FFF2-40B4-BE49-F238E27FC236}">
-                <a16:creationId xmlns:a16="http://schemas.microsoft.com/office/drawing/2014/main" xmlns="" id="{8A9E4EF8-5E69-948B-8D9B-5C6461DEB974}"/>
+                <a16:creationId xmlns="" xmlns:a16="http://schemas.microsoft.com/office/drawing/2014/main" id="{8A9E4EF8-5E69-948B-8D9B-5C6461DEB974}"/>
               </a:ext>
             </a:extLst>
           </p:cNvPr>
@@ -4856,7 +4856,6 @@
               <a:rPr lang="en-US" dirty="0" smtClean="0"/>
               <a:t>Our “lazy”/non-exhaustive approach might miss some clones, but it works efficiently and quickly to catch most clones in our intended category.</a:t>
             </a:r>
-            <a:endParaRPr lang="en-US" dirty="0" smtClean="0"/>
           </a:p>
           <a:p>
             <a:r>
@@ -4902,7 +4901,7 @@
           <p:cNvPr id="2" name="Title 1">
             <a:extLst>
               <a:ext uri="{FF2B5EF4-FFF2-40B4-BE49-F238E27FC236}">
-                <a16:creationId xmlns:a16="http://schemas.microsoft.com/office/drawing/2014/main" xmlns="" id="{D0B87F8E-5D83-4513-9285-8A122C4A62CB}"/>
+                <a16:creationId xmlns="" xmlns:a16="http://schemas.microsoft.com/office/drawing/2014/main" id="{D0B87F8E-5D83-4513-9285-8A122C4A62CB}"/>
               </a:ext>
             </a:extLst>
           </p:cNvPr>
@@ -4936,7 +4935,7 @@
           <p:cNvPr id="5" name="Straight Connector 4">
             <a:extLst>
               <a:ext uri="{FF2B5EF4-FFF2-40B4-BE49-F238E27FC236}">
-                <a16:creationId xmlns:a16="http://schemas.microsoft.com/office/drawing/2014/main" xmlns="" id="{86EF85BD-B585-F4FA-AB4B-371C19D22622}"/>
+                <a16:creationId xmlns="" xmlns:a16="http://schemas.microsoft.com/office/drawing/2014/main" id="{86EF85BD-B585-F4FA-AB4B-371C19D22622}"/>
               </a:ext>
             </a:extLst>
           </p:cNvPr>
@@ -4980,7 +4979,7 @@
           <p:cNvPr id="3" name="TextBox 2">
             <a:extLst>
               <a:ext uri="{FF2B5EF4-FFF2-40B4-BE49-F238E27FC236}">
-                <a16:creationId xmlns:a16="http://schemas.microsoft.com/office/drawing/2014/main" xmlns="" id="{84DC2BB8-292B-9547-F547-714E254909AC}"/>
+                <a16:creationId xmlns="" xmlns:a16="http://schemas.microsoft.com/office/drawing/2014/main" id="{84DC2BB8-292B-9547-F547-714E254909AC}"/>
               </a:ext>
             </a:extLst>
           </p:cNvPr>
@@ -5020,7 +5019,7 @@
           <p:cNvPr id="6" name="Straight Arrow Connector 5">
             <a:extLst>
               <a:ext uri="{FF2B5EF4-FFF2-40B4-BE49-F238E27FC236}">
-                <a16:creationId xmlns:a16="http://schemas.microsoft.com/office/drawing/2014/main" xmlns="" id="{B78E30C3-3DDD-81E6-326B-A6A9E45AD369}"/>
+                <a16:creationId xmlns="" xmlns:a16="http://schemas.microsoft.com/office/drawing/2014/main" id="{B78E30C3-3DDD-81E6-326B-A6A9E45AD369}"/>
               </a:ext>
             </a:extLst>
           </p:cNvPr>
@@ -5063,7 +5062,7 @@
           <p:cNvPr id="8" name="TextBox 7">
             <a:extLst>
               <a:ext uri="{FF2B5EF4-FFF2-40B4-BE49-F238E27FC236}">
-                <a16:creationId xmlns:a16="http://schemas.microsoft.com/office/drawing/2014/main" xmlns="" id="{D67CC55F-BD51-EFE5-750B-92A0584389C0}"/>
+                <a16:creationId xmlns="" xmlns:a16="http://schemas.microsoft.com/office/drawing/2014/main" id="{D67CC55F-BD51-EFE5-750B-92A0584389C0}"/>
               </a:ext>
             </a:extLst>
           </p:cNvPr>
@@ -5109,7 +5108,7 @@
           <p:cNvPr id="4" name="TextBox 3">
             <a:extLst>
               <a:ext uri="{FF2B5EF4-FFF2-40B4-BE49-F238E27FC236}">
-                <a16:creationId xmlns:a16="http://schemas.microsoft.com/office/drawing/2014/main" xmlns="" id="{3F21C954-9D99-07CD-A05F-AD817D7E0C03}"/>
+                <a16:creationId xmlns="" xmlns:a16="http://schemas.microsoft.com/office/drawing/2014/main" id="{3F21C954-9D99-07CD-A05F-AD817D7E0C03}"/>
               </a:ext>
             </a:extLst>
           </p:cNvPr>
@@ -5158,7 +5157,7 @@
           <p:cNvPr id="9" name="Straight Arrow Connector 8">
             <a:extLst>
               <a:ext uri="{FF2B5EF4-FFF2-40B4-BE49-F238E27FC236}">
-                <a16:creationId xmlns:a16="http://schemas.microsoft.com/office/drawing/2014/main" xmlns="" id="{2C3F7B3C-ABB9-335A-DB6D-DDD7A150B158}"/>
+                <a16:creationId xmlns="" xmlns:a16="http://schemas.microsoft.com/office/drawing/2014/main" id="{2C3F7B3C-ABB9-335A-DB6D-DDD7A150B158}"/>
               </a:ext>
             </a:extLst>
           </p:cNvPr>
@@ -5201,7 +5200,7 @@
           <p:cNvPr id="11" name="TextBox 10">
             <a:extLst>
               <a:ext uri="{FF2B5EF4-FFF2-40B4-BE49-F238E27FC236}">
-                <a16:creationId xmlns:a16="http://schemas.microsoft.com/office/drawing/2014/main" xmlns="" id="{D0161953-B802-E031-9173-88AC95ED3465}"/>
+                <a16:creationId xmlns="" xmlns:a16="http://schemas.microsoft.com/office/drawing/2014/main" id="{D0161953-B802-E031-9173-88AC95ED3465}"/>
               </a:ext>
             </a:extLst>
           </p:cNvPr>
@@ -5247,7 +5246,7 @@
           <p:cNvPr id="18" name="TextBox 17">
             <a:extLst>
               <a:ext uri="{FF2B5EF4-FFF2-40B4-BE49-F238E27FC236}">
-                <a16:creationId xmlns:a16="http://schemas.microsoft.com/office/drawing/2014/main" xmlns="" id="{61A6DC2D-4998-61E7-D85C-270F4C9BAAD9}"/>
+                <a16:creationId xmlns="" xmlns:a16="http://schemas.microsoft.com/office/drawing/2014/main" id="{61A6DC2D-4998-61E7-D85C-270F4C9BAAD9}"/>
               </a:ext>
             </a:extLst>
           </p:cNvPr>
@@ -5278,7 +5277,7 @@
             <a:pPr algn="ctr"/>
             <a:r>
               <a:rPr lang="en-US" sz="2400" dirty="0" smtClean="0"/>
-              <a:t>Code blocks: replace names as tokens</a:t>
+              <a:t>Code: tokenize, write to new files</a:t>
             </a:r>
             <a:endParaRPr lang="en-US" sz="2400" dirty="0"/>
           </a:p>
@@ -5332,7 +5331,7 @@
           <p:cNvPr id="24" name="Straight Arrow Connector 23">
             <a:extLst>
               <a:ext uri="{FF2B5EF4-FFF2-40B4-BE49-F238E27FC236}">
-                <a16:creationId xmlns:a16="http://schemas.microsoft.com/office/drawing/2014/main" xmlns="" id="{2C3F7B3C-ABB9-335A-DB6D-DDD7A150B158}"/>
+                <a16:creationId xmlns="" xmlns:a16="http://schemas.microsoft.com/office/drawing/2014/main" id="{2C3F7B3C-ABB9-335A-DB6D-DDD7A150B158}"/>
               </a:ext>
             </a:extLst>
           </p:cNvPr>
@@ -5509,7 +5508,7 @@
             <a:pPr algn="ctr"/>
             <a:r>
               <a:rPr lang="en-US" dirty="0" smtClean="0"/>
-              <a:t>Tokens yet?</a:t>
+              <a:t>Tokenized yet?</a:t>
             </a:r>
             <a:endParaRPr lang="en-US" dirty="0"/>
           </a:p>
@@ -5520,7 +5519,7 @@
           <p:cNvPr id="38" name="TextBox 37">
             <a:extLst>
               <a:ext uri="{FF2B5EF4-FFF2-40B4-BE49-F238E27FC236}">
-                <a16:creationId xmlns:a16="http://schemas.microsoft.com/office/drawing/2014/main" xmlns="" id="{D0161953-B802-E031-9173-88AC95ED3465}"/>
+                <a16:creationId xmlns="" xmlns:a16="http://schemas.microsoft.com/office/drawing/2014/main" id="{D0161953-B802-E031-9173-88AC95ED3465}"/>
               </a:ext>
             </a:extLst>
           </p:cNvPr>
@@ -5703,7 +5702,11 @@
             <a:pPr algn="ctr"/>
             <a:r>
               <a:rPr lang="en-US" dirty="0" smtClean="0"/>
-              <a:t>Tokens yet?</a:t>
+              <a:t>Tokenized </a:t>
+            </a:r>
+            <a:r>
+              <a:rPr lang="en-US" dirty="0" smtClean="0"/>
+              <a:t>yet?</a:t>
             </a:r>
             <a:endParaRPr lang="en-US" dirty="0"/>
           </a:p>
@@ -5761,7 +5764,7 @@
           </a:xfrm>
           <a:prstGeom prst="bentConnector3">
             <a:avLst>
-              <a:gd name="adj1" fmla="val 227044"/>
+              <a:gd name="adj1" fmla="val 224904"/>
             </a:avLst>
           </a:prstGeom>
           <a:ln>
@@ -5788,7 +5791,7 @@
           <p:cNvPr id="74" name="TextBox 73">
             <a:extLst>
               <a:ext uri="{FF2B5EF4-FFF2-40B4-BE49-F238E27FC236}">
-                <a16:creationId xmlns:a16="http://schemas.microsoft.com/office/drawing/2014/main" xmlns="" id="{D0161953-B802-E031-9173-88AC95ED3465}"/>
+                <a16:creationId xmlns="" xmlns:a16="http://schemas.microsoft.com/office/drawing/2014/main" id="{D0161953-B802-E031-9173-88AC95ED3465}"/>
               </a:ext>
             </a:extLst>
           </p:cNvPr>
@@ -5975,7 +5978,7 @@
           <p:cNvPr id="96" name="TextBox 95">
             <a:extLst>
               <a:ext uri="{FF2B5EF4-FFF2-40B4-BE49-F238E27FC236}">
-                <a16:creationId xmlns:a16="http://schemas.microsoft.com/office/drawing/2014/main" xmlns="" id="{D0161953-B802-E031-9173-88AC95ED3465}"/>
+                <a16:creationId xmlns="" xmlns:a16="http://schemas.microsoft.com/office/drawing/2014/main" id="{D0161953-B802-E031-9173-88AC95ED3465}"/>
               </a:ext>
             </a:extLst>
           </p:cNvPr>
@@ -6026,7 +6029,7 @@
           <p:cNvPr id="97" name="TextBox 96">
             <a:extLst>
               <a:ext uri="{FF2B5EF4-FFF2-40B4-BE49-F238E27FC236}">
-                <a16:creationId xmlns:a16="http://schemas.microsoft.com/office/drawing/2014/main" xmlns="" id="{D0161953-B802-E031-9173-88AC95ED3465}"/>
+                <a16:creationId xmlns="" xmlns:a16="http://schemas.microsoft.com/office/drawing/2014/main" id="{D0161953-B802-E031-9173-88AC95ED3465}"/>
               </a:ext>
             </a:extLst>
           </p:cNvPr>
@@ -6275,7 +6278,7 @@
           <p:cNvPr id="2" name="Title 1">
             <a:extLst>
               <a:ext uri="{FF2B5EF4-FFF2-40B4-BE49-F238E27FC236}">
-                <a16:creationId xmlns:a16="http://schemas.microsoft.com/office/drawing/2014/main" xmlns="" id="{D0B87F8E-5D83-4513-9285-8A122C4A62CB}"/>
+                <a16:creationId xmlns="" xmlns:a16="http://schemas.microsoft.com/office/drawing/2014/main" id="{D0B87F8E-5D83-4513-9285-8A122C4A62CB}"/>
               </a:ext>
             </a:extLst>
           </p:cNvPr>
@@ -6308,7 +6311,7 @@
           <p:cNvPr id="5" name="Straight Connector 4">
             <a:extLst>
               <a:ext uri="{FF2B5EF4-FFF2-40B4-BE49-F238E27FC236}">
-                <a16:creationId xmlns:a16="http://schemas.microsoft.com/office/drawing/2014/main" xmlns="" id="{86EF85BD-B585-F4FA-AB4B-371C19D22622}"/>
+                <a16:creationId xmlns="" xmlns:a16="http://schemas.microsoft.com/office/drawing/2014/main" id="{86EF85BD-B585-F4FA-AB4B-371C19D22622}"/>
               </a:ext>
             </a:extLst>
           </p:cNvPr>
@@ -6352,7 +6355,7 @@
           <p:cNvPr id="4" name="TextBox 3">
             <a:extLst>
               <a:ext uri="{FF2B5EF4-FFF2-40B4-BE49-F238E27FC236}">
-                <a16:creationId xmlns:a16="http://schemas.microsoft.com/office/drawing/2014/main" xmlns="" id="{82DAD499-FD02-A701-175D-A67C401A6F59}"/>
+                <a16:creationId xmlns="" xmlns:a16="http://schemas.microsoft.com/office/drawing/2014/main" id="{82DAD499-FD02-A701-175D-A67C401A6F59}"/>
               </a:ext>
             </a:extLst>
           </p:cNvPr>
@@ -6483,7 +6486,7 @@
           <p:cNvPr id="2" name="Title 1">
             <a:extLst>
               <a:ext uri="{FF2B5EF4-FFF2-40B4-BE49-F238E27FC236}">
-                <a16:creationId xmlns:a16="http://schemas.microsoft.com/office/drawing/2014/main" xmlns="" id="{C522C03A-1F25-FFCB-9A59-564E472BE731}"/>
+                <a16:creationId xmlns="" xmlns:a16="http://schemas.microsoft.com/office/drawing/2014/main" id="{C522C03A-1F25-FFCB-9A59-564E472BE731}"/>
               </a:ext>
             </a:extLst>
           </p:cNvPr>
@@ -6511,7 +6514,7 @@
           <p:cNvPr id="3" name="Content Placeholder 2">
             <a:extLst>
               <a:ext uri="{FF2B5EF4-FFF2-40B4-BE49-F238E27FC236}">
-                <a16:creationId xmlns:a16="http://schemas.microsoft.com/office/drawing/2014/main" xmlns="" id="{4928701A-C732-A649-3B69-6F919769FA47}"/>
+                <a16:creationId xmlns="" xmlns:a16="http://schemas.microsoft.com/office/drawing/2014/main" id="{4928701A-C732-A649-3B69-6F919769FA47}"/>
               </a:ext>
             </a:extLst>
           </p:cNvPr>
@@ -6649,7 +6652,7 @@
           <p:cNvPr id="2" name="Title 1">
             <a:extLst>
               <a:ext uri="{FF2B5EF4-FFF2-40B4-BE49-F238E27FC236}">
-                <a16:creationId xmlns:a16="http://schemas.microsoft.com/office/drawing/2014/main" xmlns="" id="{C522C03A-1F25-FFCB-9A59-564E472BE731}"/>
+                <a16:creationId xmlns="" xmlns:a16="http://schemas.microsoft.com/office/drawing/2014/main" id="{C522C03A-1F25-FFCB-9A59-564E472BE731}"/>
               </a:ext>
             </a:extLst>
           </p:cNvPr>
@@ -6680,7 +6683,7 @@
           <p:cNvPr id="3" name="Content Placeholder 2">
             <a:extLst>
               <a:ext uri="{FF2B5EF4-FFF2-40B4-BE49-F238E27FC236}">
-                <a16:creationId xmlns:a16="http://schemas.microsoft.com/office/drawing/2014/main" xmlns="" id="{4928701A-C732-A649-3B69-6F919769FA47}"/>
+                <a16:creationId xmlns="" xmlns:a16="http://schemas.microsoft.com/office/drawing/2014/main" id="{4928701A-C732-A649-3B69-6F919769FA47}"/>
               </a:ext>
             </a:extLst>
           </p:cNvPr>
@@ -6763,7 +6766,7 @@
           <p:cNvPr id="2" name="Title 1">
             <a:extLst>
               <a:ext uri="{FF2B5EF4-FFF2-40B4-BE49-F238E27FC236}">
-                <a16:creationId xmlns:a16="http://schemas.microsoft.com/office/drawing/2014/main" xmlns="" id="{82A22F9F-30AD-859E-B701-92F7A256856D}"/>
+                <a16:creationId xmlns="" xmlns:a16="http://schemas.microsoft.com/office/drawing/2014/main" id="{82A22F9F-30AD-859E-B701-92F7A256856D}"/>
               </a:ext>
             </a:extLst>
           </p:cNvPr>
@@ -6788,14 +6791,14 @@
           </a:p>
         </p:txBody>
       </p:sp>
-      <mc:AlternateContent xmlns:mc="http://schemas.openxmlformats.org/markup-compatibility/2006">
-        <mc:Choice xmlns:a14="http://schemas.microsoft.com/office/drawing/2010/main" Requires="a14">
+      <mc:AlternateContent xmlns:mc="http://schemas.openxmlformats.org/markup-compatibility/2006" xmlns:a14="http://schemas.microsoft.com/office/drawing/2010/main">
+        <mc:Choice Requires="a14">
           <p:sp>
             <p:nvSpPr>
               <p:cNvPr id="3" name="Content Placeholder 2">
                 <a:extLst>
                   <a:ext uri="{FF2B5EF4-FFF2-40B4-BE49-F238E27FC236}">
-                    <a16:creationId xmlns:a16="http://schemas.microsoft.com/office/drawing/2014/main" xmlns="" id="{49BF805F-408E-585C-FCBE-9B0FA5EA3A8C}"/>
+                    <a16:creationId xmlns="" xmlns:a16="http://schemas.microsoft.com/office/drawing/2014/main" id="{49BF805F-408E-585C-FCBE-9B0FA5EA3A8C}"/>
                   </a:ext>
                 </a:extLst>
               </p:cNvPr>
@@ -6901,7 +6904,6 @@
                   <a:rPr lang="en-US" sz="2800" dirty="0" smtClean="0"/>
                   <a:t>s2</a:t>
                 </a:r>
-                <a:endParaRPr lang="en-US" sz="2800" dirty="0" smtClean="0"/>
               </a:p>
               <a:p>
                 <a:pPr lvl="1"/>
@@ -6950,15 +6952,7 @@
                 <a:pPr lvl="1"/>
                 <a:r>
                   <a:rPr lang="en-US" sz="2800" dirty="0"/>
-                  <a:t>Similarity </a:t>
-                </a:r>
-                <a:r>
-                  <a:rPr lang="en-US" sz="2800" dirty="0"/>
-                  <a:t>score </a:t>
-                </a:r>
-                <a:r>
-                  <a:rPr lang="en-US" sz="2800" dirty="0"/>
-                  <a:t>= </a:t>
+                  <a:t>Similarity score = </a:t>
                 </a:r>
                 <a14:m>
                   <m:oMath xmlns:m="http://schemas.openxmlformats.org/officeDocument/2006/math">
@@ -7062,7 +7056,7 @@
             </p:txBody>
           </p:sp>
         </mc:Choice>
-        <mc:Fallback>
+        <mc:Fallback xmlns="">
           <p:sp>
             <p:nvSpPr>
               <p:cNvPr id="3" name="Content Placeholder 2">

--- a/presentation.pptx
+++ b/presentation.pptx
@@ -5,7 +5,7 @@
     <p:sldMasterId id="2147483648" r:id="rId1"/>
   </p:sldMasterIdLst>
   <p:notesMasterIdLst>
-    <p:notesMasterId r:id="rId9"/>
+    <p:notesMasterId r:id="rId11"/>
   </p:notesMasterIdLst>
   <p:sldIdLst>
     <p:sldId id="256" r:id="rId2"/>
@@ -15,6 +15,8 @@
     <p:sldId id="258" r:id="rId6"/>
     <p:sldId id="259" r:id="rId7"/>
     <p:sldId id="260" r:id="rId8"/>
+    <p:sldId id="263" r:id="rId9"/>
+    <p:sldId id="264" r:id="rId10"/>
   </p:sldIdLst>
   <p:sldSz cx="12192000" cy="6858000"/>
   <p:notesSz cx="6858000" cy="9144000"/>
@@ -773,6 +775,174 @@
 </p:notes>
 </file>
 
+<file path=ppt/notesSlides/notesSlide4.xml><?xml version="1.0" encoding="utf-8"?>
+<p:notes xmlns:a="http://schemas.openxmlformats.org/drawingml/2006/main" xmlns:r="http://schemas.openxmlformats.org/officeDocument/2006/relationships" xmlns:p="http://schemas.openxmlformats.org/presentationml/2006/main">
+  <p:cSld>
+    <p:spTree>
+      <p:nvGrpSpPr>
+        <p:cNvPr id="1" name=""/>
+        <p:cNvGrpSpPr/>
+        <p:nvPr/>
+      </p:nvGrpSpPr>
+      <p:grpSpPr>
+        <a:xfrm>
+          <a:off x="0" y="0"/>
+          <a:ext cx="0" cy="0"/>
+          <a:chOff x="0" y="0"/>
+          <a:chExt cx="0" cy="0"/>
+        </a:xfrm>
+      </p:grpSpPr>
+      <p:sp>
+        <p:nvSpPr>
+          <p:cNvPr id="2" name="Slide Image Placeholder 1"/>
+          <p:cNvSpPr>
+            <a:spLocks noGrp="1" noRot="1" noChangeAspect="1"/>
+          </p:cNvSpPr>
+          <p:nvPr>
+            <p:ph type="sldImg"/>
+          </p:nvPr>
+        </p:nvSpPr>
+        <p:spPr/>
+      </p:sp>
+      <p:sp>
+        <p:nvSpPr>
+          <p:cNvPr id="3" name="Notes Placeholder 2"/>
+          <p:cNvSpPr>
+            <a:spLocks noGrp="1"/>
+          </p:cNvSpPr>
+          <p:nvPr>
+            <p:ph type="body" idx="1"/>
+          </p:nvPr>
+        </p:nvSpPr>
+        <p:spPr/>
+        <p:txBody>
+          <a:bodyPr/>
+          <a:lstStyle/>
+          <a:p>
+            <a:endParaRPr lang="en-US" dirty="0"/>
+          </a:p>
+        </p:txBody>
+      </p:sp>
+      <p:sp>
+        <p:nvSpPr>
+          <p:cNvPr id="4" name="Slide Number Placeholder 3"/>
+          <p:cNvSpPr>
+            <a:spLocks noGrp="1"/>
+          </p:cNvSpPr>
+          <p:nvPr>
+            <p:ph type="sldNum" sz="quarter" idx="5"/>
+          </p:nvPr>
+        </p:nvSpPr>
+        <p:spPr/>
+        <p:txBody>
+          <a:bodyPr/>
+          <a:lstStyle/>
+          <a:p>
+            <a:fld id="{1BFF8EC0-4E85-4B5B-B1AE-D39CEADE6519}" type="slidenum">
+              <a:rPr lang="en-US" smtClean="0"/>
+              <a:t>8</a:t>
+            </a:fld>
+            <a:endParaRPr lang="en-US"/>
+          </a:p>
+        </p:txBody>
+      </p:sp>
+    </p:spTree>
+    <p:extLst>
+      <p:ext uri="{BB962C8B-B14F-4D97-AF65-F5344CB8AC3E}">
+        <p14:creationId xmlns:p14="http://schemas.microsoft.com/office/powerpoint/2010/main" val="1635376767"/>
+      </p:ext>
+    </p:extLst>
+  </p:cSld>
+  <p:clrMapOvr>
+    <a:masterClrMapping/>
+  </p:clrMapOvr>
+</p:notes>
+</file>
+
+<file path=ppt/notesSlides/notesSlide5.xml><?xml version="1.0" encoding="utf-8"?>
+<p:notes xmlns:a="http://schemas.openxmlformats.org/drawingml/2006/main" xmlns:r="http://schemas.openxmlformats.org/officeDocument/2006/relationships" xmlns:p="http://schemas.openxmlformats.org/presentationml/2006/main">
+  <p:cSld>
+    <p:spTree>
+      <p:nvGrpSpPr>
+        <p:cNvPr id="1" name=""/>
+        <p:cNvGrpSpPr/>
+        <p:nvPr/>
+      </p:nvGrpSpPr>
+      <p:grpSpPr>
+        <a:xfrm>
+          <a:off x="0" y="0"/>
+          <a:ext cx="0" cy="0"/>
+          <a:chOff x="0" y="0"/>
+          <a:chExt cx="0" cy="0"/>
+        </a:xfrm>
+      </p:grpSpPr>
+      <p:sp>
+        <p:nvSpPr>
+          <p:cNvPr id="2" name="Slide Image Placeholder 1"/>
+          <p:cNvSpPr>
+            <a:spLocks noGrp="1" noRot="1" noChangeAspect="1"/>
+          </p:cNvSpPr>
+          <p:nvPr>
+            <p:ph type="sldImg"/>
+          </p:nvPr>
+        </p:nvSpPr>
+        <p:spPr/>
+      </p:sp>
+      <p:sp>
+        <p:nvSpPr>
+          <p:cNvPr id="3" name="Notes Placeholder 2"/>
+          <p:cNvSpPr>
+            <a:spLocks noGrp="1"/>
+          </p:cNvSpPr>
+          <p:nvPr>
+            <p:ph type="body" idx="1"/>
+          </p:nvPr>
+        </p:nvSpPr>
+        <p:spPr/>
+        <p:txBody>
+          <a:bodyPr/>
+          <a:lstStyle/>
+          <a:p>
+            <a:endParaRPr lang="en-US" dirty="0"/>
+          </a:p>
+        </p:txBody>
+      </p:sp>
+      <p:sp>
+        <p:nvSpPr>
+          <p:cNvPr id="4" name="Slide Number Placeholder 3"/>
+          <p:cNvSpPr>
+            <a:spLocks noGrp="1"/>
+          </p:cNvSpPr>
+          <p:nvPr>
+            <p:ph type="sldNum" sz="quarter" idx="5"/>
+          </p:nvPr>
+        </p:nvSpPr>
+        <p:spPr/>
+        <p:txBody>
+          <a:bodyPr/>
+          <a:lstStyle/>
+          <a:p>
+            <a:fld id="{1BFF8EC0-4E85-4B5B-B1AE-D39CEADE6519}" type="slidenum">
+              <a:rPr lang="en-US" smtClean="0"/>
+              <a:t>9</a:t>
+            </a:fld>
+            <a:endParaRPr lang="en-US"/>
+          </a:p>
+        </p:txBody>
+      </p:sp>
+    </p:spTree>
+    <p:extLst>
+      <p:ext uri="{BB962C8B-B14F-4D97-AF65-F5344CB8AC3E}">
+        <p14:creationId xmlns:p14="http://schemas.microsoft.com/office/powerpoint/2010/main" val="3344669977"/>
+      </p:ext>
+    </p:extLst>
+  </p:cSld>
+  <p:clrMapOvr>
+    <a:masterClrMapping/>
+  </p:clrMapOvr>
+</p:notes>
+</file>
+
 <file path=ppt/slideLayouts/slideLayout1.xml><?xml version="1.0" encoding="utf-8"?>
 <p:sldLayout xmlns:a="http://schemas.openxmlformats.org/drawingml/2006/main" xmlns:r="http://schemas.openxmlformats.org/officeDocument/2006/relationships" xmlns:p="http://schemas.openxmlformats.org/presentationml/2006/main" type="title" preserve="1">
   <p:cSld name="Title Slide">
@@ -795,7 +965,7 @@
           <p:cNvPr id="2" name="Title 1">
             <a:extLst>
               <a:ext uri="{FF2B5EF4-FFF2-40B4-BE49-F238E27FC236}">
-                <a16:creationId xmlns="" xmlns:a16="http://schemas.microsoft.com/office/drawing/2014/main" id="{213A34AA-5E43-435A-A7B7-BCC9F3E207DC}"/>
+                <a16:creationId xmlns:a16="http://schemas.microsoft.com/office/drawing/2014/main" id="{213A34AA-5E43-435A-A7B7-BCC9F3E207DC}"/>
               </a:ext>
             </a:extLst>
           </p:cNvPr>
@@ -832,7 +1002,7 @@
           <p:cNvPr id="3" name="Subtitle 2">
             <a:extLst>
               <a:ext uri="{FF2B5EF4-FFF2-40B4-BE49-F238E27FC236}">
-                <a16:creationId xmlns="" xmlns:a16="http://schemas.microsoft.com/office/drawing/2014/main" id="{5F4F9EDB-7F05-4023-B4E0-405F390EA9F3}"/>
+                <a16:creationId xmlns:a16="http://schemas.microsoft.com/office/drawing/2014/main" id="{5F4F9EDB-7F05-4023-B4E0-405F390EA9F3}"/>
               </a:ext>
             </a:extLst>
           </p:cNvPr>
@@ -902,7 +1072,7 @@
           <p:cNvPr id="4" name="Date Placeholder 3">
             <a:extLst>
               <a:ext uri="{FF2B5EF4-FFF2-40B4-BE49-F238E27FC236}">
-                <a16:creationId xmlns="" xmlns:a16="http://schemas.microsoft.com/office/drawing/2014/main" id="{F3FF794F-1319-48B1-A178-7CF25CA76618}"/>
+                <a16:creationId xmlns:a16="http://schemas.microsoft.com/office/drawing/2014/main" id="{F3FF794F-1319-48B1-A178-7CF25CA76618}"/>
               </a:ext>
             </a:extLst>
           </p:cNvPr>
@@ -931,7 +1101,7 @@
           <p:cNvPr id="5" name="Footer Placeholder 4">
             <a:extLst>
               <a:ext uri="{FF2B5EF4-FFF2-40B4-BE49-F238E27FC236}">
-                <a16:creationId xmlns="" xmlns:a16="http://schemas.microsoft.com/office/drawing/2014/main" id="{AD6F78D6-F2B5-4B62-BD56-CE7B1EE4BFD4}"/>
+                <a16:creationId xmlns:a16="http://schemas.microsoft.com/office/drawing/2014/main" id="{AD6F78D6-F2B5-4B62-BD56-CE7B1EE4BFD4}"/>
               </a:ext>
             </a:extLst>
           </p:cNvPr>
@@ -956,7 +1126,7 @@
           <p:cNvPr id="6" name="Slide Number Placeholder 5">
             <a:extLst>
               <a:ext uri="{FF2B5EF4-FFF2-40B4-BE49-F238E27FC236}">
-                <a16:creationId xmlns="" xmlns:a16="http://schemas.microsoft.com/office/drawing/2014/main" id="{7B5ED8BB-7569-424A-BB8B-F7DB6CD610AF}"/>
+                <a16:creationId xmlns:a16="http://schemas.microsoft.com/office/drawing/2014/main" id="{7B5ED8BB-7569-424A-BB8B-F7DB6CD610AF}"/>
               </a:ext>
             </a:extLst>
           </p:cNvPr>
@@ -1015,7 +1185,7 @@
           <p:cNvPr id="2" name="Title 1">
             <a:extLst>
               <a:ext uri="{FF2B5EF4-FFF2-40B4-BE49-F238E27FC236}">
-                <a16:creationId xmlns="" xmlns:a16="http://schemas.microsoft.com/office/drawing/2014/main" id="{674061D1-01DA-4CF4-ADFD-4320CF9A1AC2}"/>
+                <a16:creationId xmlns:a16="http://schemas.microsoft.com/office/drawing/2014/main" id="{674061D1-01DA-4CF4-ADFD-4320CF9A1AC2}"/>
               </a:ext>
             </a:extLst>
           </p:cNvPr>
@@ -1043,7 +1213,7 @@
           <p:cNvPr id="3" name="Vertical Text Placeholder 2">
             <a:extLst>
               <a:ext uri="{FF2B5EF4-FFF2-40B4-BE49-F238E27FC236}">
-                <a16:creationId xmlns="" xmlns:a16="http://schemas.microsoft.com/office/drawing/2014/main" id="{72FADD50-F22E-4FF0-8992-4446F74924B0}"/>
+                <a16:creationId xmlns:a16="http://schemas.microsoft.com/office/drawing/2014/main" id="{72FADD50-F22E-4FF0-8992-4446F74924B0}"/>
               </a:ext>
             </a:extLst>
           </p:cNvPr>
@@ -1100,7 +1270,7 @@
           <p:cNvPr id="4" name="Date Placeholder 3">
             <a:extLst>
               <a:ext uri="{FF2B5EF4-FFF2-40B4-BE49-F238E27FC236}">
-                <a16:creationId xmlns="" xmlns:a16="http://schemas.microsoft.com/office/drawing/2014/main" id="{4FD568AB-3774-460A-9993-F8C912398DEE}"/>
+                <a16:creationId xmlns:a16="http://schemas.microsoft.com/office/drawing/2014/main" id="{4FD568AB-3774-460A-9993-F8C912398DEE}"/>
               </a:ext>
             </a:extLst>
           </p:cNvPr>
@@ -1129,7 +1299,7 @@
           <p:cNvPr id="5" name="Footer Placeholder 4">
             <a:extLst>
               <a:ext uri="{FF2B5EF4-FFF2-40B4-BE49-F238E27FC236}">
-                <a16:creationId xmlns="" xmlns:a16="http://schemas.microsoft.com/office/drawing/2014/main" id="{26595190-64E7-44FA-8F10-C4B9CE118C7C}"/>
+                <a16:creationId xmlns:a16="http://schemas.microsoft.com/office/drawing/2014/main" id="{26595190-64E7-44FA-8F10-C4B9CE118C7C}"/>
               </a:ext>
             </a:extLst>
           </p:cNvPr>
@@ -1154,7 +1324,7 @@
           <p:cNvPr id="6" name="Slide Number Placeholder 5">
             <a:extLst>
               <a:ext uri="{FF2B5EF4-FFF2-40B4-BE49-F238E27FC236}">
-                <a16:creationId xmlns="" xmlns:a16="http://schemas.microsoft.com/office/drawing/2014/main" id="{1269AE7E-E85B-4C0C-9F9F-4A9E512A8DD4}"/>
+                <a16:creationId xmlns:a16="http://schemas.microsoft.com/office/drawing/2014/main" id="{1269AE7E-E85B-4C0C-9F9F-4A9E512A8DD4}"/>
               </a:ext>
             </a:extLst>
           </p:cNvPr>
@@ -1213,7 +1383,7 @@
           <p:cNvPr id="2" name="Vertical Title 1">
             <a:extLst>
               <a:ext uri="{FF2B5EF4-FFF2-40B4-BE49-F238E27FC236}">
-                <a16:creationId xmlns="" xmlns:a16="http://schemas.microsoft.com/office/drawing/2014/main" id="{75F13DAB-B72E-415D-AB8E-CE29234F5655}"/>
+                <a16:creationId xmlns:a16="http://schemas.microsoft.com/office/drawing/2014/main" id="{75F13DAB-B72E-415D-AB8E-CE29234F5655}"/>
               </a:ext>
             </a:extLst>
           </p:cNvPr>
@@ -1246,7 +1416,7 @@
           <p:cNvPr id="3" name="Vertical Text Placeholder 2">
             <a:extLst>
               <a:ext uri="{FF2B5EF4-FFF2-40B4-BE49-F238E27FC236}">
-                <a16:creationId xmlns="" xmlns:a16="http://schemas.microsoft.com/office/drawing/2014/main" id="{8A678E1E-5EB3-48CE-A09B-F57E17B5BA50}"/>
+                <a16:creationId xmlns:a16="http://schemas.microsoft.com/office/drawing/2014/main" id="{8A678E1E-5EB3-48CE-A09B-F57E17B5BA50}"/>
               </a:ext>
             </a:extLst>
           </p:cNvPr>
@@ -1308,7 +1478,7 @@
           <p:cNvPr id="4" name="Date Placeholder 3">
             <a:extLst>
               <a:ext uri="{FF2B5EF4-FFF2-40B4-BE49-F238E27FC236}">
-                <a16:creationId xmlns="" xmlns:a16="http://schemas.microsoft.com/office/drawing/2014/main" id="{0B724926-44BF-43CC-984F-83B2B3ABCB87}"/>
+                <a16:creationId xmlns:a16="http://schemas.microsoft.com/office/drawing/2014/main" id="{0B724926-44BF-43CC-984F-83B2B3ABCB87}"/>
               </a:ext>
             </a:extLst>
           </p:cNvPr>
@@ -1337,7 +1507,7 @@
           <p:cNvPr id="5" name="Footer Placeholder 4">
             <a:extLst>
               <a:ext uri="{FF2B5EF4-FFF2-40B4-BE49-F238E27FC236}">
-                <a16:creationId xmlns="" xmlns:a16="http://schemas.microsoft.com/office/drawing/2014/main" id="{5F3EF2D1-473B-44ED-BC3D-63CE7CEE9F7B}"/>
+                <a16:creationId xmlns:a16="http://schemas.microsoft.com/office/drawing/2014/main" id="{5F3EF2D1-473B-44ED-BC3D-63CE7CEE9F7B}"/>
               </a:ext>
             </a:extLst>
           </p:cNvPr>
@@ -1362,7 +1532,7 @@
           <p:cNvPr id="6" name="Slide Number Placeholder 5">
             <a:extLst>
               <a:ext uri="{FF2B5EF4-FFF2-40B4-BE49-F238E27FC236}">
-                <a16:creationId xmlns="" xmlns:a16="http://schemas.microsoft.com/office/drawing/2014/main" id="{E5835003-389E-431A-BBE3-43DD45A54185}"/>
+                <a16:creationId xmlns:a16="http://schemas.microsoft.com/office/drawing/2014/main" id="{E5835003-389E-431A-BBE3-43DD45A54185}"/>
               </a:ext>
             </a:extLst>
           </p:cNvPr>
@@ -1421,7 +1591,7 @@
           <p:cNvPr id="2" name="Title 1">
             <a:extLst>
               <a:ext uri="{FF2B5EF4-FFF2-40B4-BE49-F238E27FC236}">
-                <a16:creationId xmlns="" xmlns:a16="http://schemas.microsoft.com/office/drawing/2014/main" id="{5452D5BD-C1DF-4673-AD18-9028F79FC53C}"/>
+                <a16:creationId xmlns:a16="http://schemas.microsoft.com/office/drawing/2014/main" id="{5452D5BD-C1DF-4673-AD18-9028F79FC53C}"/>
               </a:ext>
             </a:extLst>
           </p:cNvPr>
@@ -1460,7 +1630,7 @@
           <p:cNvPr id="3" name="Content Placeholder 2">
             <a:extLst>
               <a:ext uri="{FF2B5EF4-FFF2-40B4-BE49-F238E27FC236}">
-                <a16:creationId xmlns="" xmlns:a16="http://schemas.microsoft.com/office/drawing/2014/main" id="{872F80AF-00BC-4B52-99D4-8FCA3A097FC0}"/>
+                <a16:creationId xmlns:a16="http://schemas.microsoft.com/office/drawing/2014/main" id="{872F80AF-00BC-4B52-99D4-8FCA3A097FC0}"/>
               </a:ext>
             </a:extLst>
           </p:cNvPr>
@@ -1517,7 +1687,7 @@
           <p:cNvPr id="4" name="Date Placeholder 3">
             <a:extLst>
               <a:ext uri="{FF2B5EF4-FFF2-40B4-BE49-F238E27FC236}">
-                <a16:creationId xmlns="" xmlns:a16="http://schemas.microsoft.com/office/drawing/2014/main" id="{0292E782-6B5B-40FC-91C1-A2D12D0D9806}"/>
+                <a16:creationId xmlns:a16="http://schemas.microsoft.com/office/drawing/2014/main" id="{0292E782-6B5B-40FC-91C1-A2D12D0D9806}"/>
               </a:ext>
             </a:extLst>
           </p:cNvPr>
@@ -1546,7 +1716,7 @@
           <p:cNvPr id="5" name="Footer Placeholder 4">
             <a:extLst>
               <a:ext uri="{FF2B5EF4-FFF2-40B4-BE49-F238E27FC236}">
-                <a16:creationId xmlns="" xmlns:a16="http://schemas.microsoft.com/office/drawing/2014/main" id="{E22C71DF-7E1C-480A-9F46-C30FE13A6F29}"/>
+                <a16:creationId xmlns:a16="http://schemas.microsoft.com/office/drawing/2014/main" id="{E22C71DF-7E1C-480A-9F46-C30FE13A6F29}"/>
               </a:ext>
             </a:extLst>
           </p:cNvPr>
@@ -1571,7 +1741,7 @@
           <p:cNvPr id="6" name="Slide Number Placeholder 5">
             <a:extLst>
               <a:ext uri="{FF2B5EF4-FFF2-40B4-BE49-F238E27FC236}">
-                <a16:creationId xmlns="" xmlns:a16="http://schemas.microsoft.com/office/drawing/2014/main" id="{7BDBEA1F-7D89-4993-B0E2-EBEF464F47BA}"/>
+                <a16:creationId xmlns:a16="http://schemas.microsoft.com/office/drawing/2014/main" id="{7BDBEA1F-7D89-4993-B0E2-EBEF464F47BA}"/>
               </a:ext>
             </a:extLst>
           </p:cNvPr>
@@ -1600,7 +1770,7 @@
           <p:cNvPr id="7" name="Straight Connector 6">
             <a:extLst>
               <a:ext uri="{FF2B5EF4-FFF2-40B4-BE49-F238E27FC236}">
-                <a16:creationId xmlns="" xmlns:a16="http://schemas.microsoft.com/office/drawing/2014/main" id="{1FFB6EB9-9B8F-2375-C5BD-AD79DF4E3AD2}"/>
+                <a16:creationId xmlns:a16="http://schemas.microsoft.com/office/drawing/2014/main" id="{1FFB6EB9-9B8F-2375-C5BD-AD79DF4E3AD2}"/>
               </a:ext>
             </a:extLst>
           </p:cNvPr>
@@ -1674,7 +1844,7 @@
           <p:cNvPr id="2" name="Title 1">
             <a:extLst>
               <a:ext uri="{FF2B5EF4-FFF2-40B4-BE49-F238E27FC236}">
-                <a16:creationId xmlns="" xmlns:a16="http://schemas.microsoft.com/office/drawing/2014/main" id="{DE75824E-C687-48A0-9A3C-B8705386EAF9}"/>
+                <a16:creationId xmlns:a16="http://schemas.microsoft.com/office/drawing/2014/main" id="{DE75824E-C687-48A0-9A3C-B8705386EAF9}"/>
               </a:ext>
             </a:extLst>
           </p:cNvPr>
@@ -1711,7 +1881,7 @@
           <p:cNvPr id="3" name="Text Placeholder 2">
             <a:extLst>
               <a:ext uri="{FF2B5EF4-FFF2-40B4-BE49-F238E27FC236}">
-                <a16:creationId xmlns="" xmlns:a16="http://schemas.microsoft.com/office/drawing/2014/main" id="{0D1B597D-16B1-4C13-8406-A9E5AFB4CCAD}"/>
+                <a16:creationId xmlns:a16="http://schemas.microsoft.com/office/drawing/2014/main" id="{0D1B597D-16B1-4C13-8406-A9E5AFB4CCAD}"/>
               </a:ext>
             </a:extLst>
           </p:cNvPr>
@@ -1836,7 +2006,7 @@
           <p:cNvPr id="4" name="Date Placeholder 3">
             <a:extLst>
               <a:ext uri="{FF2B5EF4-FFF2-40B4-BE49-F238E27FC236}">
-                <a16:creationId xmlns="" xmlns:a16="http://schemas.microsoft.com/office/drawing/2014/main" id="{E3A81C5D-813E-43A4-BA6C-1E3E5035FC73}"/>
+                <a16:creationId xmlns:a16="http://schemas.microsoft.com/office/drawing/2014/main" id="{E3A81C5D-813E-43A4-BA6C-1E3E5035FC73}"/>
               </a:ext>
             </a:extLst>
           </p:cNvPr>
@@ -1865,7 +2035,7 @@
           <p:cNvPr id="5" name="Footer Placeholder 4">
             <a:extLst>
               <a:ext uri="{FF2B5EF4-FFF2-40B4-BE49-F238E27FC236}">
-                <a16:creationId xmlns="" xmlns:a16="http://schemas.microsoft.com/office/drawing/2014/main" id="{5EA3CFD6-6559-4140-B76A-09E4BE83C8B5}"/>
+                <a16:creationId xmlns:a16="http://schemas.microsoft.com/office/drawing/2014/main" id="{5EA3CFD6-6559-4140-B76A-09E4BE83C8B5}"/>
               </a:ext>
             </a:extLst>
           </p:cNvPr>
@@ -1890,7 +2060,7 @@
           <p:cNvPr id="6" name="Slide Number Placeholder 5">
             <a:extLst>
               <a:ext uri="{FF2B5EF4-FFF2-40B4-BE49-F238E27FC236}">
-                <a16:creationId xmlns="" xmlns:a16="http://schemas.microsoft.com/office/drawing/2014/main" id="{ECDA1549-12AC-4059-A8F6-0D84C0707D1F}"/>
+                <a16:creationId xmlns:a16="http://schemas.microsoft.com/office/drawing/2014/main" id="{ECDA1549-12AC-4059-A8F6-0D84C0707D1F}"/>
               </a:ext>
             </a:extLst>
           </p:cNvPr>
@@ -1949,7 +2119,7 @@
           <p:cNvPr id="2" name="Title 1">
             <a:extLst>
               <a:ext uri="{FF2B5EF4-FFF2-40B4-BE49-F238E27FC236}">
-                <a16:creationId xmlns="" xmlns:a16="http://schemas.microsoft.com/office/drawing/2014/main" id="{A60BC9F5-576E-42DE-B055-199083CAF103}"/>
+                <a16:creationId xmlns:a16="http://schemas.microsoft.com/office/drawing/2014/main" id="{A60BC9F5-576E-42DE-B055-199083CAF103}"/>
               </a:ext>
             </a:extLst>
           </p:cNvPr>
@@ -1977,7 +2147,7 @@
           <p:cNvPr id="3" name="Content Placeholder 2">
             <a:extLst>
               <a:ext uri="{FF2B5EF4-FFF2-40B4-BE49-F238E27FC236}">
-                <a16:creationId xmlns="" xmlns:a16="http://schemas.microsoft.com/office/drawing/2014/main" id="{71A3C86C-66B7-4437-B8FF-5BA1B3B63C63}"/>
+                <a16:creationId xmlns:a16="http://schemas.microsoft.com/office/drawing/2014/main" id="{71A3C86C-66B7-4437-B8FF-5BA1B3B63C63}"/>
               </a:ext>
             </a:extLst>
           </p:cNvPr>
@@ -2039,7 +2209,7 @@
           <p:cNvPr id="4" name="Content Placeholder 3">
             <a:extLst>
               <a:ext uri="{FF2B5EF4-FFF2-40B4-BE49-F238E27FC236}">
-                <a16:creationId xmlns="" xmlns:a16="http://schemas.microsoft.com/office/drawing/2014/main" id="{92959486-1032-47F9-84F0-2B4B46D772F0}"/>
+                <a16:creationId xmlns:a16="http://schemas.microsoft.com/office/drawing/2014/main" id="{92959486-1032-47F9-84F0-2B4B46D772F0}"/>
               </a:ext>
             </a:extLst>
           </p:cNvPr>
@@ -2101,7 +2271,7 @@
           <p:cNvPr id="5" name="Date Placeholder 4">
             <a:extLst>
               <a:ext uri="{FF2B5EF4-FFF2-40B4-BE49-F238E27FC236}">
-                <a16:creationId xmlns="" xmlns:a16="http://schemas.microsoft.com/office/drawing/2014/main" id="{A6D883F3-47AF-45FD-9291-206A04A5F7EA}"/>
+                <a16:creationId xmlns:a16="http://schemas.microsoft.com/office/drawing/2014/main" id="{A6D883F3-47AF-45FD-9291-206A04A5F7EA}"/>
               </a:ext>
             </a:extLst>
           </p:cNvPr>
@@ -2130,7 +2300,7 @@
           <p:cNvPr id="6" name="Footer Placeholder 5">
             <a:extLst>
               <a:ext uri="{FF2B5EF4-FFF2-40B4-BE49-F238E27FC236}">
-                <a16:creationId xmlns="" xmlns:a16="http://schemas.microsoft.com/office/drawing/2014/main" id="{69F8164B-C772-4EB8-94A2-C24897BD216C}"/>
+                <a16:creationId xmlns:a16="http://schemas.microsoft.com/office/drawing/2014/main" id="{69F8164B-C772-4EB8-94A2-C24897BD216C}"/>
               </a:ext>
             </a:extLst>
           </p:cNvPr>
@@ -2155,7 +2325,7 @@
           <p:cNvPr id="7" name="Slide Number Placeholder 6">
             <a:extLst>
               <a:ext uri="{FF2B5EF4-FFF2-40B4-BE49-F238E27FC236}">
-                <a16:creationId xmlns="" xmlns:a16="http://schemas.microsoft.com/office/drawing/2014/main" id="{40170100-5C66-4772-A280-A70E353823C6}"/>
+                <a16:creationId xmlns:a16="http://schemas.microsoft.com/office/drawing/2014/main" id="{40170100-5C66-4772-A280-A70E353823C6}"/>
               </a:ext>
             </a:extLst>
           </p:cNvPr>
@@ -2214,7 +2384,7 @@
           <p:cNvPr id="2" name="Title 1">
             <a:extLst>
               <a:ext uri="{FF2B5EF4-FFF2-40B4-BE49-F238E27FC236}">
-                <a16:creationId xmlns="" xmlns:a16="http://schemas.microsoft.com/office/drawing/2014/main" id="{01235673-6FE8-45A3-A361-B5F5F1F3C486}"/>
+                <a16:creationId xmlns:a16="http://schemas.microsoft.com/office/drawing/2014/main" id="{01235673-6FE8-45A3-A361-B5F5F1F3C486}"/>
               </a:ext>
             </a:extLst>
           </p:cNvPr>
@@ -2247,7 +2417,7 @@
           <p:cNvPr id="3" name="Text Placeholder 2">
             <a:extLst>
               <a:ext uri="{FF2B5EF4-FFF2-40B4-BE49-F238E27FC236}">
-                <a16:creationId xmlns="" xmlns:a16="http://schemas.microsoft.com/office/drawing/2014/main" id="{68B14653-79B1-4EDB-B3DB-60E1A37667C1}"/>
+                <a16:creationId xmlns:a16="http://schemas.microsoft.com/office/drawing/2014/main" id="{68B14653-79B1-4EDB-B3DB-60E1A37667C1}"/>
               </a:ext>
             </a:extLst>
           </p:cNvPr>
@@ -2318,7 +2488,7 @@
           <p:cNvPr id="4" name="Content Placeholder 3">
             <a:extLst>
               <a:ext uri="{FF2B5EF4-FFF2-40B4-BE49-F238E27FC236}">
-                <a16:creationId xmlns="" xmlns:a16="http://schemas.microsoft.com/office/drawing/2014/main" id="{0AC4CE1B-FA0F-4FED-AF46-75720527F96D}"/>
+                <a16:creationId xmlns:a16="http://schemas.microsoft.com/office/drawing/2014/main" id="{0AC4CE1B-FA0F-4FED-AF46-75720527F96D}"/>
               </a:ext>
             </a:extLst>
           </p:cNvPr>
@@ -2380,7 +2550,7 @@
           <p:cNvPr id="5" name="Text Placeholder 4">
             <a:extLst>
               <a:ext uri="{FF2B5EF4-FFF2-40B4-BE49-F238E27FC236}">
-                <a16:creationId xmlns="" xmlns:a16="http://schemas.microsoft.com/office/drawing/2014/main" id="{C928A86F-6541-41F4-8141-0E5397B6BFB2}"/>
+                <a16:creationId xmlns:a16="http://schemas.microsoft.com/office/drawing/2014/main" id="{C928A86F-6541-41F4-8141-0E5397B6BFB2}"/>
               </a:ext>
             </a:extLst>
           </p:cNvPr>
@@ -2451,7 +2621,7 @@
           <p:cNvPr id="6" name="Content Placeholder 5">
             <a:extLst>
               <a:ext uri="{FF2B5EF4-FFF2-40B4-BE49-F238E27FC236}">
-                <a16:creationId xmlns="" xmlns:a16="http://schemas.microsoft.com/office/drawing/2014/main" id="{4F930E6C-8D3B-46FB-8D9D-CAB40E0DBFD1}"/>
+                <a16:creationId xmlns:a16="http://schemas.microsoft.com/office/drawing/2014/main" id="{4F930E6C-8D3B-46FB-8D9D-CAB40E0DBFD1}"/>
               </a:ext>
             </a:extLst>
           </p:cNvPr>
@@ -2513,7 +2683,7 @@
           <p:cNvPr id="7" name="Date Placeholder 6">
             <a:extLst>
               <a:ext uri="{FF2B5EF4-FFF2-40B4-BE49-F238E27FC236}">
-                <a16:creationId xmlns="" xmlns:a16="http://schemas.microsoft.com/office/drawing/2014/main" id="{DC999066-0E0E-4AB1-A82D-0A337EFBA275}"/>
+                <a16:creationId xmlns:a16="http://schemas.microsoft.com/office/drawing/2014/main" id="{DC999066-0E0E-4AB1-A82D-0A337EFBA275}"/>
               </a:ext>
             </a:extLst>
           </p:cNvPr>
@@ -2542,7 +2712,7 @@
           <p:cNvPr id="8" name="Footer Placeholder 7">
             <a:extLst>
               <a:ext uri="{FF2B5EF4-FFF2-40B4-BE49-F238E27FC236}">
-                <a16:creationId xmlns="" xmlns:a16="http://schemas.microsoft.com/office/drawing/2014/main" id="{8C1085FD-2875-4547-BCA9-0A7C3025B8E1}"/>
+                <a16:creationId xmlns:a16="http://schemas.microsoft.com/office/drawing/2014/main" id="{8C1085FD-2875-4547-BCA9-0A7C3025B8E1}"/>
               </a:ext>
             </a:extLst>
           </p:cNvPr>
@@ -2567,7 +2737,7 @@
           <p:cNvPr id="9" name="Slide Number Placeholder 8">
             <a:extLst>
               <a:ext uri="{FF2B5EF4-FFF2-40B4-BE49-F238E27FC236}">
-                <a16:creationId xmlns="" xmlns:a16="http://schemas.microsoft.com/office/drawing/2014/main" id="{4DC75EAD-6B1A-402D-8ABC-2B209FEC6432}"/>
+                <a16:creationId xmlns:a16="http://schemas.microsoft.com/office/drawing/2014/main" id="{4DC75EAD-6B1A-402D-8ABC-2B209FEC6432}"/>
               </a:ext>
             </a:extLst>
           </p:cNvPr>
@@ -2626,7 +2796,7 @@
           <p:cNvPr id="2" name="Title 1">
             <a:extLst>
               <a:ext uri="{FF2B5EF4-FFF2-40B4-BE49-F238E27FC236}">
-                <a16:creationId xmlns="" xmlns:a16="http://schemas.microsoft.com/office/drawing/2014/main" id="{0AEEC28D-2A24-4691-8B5E-BD2FAB5F770A}"/>
+                <a16:creationId xmlns:a16="http://schemas.microsoft.com/office/drawing/2014/main" id="{0AEEC28D-2A24-4691-8B5E-BD2FAB5F770A}"/>
               </a:ext>
             </a:extLst>
           </p:cNvPr>
@@ -2654,7 +2824,7 @@
           <p:cNvPr id="3" name="Date Placeholder 2">
             <a:extLst>
               <a:ext uri="{FF2B5EF4-FFF2-40B4-BE49-F238E27FC236}">
-                <a16:creationId xmlns="" xmlns:a16="http://schemas.microsoft.com/office/drawing/2014/main" id="{991570B2-8C27-4ABF-80B6-B55E4708B792}"/>
+                <a16:creationId xmlns:a16="http://schemas.microsoft.com/office/drawing/2014/main" id="{991570B2-8C27-4ABF-80B6-B55E4708B792}"/>
               </a:ext>
             </a:extLst>
           </p:cNvPr>
@@ -2683,7 +2853,7 @@
           <p:cNvPr id="4" name="Footer Placeholder 3">
             <a:extLst>
               <a:ext uri="{FF2B5EF4-FFF2-40B4-BE49-F238E27FC236}">
-                <a16:creationId xmlns="" xmlns:a16="http://schemas.microsoft.com/office/drawing/2014/main" id="{1A3935D8-1AD9-4C98-A851-5552255BE606}"/>
+                <a16:creationId xmlns:a16="http://schemas.microsoft.com/office/drawing/2014/main" id="{1A3935D8-1AD9-4C98-A851-5552255BE606}"/>
               </a:ext>
             </a:extLst>
           </p:cNvPr>
@@ -2708,7 +2878,7 @@
           <p:cNvPr id="5" name="Slide Number Placeholder 4">
             <a:extLst>
               <a:ext uri="{FF2B5EF4-FFF2-40B4-BE49-F238E27FC236}">
-                <a16:creationId xmlns="" xmlns:a16="http://schemas.microsoft.com/office/drawing/2014/main" id="{60CC3E2B-319D-4F7D-AAE1-90F625AE016C}"/>
+                <a16:creationId xmlns:a16="http://schemas.microsoft.com/office/drawing/2014/main" id="{60CC3E2B-319D-4F7D-AAE1-90F625AE016C}"/>
               </a:ext>
             </a:extLst>
           </p:cNvPr>
@@ -2767,7 +2937,7 @@
           <p:cNvPr id="2" name="Date Placeholder 1">
             <a:extLst>
               <a:ext uri="{FF2B5EF4-FFF2-40B4-BE49-F238E27FC236}">
-                <a16:creationId xmlns="" xmlns:a16="http://schemas.microsoft.com/office/drawing/2014/main" id="{1A5AA1FD-5E00-4D00-8C52-C127D7954892}"/>
+                <a16:creationId xmlns:a16="http://schemas.microsoft.com/office/drawing/2014/main" id="{1A5AA1FD-5E00-4D00-8C52-C127D7954892}"/>
               </a:ext>
             </a:extLst>
           </p:cNvPr>
@@ -2796,7 +2966,7 @@
           <p:cNvPr id="3" name="Footer Placeholder 2">
             <a:extLst>
               <a:ext uri="{FF2B5EF4-FFF2-40B4-BE49-F238E27FC236}">
-                <a16:creationId xmlns="" xmlns:a16="http://schemas.microsoft.com/office/drawing/2014/main" id="{9C406108-9619-49A5-AF84-495EFEBEA696}"/>
+                <a16:creationId xmlns:a16="http://schemas.microsoft.com/office/drawing/2014/main" id="{9C406108-9619-49A5-AF84-495EFEBEA696}"/>
               </a:ext>
             </a:extLst>
           </p:cNvPr>
@@ -2821,7 +2991,7 @@
           <p:cNvPr id="4" name="Slide Number Placeholder 3">
             <a:extLst>
               <a:ext uri="{FF2B5EF4-FFF2-40B4-BE49-F238E27FC236}">
-                <a16:creationId xmlns="" xmlns:a16="http://schemas.microsoft.com/office/drawing/2014/main" id="{1B813436-D426-492A-9226-0920D5CFE042}"/>
+                <a16:creationId xmlns:a16="http://schemas.microsoft.com/office/drawing/2014/main" id="{1B813436-D426-492A-9226-0920D5CFE042}"/>
               </a:ext>
             </a:extLst>
           </p:cNvPr>
@@ -2880,7 +3050,7 @@
           <p:cNvPr id="2" name="Title 1">
             <a:extLst>
               <a:ext uri="{FF2B5EF4-FFF2-40B4-BE49-F238E27FC236}">
-                <a16:creationId xmlns="" xmlns:a16="http://schemas.microsoft.com/office/drawing/2014/main" id="{D967986A-6145-42DA-B61A-658219270C61}"/>
+                <a16:creationId xmlns:a16="http://schemas.microsoft.com/office/drawing/2014/main" id="{D967986A-6145-42DA-B61A-658219270C61}"/>
               </a:ext>
             </a:extLst>
           </p:cNvPr>
@@ -2917,7 +3087,7 @@
           <p:cNvPr id="3" name="Content Placeholder 2">
             <a:extLst>
               <a:ext uri="{FF2B5EF4-FFF2-40B4-BE49-F238E27FC236}">
-                <a16:creationId xmlns="" xmlns:a16="http://schemas.microsoft.com/office/drawing/2014/main" id="{738B42C9-4D21-4D87-A4D6-B69D502D7A18}"/>
+                <a16:creationId xmlns:a16="http://schemas.microsoft.com/office/drawing/2014/main" id="{738B42C9-4D21-4D87-A4D6-B69D502D7A18}"/>
               </a:ext>
             </a:extLst>
           </p:cNvPr>
@@ -3007,7 +3177,7 @@
           <p:cNvPr id="4" name="Text Placeholder 3">
             <a:extLst>
               <a:ext uri="{FF2B5EF4-FFF2-40B4-BE49-F238E27FC236}">
-                <a16:creationId xmlns="" xmlns:a16="http://schemas.microsoft.com/office/drawing/2014/main" id="{2B7D580D-8BBE-4840-A34B-6929FF0BB154}"/>
+                <a16:creationId xmlns:a16="http://schemas.microsoft.com/office/drawing/2014/main" id="{2B7D580D-8BBE-4840-A34B-6929FF0BB154}"/>
               </a:ext>
             </a:extLst>
           </p:cNvPr>
@@ -3078,7 +3248,7 @@
           <p:cNvPr id="5" name="Date Placeholder 4">
             <a:extLst>
               <a:ext uri="{FF2B5EF4-FFF2-40B4-BE49-F238E27FC236}">
-                <a16:creationId xmlns="" xmlns:a16="http://schemas.microsoft.com/office/drawing/2014/main" id="{2F107C27-AD4E-4D6F-AEF2-D527DBBB420E}"/>
+                <a16:creationId xmlns:a16="http://schemas.microsoft.com/office/drawing/2014/main" id="{2F107C27-AD4E-4D6F-AEF2-D527DBBB420E}"/>
               </a:ext>
             </a:extLst>
           </p:cNvPr>
@@ -3107,7 +3277,7 @@
           <p:cNvPr id="6" name="Footer Placeholder 5">
             <a:extLst>
               <a:ext uri="{FF2B5EF4-FFF2-40B4-BE49-F238E27FC236}">
-                <a16:creationId xmlns="" xmlns:a16="http://schemas.microsoft.com/office/drawing/2014/main" id="{1C73A189-BE23-44B5-AF70-7A5849D8877C}"/>
+                <a16:creationId xmlns:a16="http://schemas.microsoft.com/office/drawing/2014/main" id="{1C73A189-BE23-44B5-AF70-7A5849D8877C}"/>
               </a:ext>
             </a:extLst>
           </p:cNvPr>
@@ -3132,7 +3302,7 @@
           <p:cNvPr id="7" name="Slide Number Placeholder 6">
             <a:extLst>
               <a:ext uri="{FF2B5EF4-FFF2-40B4-BE49-F238E27FC236}">
-                <a16:creationId xmlns="" xmlns:a16="http://schemas.microsoft.com/office/drawing/2014/main" id="{3D5B1BE8-EA4A-445C-A2AB-FD678F21B492}"/>
+                <a16:creationId xmlns:a16="http://schemas.microsoft.com/office/drawing/2014/main" id="{3D5B1BE8-EA4A-445C-A2AB-FD678F21B492}"/>
               </a:ext>
             </a:extLst>
           </p:cNvPr>
@@ -3191,7 +3361,7 @@
           <p:cNvPr id="2" name="Title 1">
             <a:extLst>
               <a:ext uri="{FF2B5EF4-FFF2-40B4-BE49-F238E27FC236}">
-                <a16:creationId xmlns="" xmlns:a16="http://schemas.microsoft.com/office/drawing/2014/main" id="{205B61B1-267A-4FA9-B3C7-F1D55E48384B}"/>
+                <a16:creationId xmlns:a16="http://schemas.microsoft.com/office/drawing/2014/main" id="{205B61B1-267A-4FA9-B3C7-F1D55E48384B}"/>
               </a:ext>
             </a:extLst>
           </p:cNvPr>
@@ -3228,7 +3398,7 @@
           <p:cNvPr id="3" name="Picture Placeholder 2">
             <a:extLst>
               <a:ext uri="{FF2B5EF4-FFF2-40B4-BE49-F238E27FC236}">
-                <a16:creationId xmlns="" xmlns:a16="http://schemas.microsoft.com/office/drawing/2014/main" id="{1CB2FD67-EFF8-4BC3-850D-BA1B1B8085F9}"/>
+                <a16:creationId xmlns:a16="http://schemas.microsoft.com/office/drawing/2014/main" id="{1CB2FD67-EFF8-4BC3-850D-BA1B1B8085F9}"/>
               </a:ext>
             </a:extLst>
           </p:cNvPr>
@@ -3295,7 +3465,7 @@
           <p:cNvPr id="4" name="Text Placeholder 3">
             <a:extLst>
               <a:ext uri="{FF2B5EF4-FFF2-40B4-BE49-F238E27FC236}">
-                <a16:creationId xmlns="" xmlns:a16="http://schemas.microsoft.com/office/drawing/2014/main" id="{8F0F29B7-6DD9-4959-8D89-D8A87F449619}"/>
+                <a16:creationId xmlns:a16="http://schemas.microsoft.com/office/drawing/2014/main" id="{8F0F29B7-6DD9-4959-8D89-D8A87F449619}"/>
               </a:ext>
             </a:extLst>
           </p:cNvPr>
@@ -3366,7 +3536,7 @@
           <p:cNvPr id="5" name="Date Placeholder 4">
             <a:extLst>
               <a:ext uri="{FF2B5EF4-FFF2-40B4-BE49-F238E27FC236}">
-                <a16:creationId xmlns="" xmlns:a16="http://schemas.microsoft.com/office/drawing/2014/main" id="{C0F50D6A-6AB5-493A-99F8-5BD7085BB2FC}"/>
+                <a16:creationId xmlns:a16="http://schemas.microsoft.com/office/drawing/2014/main" id="{C0F50D6A-6AB5-493A-99F8-5BD7085BB2FC}"/>
               </a:ext>
             </a:extLst>
           </p:cNvPr>
@@ -3395,7 +3565,7 @@
           <p:cNvPr id="6" name="Footer Placeholder 5">
             <a:extLst>
               <a:ext uri="{FF2B5EF4-FFF2-40B4-BE49-F238E27FC236}">
-                <a16:creationId xmlns="" xmlns:a16="http://schemas.microsoft.com/office/drawing/2014/main" id="{B5DDB1B5-62DF-4E2C-8AB0-9B77899B0C5B}"/>
+                <a16:creationId xmlns:a16="http://schemas.microsoft.com/office/drawing/2014/main" id="{B5DDB1B5-62DF-4E2C-8AB0-9B77899B0C5B}"/>
               </a:ext>
             </a:extLst>
           </p:cNvPr>
@@ -3420,7 +3590,7 @@
           <p:cNvPr id="7" name="Slide Number Placeholder 6">
             <a:extLst>
               <a:ext uri="{FF2B5EF4-FFF2-40B4-BE49-F238E27FC236}">
-                <a16:creationId xmlns="" xmlns:a16="http://schemas.microsoft.com/office/drawing/2014/main" id="{D70A59F4-0C5E-4F23-B69C-A3C9F776BEE2}"/>
+                <a16:creationId xmlns:a16="http://schemas.microsoft.com/office/drawing/2014/main" id="{D70A59F4-0C5E-4F23-B69C-A3C9F776BEE2}"/>
               </a:ext>
             </a:extLst>
           </p:cNvPr>
@@ -3484,7 +3654,7 @@
           <p:cNvPr id="2" name="Title Placeholder 1">
             <a:extLst>
               <a:ext uri="{FF2B5EF4-FFF2-40B4-BE49-F238E27FC236}">
-                <a16:creationId xmlns="" xmlns:a16="http://schemas.microsoft.com/office/drawing/2014/main" id="{4813BCD2-8A5E-4D49-90F8-55AE5F05214D}"/>
+                <a16:creationId xmlns:a16="http://schemas.microsoft.com/office/drawing/2014/main" id="{4813BCD2-8A5E-4D49-90F8-55AE5F05214D}"/>
               </a:ext>
             </a:extLst>
           </p:cNvPr>
@@ -3522,7 +3692,7 @@
           <p:cNvPr id="3" name="Text Placeholder 2">
             <a:extLst>
               <a:ext uri="{FF2B5EF4-FFF2-40B4-BE49-F238E27FC236}">
-                <a16:creationId xmlns="" xmlns:a16="http://schemas.microsoft.com/office/drawing/2014/main" id="{AE92E3E2-D29B-46E0-80AC-34D21DF87517}"/>
+                <a16:creationId xmlns:a16="http://schemas.microsoft.com/office/drawing/2014/main" id="{AE92E3E2-D29B-46E0-80AC-34D21DF87517}"/>
               </a:ext>
             </a:extLst>
           </p:cNvPr>
@@ -3589,7 +3759,7 @@
           <p:cNvPr id="4" name="Date Placeholder 3">
             <a:extLst>
               <a:ext uri="{FF2B5EF4-FFF2-40B4-BE49-F238E27FC236}">
-                <a16:creationId xmlns="" xmlns:a16="http://schemas.microsoft.com/office/drawing/2014/main" id="{2A31DDCA-89E3-4D45-B126-8247341F4621}"/>
+                <a16:creationId xmlns:a16="http://schemas.microsoft.com/office/drawing/2014/main" id="{2A31DDCA-89E3-4D45-B126-8247341F4621}"/>
               </a:ext>
             </a:extLst>
           </p:cNvPr>
@@ -3636,7 +3806,7 @@
           <p:cNvPr id="5" name="Footer Placeholder 4">
             <a:extLst>
               <a:ext uri="{FF2B5EF4-FFF2-40B4-BE49-F238E27FC236}">
-                <a16:creationId xmlns="" xmlns:a16="http://schemas.microsoft.com/office/drawing/2014/main" id="{47DFE6DC-0EA6-47E4-B1F3-3EF1ADDD8CAD}"/>
+                <a16:creationId xmlns:a16="http://schemas.microsoft.com/office/drawing/2014/main" id="{47DFE6DC-0EA6-47E4-B1F3-3EF1ADDD8CAD}"/>
               </a:ext>
             </a:extLst>
           </p:cNvPr>
@@ -3679,7 +3849,7 @@
           <p:cNvPr id="6" name="Slide Number Placeholder 5">
             <a:extLst>
               <a:ext uri="{FF2B5EF4-FFF2-40B4-BE49-F238E27FC236}">
-                <a16:creationId xmlns="" xmlns:a16="http://schemas.microsoft.com/office/drawing/2014/main" id="{32F7927D-7ECA-4692-A0A9-E3D137290ECC}"/>
+                <a16:creationId xmlns:a16="http://schemas.microsoft.com/office/drawing/2014/main" id="{32F7927D-7ECA-4692-A0A9-E3D137290ECC}"/>
               </a:ext>
             </a:extLst>
           </p:cNvPr>
@@ -4055,10 +4225,10 @@
           <p:cNvPr id="8" name="Rectangle 7">
             <a:extLst>
               <a:ext uri="{FF2B5EF4-FFF2-40B4-BE49-F238E27FC236}">
-                <a16:creationId xmlns="" xmlns:a16="http://schemas.microsoft.com/office/drawing/2014/main" id="{FFD48BC7-DC40-47DE-87EE-9F4B6ECB9ABB}"/>
+                <a16:creationId xmlns:a16="http://schemas.microsoft.com/office/drawing/2014/main" id="{FFD48BC7-DC40-47DE-87EE-9F4B6ECB9ABB}"/>
               </a:ext>
               <a:ext uri="{C183D7F6-B498-43B3-948B-1728B52AA6E4}">
-                <adec:decorative xmlns="" xmlns:adec="http://schemas.microsoft.com/office/drawing/2017/decorative" val="1"/>
+                <adec:decorative xmlns:adec="http://schemas.microsoft.com/office/drawing/2017/decorative" val="1"/>
               </a:ext>
             </a:extLst>
           </p:cNvPr>
@@ -4068,7 +4238,7 @@
           <p:nvPr>
             <p:extLst>
               <p:ext uri="{386F3935-93C4-4BCD-93E2-E3B085C9AB24}">
-                <p16:designElem xmlns="" xmlns:p16="http://schemas.microsoft.com/office/powerpoint/2015/main" val="1"/>
+                <p16:designElem xmlns:p16="http://schemas.microsoft.com/office/powerpoint/2015/main" val="1"/>
               </p:ext>
             </p:extLst>
           </p:nvPr>
@@ -4115,10 +4285,10 @@
           <p:cNvPr id="10" name="Freeform: Shape 9">
             <a:extLst>
               <a:ext uri="{FF2B5EF4-FFF2-40B4-BE49-F238E27FC236}">
-                <a16:creationId xmlns="" xmlns:a16="http://schemas.microsoft.com/office/drawing/2014/main" id="{E502BBC7-2C76-46F3-BC24-5985BC13DB88}"/>
+                <a16:creationId xmlns:a16="http://schemas.microsoft.com/office/drawing/2014/main" id="{E502BBC7-2C76-46F3-BC24-5985BC13DB88}"/>
               </a:ext>
               <a:ext uri="{C183D7F6-B498-43B3-948B-1728B52AA6E4}">
-                <adec:decorative xmlns="" xmlns:adec="http://schemas.microsoft.com/office/drawing/2017/decorative" val="1"/>
+                <adec:decorative xmlns:adec="http://schemas.microsoft.com/office/drawing/2017/decorative" val="1"/>
               </a:ext>
             </a:extLst>
           </p:cNvPr>
@@ -4128,7 +4298,7 @@
           <p:nvPr>
             <p:extLst>
               <p:ext uri="{386F3935-93C4-4BCD-93E2-E3B085C9AB24}">
-                <p16:designElem xmlns="" xmlns:p16="http://schemas.microsoft.com/office/powerpoint/2015/main" val="1"/>
+                <p16:designElem xmlns:p16="http://schemas.microsoft.com/office/powerpoint/2015/main" val="1"/>
               </p:ext>
             </p:extLst>
           </p:nvPr>
@@ -4315,10 +4485,10 @@
           <p:cNvPr id="12" name="Freeform: Shape 11">
             <a:extLst>
               <a:ext uri="{FF2B5EF4-FFF2-40B4-BE49-F238E27FC236}">
-                <a16:creationId xmlns="" xmlns:a16="http://schemas.microsoft.com/office/drawing/2014/main" id="{C7F28D52-2A5F-4D23-81AE-7CB8B591C7AF}"/>
+                <a16:creationId xmlns:a16="http://schemas.microsoft.com/office/drawing/2014/main" id="{C7F28D52-2A5F-4D23-81AE-7CB8B591C7AF}"/>
               </a:ext>
               <a:ext uri="{C183D7F6-B498-43B3-948B-1728B52AA6E4}">
-                <adec:decorative xmlns="" xmlns:adec="http://schemas.microsoft.com/office/drawing/2017/decorative" val="1"/>
+                <adec:decorative xmlns:adec="http://schemas.microsoft.com/office/drawing/2017/decorative" val="1"/>
               </a:ext>
             </a:extLst>
           </p:cNvPr>
@@ -4328,7 +4498,7 @@
           <p:nvPr>
             <p:extLst>
               <p:ext uri="{386F3935-93C4-4BCD-93E2-E3B085C9AB24}">
-                <p16:designElem xmlns="" xmlns:p16="http://schemas.microsoft.com/office/powerpoint/2015/main" val="1"/>
+                <p16:designElem xmlns:p16="http://schemas.microsoft.com/office/powerpoint/2015/main" val="1"/>
               </p:ext>
             </p:extLst>
           </p:nvPr>
@@ -4506,7 +4676,7 @@
           <p:cNvPr id="2" name="Title 1">
             <a:extLst>
               <a:ext uri="{FF2B5EF4-FFF2-40B4-BE49-F238E27FC236}">
-                <a16:creationId xmlns="" xmlns:a16="http://schemas.microsoft.com/office/drawing/2014/main" id="{07A9CF8F-21F5-4E3B-BB07-9920DADEE900}"/>
+                <a16:creationId xmlns:a16="http://schemas.microsoft.com/office/drawing/2014/main" id="{07A9CF8F-21F5-4E3B-BB07-9920DADEE900}"/>
               </a:ext>
             </a:extLst>
           </p:cNvPr>
@@ -4541,10 +4711,6 @@
               <a:rPr lang="en-US" sz="4800" spc="-150" dirty="0"/>
               <a:t>COSC 6386 Project</a:t>
             </a:r>
-            <a:r>
-              <a:rPr lang="en-US" sz="6100" dirty="0"/>
-              <a:t/>
-            </a:r>
             <a:br>
               <a:rPr lang="en-US" sz="6100" dirty="0"/>
             </a:br>
@@ -4567,7 +4733,7 @@
           <p:cNvPr id="3" name="Subtitle 2">
             <a:extLst>
               <a:ext uri="{FF2B5EF4-FFF2-40B4-BE49-F238E27FC236}">
-                <a16:creationId xmlns="" xmlns:a16="http://schemas.microsoft.com/office/drawing/2014/main" id="{521EE48C-5A0E-4A1C-AE14-5F20EB0F0153}"/>
+                <a16:creationId xmlns:a16="http://schemas.microsoft.com/office/drawing/2014/main" id="{521EE48C-5A0E-4A1C-AE14-5F20EB0F0153}"/>
               </a:ext>
             </a:extLst>
           </p:cNvPr>
@@ -4616,10 +4782,10 @@
           <p:cNvPr id="14" name="Rectangle 13">
             <a:extLst>
               <a:ext uri="{FF2B5EF4-FFF2-40B4-BE49-F238E27FC236}">
-                <a16:creationId xmlns="" xmlns:a16="http://schemas.microsoft.com/office/drawing/2014/main" id="{3629484E-3792-4B3D-89AD-7C8A1ED0E0D4}"/>
+                <a16:creationId xmlns:a16="http://schemas.microsoft.com/office/drawing/2014/main" id="{3629484E-3792-4B3D-89AD-7C8A1ED0E0D4}"/>
               </a:ext>
               <a:ext uri="{C183D7F6-B498-43B3-948B-1728B52AA6E4}">
-                <adec:decorative xmlns="" xmlns:adec="http://schemas.microsoft.com/office/drawing/2017/decorative" val="1"/>
+                <adec:decorative xmlns:adec="http://schemas.microsoft.com/office/drawing/2017/decorative" val="1"/>
               </a:ext>
             </a:extLst>
           </p:cNvPr>
@@ -4629,7 +4795,7 @@
           <p:nvPr>
             <p:extLst>
               <p:ext uri="{386F3935-93C4-4BCD-93E2-E3B085C9AB24}">
-                <p16:designElem xmlns="" xmlns:p16="http://schemas.microsoft.com/office/powerpoint/2015/main" val="1"/>
+                <p16:designElem xmlns:p16="http://schemas.microsoft.com/office/powerpoint/2015/main" val="1"/>
               </p:ext>
             </p:extLst>
           </p:nvPr>
@@ -4738,7 +4904,7 @@
           <p:cNvPr id="2" name="Title 1">
             <a:extLst>
               <a:ext uri="{FF2B5EF4-FFF2-40B4-BE49-F238E27FC236}">
-                <a16:creationId xmlns="" xmlns:a16="http://schemas.microsoft.com/office/drawing/2014/main" id="{D0B87F8E-5D83-4513-9285-8A122C4A62CB}"/>
+                <a16:creationId xmlns:a16="http://schemas.microsoft.com/office/drawing/2014/main" id="{D0B87F8E-5D83-4513-9285-8A122C4A62CB}"/>
               </a:ext>
             </a:extLst>
           </p:cNvPr>
@@ -4771,7 +4937,7 @@
           <p:cNvPr id="5" name="Straight Connector 4">
             <a:extLst>
               <a:ext uri="{FF2B5EF4-FFF2-40B4-BE49-F238E27FC236}">
-                <a16:creationId xmlns="" xmlns:a16="http://schemas.microsoft.com/office/drawing/2014/main" id="{86EF85BD-B585-F4FA-AB4B-371C19D22622}"/>
+                <a16:creationId xmlns:a16="http://schemas.microsoft.com/office/drawing/2014/main" id="{86EF85BD-B585-F4FA-AB4B-371C19D22622}"/>
               </a:ext>
             </a:extLst>
           </p:cNvPr>
@@ -4815,7 +4981,7 @@
           <p:cNvPr id="4" name="Content Placeholder 3">
             <a:extLst>
               <a:ext uri="{FF2B5EF4-FFF2-40B4-BE49-F238E27FC236}">
-                <a16:creationId xmlns="" xmlns:a16="http://schemas.microsoft.com/office/drawing/2014/main" id="{8A9E4EF8-5E69-948B-8D9B-5C6461DEB974}"/>
+                <a16:creationId xmlns:a16="http://schemas.microsoft.com/office/drawing/2014/main" id="{8A9E4EF8-5E69-948B-8D9B-5C6461DEB974}"/>
               </a:ext>
             </a:extLst>
           </p:cNvPr>
@@ -4839,30 +5005,29 @@
           <a:lstStyle/>
           <a:p>
             <a:r>
-              <a:rPr lang="en-US" sz="3200" dirty="0" smtClean="0"/>
+              <a:rPr lang="en-US" sz="3200" dirty="0"/>
               <a:t>We wanted to catch the simplest but most common types of clones (types I and II) at lightning speed.</a:t>
             </a:r>
           </a:p>
           <a:p>
             <a:pPr lvl="1"/>
             <a:r>
-              <a:rPr lang="en-US" dirty="0" smtClean="0"/>
+              <a:rPr lang="en-US" dirty="0"/>
               <a:t>We streamlined the detection model to be sensitive to cloned functions, which are common in our experience.</a:t>
             </a:r>
           </a:p>
           <a:p>
             <a:pPr lvl="1"/>
             <a:r>
-              <a:rPr lang="en-US" dirty="0" smtClean="0"/>
+              <a:rPr lang="en-US" dirty="0"/>
               <a:t>Our “lazy”/non-exhaustive approach might miss some clones, but it works efficiently and quickly to catch most clones in our intended category.</a:t>
             </a:r>
           </a:p>
           <a:p>
             <a:r>
-              <a:rPr lang="en-US" sz="3200" dirty="0" smtClean="0"/>
+              <a:rPr lang="en-US" sz="3200" dirty="0"/>
               <a:t>Our work focuses on Python language exclusively, but it would be easy to adapt to other languages.</a:t>
             </a:r>
-            <a:endParaRPr lang="en-US" sz="3200" dirty="0"/>
           </a:p>
         </p:txBody>
       </p:sp>
@@ -4901,7 +5066,7 @@
           <p:cNvPr id="2" name="Title 1">
             <a:extLst>
               <a:ext uri="{FF2B5EF4-FFF2-40B4-BE49-F238E27FC236}">
-                <a16:creationId xmlns="" xmlns:a16="http://schemas.microsoft.com/office/drawing/2014/main" id="{D0B87F8E-5D83-4513-9285-8A122C4A62CB}"/>
+                <a16:creationId xmlns:a16="http://schemas.microsoft.com/office/drawing/2014/main" id="{D0B87F8E-5D83-4513-9285-8A122C4A62CB}"/>
               </a:ext>
             </a:extLst>
           </p:cNvPr>
@@ -4935,7 +5100,7 @@
           <p:cNvPr id="5" name="Straight Connector 4">
             <a:extLst>
               <a:ext uri="{FF2B5EF4-FFF2-40B4-BE49-F238E27FC236}">
-                <a16:creationId xmlns="" xmlns:a16="http://schemas.microsoft.com/office/drawing/2014/main" id="{86EF85BD-B585-F4FA-AB4B-371C19D22622}"/>
+                <a16:creationId xmlns:a16="http://schemas.microsoft.com/office/drawing/2014/main" id="{86EF85BD-B585-F4FA-AB4B-371C19D22622}"/>
               </a:ext>
             </a:extLst>
           </p:cNvPr>
@@ -4979,7 +5144,7 @@
           <p:cNvPr id="3" name="TextBox 2">
             <a:extLst>
               <a:ext uri="{FF2B5EF4-FFF2-40B4-BE49-F238E27FC236}">
-                <a16:creationId xmlns="" xmlns:a16="http://schemas.microsoft.com/office/drawing/2014/main" id="{84DC2BB8-292B-9547-F547-714E254909AC}"/>
+                <a16:creationId xmlns:a16="http://schemas.microsoft.com/office/drawing/2014/main" id="{84DC2BB8-292B-9547-F547-714E254909AC}"/>
               </a:ext>
             </a:extLst>
           </p:cNvPr>
@@ -5019,7 +5184,7 @@
           <p:cNvPr id="6" name="Straight Arrow Connector 5">
             <a:extLst>
               <a:ext uri="{FF2B5EF4-FFF2-40B4-BE49-F238E27FC236}">
-                <a16:creationId xmlns="" xmlns:a16="http://schemas.microsoft.com/office/drawing/2014/main" id="{B78E30C3-3DDD-81E6-326B-A6A9E45AD369}"/>
+                <a16:creationId xmlns:a16="http://schemas.microsoft.com/office/drawing/2014/main" id="{B78E30C3-3DDD-81E6-326B-A6A9E45AD369}"/>
               </a:ext>
             </a:extLst>
           </p:cNvPr>
@@ -5062,7 +5227,7 @@
           <p:cNvPr id="8" name="TextBox 7">
             <a:extLst>
               <a:ext uri="{FF2B5EF4-FFF2-40B4-BE49-F238E27FC236}">
-                <a16:creationId xmlns="" xmlns:a16="http://schemas.microsoft.com/office/drawing/2014/main" id="{D67CC55F-BD51-EFE5-750B-92A0584389C0}"/>
+                <a16:creationId xmlns:a16="http://schemas.microsoft.com/office/drawing/2014/main" id="{D67CC55F-BD51-EFE5-750B-92A0584389C0}"/>
               </a:ext>
             </a:extLst>
           </p:cNvPr>
@@ -5093,13 +5258,8 @@
             <a:pPr algn="ctr"/>
             <a:r>
               <a:rPr lang="en-US" sz="2400" dirty="0"/>
-              <a:t>Hash all of the code </a:t>
-            </a:r>
-            <a:r>
-              <a:rPr lang="en-US" sz="2400" dirty="0" smtClean="0"/>
-              <a:t>blocks</a:t>
-            </a:r>
-            <a:endParaRPr lang="en-US" sz="2400" dirty="0"/>
+              <a:t>Hash all of the code blocks</a:t>
+            </a:r>
           </a:p>
         </p:txBody>
       </p:sp>
@@ -5108,7 +5268,7 @@
           <p:cNvPr id="4" name="TextBox 3">
             <a:extLst>
               <a:ext uri="{FF2B5EF4-FFF2-40B4-BE49-F238E27FC236}">
-                <a16:creationId xmlns="" xmlns:a16="http://schemas.microsoft.com/office/drawing/2014/main" id="{3F21C954-9D99-07CD-A05F-AD817D7E0C03}"/>
+                <a16:creationId xmlns:a16="http://schemas.microsoft.com/office/drawing/2014/main" id="{3F21C954-9D99-07CD-A05F-AD817D7E0C03}"/>
               </a:ext>
             </a:extLst>
           </p:cNvPr>
@@ -5139,15 +5299,7 @@
             <a:pPr algn="ctr"/>
             <a:r>
               <a:rPr lang="en-US" sz="2400" dirty="0"/>
-              <a:t>Compare hash code for each </a:t>
-            </a:r>
-            <a:r>
-              <a:rPr lang="en-US" sz="2400" dirty="0" smtClean="0"/>
-              <a:t>block with </a:t>
-            </a:r>
-            <a:r>
-              <a:rPr lang="en-US" sz="2400" dirty="0"/>
-              <a:t>every other one</a:t>
+              <a:t>Compare hash code for each block with every other one</a:t>
             </a:r>
           </a:p>
         </p:txBody>
@@ -5157,7 +5309,7 @@
           <p:cNvPr id="9" name="Straight Arrow Connector 8">
             <a:extLst>
               <a:ext uri="{FF2B5EF4-FFF2-40B4-BE49-F238E27FC236}">
-                <a16:creationId xmlns="" xmlns:a16="http://schemas.microsoft.com/office/drawing/2014/main" id="{2C3F7B3C-ABB9-335A-DB6D-DDD7A150B158}"/>
+                <a16:creationId xmlns:a16="http://schemas.microsoft.com/office/drawing/2014/main" id="{2C3F7B3C-ABB9-335A-DB6D-DDD7A150B158}"/>
               </a:ext>
             </a:extLst>
           </p:cNvPr>
@@ -5200,7 +5352,7 @@
           <p:cNvPr id="11" name="TextBox 10">
             <a:extLst>
               <a:ext uri="{FF2B5EF4-FFF2-40B4-BE49-F238E27FC236}">
-                <a16:creationId xmlns="" xmlns:a16="http://schemas.microsoft.com/office/drawing/2014/main" id="{D0161953-B802-E031-9173-88AC95ED3465}"/>
+                <a16:creationId xmlns:a16="http://schemas.microsoft.com/office/drawing/2014/main" id="{D0161953-B802-E031-9173-88AC95ED3465}"/>
               </a:ext>
             </a:extLst>
           </p:cNvPr>
@@ -5231,13 +5383,8 @@
             <a:pPr algn="ctr"/>
             <a:r>
               <a:rPr lang="en-US" sz="2400" dirty="0"/>
-              <a:t>Report </a:t>
-            </a:r>
-            <a:r>
-              <a:rPr lang="en-US" sz="2400" dirty="0" smtClean="0"/>
-              <a:t>clone:</a:t>
-            </a:r>
-            <a:endParaRPr lang="en-US" sz="2400" dirty="0"/>
+              <a:t>Report clone:</a:t>
+            </a:r>
           </a:p>
         </p:txBody>
       </p:sp>
@@ -5246,7 +5393,7 @@
           <p:cNvPr id="18" name="TextBox 17">
             <a:extLst>
               <a:ext uri="{FF2B5EF4-FFF2-40B4-BE49-F238E27FC236}">
-                <a16:creationId xmlns="" xmlns:a16="http://schemas.microsoft.com/office/drawing/2014/main" id="{61A6DC2D-4998-61E7-D85C-270F4C9BAAD9}"/>
+                <a16:creationId xmlns:a16="http://schemas.microsoft.com/office/drawing/2014/main" id="{61A6DC2D-4998-61E7-D85C-270F4C9BAAD9}"/>
               </a:ext>
             </a:extLst>
           </p:cNvPr>
@@ -5276,10 +5423,9 @@
           <a:p>
             <a:pPr algn="ctr"/>
             <a:r>
-              <a:rPr lang="en-US" sz="2400" dirty="0" smtClean="0"/>
+              <a:rPr lang="en-US" sz="2400" dirty="0"/>
               <a:t>Code: tokenize, write to new files</a:t>
             </a:r>
-            <a:endParaRPr lang="en-US" sz="2400" dirty="0"/>
           </a:p>
         </p:txBody>
       </p:sp>
@@ -5319,10 +5465,9 @@
           <a:p>
             <a:pPr algn="ctr"/>
             <a:r>
-              <a:rPr lang="en-US" dirty="0" smtClean="0"/>
+              <a:rPr lang="en-US" dirty="0"/>
               <a:t>Hash similarity?</a:t>
             </a:r>
-            <a:endParaRPr lang="en-US" dirty="0"/>
           </a:p>
         </p:txBody>
       </p:sp>
@@ -5331,7 +5476,7 @@
           <p:cNvPr id="24" name="Straight Arrow Connector 23">
             <a:extLst>
               <a:ext uri="{FF2B5EF4-FFF2-40B4-BE49-F238E27FC236}">
-                <a16:creationId xmlns="" xmlns:a16="http://schemas.microsoft.com/office/drawing/2014/main" id="{2C3F7B3C-ABB9-335A-DB6D-DDD7A150B158}"/>
+                <a16:creationId xmlns:a16="http://schemas.microsoft.com/office/drawing/2014/main" id="{2C3F7B3C-ABB9-335A-DB6D-DDD7A150B158}"/>
               </a:ext>
             </a:extLst>
           </p:cNvPr>
@@ -5428,10 +5573,9 @@
           <a:lstStyle/>
           <a:p>
             <a:r>
-              <a:rPr lang="en-US" dirty="0" smtClean="0"/>
+              <a:rPr lang="en-US" dirty="0"/>
               <a:t>&gt;90%</a:t>
             </a:r>
-            <a:endParaRPr lang="en-US" dirty="0"/>
           </a:p>
         </p:txBody>
       </p:sp>
@@ -5507,10 +5651,9 @@
           <a:p>
             <a:pPr algn="ctr"/>
             <a:r>
-              <a:rPr lang="en-US" dirty="0" smtClean="0"/>
+              <a:rPr lang="en-US" dirty="0"/>
               <a:t>Tokenized yet?</a:t>
             </a:r>
-            <a:endParaRPr lang="en-US" dirty="0"/>
           </a:p>
         </p:txBody>
       </p:sp>
@@ -5519,7 +5662,7 @@
           <p:cNvPr id="38" name="TextBox 37">
             <a:extLst>
               <a:ext uri="{FF2B5EF4-FFF2-40B4-BE49-F238E27FC236}">
-                <a16:creationId xmlns="" xmlns:a16="http://schemas.microsoft.com/office/drawing/2014/main" id="{D0161953-B802-E031-9173-88AC95ED3465}"/>
+                <a16:creationId xmlns:a16="http://schemas.microsoft.com/office/drawing/2014/main" id="{D0161953-B802-E031-9173-88AC95ED3465}"/>
               </a:ext>
             </a:extLst>
           </p:cNvPr>
@@ -5562,10 +5705,9 @@
           <a:p>
             <a:pPr algn="ctr"/>
             <a:r>
-              <a:rPr lang="en-US" sz="2400" dirty="0" smtClean="0"/>
+              <a:rPr lang="en-US" sz="2400" dirty="0"/>
               <a:t>Not clone; discard</a:t>
             </a:r>
-            <a:endParaRPr lang="en-US" sz="2400" dirty="0"/>
           </a:p>
         </p:txBody>
       </p:sp>
@@ -5628,10 +5770,9 @@
           <a:lstStyle/>
           <a:p>
             <a:r>
-              <a:rPr lang="en-US" dirty="0" smtClean="0"/>
+              <a:rPr lang="en-US" dirty="0"/>
               <a:t>&lt;50%</a:t>
             </a:r>
-            <a:endParaRPr lang="en-US" dirty="0"/>
           </a:p>
         </p:txBody>
       </p:sp>
@@ -5658,10 +5799,9 @@
           <a:lstStyle/>
           <a:p>
             <a:r>
-              <a:rPr lang="en-US" dirty="0" smtClean="0"/>
+              <a:rPr lang="en-US" dirty="0"/>
               <a:t>50~90%</a:t>
             </a:r>
-            <a:endParaRPr lang="en-US" dirty="0"/>
           </a:p>
         </p:txBody>
       </p:sp>
@@ -5701,14 +5841,9 @@
           <a:p>
             <a:pPr algn="ctr"/>
             <a:r>
-              <a:rPr lang="en-US" dirty="0" smtClean="0"/>
-              <a:t>Tokenized </a:t>
-            </a:r>
-            <a:r>
-              <a:rPr lang="en-US" dirty="0" smtClean="0"/>
-              <a:t>yet?</a:t>
-            </a:r>
-            <a:endParaRPr lang="en-US" dirty="0"/>
+              <a:rPr lang="en-US" dirty="0"/>
+              <a:t>Tokenized yet?</a:t>
+            </a:r>
           </a:p>
         </p:txBody>
       </p:sp>
@@ -5791,7 +5926,7 @@
           <p:cNvPr id="74" name="TextBox 73">
             <a:extLst>
               <a:ext uri="{FF2B5EF4-FFF2-40B4-BE49-F238E27FC236}">
-                <a16:creationId xmlns="" xmlns:a16="http://schemas.microsoft.com/office/drawing/2014/main" id="{D0161953-B802-E031-9173-88AC95ED3465}"/>
+                <a16:creationId xmlns:a16="http://schemas.microsoft.com/office/drawing/2014/main" id="{D0161953-B802-E031-9173-88AC95ED3465}"/>
               </a:ext>
             </a:extLst>
           </p:cNvPr>
@@ -5834,10 +5969,9 @@
           <a:p>
             <a:pPr algn="ctr"/>
             <a:r>
-              <a:rPr lang="en-US" sz="2400" dirty="0" smtClean="0"/>
+              <a:rPr lang="en-US" sz="2400" dirty="0"/>
               <a:t>Start</a:t>
             </a:r>
-            <a:endParaRPr lang="en-US" sz="2400" dirty="0"/>
           </a:p>
         </p:txBody>
       </p:sp>
@@ -5936,10 +6070,9 @@
           <a:lstStyle/>
           <a:p>
             <a:r>
-              <a:rPr lang="en-US" dirty="0" smtClean="0"/>
+              <a:rPr lang="en-US" dirty="0"/>
               <a:t>Yes</a:t>
             </a:r>
-            <a:endParaRPr lang="en-US" dirty="0"/>
           </a:p>
         </p:txBody>
       </p:sp>
@@ -5966,10 +6099,9 @@
           <a:lstStyle/>
           <a:p>
             <a:r>
-              <a:rPr lang="en-US" dirty="0" smtClean="0"/>
+              <a:rPr lang="en-US" dirty="0"/>
               <a:t>No</a:t>
             </a:r>
-            <a:endParaRPr lang="en-US" dirty="0"/>
           </a:p>
         </p:txBody>
       </p:sp>
@@ -5978,7 +6110,7 @@
           <p:cNvPr id="96" name="TextBox 95">
             <a:extLst>
               <a:ext uri="{FF2B5EF4-FFF2-40B4-BE49-F238E27FC236}">
-                <a16:creationId xmlns="" xmlns:a16="http://schemas.microsoft.com/office/drawing/2014/main" id="{D0161953-B802-E031-9173-88AC95ED3465}"/>
+                <a16:creationId xmlns:a16="http://schemas.microsoft.com/office/drawing/2014/main" id="{D0161953-B802-E031-9173-88AC95ED3465}"/>
               </a:ext>
             </a:extLst>
           </p:cNvPr>
@@ -6017,10 +6149,9 @@
           <a:p>
             <a:pPr algn="ctr"/>
             <a:r>
-              <a:rPr lang="en-US" sz="2400" dirty="0" smtClean="0"/>
+              <a:rPr lang="en-US" sz="2400" dirty="0"/>
               <a:t>Type I</a:t>
             </a:r>
-            <a:endParaRPr lang="en-US" sz="2400" dirty="0"/>
           </a:p>
         </p:txBody>
       </p:sp>
@@ -6029,7 +6160,7 @@
           <p:cNvPr id="97" name="TextBox 96">
             <a:extLst>
               <a:ext uri="{FF2B5EF4-FFF2-40B4-BE49-F238E27FC236}">
-                <a16:creationId xmlns="" xmlns:a16="http://schemas.microsoft.com/office/drawing/2014/main" id="{D0161953-B802-E031-9173-88AC95ED3465}"/>
+                <a16:creationId xmlns:a16="http://schemas.microsoft.com/office/drawing/2014/main" id="{D0161953-B802-E031-9173-88AC95ED3465}"/>
               </a:ext>
             </a:extLst>
           </p:cNvPr>
@@ -6068,10 +6199,9 @@
           <a:p>
             <a:pPr algn="ctr"/>
             <a:r>
-              <a:rPr lang="en-US" sz="2400" dirty="0" smtClean="0"/>
+              <a:rPr lang="en-US" sz="2400" dirty="0"/>
               <a:t>Type II</a:t>
             </a:r>
-            <a:endParaRPr lang="en-US" sz="2400" dirty="0"/>
           </a:p>
         </p:txBody>
       </p:sp>
@@ -6206,10 +6336,9 @@
           <a:lstStyle/>
           <a:p>
             <a:r>
-              <a:rPr lang="en-US" dirty="0" smtClean="0"/>
+              <a:rPr lang="en-US" dirty="0"/>
               <a:t>Yes</a:t>
             </a:r>
-            <a:endParaRPr lang="en-US" dirty="0"/>
           </a:p>
         </p:txBody>
       </p:sp>
@@ -6236,10 +6365,9 @@
           <a:lstStyle/>
           <a:p>
             <a:r>
-              <a:rPr lang="en-US" dirty="0" smtClean="0"/>
+              <a:rPr lang="en-US" dirty="0"/>
               <a:t>No</a:t>
             </a:r>
-            <a:endParaRPr lang="en-US" dirty="0"/>
           </a:p>
         </p:txBody>
       </p:sp>
@@ -6278,7 +6406,7 @@
           <p:cNvPr id="2" name="Title 1">
             <a:extLst>
               <a:ext uri="{FF2B5EF4-FFF2-40B4-BE49-F238E27FC236}">
-                <a16:creationId xmlns="" xmlns:a16="http://schemas.microsoft.com/office/drawing/2014/main" id="{D0B87F8E-5D83-4513-9285-8A122C4A62CB}"/>
+                <a16:creationId xmlns:a16="http://schemas.microsoft.com/office/drawing/2014/main" id="{D0B87F8E-5D83-4513-9285-8A122C4A62CB}"/>
               </a:ext>
             </a:extLst>
           </p:cNvPr>
@@ -6311,7 +6439,7 @@
           <p:cNvPr id="5" name="Straight Connector 4">
             <a:extLst>
               <a:ext uri="{FF2B5EF4-FFF2-40B4-BE49-F238E27FC236}">
-                <a16:creationId xmlns="" xmlns:a16="http://schemas.microsoft.com/office/drawing/2014/main" id="{86EF85BD-B585-F4FA-AB4B-371C19D22622}"/>
+                <a16:creationId xmlns:a16="http://schemas.microsoft.com/office/drawing/2014/main" id="{86EF85BD-B585-F4FA-AB4B-371C19D22622}"/>
               </a:ext>
             </a:extLst>
           </p:cNvPr>
@@ -6355,7 +6483,7 @@
           <p:cNvPr id="4" name="TextBox 3">
             <a:extLst>
               <a:ext uri="{FF2B5EF4-FFF2-40B4-BE49-F238E27FC236}">
-                <a16:creationId xmlns="" xmlns:a16="http://schemas.microsoft.com/office/drawing/2014/main" id="{82DAD499-FD02-A701-175D-A67C401A6F59}"/>
+                <a16:creationId xmlns:a16="http://schemas.microsoft.com/office/drawing/2014/main" id="{82DAD499-FD02-A701-175D-A67C401A6F59}"/>
               </a:ext>
             </a:extLst>
           </p:cNvPr>
@@ -6486,7 +6614,7 @@
           <p:cNvPr id="2" name="Title 1">
             <a:extLst>
               <a:ext uri="{FF2B5EF4-FFF2-40B4-BE49-F238E27FC236}">
-                <a16:creationId xmlns="" xmlns:a16="http://schemas.microsoft.com/office/drawing/2014/main" id="{C522C03A-1F25-FFCB-9A59-564E472BE731}"/>
+                <a16:creationId xmlns:a16="http://schemas.microsoft.com/office/drawing/2014/main" id="{C522C03A-1F25-FFCB-9A59-564E472BE731}"/>
               </a:ext>
             </a:extLst>
           </p:cNvPr>
@@ -6514,7 +6642,7 @@
           <p:cNvPr id="3" name="Content Placeholder 2">
             <a:extLst>
               <a:ext uri="{FF2B5EF4-FFF2-40B4-BE49-F238E27FC236}">
-                <a16:creationId xmlns="" xmlns:a16="http://schemas.microsoft.com/office/drawing/2014/main" id="{4928701A-C732-A649-3B69-6F919769FA47}"/>
+                <a16:creationId xmlns:a16="http://schemas.microsoft.com/office/drawing/2014/main" id="{4928701A-C732-A649-3B69-6F919769FA47}"/>
               </a:ext>
             </a:extLst>
           </p:cNvPr>
@@ -6652,7 +6780,7 @@
           <p:cNvPr id="2" name="Title 1">
             <a:extLst>
               <a:ext uri="{FF2B5EF4-FFF2-40B4-BE49-F238E27FC236}">
-                <a16:creationId xmlns="" xmlns:a16="http://schemas.microsoft.com/office/drawing/2014/main" id="{C522C03A-1F25-FFCB-9A59-564E472BE731}"/>
+                <a16:creationId xmlns:a16="http://schemas.microsoft.com/office/drawing/2014/main" id="{C522C03A-1F25-FFCB-9A59-564E472BE731}"/>
               </a:ext>
             </a:extLst>
           </p:cNvPr>
@@ -6683,7 +6811,7 @@
           <p:cNvPr id="3" name="Content Placeholder 2">
             <a:extLst>
               <a:ext uri="{FF2B5EF4-FFF2-40B4-BE49-F238E27FC236}">
-                <a16:creationId xmlns="" xmlns:a16="http://schemas.microsoft.com/office/drawing/2014/main" id="{4928701A-C732-A649-3B69-6F919769FA47}"/>
+                <a16:creationId xmlns:a16="http://schemas.microsoft.com/office/drawing/2014/main" id="{4928701A-C732-A649-3B69-6F919769FA47}"/>
               </a:ext>
             </a:extLst>
           </p:cNvPr>
@@ -6766,7 +6894,7 @@
           <p:cNvPr id="2" name="Title 1">
             <a:extLst>
               <a:ext uri="{FF2B5EF4-FFF2-40B4-BE49-F238E27FC236}">
-                <a16:creationId xmlns="" xmlns:a16="http://schemas.microsoft.com/office/drawing/2014/main" id="{82A22F9F-30AD-859E-B701-92F7A256856D}"/>
+                <a16:creationId xmlns:a16="http://schemas.microsoft.com/office/drawing/2014/main" id="{82A22F9F-30AD-859E-B701-92F7A256856D}"/>
               </a:ext>
             </a:extLst>
           </p:cNvPr>
@@ -6798,7 +6926,7 @@
               <p:cNvPr id="3" name="Content Placeholder 2">
                 <a:extLst>
                   <a:ext uri="{FF2B5EF4-FFF2-40B4-BE49-F238E27FC236}">
-                    <a16:creationId xmlns="" xmlns:a16="http://schemas.microsoft.com/office/drawing/2014/main" id="{49BF805F-408E-585C-FCBE-9B0FA5EA3A8C}"/>
+                    <a16:creationId xmlns:a16="http://schemas.microsoft.com/office/drawing/2014/main" id="{49BF805F-408E-585C-FCBE-9B0FA5EA3A8C}"/>
                   </a:ext>
                 </a:extLst>
               </p:cNvPr>
@@ -6822,7 +6950,7 @@
               <a:lstStyle/>
               <a:p>
                 <a:r>
-                  <a:rPr lang="en-US" sz="3200" dirty="0" smtClean="0"/>
+                  <a:rPr lang="en-US" sz="3200" dirty="0"/>
                   <a:t>We can approximate how close two blocks of code are by computing string similarity on just the hash codes from LSH.</a:t>
                 </a:r>
               </a:p>
@@ -6830,15 +6958,7 @@
                 <a:pPr lvl="1"/>
                 <a:r>
                   <a:rPr lang="en-US" sz="2800" dirty="0"/>
-                  <a:t>It is much cheaper than checking </a:t>
-                </a:r>
-                <a:r>
-                  <a:rPr lang="en-US" sz="2800" dirty="0" smtClean="0"/>
-                  <a:t>the </a:t>
-                </a:r>
-                <a:r>
-                  <a:rPr lang="en-US" sz="2800" dirty="0"/>
-                  <a:t>whole </a:t>
+                  <a:t>It is much cheaper than checking the whole </a:t>
                 </a:r>
                 <a:r>
                   <a:rPr lang="en-US" sz="2800" dirty="0" err="1"/>
@@ -6876,11 +6996,7 @@
                 </a:r>
                 <a:r>
                   <a:rPr lang="en-US" sz="3200" dirty="0"/>
-                  <a:t> </a:t>
-                </a:r>
-                <a:r>
-                  <a:rPr lang="en-US" sz="3200" dirty="0" smtClean="0"/>
-                  <a:t>(</a:t>
+                  <a:t> (</a:t>
                 </a:r>
                 <a:r>
                   <a:rPr lang="en-US" sz="3200" dirty="0" err="1">
@@ -6898,21 +7014,17 @@
                 <a:pPr lvl="1"/>
                 <a:r>
                   <a:rPr lang="en-US" sz="2800" dirty="0"/>
-                  <a:t>Distance = # of edits needed to convert s1 into </a:t>
-                </a:r>
-                <a:r>
-                  <a:rPr lang="en-US" sz="2800" dirty="0" smtClean="0"/>
-                  <a:t>s2</a:t>
+                  <a:t>Distance = # of edits needed to convert s1 into s2</a:t>
                 </a:r>
               </a:p>
               <a:p>
                 <a:pPr lvl="1"/>
                 <a:r>
-                  <a:rPr lang="en-US" sz="2800" dirty="0" smtClean="0"/>
+                  <a:rPr lang="en-US" sz="2800" dirty="0"/>
                   <a:t>Edits = </a:t>
                 </a:r>
                 <a:r>
-                  <a:rPr lang="en-US" sz="2800" dirty="0" smtClean="0">
+                  <a:rPr lang="en-US" sz="2800" dirty="0">
                     <a:solidFill>
                       <a:schemeClr val="accent5"/>
                     </a:solidFill>
@@ -6920,11 +7032,11 @@
                   <a:t>change</a:t>
                 </a:r>
                 <a:r>
-                  <a:rPr lang="en-US" sz="2800" dirty="0" smtClean="0"/>
+                  <a:rPr lang="en-US" sz="2800" dirty="0"/>
                   <a:t>, </a:t>
                 </a:r>
                 <a:r>
-                  <a:rPr lang="en-US" sz="2800" dirty="0" smtClean="0">
+                  <a:rPr lang="en-US" sz="2800" dirty="0">
                     <a:solidFill>
                       <a:schemeClr val="accent6"/>
                     </a:solidFill>
@@ -6932,11 +7044,11 @@
                   <a:t>add</a:t>
                 </a:r>
                 <a:r>
-                  <a:rPr lang="en-US" sz="2800" dirty="0" smtClean="0"/>
+                  <a:rPr lang="en-US" sz="2800" dirty="0"/>
                   <a:t>, or </a:t>
                 </a:r>
                 <a:r>
-                  <a:rPr lang="en-US" sz="2800" dirty="0" smtClean="0">
+                  <a:rPr lang="en-US" sz="2800" dirty="0">
                     <a:solidFill>
                       <a:srgbClr val="FF0000"/>
                     </a:solidFill>
@@ -6944,7 +7056,7 @@
                   <a:t>delete</a:t>
                 </a:r>
                 <a:r>
-                  <a:rPr lang="en-US" sz="2800" dirty="0" smtClean="0"/>
+                  <a:rPr lang="en-US" sz="2800" dirty="0"/>
                   <a:t> one character.</a:t>
                 </a:r>
               </a:p>
@@ -7051,7 +7163,7 @@
                     </m:f>
                   </m:oMath>
                 </a14:m>
-                <a:endParaRPr lang="en-US" sz="2800" dirty="0" smtClean="0"/>
+                <a:endParaRPr lang="en-US" sz="2800" dirty="0"/>
               </a:p>
             </p:txBody>
           </p:sp>
@@ -7104,6 +7216,248 @@
     <p:extLst>
       <p:ext uri="{BB962C8B-B14F-4D97-AF65-F5344CB8AC3E}">
         <p14:creationId xmlns:p14="http://schemas.microsoft.com/office/powerpoint/2010/main" val="2475185730"/>
+      </p:ext>
+    </p:extLst>
+  </p:cSld>
+  <p:clrMapOvr>
+    <a:masterClrMapping/>
+  </p:clrMapOvr>
+</p:sld>
+</file>
+
+<file path=ppt/slides/slide8.xml><?xml version="1.0" encoding="utf-8"?>
+<p:sld xmlns:a="http://schemas.openxmlformats.org/drawingml/2006/main" xmlns:r="http://schemas.openxmlformats.org/officeDocument/2006/relationships" xmlns:p="http://schemas.openxmlformats.org/presentationml/2006/main">
+  <p:cSld>
+    <p:spTree>
+      <p:nvGrpSpPr>
+        <p:cNvPr id="1" name=""/>
+        <p:cNvGrpSpPr/>
+        <p:nvPr/>
+      </p:nvGrpSpPr>
+      <p:grpSpPr>
+        <a:xfrm>
+          <a:off x="0" y="0"/>
+          <a:ext cx="0" cy="0"/>
+          <a:chOff x="0" y="0"/>
+          <a:chExt cx="0" cy="0"/>
+        </a:xfrm>
+      </p:grpSpPr>
+      <p:sp>
+        <p:nvSpPr>
+          <p:cNvPr id="2" name="Title 1">
+            <a:extLst>
+              <a:ext uri="{FF2B5EF4-FFF2-40B4-BE49-F238E27FC236}">
+                <a16:creationId xmlns:a16="http://schemas.microsoft.com/office/drawing/2014/main" id="{82A22F9F-30AD-859E-B701-92F7A256856D}"/>
+              </a:ext>
+            </a:extLst>
+          </p:cNvPr>
+          <p:cNvSpPr>
+            <a:spLocks noGrp="1"/>
+          </p:cNvSpPr>
+          <p:nvPr>
+            <p:ph type="title"/>
+          </p:nvPr>
+        </p:nvSpPr>
+        <p:spPr/>
+        <p:txBody>
+          <a:bodyPr>
+            <a:noAutofit/>
+          </a:bodyPr>
+          <a:lstStyle/>
+          <a:p>
+            <a:r>
+              <a:rPr lang="en-US" dirty="0"/>
+              <a:t>Tokenizer</a:t>
+            </a:r>
+          </a:p>
+        </p:txBody>
+      </p:sp>
+      <p:sp>
+        <p:nvSpPr>
+          <p:cNvPr id="3" name="Content Placeholder 2">
+            <a:extLst>
+              <a:ext uri="{FF2B5EF4-FFF2-40B4-BE49-F238E27FC236}">
+                <a16:creationId xmlns:a16="http://schemas.microsoft.com/office/drawing/2014/main" id="{49BF805F-408E-585C-FCBE-9B0FA5EA3A8C}"/>
+              </a:ext>
+            </a:extLst>
+          </p:cNvPr>
+          <p:cNvSpPr>
+            <a:spLocks noGrp="1"/>
+          </p:cNvSpPr>
+          <p:nvPr>
+            <p:ph idx="1"/>
+          </p:nvPr>
+        </p:nvSpPr>
+        <p:spPr>
+          <a:xfrm>
+            <a:off x="838200" y="1635620"/>
+            <a:ext cx="10515600" cy="4515798"/>
+          </a:xfrm>
+        </p:spPr>
+        <p:txBody>
+          <a:bodyPr>
+            <a:normAutofit/>
+          </a:bodyPr>
+          <a:lstStyle/>
+          <a:p>
+            <a:r>
+              <a:rPr lang="en-US" dirty="0"/>
+              <a:t>The tokenizer is very basic, all it does is remove inconsistencies in variable/function names</a:t>
+            </a:r>
+          </a:p>
+          <a:p>
+            <a:r>
+              <a:rPr lang="en-US" dirty="0"/>
+              <a:t>It does this utilizing pythons tokenize library and replaces the names of variables with a consistent naming scheme</a:t>
+            </a:r>
+          </a:p>
+          <a:p>
+            <a:pPr lvl="1"/>
+            <a:r>
+              <a:rPr lang="en-US" dirty="0"/>
+              <a:t>This will even include things like print or type statements.</a:t>
+            </a:r>
+          </a:p>
+          <a:p>
+            <a:r>
+              <a:rPr lang="en-US" dirty="0"/>
+              <a:t>As of right now it only supports python, but it can be easily expanded in the future to include other languages</a:t>
+            </a:r>
+          </a:p>
+          <a:p>
+            <a:pPr lvl="1"/>
+            <a:r>
+              <a:rPr lang="en-US" dirty="0"/>
+              <a:t>Such as C, for which there is a similar library</a:t>
+            </a:r>
+          </a:p>
+        </p:txBody>
+      </p:sp>
+    </p:spTree>
+    <p:extLst>
+      <p:ext uri="{BB962C8B-B14F-4D97-AF65-F5344CB8AC3E}">
+        <p14:creationId xmlns:p14="http://schemas.microsoft.com/office/powerpoint/2010/main" val="4123943842"/>
+      </p:ext>
+    </p:extLst>
+  </p:cSld>
+  <p:clrMapOvr>
+    <a:masterClrMapping/>
+  </p:clrMapOvr>
+</p:sld>
+</file>
+
+<file path=ppt/slides/slide9.xml><?xml version="1.0" encoding="utf-8"?>
+<p:sld xmlns:a="http://schemas.openxmlformats.org/drawingml/2006/main" xmlns:r="http://schemas.openxmlformats.org/officeDocument/2006/relationships" xmlns:p="http://schemas.openxmlformats.org/presentationml/2006/main">
+  <p:cSld>
+    <p:spTree>
+      <p:nvGrpSpPr>
+        <p:cNvPr id="1" name=""/>
+        <p:cNvGrpSpPr/>
+        <p:nvPr/>
+      </p:nvGrpSpPr>
+      <p:grpSpPr>
+        <a:xfrm>
+          <a:off x="0" y="0"/>
+          <a:ext cx="0" cy="0"/>
+          <a:chOff x="0" y="0"/>
+          <a:chExt cx="0" cy="0"/>
+        </a:xfrm>
+      </p:grpSpPr>
+      <p:sp>
+        <p:nvSpPr>
+          <p:cNvPr id="2" name="Title 1">
+            <a:extLst>
+              <a:ext uri="{FF2B5EF4-FFF2-40B4-BE49-F238E27FC236}">
+                <a16:creationId xmlns:a16="http://schemas.microsoft.com/office/drawing/2014/main" id="{82A22F9F-30AD-859E-B701-92F7A256856D}"/>
+              </a:ext>
+            </a:extLst>
+          </p:cNvPr>
+          <p:cNvSpPr>
+            <a:spLocks noGrp="1"/>
+          </p:cNvSpPr>
+          <p:nvPr>
+            <p:ph type="title"/>
+          </p:nvPr>
+        </p:nvSpPr>
+        <p:spPr/>
+        <p:txBody>
+          <a:bodyPr>
+            <a:noAutofit/>
+          </a:bodyPr>
+          <a:lstStyle/>
+          <a:p>
+            <a:r>
+              <a:rPr lang="en-US" dirty="0"/>
+              <a:t>Test Data</a:t>
+            </a:r>
+          </a:p>
+        </p:txBody>
+      </p:sp>
+      <p:sp>
+        <p:nvSpPr>
+          <p:cNvPr id="3" name="Content Placeholder 2">
+            <a:extLst>
+              <a:ext uri="{FF2B5EF4-FFF2-40B4-BE49-F238E27FC236}">
+                <a16:creationId xmlns:a16="http://schemas.microsoft.com/office/drawing/2014/main" id="{49BF805F-408E-585C-FCBE-9B0FA5EA3A8C}"/>
+              </a:ext>
+            </a:extLst>
+          </p:cNvPr>
+          <p:cNvSpPr>
+            <a:spLocks noGrp="1"/>
+          </p:cNvSpPr>
+          <p:nvPr>
+            <p:ph idx="1"/>
+          </p:nvPr>
+        </p:nvSpPr>
+        <p:spPr>
+          <a:xfrm>
+            <a:off x="838200" y="1635620"/>
+            <a:ext cx="10515600" cy="4515798"/>
+          </a:xfrm>
+        </p:spPr>
+        <p:txBody>
+          <a:bodyPr>
+            <a:normAutofit/>
+          </a:bodyPr>
+          <a:lstStyle/>
+          <a:p>
+            <a:r>
+              <a:rPr lang="en-US" dirty="0"/>
+              <a:t>Our method was tested with a dataset extracted rom the competitive programming site https://atcoder.jp/.</a:t>
+            </a:r>
+          </a:p>
+          <a:p>
+            <a:r>
+              <a:rPr lang="en-US" dirty="0"/>
+              <a:t>All the data is on our </a:t>
+            </a:r>
+            <a:r>
+              <a:rPr lang="en-US" dirty="0" err="1"/>
+              <a:t>github</a:t>
+            </a:r>
+            <a:r>
+              <a:rPr lang="en-US" dirty="0"/>
+              <a:t> page under dataset</a:t>
+            </a:r>
+          </a:p>
+          <a:p>
+            <a:r>
+              <a:rPr lang="en-US" dirty="0"/>
+              <a:t>The dataset primarily consists of python code submitted to competitions and is organized by event</a:t>
+            </a:r>
+          </a:p>
+          <a:p>
+            <a:endParaRPr lang="en-US" dirty="0"/>
+          </a:p>
+          <a:p>
+            <a:endParaRPr lang="en-US" dirty="0"/>
+          </a:p>
+        </p:txBody>
+      </p:sp>
+    </p:spTree>
+    <p:extLst>
+      <p:ext uri="{BB962C8B-B14F-4D97-AF65-F5344CB8AC3E}">
+        <p14:creationId xmlns:p14="http://schemas.microsoft.com/office/powerpoint/2010/main" val="1550236583"/>
       </p:ext>
     </p:extLst>
   </p:cSld>

--- a/presentation.pptx
+++ b/presentation.pptx
@@ -5465,8 +5465,12 @@
           <a:p>
             <a:pPr algn="ctr"/>
             <a:r>
+              <a:rPr lang="en-US" b="1" dirty="0"/>
+              <a:t>Hash similarity</a:t>
+            </a:r>
+            <a:r>
               <a:rPr lang="en-US" dirty="0"/>
-              <a:t>Hash similarity?</a:t>
+              <a:t>?</a:t>
             </a:r>
           </a:p>
         </p:txBody>
@@ -5651,7 +5655,7 @@
           <a:p>
             <a:pPr algn="ctr"/>
             <a:r>
-              <a:rPr lang="en-US" dirty="0"/>
+              <a:rPr lang="en-US" b="1" dirty="0"/>
               <a:t>Tokenized yet?</a:t>
             </a:r>
           </a:p>
@@ -5841,7 +5845,7 @@
           <a:p>
             <a:pPr algn="ctr"/>
             <a:r>
-              <a:rPr lang="en-US" dirty="0"/>
+              <a:rPr lang="en-US" b="1" dirty="0"/>
               <a:t>Tokenized yet?</a:t>
             </a:r>
           </a:p>
